--- a/flutter.pptx
+++ b/flutter.pptx
@@ -5,27 +5,27 @@
     <p:sldMasterId id="2147483648" r:id="rId1"/>
   </p:sldMasterIdLst>
   <p:notesMasterIdLst>
-    <p:notesMasterId r:id="rId4"/>
+    <p:notesMasterId r:id="rId20"/>
   </p:notesMasterIdLst>
   <p:sldIdLst>
-    <p:sldId id="257" r:id="rId3"/>
-    <p:sldId id="270" r:id="rId5"/>
-    <p:sldId id="273" r:id="rId6"/>
-    <p:sldId id="267" r:id="rId7"/>
-    <p:sldId id="276" r:id="rId8"/>
-    <p:sldId id="278" r:id="rId9"/>
-    <p:sldId id="279" r:id="rId10"/>
-    <p:sldId id="281" r:id="rId11"/>
-    <p:sldId id="282" r:id="rId12"/>
-    <p:sldId id="283" r:id="rId13"/>
-    <p:sldId id="286" r:id="rId14"/>
-    <p:sldId id="287" r:id="rId15"/>
-    <p:sldId id="288" r:id="rId16"/>
-    <p:sldId id="285" r:id="rId17"/>
-    <p:sldId id="299" r:id="rId18"/>
-    <p:sldId id="298" r:id="rId19"/>
-    <p:sldId id="297" r:id="rId20"/>
-    <p:sldId id="296" r:id="rId21"/>
+    <p:sldId id="257" r:id="rId2"/>
+    <p:sldId id="270" r:id="rId3"/>
+    <p:sldId id="273" r:id="rId4"/>
+    <p:sldId id="267" r:id="rId5"/>
+    <p:sldId id="276" r:id="rId6"/>
+    <p:sldId id="278" r:id="rId7"/>
+    <p:sldId id="279" r:id="rId8"/>
+    <p:sldId id="281" r:id="rId9"/>
+    <p:sldId id="282" r:id="rId10"/>
+    <p:sldId id="300" r:id="rId11"/>
+    <p:sldId id="283" r:id="rId12"/>
+    <p:sldId id="286" r:id="rId13"/>
+    <p:sldId id="287" r:id="rId14"/>
+    <p:sldId id="288" r:id="rId15"/>
+    <p:sldId id="285" r:id="rId16"/>
+    <p:sldId id="301" r:id="rId17"/>
+    <p:sldId id="302" r:id="rId18"/>
+    <p:sldId id="297" r:id="rId19"/>
   </p:sldIdLst>
   <p:sldSz cx="12192000" cy="6858000"/>
   <p:notesSz cx="6858000" cy="9144000"/>
@@ -124,6 +124,11 @@
       </a:defRPr>
     </a:lvl9pPr>
   </p:defaultTextStyle>
+  <p:extLst>
+    <p:ext uri="{EFAFB233-063F-42B5-8137-9DF3F51BA10A}">
+      <p15:sldGuideLst xmlns:p15="http://schemas.microsoft.com/office/powerpoint/2012/main"/>
+    </p:ext>
+  </p:extLst>
 </p:presentation>
 </file>
 
@@ -209,6 +214,7 @@
           <a:p>
             <a:fld id="{78B39D04-F193-4328-B6D3-54D12FA06902}" type="datetimeFigureOut">
               <a:rPr lang="zh-CN" altLang="en-US" smtClean="0"/>
+              <a:t>2020/7/3</a:t>
             </a:fld>
             <a:endParaRPr lang="zh-CN" altLang="en-US"/>
           </a:p>
@@ -272,42 +278,37 @@
           <a:p>
             <a:pPr lvl="0"/>
             <a:r>
-              <a:rPr lang="zh-CN" altLang="en-US" smtClean="0"/>
+              <a:rPr lang="zh-CN" altLang="en-US"/>
               <a:t>单击此处编辑母版文本样式</a:t>
             </a:r>
-            <a:endParaRPr lang="zh-CN" altLang="en-US" smtClean="0"/>
           </a:p>
           <a:p>
             <a:pPr lvl="1"/>
             <a:r>
-              <a:rPr lang="zh-CN" altLang="en-US" smtClean="0"/>
+              <a:rPr lang="zh-CN" altLang="en-US"/>
               <a:t>第二级</a:t>
             </a:r>
-            <a:endParaRPr lang="zh-CN" altLang="en-US" smtClean="0"/>
           </a:p>
           <a:p>
             <a:pPr lvl="2"/>
             <a:r>
-              <a:rPr lang="zh-CN" altLang="en-US" smtClean="0"/>
+              <a:rPr lang="zh-CN" altLang="en-US"/>
               <a:t>第三级</a:t>
             </a:r>
-            <a:endParaRPr lang="zh-CN" altLang="en-US" smtClean="0"/>
           </a:p>
           <a:p>
             <a:pPr lvl="3"/>
             <a:r>
-              <a:rPr lang="zh-CN" altLang="en-US" smtClean="0"/>
+              <a:rPr lang="zh-CN" altLang="en-US"/>
               <a:t>第四级</a:t>
             </a:r>
-            <a:endParaRPr lang="zh-CN" altLang="en-US" smtClean="0"/>
           </a:p>
           <a:p>
             <a:pPr lvl="4"/>
             <a:r>
-              <a:rPr lang="zh-CN" altLang="en-US" smtClean="0"/>
+              <a:rPr lang="zh-CN" altLang="en-US"/>
               <a:t>第五级</a:t>
             </a:r>
-            <a:endParaRPr lang="zh-CN" altLang="en-US"/>
           </a:p>
         </p:txBody>
       </p:sp>
@@ -371,6 +372,7 @@
           <a:p>
             <a:fld id="{08EF7462-3607-4E13-84EA-4F7E1CCFD4AE}" type="slidenum">
               <a:rPr lang="zh-CN" altLang="en-US" smtClean="0"/>
+              <a:t>‹#›</a:t>
             </a:fld>
             <a:endParaRPr lang="zh-CN" altLang="en-US"/>
           </a:p>
@@ -539,6 +541,7 @@
           <a:p>
             <a:fld id="{A8D1B306-BE4F-4CF5-8101-4786E3C6C364}" type="slidenum">
               <a:rPr lang="zh-CN" altLang="en-US" smtClean="0"/>
+              <a:t>1</a:t>
             </a:fld>
             <a:endParaRPr lang="zh-CN" altLang="en-US"/>
           </a:p>
@@ -617,12 +620,18 @@
           <a:p>
             <a:fld id="{4138054E-0742-4BBE-99BA-1BB7577B901B}" type="slidenum">
               <a:rPr lang="zh-CN" altLang="en-US" smtClean="0"/>
+              <a:t>10</a:t>
             </a:fld>
             <a:endParaRPr lang="zh-CN" altLang="en-US"/>
           </a:p>
         </p:txBody>
       </p:sp>
     </p:spTree>
+    <p:extLst>
+      <p:ext uri="{BB962C8B-B14F-4D97-AF65-F5344CB8AC3E}">
+        <p14:creationId xmlns:p14="http://schemas.microsoft.com/office/powerpoint/2010/main" val="3749832134"/>
+      </p:ext>
+    </p:extLst>
   </p:cSld>
   <p:clrMapOvr>
     <a:masterClrMapping/>
@@ -695,6 +704,7 @@
           <a:p>
             <a:fld id="{4138054E-0742-4BBE-99BA-1BB7577B901B}" type="slidenum">
               <a:rPr lang="zh-CN" altLang="en-US" smtClean="0"/>
+              <a:t>11</a:t>
             </a:fld>
             <a:endParaRPr lang="zh-CN" altLang="en-US"/>
           </a:p>
@@ -773,6 +783,7 @@
           <a:p>
             <a:fld id="{4138054E-0742-4BBE-99BA-1BB7577B901B}" type="slidenum">
               <a:rPr lang="zh-CN" altLang="en-US" smtClean="0"/>
+              <a:t>12</a:t>
             </a:fld>
             <a:endParaRPr lang="zh-CN" altLang="en-US"/>
           </a:p>
@@ -851,6 +862,7 @@
           <a:p>
             <a:fld id="{4138054E-0742-4BBE-99BA-1BB7577B901B}" type="slidenum">
               <a:rPr lang="zh-CN" altLang="en-US" smtClean="0"/>
+              <a:t>13</a:t>
             </a:fld>
             <a:endParaRPr lang="zh-CN" altLang="en-US"/>
           </a:p>
@@ -929,6 +941,7 @@
           <a:p>
             <a:fld id="{4138054E-0742-4BBE-99BA-1BB7577B901B}" type="slidenum">
               <a:rPr lang="zh-CN" altLang="en-US" smtClean="0"/>
+              <a:t>14</a:t>
             </a:fld>
             <a:endParaRPr lang="zh-CN" altLang="en-US"/>
           </a:p>
@@ -1007,6 +1020,7 @@
           <a:p>
             <a:fld id="{4138054E-0742-4BBE-99BA-1BB7577B901B}" type="slidenum">
               <a:rPr lang="zh-CN" altLang="en-US" smtClean="0"/>
+              <a:t>15</a:t>
             </a:fld>
             <a:endParaRPr lang="zh-CN" altLang="en-US"/>
           </a:p>
@@ -1085,12 +1099,18 @@
           <a:p>
             <a:fld id="{4138054E-0742-4BBE-99BA-1BB7577B901B}" type="slidenum">
               <a:rPr lang="zh-CN" altLang="en-US" smtClean="0"/>
+              <a:t>16</a:t>
             </a:fld>
             <a:endParaRPr lang="zh-CN" altLang="en-US"/>
           </a:p>
         </p:txBody>
       </p:sp>
     </p:spTree>
+    <p:extLst>
+      <p:ext uri="{BB962C8B-B14F-4D97-AF65-F5344CB8AC3E}">
+        <p14:creationId xmlns:p14="http://schemas.microsoft.com/office/powerpoint/2010/main" val="1458625893"/>
+      </p:ext>
+    </p:extLst>
   </p:cSld>
   <p:clrMapOvr>
     <a:masterClrMapping/>
@@ -1163,12 +1183,18 @@
           <a:p>
             <a:fld id="{4138054E-0742-4BBE-99BA-1BB7577B901B}" type="slidenum">
               <a:rPr lang="zh-CN" altLang="en-US" smtClean="0"/>
+              <a:t>17</a:t>
             </a:fld>
             <a:endParaRPr lang="zh-CN" altLang="en-US"/>
           </a:p>
         </p:txBody>
       </p:sp>
     </p:spTree>
+    <p:extLst>
+      <p:ext uri="{BB962C8B-B14F-4D97-AF65-F5344CB8AC3E}">
+        <p14:creationId xmlns:p14="http://schemas.microsoft.com/office/powerpoint/2010/main" val="468121956"/>
+      </p:ext>
+    </p:extLst>
   </p:cSld>
   <p:clrMapOvr>
     <a:masterClrMapping/>
@@ -1239,8 +1265,9 @@
           <a:bodyPr/>
           <a:lstStyle/>
           <a:p>
-            <a:fld id="{A8D1B306-BE4F-4CF5-8101-4786E3C6C364}" type="slidenum">
+            <a:fld id="{4138054E-0742-4BBE-99BA-1BB7577B901B}" type="slidenum">
               <a:rPr lang="zh-CN" altLang="en-US" smtClean="0"/>
+              <a:t>18</a:t>
             </a:fld>
             <a:endParaRPr lang="zh-CN" altLang="en-US"/>
           </a:p>
@@ -1319,6 +1346,7 @@
           <a:p>
             <a:fld id="{A8D1B306-BE4F-4CF5-8101-4786E3C6C364}" type="slidenum">
               <a:rPr lang="zh-CN" altLang="en-US" smtClean="0"/>
+              <a:t>2</a:t>
             </a:fld>
             <a:endParaRPr lang="zh-CN" altLang="en-US"/>
           </a:p>
@@ -1397,6 +1425,7 @@
           <a:p>
             <a:fld id="{A8D1B306-BE4F-4CF5-8101-4786E3C6C364}" type="slidenum">
               <a:rPr lang="zh-CN" altLang="en-US" smtClean="0"/>
+              <a:t>3</a:t>
             </a:fld>
             <a:endParaRPr lang="zh-CN" altLang="en-US"/>
           </a:p>
@@ -1475,6 +1504,7 @@
           <a:p>
             <a:fld id="{4138054E-0742-4BBE-99BA-1BB7577B901B}" type="slidenum">
               <a:rPr lang="zh-CN" altLang="en-US" smtClean="0"/>
+              <a:t>4</a:t>
             </a:fld>
             <a:endParaRPr lang="zh-CN" altLang="en-US"/>
           </a:p>
@@ -1553,6 +1583,7 @@
           <a:p>
             <a:fld id="{4138054E-0742-4BBE-99BA-1BB7577B901B}" type="slidenum">
               <a:rPr lang="zh-CN" altLang="en-US" smtClean="0"/>
+              <a:t>5</a:t>
             </a:fld>
             <a:endParaRPr lang="zh-CN" altLang="en-US"/>
           </a:p>
@@ -1631,6 +1662,7 @@
           <a:p>
             <a:fld id="{4138054E-0742-4BBE-99BA-1BB7577B901B}" type="slidenum">
               <a:rPr lang="zh-CN" altLang="en-US" smtClean="0"/>
+              <a:t>6</a:t>
             </a:fld>
             <a:endParaRPr lang="zh-CN" altLang="en-US"/>
           </a:p>
@@ -1709,6 +1741,7 @@
           <a:p>
             <a:fld id="{4138054E-0742-4BBE-99BA-1BB7577B901B}" type="slidenum">
               <a:rPr lang="zh-CN" altLang="en-US" smtClean="0"/>
+              <a:t>7</a:t>
             </a:fld>
             <a:endParaRPr lang="zh-CN" altLang="en-US"/>
           </a:p>
@@ -1787,6 +1820,7 @@
           <a:p>
             <a:fld id="{4138054E-0742-4BBE-99BA-1BB7577B901B}" type="slidenum">
               <a:rPr lang="zh-CN" altLang="en-US" smtClean="0"/>
+              <a:t>8</a:t>
             </a:fld>
             <a:endParaRPr lang="zh-CN" altLang="en-US"/>
           </a:p>
@@ -1865,6 +1899,7 @@
           <a:p>
             <a:fld id="{4138054E-0742-4BBE-99BA-1BB7577B901B}" type="slidenum">
               <a:rPr lang="zh-CN" altLang="en-US" smtClean="0"/>
+              <a:t>9</a:t>
             </a:fld>
             <a:endParaRPr lang="zh-CN" altLang="en-US"/>
           </a:p>
@@ -1920,10 +1955,9 @@
           </a:lstStyle>
           <a:p>
             <a:r>
-              <a:rPr lang="zh-CN" altLang="en-US" smtClean="0"/>
+              <a:rPr lang="zh-CN" altLang="en-US"/>
               <a:t>单击此处编辑母版标题样式</a:t>
             </a:r>
-            <a:endParaRPr lang="zh-CN" altLang="en-US"/>
           </a:p>
         </p:txBody>
       </p:sp>
@@ -1985,10 +2019,9 @@
           </a:lstStyle>
           <a:p>
             <a:r>
-              <a:rPr lang="zh-CN" altLang="en-US" smtClean="0"/>
+              <a:rPr lang="zh-CN" altLang="en-US"/>
               <a:t>单击此处编辑母版副标题样式</a:t>
             </a:r>
-            <a:endParaRPr lang="zh-CN" altLang="en-US"/>
           </a:p>
         </p:txBody>
       </p:sp>
@@ -2009,6 +2042,7 @@
           <a:p>
             <a:fld id="{B430C919-4259-44D8-9515-E071E808EC53}" type="datetimeFigureOut">
               <a:rPr lang="zh-CN" altLang="en-US" smtClean="0"/>
+              <a:t>2020/7/3</a:t>
             </a:fld>
             <a:endParaRPr lang="zh-CN" altLang="en-US"/>
           </a:p>
@@ -2050,6 +2084,7 @@
           <a:p>
             <a:fld id="{28E086FE-13CF-45F4-9E4D-544AD019AE69}" type="slidenum">
               <a:rPr lang="zh-CN" altLang="en-US" smtClean="0"/>
+              <a:t>‹#›</a:t>
             </a:fld>
             <a:endParaRPr lang="zh-CN" altLang="en-US"/>
           </a:p>
@@ -2096,10 +2131,9 @@
           <a:lstStyle/>
           <a:p>
             <a:r>
-              <a:rPr lang="zh-CN" altLang="en-US" smtClean="0"/>
+              <a:rPr lang="zh-CN" altLang="en-US"/>
               <a:t>单击此处编辑母版标题样式</a:t>
             </a:r>
-            <a:endParaRPr lang="zh-CN" altLang="en-US"/>
           </a:p>
         </p:txBody>
       </p:sp>
@@ -2120,42 +2154,37 @@
           <a:p>
             <a:pPr lvl="0"/>
             <a:r>
-              <a:rPr lang="zh-CN" altLang="en-US" smtClean="0"/>
+              <a:rPr lang="zh-CN" altLang="en-US"/>
               <a:t>单击此处编辑母版文本样式</a:t>
             </a:r>
-            <a:endParaRPr lang="zh-CN" altLang="en-US" smtClean="0"/>
           </a:p>
           <a:p>
             <a:pPr lvl="1"/>
             <a:r>
-              <a:rPr lang="zh-CN" altLang="en-US" smtClean="0"/>
+              <a:rPr lang="zh-CN" altLang="en-US"/>
               <a:t>第二级</a:t>
             </a:r>
-            <a:endParaRPr lang="zh-CN" altLang="en-US" smtClean="0"/>
           </a:p>
           <a:p>
             <a:pPr lvl="2"/>
             <a:r>
-              <a:rPr lang="zh-CN" altLang="en-US" smtClean="0"/>
+              <a:rPr lang="zh-CN" altLang="en-US"/>
               <a:t>第三级</a:t>
             </a:r>
-            <a:endParaRPr lang="zh-CN" altLang="en-US" smtClean="0"/>
           </a:p>
           <a:p>
             <a:pPr lvl="3"/>
             <a:r>
-              <a:rPr lang="zh-CN" altLang="en-US" smtClean="0"/>
+              <a:rPr lang="zh-CN" altLang="en-US"/>
               <a:t>第四级</a:t>
             </a:r>
-            <a:endParaRPr lang="zh-CN" altLang="en-US" smtClean="0"/>
           </a:p>
           <a:p>
             <a:pPr lvl="4"/>
             <a:r>
-              <a:rPr lang="zh-CN" altLang="en-US" smtClean="0"/>
+              <a:rPr lang="zh-CN" altLang="en-US"/>
               <a:t>第五级</a:t>
             </a:r>
-            <a:endParaRPr lang="zh-CN" altLang="en-US"/>
           </a:p>
         </p:txBody>
       </p:sp>
@@ -2176,6 +2205,7 @@
           <a:p>
             <a:fld id="{B430C919-4259-44D8-9515-E071E808EC53}" type="datetimeFigureOut">
               <a:rPr lang="zh-CN" altLang="en-US" smtClean="0"/>
+              <a:t>2020/7/3</a:t>
             </a:fld>
             <a:endParaRPr lang="zh-CN" altLang="en-US"/>
           </a:p>
@@ -2217,6 +2247,7 @@
           <a:p>
             <a:fld id="{28E086FE-13CF-45F4-9E4D-544AD019AE69}" type="slidenum">
               <a:rPr lang="zh-CN" altLang="en-US" smtClean="0"/>
+              <a:t>‹#›</a:t>
             </a:fld>
             <a:endParaRPr lang="zh-CN" altLang="en-US"/>
           </a:p>
@@ -2268,10 +2299,9 @@
           <a:lstStyle/>
           <a:p>
             <a:r>
-              <a:rPr lang="zh-CN" altLang="en-US" smtClean="0"/>
+              <a:rPr lang="zh-CN" altLang="en-US"/>
               <a:t>单击此处编辑母版标题样式</a:t>
             </a:r>
-            <a:endParaRPr lang="zh-CN" altLang="en-US"/>
           </a:p>
         </p:txBody>
       </p:sp>
@@ -2297,42 +2327,37 @@
           <a:p>
             <a:pPr lvl="0"/>
             <a:r>
-              <a:rPr lang="zh-CN" altLang="en-US" smtClean="0"/>
+              <a:rPr lang="zh-CN" altLang="en-US"/>
               <a:t>单击此处编辑母版文本样式</a:t>
             </a:r>
-            <a:endParaRPr lang="zh-CN" altLang="en-US" smtClean="0"/>
           </a:p>
           <a:p>
             <a:pPr lvl="1"/>
             <a:r>
-              <a:rPr lang="zh-CN" altLang="en-US" smtClean="0"/>
+              <a:rPr lang="zh-CN" altLang="en-US"/>
               <a:t>第二级</a:t>
             </a:r>
-            <a:endParaRPr lang="zh-CN" altLang="en-US" smtClean="0"/>
           </a:p>
           <a:p>
             <a:pPr lvl="2"/>
             <a:r>
-              <a:rPr lang="zh-CN" altLang="en-US" smtClean="0"/>
+              <a:rPr lang="zh-CN" altLang="en-US"/>
               <a:t>第三级</a:t>
             </a:r>
-            <a:endParaRPr lang="zh-CN" altLang="en-US" smtClean="0"/>
           </a:p>
           <a:p>
             <a:pPr lvl="3"/>
             <a:r>
-              <a:rPr lang="zh-CN" altLang="en-US" smtClean="0"/>
+              <a:rPr lang="zh-CN" altLang="en-US"/>
               <a:t>第四级</a:t>
             </a:r>
-            <a:endParaRPr lang="zh-CN" altLang="en-US" smtClean="0"/>
           </a:p>
           <a:p>
             <a:pPr lvl="4"/>
             <a:r>
-              <a:rPr lang="zh-CN" altLang="en-US" smtClean="0"/>
+              <a:rPr lang="zh-CN" altLang="en-US"/>
               <a:t>第五级</a:t>
             </a:r>
-            <a:endParaRPr lang="zh-CN" altLang="en-US"/>
           </a:p>
         </p:txBody>
       </p:sp>
@@ -2353,6 +2378,7 @@
           <a:p>
             <a:fld id="{B430C919-4259-44D8-9515-E071E808EC53}" type="datetimeFigureOut">
               <a:rPr lang="zh-CN" altLang="en-US" smtClean="0"/>
+              <a:t>2020/7/3</a:t>
             </a:fld>
             <a:endParaRPr lang="zh-CN" altLang="en-US"/>
           </a:p>
@@ -2394,6 +2420,7 @@
           <a:p>
             <a:fld id="{28E086FE-13CF-45F4-9E4D-544AD019AE69}" type="slidenum">
               <a:rPr lang="zh-CN" altLang="en-US" smtClean="0"/>
+              <a:t>‹#›</a:t>
             </a:fld>
             <a:endParaRPr lang="zh-CN" altLang="en-US"/>
           </a:p>
@@ -2408,7 +2435,7 @@
 </file>
 
 <file path=ppt/slideLayouts/slideLayout12.xml><?xml version="1.0" encoding="utf-8"?>
-<p:sldLayout xmlns:a="http://schemas.openxmlformats.org/drawingml/2006/main" xmlns:r="http://schemas.openxmlformats.org/officeDocument/2006/relationships" xmlns:p="http://schemas.openxmlformats.org/presentationml/2006/main" type="title" showMasterSp="0">
+<p:sldLayout xmlns:a="http://schemas.openxmlformats.org/drawingml/2006/main" xmlns:r="http://schemas.openxmlformats.org/officeDocument/2006/relationships" xmlns:p="http://schemas.openxmlformats.org/presentationml/2006/main" showMasterSp="0" type="title">
   <p:cSld name="1_标题幻灯片">
     <p:spTree>
       <p:nvGrpSpPr>
@@ -2429,13 +2456,13 @@
   <p:clrMapOvr>
     <a:masterClrMapping/>
   </p:clrMapOvr>
-  <mc:AlternateContent xmlns:mc="http://schemas.openxmlformats.org/markup-compatibility/2006">
-    <mc:Choice xmlns:p14="http://schemas.microsoft.com/office/powerpoint/2010/main" Requires="p14">
+  <mc:AlternateContent xmlns:mc="http://schemas.openxmlformats.org/markup-compatibility/2006" xmlns:p14="http://schemas.microsoft.com/office/powerpoint/2010/main">
+    <mc:Choice Requires="p14">
       <p:transition spd="slow" p14:dur="1600" advTm="0">
         <p:blinds dir="vert"/>
       </p:transition>
     </mc:Choice>
-    <mc:Fallback>
+    <mc:Fallback xmlns="">
       <p:transition spd="slow" advTm="0">
         <p:blinds dir="vert"/>
       </p:transition>
@@ -2466,13 +2493,6 @@
   <p:clrMapOvr>
     <a:masterClrMapping/>
   </p:clrMapOvr>
-  <p:timing>
-    <p:tnLst>
-      <p:par>
-        <p:cTn id="1" dur="indefinite" restart="never" nodeType="tmRoot"/>
-      </p:par>
-    </p:tnLst>
-  </p:timing>
 </p:sldLayout>
 </file>
 
@@ -2606,10 +2626,9 @@
           <a:lstStyle/>
           <a:p>
             <a:r>
-              <a:rPr lang="zh-CN" altLang="en-US" smtClean="0"/>
+              <a:rPr lang="zh-CN" altLang="en-US"/>
               <a:t>单击此处编辑母版标题样式</a:t>
             </a:r>
-            <a:endParaRPr lang="zh-CN" altLang="en-US"/>
           </a:p>
         </p:txBody>
       </p:sp>
@@ -2630,42 +2649,37 @@
           <a:p>
             <a:pPr lvl="0"/>
             <a:r>
-              <a:rPr lang="zh-CN" altLang="en-US" smtClean="0"/>
+              <a:rPr lang="zh-CN" altLang="en-US"/>
               <a:t>单击此处编辑母版文本样式</a:t>
             </a:r>
-            <a:endParaRPr lang="zh-CN" altLang="en-US" smtClean="0"/>
           </a:p>
           <a:p>
             <a:pPr lvl="1"/>
             <a:r>
-              <a:rPr lang="zh-CN" altLang="en-US" smtClean="0"/>
+              <a:rPr lang="zh-CN" altLang="en-US"/>
               <a:t>第二级</a:t>
             </a:r>
-            <a:endParaRPr lang="zh-CN" altLang="en-US" smtClean="0"/>
           </a:p>
           <a:p>
             <a:pPr lvl="2"/>
             <a:r>
-              <a:rPr lang="zh-CN" altLang="en-US" smtClean="0"/>
+              <a:rPr lang="zh-CN" altLang="en-US"/>
               <a:t>第三级</a:t>
             </a:r>
-            <a:endParaRPr lang="zh-CN" altLang="en-US" smtClean="0"/>
           </a:p>
           <a:p>
             <a:pPr lvl="3"/>
             <a:r>
-              <a:rPr lang="zh-CN" altLang="en-US" smtClean="0"/>
+              <a:rPr lang="zh-CN" altLang="en-US"/>
               <a:t>第四级</a:t>
             </a:r>
-            <a:endParaRPr lang="zh-CN" altLang="en-US" smtClean="0"/>
           </a:p>
           <a:p>
             <a:pPr lvl="4"/>
             <a:r>
-              <a:rPr lang="zh-CN" altLang="en-US" smtClean="0"/>
+              <a:rPr lang="zh-CN" altLang="en-US"/>
               <a:t>第五级</a:t>
             </a:r>
-            <a:endParaRPr lang="zh-CN" altLang="en-US"/>
           </a:p>
         </p:txBody>
       </p:sp>
@@ -2686,6 +2700,7 @@
           <a:p>
             <a:fld id="{B430C919-4259-44D8-9515-E071E808EC53}" type="datetimeFigureOut">
               <a:rPr lang="zh-CN" altLang="en-US" smtClean="0"/>
+              <a:t>2020/7/3</a:t>
             </a:fld>
             <a:endParaRPr lang="zh-CN" altLang="en-US"/>
           </a:p>
@@ -2727,6 +2742,7 @@
           <a:p>
             <a:fld id="{28E086FE-13CF-45F4-9E4D-544AD019AE69}" type="slidenum">
               <a:rPr lang="zh-CN" altLang="en-US" smtClean="0"/>
+              <a:t>‹#›</a:t>
             </a:fld>
             <a:endParaRPr lang="zh-CN" altLang="en-US"/>
           </a:p>
@@ -2782,10 +2798,9 @@
           </a:lstStyle>
           <a:p>
             <a:r>
-              <a:rPr lang="zh-CN" altLang="en-US" smtClean="0"/>
+              <a:rPr lang="zh-CN" altLang="en-US"/>
               <a:t>单击此处编辑母版标题样式</a:t>
             </a:r>
-            <a:endParaRPr lang="zh-CN" altLang="en-US"/>
           </a:p>
         </p:txBody>
       </p:sp>
@@ -2902,10 +2917,9 @@
           <a:p>
             <a:pPr lvl="0"/>
             <a:r>
-              <a:rPr lang="zh-CN" altLang="en-US" smtClean="0"/>
+              <a:rPr lang="zh-CN" altLang="en-US"/>
               <a:t>单击此处编辑母版文本样式</a:t>
             </a:r>
-            <a:endParaRPr lang="zh-CN" altLang="en-US" smtClean="0"/>
           </a:p>
         </p:txBody>
       </p:sp>
@@ -2926,6 +2940,7 @@
           <a:p>
             <a:fld id="{B430C919-4259-44D8-9515-E071E808EC53}" type="datetimeFigureOut">
               <a:rPr lang="zh-CN" altLang="en-US" smtClean="0"/>
+              <a:t>2020/7/3</a:t>
             </a:fld>
             <a:endParaRPr lang="zh-CN" altLang="en-US"/>
           </a:p>
@@ -2967,6 +2982,7 @@
           <a:p>
             <a:fld id="{28E086FE-13CF-45F4-9E4D-544AD019AE69}" type="slidenum">
               <a:rPr lang="zh-CN" altLang="en-US" smtClean="0"/>
+              <a:t>‹#›</a:t>
             </a:fld>
             <a:endParaRPr lang="zh-CN" altLang="en-US"/>
           </a:p>
@@ -3013,10 +3029,9 @@
           <a:lstStyle/>
           <a:p>
             <a:r>
-              <a:rPr lang="zh-CN" altLang="en-US" smtClean="0"/>
+              <a:rPr lang="zh-CN" altLang="en-US"/>
               <a:t>单击此处编辑母版标题样式</a:t>
             </a:r>
-            <a:endParaRPr lang="zh-CN" altLang="en-US"/>
           </a:p>
         </p:txBody>
       </p:sp>
@@ -3042,42 +3057,37 @@
           <a:p>
             <a:pPr lvl="0"/>
             <a:r>
-              <a:rPr lang="zh-CN" altLang="en-US" smtClean="0"/>
+              <a:rPr lang="zh-CN" altLang="en-US"/>
               <a:t>单击此处编辑母版文本样式</a:t>
             </a:r>
-            <a:endParaRPr lang="zh-CN" altLang="en-US" smtClean="0"/>
           </a:p>
           <a:p>
             <a:pPr lvl="1"/>
             <a:r>
-              <a:rPr lang="zh-CN" altLang="en-US" smtClean="0"/>
+              <a:rPr lang="zh-CN" altLang="en-US"/>
               <a:t>第二级</a:t>
             </a:r>
-            <a:endParaRPr lang="zh-CN" altLang="en-US" smtClean="0"/>
           </a:p>
           <a:p>
             <a:pPr lvl="2"/>
             <a:r>
-              <a:rPr lang="zh-CN" altLang="en-US" smtClean="0"/>
+              <a:rPr lang="zh-CN" altLang="en-US"/>
               <a:t>第三级</a:t>
             </a:r>
-            <a:endParaRPr lang="zh-CN" altLang="en-US" smtClean="0"/>
           </a:p>
           <a:p>
             <a:pPr lvl="3"/>
             <a:r>
-              <a:rPr lang="zh-CN" altLang="en-US" smtClean="0"/>
+              <a:rPr lang="zh-CN" altLang="en-US"/>
               <a:t>第四级</a:t>
             </a:r>
-            <a:endParaRPr lang="zh-CN" altLang="en-US" smtClean="0"/>
           </a:p>
           <a:p>
             <a:pPr lvl="4"/>
             <a:r>
-              <a:rPr lang="zh-CN" altLang="en-US" smtClean="0"/>
+              <a:rPr lang="zh-CN" altLang="en-US"/>
               <a:t>第五级</a:t>
             </a:r>
-            <a:endParaRPr lang="zh-CN" altLang="en-US"/>
           </a:p>
         </p:txBody>
       </p:sp>
@@ -3103,42 +3113,37 @@
           <a:p>
             <a:pPr lvl="0"/>
             <a:r>
-              <a:rPr lang="zh-CN" altLang="en-US" smtClean="0"/>
+              <a:rPr lang="zh-CN" altLang="en-US"/>
               <a:t>单击此处编辑母版文本样式</a:t>
             </a:r>
-            <a:endParaRPr lang="zh-CN" altLang="en-US" smtClean="0"/>
           </a:p>
           <a:p>
             <a:pPr lvl="1"/>
             <a:r>
-              <a:rPr lang="zh-CN" altLang="en-US" smtClean="0"/>
+              <a:rPr lang="zh-CN" altLang="en-US"/>
               <a:t>第二级</a:t>
             </a:r>
-            <a:endParaRPr lang="zh-CN" altLang="en-US" smtClean="0"/>
           </a:p>
           <a:p>
             <a:pPr lvl="2"/>
             <a:r>
-              <a:rPr lang="zh-CN" altLang="en-US" smtClean="0"/>
+              <a:rPr lang="zh-CN" altLang="en-US"/>
               <a:t>第三级</a:t>
             </a:r>
-            <a:endParaRPr lang="zh-CN" altLang="en-US" smtClean="0"/>
           </a:p>
           <a:p>
             <a:pPr lvl="3"/>
             <a:r>
-              <a:rPr lang="zh-CN" altLang="en-US" smtClean="0"/>
+              <a:rPr lang="zh-CN" altLang="en-US"/>
               <a:t>第四级</a:t>
             </a:r>
-            <a:endParaRPr lang="zh-CN" altLang="en-US" smtClean="0"/>
           </a:p>
           <a:p>
             <a:pPr lvl="4"/>
             <a:r>
-              <a:rPr lang="zh-CN" altLang="en-US" smtClean="0"/>
+              <a:rPr lang="zh-CN" altLang="en-US"/>
               <a:t>第五级</a:t>
             </a:r>
-            <a:endParaRPr lang="zh-CN" altLang="en-US"/>
           </a:p>
         </p:txBody>
       </p:sp>
@@ -3159,6 +3164,7 @@
           <a:p>
             <a:fld id="{B430C919-4259-44D8-9515-E071E808EC53}" type="datetimeFigureOut">
               <a:rPr lang="zh-CN" altLang="en-US" smtClean="0"/>
+              <a:t>2020/7/3</a:t>
             </a:fld>
             <a:endParaRPr lang="zh-CN" altLang="en-US"/>
           </a:p>
@@ -3200,6 +3206,7 @@
           <a:p>
             <a:fld id="{28E086FE-13CF-45F4-9E4D-544AD019AE69}" type="slidenum">
               <a:rPr lang="zh-CN" altLang="en-US" smtClean="0"/>
+              <a:t>‹#›</a:t>
             </a:fld>
             <a:endParaRPr lang="zh-CN" altLang="en-US"/>
           </a:p>
@@ -3251,10 +3258,9 @@
           <a:lstStyle/>
           <a:p>
             <a:r>
-              <a:rPr lang="zh-CN" altLang="en-US" smtClean="0"/>
+              <a:rPr lang="zh-CN" altLang="en-US"/>
               <a:t>单击此处编辑母版标题样式</a:t>
             </a:r>
-            <a:endParaRPr lang="zh-CN" altLang="en-US"/>
           </a:p>
         </p:txBody>
       </p:sp>
@@ -3317,10 +3323,9 @@
           <a:p>
             <a:pPr lvl="0"/>
             <a:r>
-              <a:rPr lang="zh-CN" altLang="en-US" smtClean="0"/>
+              <a:rPr lang="zh-CN" altLang="en-US"/>
               <a:t>单击此处编辑母版文本样式</a:t>
             </a:r>
-            <a:endParaRPr lang="zh-CN" altLang="en-US" smtClean="0"/>
           </a:p>
         </p:txBody>
       </p:sp>
@@ -3346,42 +3351,37 @@
           <a:p>
             <a:pPr lvl="0"/>
             <a:r>
-              <a:rPr lang="zh-CN" altLang="en-US" smtClean="0"/>
+              <a:rPr lang="zh-CN" altLang="en-US"/>
               <a:t>单击此处编辑母版文本样式</a:t>
             </a:r>
-            <a:endParaRPr lang="zh-CN" altLang="en-US" smtClean="0"/>
           </a:p>
           <a:p>
             <a:pPr lvl="1"/>
             <a:r>
-              <a:rPr lang="zh-CN" altLang="en-US" smtClean="0"/>
+              <a:rPr lang="zh-CN" altLang="en-US"/>
               <a:t>第二级</a:t>
             </a:r>
-            <a:endParaRPr lang="zh-CN" altLang="en-US" smtClean="0"/>
           </a:p>
           <a:p>
             <a:pPr lvl="2"/>
             <a:r>
-              <a:rPr lang="zh-CN" altLang="en-US" smtClean="0"/>
+              <a:rPr lang="zh-CN" altLang="en-US"/>
               <a:t>第三级</a:t>
             </a:r>
-            <a:endParaRPr lang="zh-CN" altLang="en-US" smtClean="0"/>
           </a:p>
           <a:p>
             <a:pPr lvl="3"/>
             <a:r>
-              <a:rPr lang="zh-CN" altLang="en-US" smtClean="0"/>
+              <a:rPr lang="zh-CN" altLang="en-US"/>
               <a:t>第四级</a:t>
             </a:r>
-            <a:endParaRPr lang="zh-CN" altLang="en-US" smtClean="0"/>
           </a:p>
           <a:p>
             <a:pPr lvl="4"/>
             <a:r>
-              <a:rPr lang="zh-CN" altLang="en-US" smtClean="0"/>
+              <a:rPr lang="zh-CN" altLang="en-US"/>
               <a:t>第五级</a:t>
             </a:r>
-            <a:endParaRPr lang="zh-CN" altLang="en-US"/>
           </a:p>
         </p:txBody>
       </p:sp>
@@ -3444,10 +3444,9 @@
           <a:p>
             <a:pPr lvl="0"/>
             <a:r>
-              <a:rPr lang="zh-CN" altLang="en-US" smtClean="0"/>
+              <a:rPr lang="zh-CN" altLang="en-US"/>
               <a:t>单击此处编辑母版文本样式</a:t>
             </a:r>
-            <a:endParaRPr lang="zh-CN" altLang="en-US" smtClean="0"/>
           </a:p>
         </p:txBody>
       </p:sp>
@@ -3473,42 +3472,37 @@
           <a:p>
             <a:pPr lvl="0"/>
             <a:r>
-              <a:rPr lang="zh-CN" altLang="en-US" smtClean="0"/>
+              <a:rPr lang="zh-CN" altLang="en-US"/>
               <a:t>单击此处编辑母版文本样式</a:t>
             </a:r>
-            <a:endParaRPr lang="zh-CN" altLang="en-US" smtClean="0"/>
           </a:p>
           <a:p>
             <a:pPr lvl="1"/>
             <a:r>
-              <a:rPr lang="zh-CN" altLang="en-US" smtClean="0"/>
+              <a:rPr lang="zh-CN" altLang="en-US"/>
               <a:t>第二级</a:t>
             </a:r>
-            <a:endParaRPr lang="zh-CN" altLang="en-US" smtClean="0"/>
           </a:p>
           <a:p>
             <a:pPr lvl="2"/>
             <a:r>
-              <a:rPr lang="zh-CN" altLang="en-US" smtClean="0"/>
+              <a:rPr lang="zh-CN" altLang="en-US"/>
               <a:t>第三级</a:t>
             </a:r>
-            <a:endParaRPr lang="zh-CN" altLang="en-US" smtClean="0"/>
           </a:p>
           <a:p>
             <a:pPr lvl="3"/>
             <a:r>
-              <a:rPr lang="zh-CN" altLang="en-US" smtClean="0"/>
+              <a:rPr lang="zh-CN" altLang="en-US"/>
               <a:t>第四级</a:t>
             </a:r>
-            <a:endParaRPr lang="zh-CN" altLang="en-US" smtClean="0"/>
           </a:p>
           <a:p>
             <a:pPr lvl="4"/>
             <a:r>
-              <a:rPr lang="zh-CN" altLang="en-US" smtClean="0"/>
+              <a:rPr lang="zh-CN" altLang="en-US"/>
               <a:t>第五级</a:t>
             </a:r>
-            <a:endParaRPr lang="zh-CN" altLang="en-US"/>
           </a:p>
         </p:txBody>
       </p:sp>
@@ -3529,6 +3523,7 @@
           <a:p>
             <a:fld id="{B430C919-4259-44D8-9515-E071E808EC53}" type="datetimeFigureOut">
               <a:rPr lang="zh-CN" altLang="en-US" smtClean="0"/>
+              <a:t>2020/7/3</a:t>
             </a:fld>
             <a:endParaRPr lang="zh-CN" altLang="en-US"/>
           </a:p>
@@ -3570,6 +3565,7 @@
           <a:p>
             <a:fld id="{28E086FE-13CF-45F4-9E4D-544AD019AE69}" type="slidenum">
               <a:rPr lang="zh-CN" altLang="en-US" smtClean="0"/>
+              <a:t>‹#›</a:t>
             </a:fld>
             <a:endParaRPr lang="zh-CN" altLang="en-US"/>
           </a:p>
@@ -3616,10 +3612,9 @@
           <a:lstStyle/>
           <a:p>
             <a:r>
-              <a:rPr lang="zh-CN" altLang="en-US" smtClean="0"/>
+              <a:rPr lang="zh-CN" altLang="en-US"/>
               <a:t>单击此处编辑母版标题样式</a:t>
             </a:r>
-            <a:endParaRPr lang="zh-CN" altLang="en-US"/>
           </a:p>
         </p:txBody>
       </p:sp>
@@ -3640,6 +3635,7 @@
           <a:p>
             <a:fld id="{B430C919-4259-44D8-9515-E071E808EC53}" type="datetimeFigureOut">
               <a:rPr lang="zh-CN" altLang="en-US" smtClean="0"/>
+              <a:t>2020/7/3</a:t>
             </a:fld>
             <a:endParaRPr lang="zh-CN" altLang="en-US"/>
           </a:p>
@@ -3681,6 +3677,7 @@
           <a:p>
             <a:fld id="{28E086FE-13CF-45F4-9E4D-544AD019AE69}" type="slidenum">
               <a:rPr lang="zh-CN" altLang="en-US" smtClean="0"/>
+              <a:t>‹#›</a:t>
             </a:fld>
             <a:endParaRPr lang="zh-CN" altLang="en-US"/>
           </a:p>
@@ -3728,6 +3725,7 @@
           <a:p>
             <a:fld id="{B430C919-4259-44D8-9515-E071E808EC53}" type="datetimeFigureOut">
               <a:rPr lang="zh-CN" altLang="en-US" smtClean="0"/>
+              <a:t>2020/7/3</a:t>
             </a:fld>
             <a:endParaRPr lang="zh-CN" altLang="en-US"/>
           </a:p>
@@ -3769,6 +3767,7 @@
           <a:p>
             <a:fld id="{28E086FE-13CF-45F4-9E4D-544AD019AE69}" type="slidenum">
               <a:rPr lang="zh-CN" altLang="en-US" smtClean="0"/>
+              <a:t>‹#›</a:t>
             </a:fld>
             <a:endParaRPr lang="zh-CN" altLang="en-US"/>
           </a:p>
@@ -3824,10 +3823,9 @@
           </a:lstStyle>
           <a:p>
             <a:r>
-              <a:rPr lang="zh-CN" altLang="en-US" smtClean="0"/>
+              <a:rPr lang="zh-CN" altLang="en-US"/>
               <a:t>单击此处编辑母版标题样式</a:t>
             </a:r>
-            <a:endParaRPr lang="zh-CN" altLang="en-US"/>
           </a:p>
         </p:txBody>
       </p:sp>
@@ -3881,42 +3879,37 @@
           <a:p>
             <a:pPr lvl="0"/>
             <a:r>
-              <a:rPr lang="zh-CN" altLang="en-US" smtClean="0"/>
+              <a:rPr lang="zh-CN" altLang="en-US"/>
               <a:t>单击此处编辑母版文本样式</a:t>
             </a:r>
-            <a:endParaRPr lang="zh-CN" altLang="en-US" smtClean="0"/>
           </a:p>
           <a:p>
             <a:pPr lvl="1"/>
             <a:r>
-              <a:rPr lang="zh-CN" altLang="en-US" smtClean="0"/>
+              <a:rPr lang="zh-CN" altLang="en-US"/>
               <a:t>第二级</a:t>
             </a:r>
-            <a:endParaRPr lang="zh-CN" altLang="en-US" smtClean="0"/>
           </a:p>
           <a:p>
             <a:pPr lvl="2"/>
             <a:r>
-              <a:rPr lang="zh-CN" altLang="en-US" smtClean="0"/>
+              <a:rPr lang="zh-CN" altLang="en-US"/>
               <a:t>第三级</a:t>
             </a:r>
-            <a:endParaRPr lang="zh-CN" altLang="en-US" smtClean="0"/>
           </a:p>
           <a:p>
             <a:pPr lvl="3"/>
             <a:r>
-              <a:rPr lang="zh-CN" altLang="en-US" smtClean="0"/>
+              <a:rPr lang="zh-CN" altLang="en-US"/>
               <a:t>第四级</a:t>
             </a:r>
-            <a:endParaRPr lang="zh-CN" altLang="en-US" smtClean="0"/>
           </a:p>
           <a:p>
             <a:pPr lvl="4"/>
             <a:r>
-              <a:rPr lang="zh-CN" altLang="en-US" smtClean="0"/>
+              <a:rPr lang="zh-CN" altLang="en-US"/>
               <a:t>第五级</a:t>
             </a:r>
-            <a:endParaRPr lang="zh-CN" altLang="en-US"/>
           </a:p>
         </p:txBody>
       </p:sp>
@@ -3979,10 +3972,9 @@
           <a:p>
             <a:pPr lvl="0"/>
             <a:r>
-              <a:rPr lang="zh-CN" altLang="en-US" smtClean="0"/>
+              <a:rPr lang="zh-CN" altLang="en-US"/>
               <a:t>单击此处编辑母版文本样式</a:t>
             </a:r>
-            <a:endParaRPr lang="zh-CN" altLang="en-US" smtClean="0"/>
           </a:p>
         </p:txBody>
       </p:sp>
@@ -4003,6 +3995,7 @@
           <a:p>
             <a:fld id="{B430C919-4259-44D8-9515-E071E808EC53}" type="datetimeFigureOut">
               <a:rPr lang="zh-CN" altLang="en-US" smtClean="0"/>
+              <a:t>2020/7/3</a:t>
             </a:fld>
             <a:endParaRPr lang="zh-CN" altLang="en-US"/>
           </a:p>
@@ -4044,6 +4037,7 @@
           <a:p>
             <a:fld id="{28E086FE-13CF-45F4-9E4D-544AD019AE69}" type="slidenum">
               <a:rPr lang="zh-CN" altLang="en-US" smtClean="0"/>
+              <a:t>‹#›</a:t>
             </a:fld>
             <a:endParaRPr lang="zh-CN" altLang="en-US"/>
           </a:p>
@@ -4099,10 +4093,9 @@
           </a:lstStyle>
           <a:p>
             <a:r>
-              <a:rPr lang="zh-CN" altLang="en-US" smtClean="0"/>
+              <a:rPr lang="zh-CN" altLang="en-US"/>
               <a:t>单击此处编辑母版标题样式</a:t>
             </a:r>
-            <a:endParaRPr lang="zh-CN" altLang="en-US"/>
           </a:p>
         </p:txBody>
       </p:sp>
@@ -4226,10 +4219,9 @@
           <a:p>
             <a:pPr lvl="0"/>
             <a:r>
-              <a:rPr lang="zh-CN" altLang="en-US" smtClean="0"/>
+              <a:rPr lang="zh-CN" altLang="en-US"/>
               <a:t>单击此处编辑母版文本样式</a:t>
             </a:r>
-            <a:endParaRPr lang="zh-CN" altLang="en-US" smtClean="0"/>
           </a:p>
         </p:txBody>
       </p:sp>
@@ -4250,6 +4242,7 @@
           <a:p>
             <a:fld id="{B430C919-4259-44D8-9515-E071E808EC53}" type="datetimeFigureOut">
               <a:rPr lang="zh-CN" altLang="en-US" smtClean="0"/>
+              <a:t>2020/7/3</a:t>
             </a:fld>
             <a:endParaRPr lang="zh-CN" altLang="en-US"/>
           </a:p>
@@ -4291,6 +4284,7 @@
           <a:p>
             <a:fld id="{28E086FE-13CF-45F4-9E4D-544AD019AE69}" type="slidenum">
               <a:rPr lang="zh-CN" altLang="en-US" smtClean="0"/>
+              <a:t>‹#›</a:t>
             </a:fld>
             <a:endParaRPr lang="zh-CN" altLang="en-US"/>
           </a:p>
@@ -4352,10 +4346,9 @@
           <a:lstStyle/>
           <a:p>
             <a:r>
-              <a:rPr lang="zh-CN" altLang="en-US" smtClean="0"/>
+              <a:rPr lang="zh-CN" altLang="en-US"/>
               <a:t>单击此处编辑母版标题样式</a:t>
             </a:r>
-            <a:endParaRPr lang="zh-CN" altLang="en-US"/>
           </a:p>
         </p:txBody>
       </p:sp>
@@ -4386,42 +4379,37 @@
           <a:p>
             <a:pPr lvl="0"/>
             <a:r>
-              <a:rPr lang="zh-CN" altLang="en-US" smtClean="0"/>
+              <a:rPr lang="zh-CN" altLang="en-US"/>
               <a:t>单击此处编辑母版文本样式</a:t>
             </a:r>
-            <a:endParaRPr lang="zh-CN" altLang="en-US" smtClean="0"/>
           </a:p>
           <a:p>
             <a:pPr lvl="1"/>
             <a:r>
-              <a:rPr lang="zh-CN" altLang="en-US" smtClean="0"/>
+              <a:rPr lang="zh-CN" altLang="en-US"/>
               <a:t>第二级</a:t>
             </a:r>
-            <a:endParaRPr lang="zh-CN" altLang="en-US" smtClean="0"/>
           </a:p>
           <a:p>
             <a:pPr lvl="2"/>
             <a:r>
-              <a:rPr lang="zh-CN" altLang="en-US" smtClean="0"/>
+              <a:rPr lang="zh-CN" altLang="en-US"/>
               <a:t>第三级</a:t>
             </a:r>
-            <a:endParaRPr lang="zh-CN" altLang="en-US" smtClean="0"/>
           </a:p>
           <a:p>
             <a:pPr lvl="3"/>
             <a:r>
-              <a:rPr lang="zh-CN" altLang="en-US" smtClean="0"/>
+              <a:rPr lang="zh-CN" altLang="en-US"/>
               <a:t>第四级</a:t>
             </a:r>
-            <a:endParaRPr lang="zh-CN" altLang="en-US" smtClean="0"/>
           </a:p>
           <a:p>
             <a:pPr lvl="4"/>
             <a:r>
-              <a:rPr lang="zh-CN" altLang="en-US" smtClean="0"/>
+              <a:rPr lang="zh-CN" altLang="en-US"/>
               <a:t>第五级</a:t>
             </a:r>
-            <a:endParaRPr lang="zh-CN" altLang="en-US"/>
           </a:p>
         </p:txBody>
       </p:sp>
@@ -4460,6 +4448,7 @@
           <a:p>
             <a:fld id="{B430C919-4259-44D8-9515-E071E808EC53}" type="datetimeFigureOut">
               <a:rPr lang="zh-CN" altLang="en-US" smtClean="0"/>
+              <a:t>2020/7/3</a:t>
             </a:fld>
             <a:endParaRPr lang="zh-CN" altLang="en-US"/>
           </a:p>
@@ -4537,6 +4526,7 @@
           <a:p>
             <a:fld id="{28E086FE-13CF-45F4-9E4D-544AD019AE69}" type="slidenum">
               <a:rPr lang="zh-CN" altLang="en-US" smtClean="0"/>
+              <a:t>‹#›</a:t>
             </a:fld>
             <a:endParaRPr lang="zh-CN" altLang="en-US"/>
           </a:p>
@@ -5523,7 +5513,7 @@
           <a:p>
             <a:pPr algn="ctr"/>
             <a:r>
-              <a:rPr lang="en-US" altLang="zh-CN" kern="2500" spc="1000" dirty="0" smtClean="0"/>
+              <a:rPr lang="en-US" altLang="zh-CN" kern="2500" spc="1000" dirty="0"/>
               <a:t>Flutter</a:t>
             </a:r>
             <a:endParaRPr lang="zh-CN" altLang="en-US" kern="2500" spc="1000" dirty="0"/>
@@ -5577,13 +5567,6 @@
                 </a:rPr>
                 <a:t>Flutter</a:t>
               </a:r>
-              <a:endParaRPr lang="en-US" altLang="zh-CN" sz="3600" b="1" dirty="0">
-                <a:solidFill>
-                  <a:srgbClr val="5B9BD5"/>
-                </a:solidFill>
-                <a:latin typeface="黑体" panose="02010609060101010101" pitchFamily="49" charset="-122"/>
-                <a:ea typeface="黑体" panose="02010609060101010101" pitchFamily="49" charset="-122"/>
-              </a:endParaRPr>
             </a:p>
           </p:txBody>
         </p:sp>
@@ -5611,7 +5594,7 @@
             <a:p>
               <a:pPr algn="ctr"/>
               <a:r>
-                <a:rPr lang="zh-CN" altLang="en-US" sz="3600" b="1" dirty="0" smtClean="0">
+                <a:rPr lang="zh-CN" altLang="en-US" sz="3600" b="1" dirty="0">
                   <a:solidFill>
                     <a:srgbClr val="577FA2"/>
                   </a:solidFill>
@@ -5620,13 +5603,6 @@
                 </a:rPr>
                 <a:t>技术分享</a:t>
               </a:r>
-              <a:endParaRPr lang="zh-CN" altLang="en-US" sz="3600" b="1" dirty="0">
-                <a:solidFill>
-                  <a:srgbClr val="577FA2"/>
-                </a:solidFill>
-                <a:latin typeface="黑体" panose="02010609060101010101" pitchFamily="49" charset="-122"/>
-                <a:ea typeface="黑体" panose="02010609060101010101" pitchFamily="49" charset="-122"/>
-              </a:endParaRPr>
             </a:p>
           </p:txBody>
         </p:sp>
@@ -5832,13 +5808,6 @@
               </a:rPr>
               <a:t>文超越</a:t>
             </a:r>
-            <a:endParaRPr lang="zh-CN" altLang="en-US" sz="2000" kern="1500" spc="800" dirty="0">
-              <a:solidFill>
-                <a:srgbClr val="002060"/>
-              </a:solidFill>
-              <a:latin typeface="华文行楷" panose="02010800040101010101" pitchFamily="2" charset="-122"/>
-              <a:ea typeface="华文行楷" panose="02010800040101010101" pitchFamily="2" charset="-122"/>
-            </a:endParaRPr>
           </a:p>
         </p:txBody>
       </p:sp>
@@ -5847,13 +5816,6 @@
   <p:clrMapOvr>
     <a:masterClrMapping/>
   </p:clrMapOvr>
-  <p:timing>
-    <p:tnLst>
-      <p:par>
-        <p:cTn id="1" dur="indefinite" restart="never" nodeType="tmRoot"/>
-      </p:par>
-    </p:tnLst>
-  </p:timing>
 </p:sld>
 </file>
 
@@ -5964,6 +5926,7 @@
           <a:bodyPr wrap="square" rtlCol="0">
             <a:spAutoFit/>
           </a:bodyPr>
+          <a:lstStyle/>
           <a:p>
             <a:pPr algn="ctr"/>
             <a:r>
@@ -6009,18 +5972,9 @@
           <a:bodyPr wrap="square" rtlCol="0">
             <a:spAutoFit/>
           </a:bodyPr>
+          <a:lstStyle/>
           <a:p>
             <a:pPr algn="ctr"/>
-            <a:r>
-              <a:rPr lang="zh-CN" sz="2000" dirty="0">
-                <a:solidFill>
-                  <a:srgbClr val="5B9BD5"/>
-                </a:solidFill>
-                <a:latin typeface="+mj-lt"/>
-                <a:cs typeface="+mj-lt"/>
-              </a:rPr>
-              <a:t>常用的</a:t>
-            </a:r>
             <a:r>
               <a:rPr sz="2000" dirty="0">
                 <a:solidFill>
@@ -6029,15 +5983,8 @@
                 <a:latin typeface="+mj-lt"/>
                 <a:cs typeface="+mj-lt"/>
               </a:rPr>
-              <a:t>Widget</a:t>
+              <a:t>介绍Widget</a:t>
             </a:r>
-            <a:endParaRPr sz="2000" dirty="0">
-              <a:solidFill>
-                <a:srgbClr val="5B9BD5"/>
-              </a:solidFill>
-              <a:latin typeface="+mj-lt"/>
-              <a:cs typeface="+mj-lt"/>
-            </a:endParaRPr>
           </a:p>
         </p:txBody>
       </p:sp>
@@ -6104,7 +6051,1118 @@
           <p:nvPr/>
         </p:nvGrpSpPr>
         <p:grpSpPr>
-          <a:xfrm rot="0">
+          <a:xfrm>
+            <a:off x="502920" y="1367792"/>
+            <a:ext cx="8211298" cy="4370373"/>
+            <a:chOff x="1540337" y="3051190"/>
+            <a:chExt cx="3553381" cy="2528237"/>
+          </a:xfrm>
+        </p:grpSpPr>
+        <p:sp>
+          <p:nvSpPr>
+            <p:cNvPr id="20" name="í$ḷîḑé"/>
+            <p:cNvSpPr/>
+            <p:nvPr/>
+          </p:nvSpPr>
+          <p:spPr>
+            <a:xfrm>
+              <a:off x="1724770" y="3411228"/>
+              <a:ext cx="2390414" cy="2168199"/>
+            </a:xfrm>
+            <a:prstGeom prst="rect">
+              <a:avLst/>
+            </a:prstGeom>
+            <a:noFill/>
+            <a:ln w="9525">
+              <a:noFill/>
+              <a:miter lim="800000"/>
+            </a:ln>
+            <a:extLst>
+              <a:ext uri="{909E8E84-426E-40DD-AFC4-6F175D3DCCD1}">
+                <a14:hiddenFill xmlns:a14="http://schemas.microsoft.com/office/drawing/2010/main">
+                  <a:solidFill>
+                    <a:srgbClr val="FFFFFF"/>
+                  </a:solidFill>
+                </a14:hiddenFill>
+              </a:ext>
+            </a:extLst>
+          </p:spPr>
+          <p:txBody>
+            <a:bodyPr wrap="square" lIns="86698" tIns="43349" rIns="86698" bIns="43349" anchor="t" anchorCtr="0">
+              <a:noAutofit/>
+            </a:bodyPr>
+            <a:lstStyle/>
+            <a:p>
+              <a:pPr>
+                <a:lnSpc>
+                  <a:spcPct val="150000"/>
+                </a:lnSpc>
+                <a:spcBef>
+                  <a:spcPct val="0"/>
+                </a:spcBef>
+              </a:pPr>
+              <a:r>
+                <a:rPr lang="en-US" altLang="zh-CN" sz="1600" dirty="0" err="1">
+                  <a:solidFill>
+                    <a:srgbClr val="92BDE3"/>
+                  </a:solidFill>
+                  <a:latin typeface="思源黑体 CN Bold" panose="020B0800000000000000" pitchFamily="34" charset="-122"/>
+                  <a:ea typeface="思源黑体 CN Bold" panose="020B0800000000000000" pitchFamily="34" charset="-122"/>
+                </a:rPr>
+                <a:t>StatefulWidget</a:t>
+              </a:r>
+              <a:r>
+                <a:rPr lang="zh-CN" altLang="en-US" sz="1600" dirty="0">
+                  <a:solidFill>
+                    <a:srgbClr val="92BDE3"/>
+                  </a:solidFill>
+                  <a:latin typeface="思源黑体 CN Bold" panose="020B0800000000000000" pitchFamily="34" charset="-122"/>
+                  <a:ea typeface="思源黑体 CN Bold" panose="020B0800000000000000" pitchFamily="34" charset="-122"/>
+                </a:rPr>
+                <a:t>组件是由</a:t>
+              </a:r>
+              <a:endParaRPr lang="en-US" altLang="zh-CN" sz="1600" dirty="0">
+                <a:solidFill>
+                  <a:srgbClr val="92BDE3"/>
+                </a:solidFill>
+                <a:latin typeface="思源黑体 CN Bold" panose="020B0800000000000000" pitchFamily="34" charset="-122"/>
+                <a:ea typeface="思源黑体 CN Bold" panose="020B0800000000000000" pitchFamily="34" charset="-122"/>
+              </a:endParaRPr>
+            </a:p>
+            <a:p>
+              <a:pPr>
+                <a:lnSpc>
+                  <a:spcPct val="150000"/>
+                </a:lnSpc>
+                <a:spcBef>
+                  <a:spcPct val="0"/>
+                </a:spcBef>
+              </a:pPr>
+              <a:r>
+                <a:rPr lang="zh-CN" altLang="en-US" sz="1600" dirty="0">
+                  <a:solidFill>
+                    <a:srgbClr val="92BDE3"/>
+                  </a:solidFill>
+                  <a:latin typeface="思源黑体 CN Bold" panose="020B0800000000000000" pitchFamily="34" charset="-122"/>
+                  <a:ea typeface="思源黑体 CN Bold" panose="020B0800000000000000" pitchFamily="34" charset="-122"/>
+                </a:rPr>
+                <a:t>控制状态的</a:t>
+              </a:r>
+              <a:r>
+                <a:rPr lang="en-US" altLang="zh-CN" sz="1600" dirty="0">
+                  <a:solidFill>
+                    <a:srgbClr val="92BDE3"/>
+                  </a:solidFill>
+                  <a:latin typeface="思源黑体 CN Bold" panose="020B0800000000000000" pitchFamily="34" charset="-122"/>
+                  <a:ea typeface="思源黑体 CN Bold" panose="020B0800000000000000" pitchFamily="34" charset="-122"/>
+                </a:rPr>
+                <a:t>State</a:t>
+              </a:r>
+              <a:r>
+                <a:rPr lang="zh-CN" altLang="en-US" sz="1600" dirty="0">
+                  <a:solidFill>
+                    <a:srgbClr val="92BDE3"/>
+                  </a:solidFill>
+                  <a:latin typeface="思源黑体 CN Bold" panose="020B0800000000000000" pitchFamily="34" charset="-122"/>
+                  <a:ea typeface="思源黑体 CN Bold" panose="020B0800000000000000" pitchFamily="34" charset="-122"/>
+                </a:rPr>
+                <a:t>类</a:t>
+              </a:r>
+              <a:endParaRPr lang="en-US" altLang="zh-CN" sz="1600" dirty="0">
+                <a:solidFill>
+                  <a:srgbClr val="92BDE3"/>
+                </a:solidFill>
+                <a:latin typeface="思源黑体 CN Bold" panose="020B0800000000000000" pitchFamily="34" charset="-122"/>
+                <a:ea typeface="思源黑体 CN Bold" panose="020B0800000000000000" pitchFamily="34" charset="-122"/>
+              </a:endParaRPr>
+            </a:p>
+            <a:p>
+              <a:pPr>
+                <a:lnSpc>
+                  <a:spcPct val="150000"/>
+                </a:lnSpc>
+                <a:spcBef>
+                  <a:spcPct val="0"/>
+                </a:spcBef>
+              </a:pPr>
+              <a:r>
+                <a:rPr lang="zh-CN" altLang="en-US" sz="1600" dirty="0">
+                  <a:solidFill>
+                    <a:srgbClr val="92BDE3"/>
+                  </a:solidFill>
+                  <a:latin typeface="思源黑体 CN Bold" panose="020B0800000000000000" pitchFamily="34" charset="-122"/>
+                  <a:ea typeface="思源黑体 CN Bold" panose="020B0800000000000000" pitchFamily="34" charset="-122"/>
+                </a:rPr>
+                <a:t>和控制视图</a:t>
+              </a:r>
+              <a:r>
+                <a:rPr lang="en-US" altLang="zh-CN" sz="1600" dirty="0" err="1">
+                  <a:solidFill>
+                    <a:srgbClr val="92BDE3"/>
+                  </a:solidFill>
+                  <a:latin typeface="思源黑体 CN Bold" panose="020B0800000000000000" pitchFamily="34" charset="-122"/>
+                  <a:ea typeface="思源黑体 CN Bold" panose="020B0800000000000000" pitchFamily="34" charset="-122"/>
+                </a:rPr>
+                <a:t>StatefulWidget</a:t>
+              </a:r>
+              <a:r>
+                <a:rPr lang="zh-CN" altLang="en-US" sz="1600" dirty="0">
+                  <a:solidFill>
+                    <a:srgbClr val="92BDE3"/>
+                  </a:solidFill>
+                  <a:latin typeface="思源黑体 CN Bold" panose="020B0800000000000000" pitchFamily="34" charset="-122"/>
+                  <a:ea typeface="思源黑体 CN Bold" panose="020B0800000000000000" pitchFamily="34" charset="-122"/>
+                </a:rPr>
+                <a:t>类组成的。</a:t>
+              </a:r>
+              <a:endParaRPr lang="en-US" altLang="zh-CN" sz="1600" dirty="0">
+                <a:solidFill>
+                  <a:srgbClr val="92BDE3"/>
+                </a:solidFill>
+                <a:latin typeface="思源黑体 CN Bold" panose="020B0800000000000000" pitchFamily="34" charset="-122"/>
+                <a:ea typeface="思源黑体 CN Bold" panose="020B0800000000000000" pitchFamily="34" charset="-122"/>
+              </a:endParaRPr>
+            </a:p>
+            <a:p>
+              <a:pPr>
+                <a:lnSpc>
+                  <a:spcPct val="150000"/>
+                </a:lnSpc>
+                <a:spcBef>
+                  <a:spcPct val="0"/>
+                </a:spcBef>
+              </a:pPr>
+              <a:endParaRPr lang="en-US" altLang="zh-CN" sz="1600" dirty="0">
+                <a:solidFill>
+                  <a:srgbClr val="92BDE3"/>
+                </a:solidFill>
+                <a:latin typeface="思源黑体 CN Bold" panose="020B0800000000000000" pitchFamily="34" charset="-122"/>
+                <a:ea typeface="思源黑体 CN Bold" panose="020B0800000000000000" pitchFamily="34" charset="-122"/>
+              </a:endParaRPr>
+            </a:p>
+            <a:p>
+              <a:pPr>
+                <a:lnSpc>
+                  <a:spcPct val="150000"/>
+                </a:lnSpc>
+                <a:spcBef>
+                  <a:spcPct val="0"/>
+                </a:spcBef>
+              </a:pPr>
+              <a:r>
+                <a:rPr lang="en-US" altLang="zh-CN" sz="1600" dirty="0">
+                  <a:solidFill>
+                    <a:srgbClr val="92BDE3"/>
+                  </a:solidFill>
+                  <a:latin typeface="思源黑体 CN Bold" panose="020B0800000000000000" pitchFamily="34" charset="-122"/>
+                  <a:ea typeface="思源黑体 CN Bold" panose="020B0800000000000000" pitchFamily="34" charset="-122"/>
+                </a:rPr>
+                <a:t>flutter</a:t>
+              </a:r>
+              <a:r>
+                <a:rPr lang="zh-CN" altLang="en-US" sz="1600" dirty="0">
+                  <a:solidFill>
+                    <a:srgbClr val="92BDE3"/>
+                  </a:solidFill>
+                  <a:latin typeface="思源黑体 CN Bold" panose="020B0800000000000000" pitchFamily="34" charset="-122"/>
+                  <a:ea typeface="思源黑体 CN Bold" panose="020B0800000000000000" pitchFamily="34" charset="-122"/>
+                </a:rPr>
+                <a:t>中的</a:t>
+              </a:r>
+              <a:r>
+                <a:rPr lang="en-US" altLang="zh-CN" sz="1600" dirty="0">
+                  <a:solidFill>
+                    <a:srgbClr val="92BDE3"/>
+                  </a:solidFill>
+                  <a:latin typeface="思源黑体 CN Bold" panose="020B0800000000000000" pitchFamily="34" charset="-122"/>
+                  <a:ea typeface="思源黑体 CN Bold" panose="020B0800000000000000" pitchFamily="34" charset="-122"/>
+                </a:rPr>
+                <a:t>State</a:t>
+              </a:r>
+              <a:r>
+                <a:rPr lang="zh-CN" altLang="en-US" sz="1600" dirty="0">
+                  <a:solidFill>
+                    <a:srgbClr val="92BDE3"/>
+                  </a:solidFill>
+                  <a:latin typeface="思源黑体 CN Bold" panose="020B0800000000000000" pitchFamily="34" charset="-122"/>
+                  <a:ea typeface="思源黑体 CN Bold" panose="020B0800000000000000" pitchFamily="34" charset="-122"/>
+                </a:rPr>
+                <a:t>生命周期大致分为三个阶段：</a:t>
+              </a:r>
+              <a:endParaRPr lang="en-US" altLang="zh-CN" sz="1600" dirty="0">
+                <a:solidFill>
+                  <a:srgbClr val="92BDE3"/>
+                </a:solidFill>
+                <a:latin typeface="思源黑体 CN Bold" panose="020B0800000000000000" pitchFamily="34" charset="-122"/>
+                <a:ea typeface="思源黑体 CN Bold" panose="020B0800000000000000" pitchFamily="34" charset="-122"/>
+              </a:endParaRPr>
+            </a:p>
+            <a:p>
+              <a:pPr marL="285750" indent="-285750">
+                <a:lnSpc>
+                  <a:spcPct val="150000"/>
+                </a:lnSpc>
+                <a:spcBef>
+                  <a:spcPct val="0"/>
+                </a:spcBef>
+                <a:buFont typeface="Arial" panose="020B0604020202020204" pitchFamily="34" charset="0"/>
+                <a:buChar char="•"/>
+              </a:pPr>
+              <a:r>
+                <a:rPr lang="zh-CN" altLang="en-US" sz="1600" dirty="0">
+                  <a:solidFill>
+                    <a:srgbClr val="92BDE3"/>
+                  </a:solidFill>
+                  <a:latin typeface="思源黑体 CN Bold" panose="020B0800000000000000" pitchFamily="34" charset="-122"/>
+                  <a:ea typeface="思源黑体 CN Bold" panose="020B0800000000000000" pitchFamily="34" charset="-122"/>
+                </a:rPr>
+                <a:t>实例化组件并添加到树</a:t>
+              </a:r>
+              <a:endParaRPr lang="en-US" altLang="zh-CN" sz="1600" dirty="0">
+                <a:solidFill>
+                  <a:srgbClr val="92BDE3"/>
+                </a:solidFill>
+                <a:latin typeface="思源黑体 CN Bold" panose="020B0800000000000000" pitchFamily="34" charset="-122"/>
+                <a:ea typeface="思源黑体 CN Bold" panose="020B0800000000000000" pitchFamily="34" charset="-122"/>
+              </a:endParaRPr>
+            </a:p>
+            <a:p>
+              <a:pPr marL="285750" indent="-285750">
+                <a:lnSpc>
+                  <a:spcPct val="150000"/>
+                </a:lnSpc>
+                <a:spcBef>
+                  <a:spcPct val="0"/>
+                </a:spcBef>
+                <a:buFont typeface="Arial" panose="020B0604020202020204" pitchFamily="34" charset="0"/>
+                <a:buChar char="•"/>
+              </a:pPr>
+              <a:r>
+                <a:rPr lang="zh-CN" altLang="en-US" sz="1600" dirty="0">
+                  <a:solidFill>
+                    <a:srgbClr val="92BDE3"/>
+                  </a:solidFill>
+                  <a:latin typeface="思源黑体 CN Bold" panose="020B0800000000000000" pitchFamily="34" charset="-122"/>
+                  <a:ea typeface="思源黑体 CN Bold" panose="020B0800000000000000" pitchFamily="34" charset="-122"/>
+                </a:rPr>
+                <a:t>状态变化</a:t>
+              </a:r>
+              <a:endParaRPr lang="en-US" altLang="zh-CN" sz="1600" dirty="0">
+                <a:solidFill>
+                  <a:srgbClr val="92BDE3"/>
+                </a:solidFill>
+                <a:latin typeface="思源黑体 CN Bold" panose="020B0800000000000000" pitchFamily="34" charset="-122"/>
+                <a:ea typeface="思源黑体 CN Bold" panose="020B0800000000000000" pitchFamily="34" charset="-122"/>
+              </a:endParaRPr>
+            </a:p>
+            <a:p>
+              <a:pPr marL="285750" indent="-285750">
+                <a:lnSpc>
+                  <a:spcPct val="150000"/>
+                </a:lnSpc>
+                <a:spcBef>
+                  <a:spcPct val="0"/>
+                </a:spcBef>
+                <a:buFont typeface="Arial" panose="020B0604020202020204" pitchFamily="34" charset="0"/>
+                <a:buChar char="•"/>
+              </a:pPr>
+              <a:r>
+                <a:rPr lang="zh-CN" altLang="en-US" sz="1600" dirty="0">
+                  <a:solidFill>
+                    <a:srgbClr val="92BDE3"/>
+                  </a:solidFill>
+                  <a:latin typeface="思源黑体 CN Bold" panose="020B0800000000000000" pitchFamily="34" charset="-122"/>
+                  <a:ea typeface="思源黑体 CN Bold" panose="020B0800000000000000" pitchFamily="34" charset="-122"/>
+                </a:rPr>
+                <a:t>组件从树中移除</a:t>
+              </a:r>
+            </a:p>
+          </p:txBody>
+        </p:sp>
+        <p:sp>
+          <p:nvSpPr>
+            <p:cNvPr id="21" name="iśḻîďê"/>
+            <p:cNvSpPr txBox="1"/>
+            <p:nvPr/>
+          </p:nvSpPr>
+          <p:spPr bwMode="auto">
+            <a:xfrm>
+              <a:off x="1540337" y="3051190"/>
+              <a:ext cx="3553381" cy="441805"/>
+            </a:xfrm>
+            <a:prstGeom prst="rect">
+              <a:avLst/>
+            </a:prstGeom>
+            <a:noFill/>
+            <a:ln>
+              <a:noFill/>
+            </a:ln>
+            <a:extLst>
+              <a:ext uri="{91240B29-F687-4F45-9708-019B960494DF}">
+                <a14:hiddenLine xmlns:a14="http://schemas.microsoft.com/office/drawing/2010/main" w="9525">
+                  <a:solidFill>
+                    <a:srgbClr val="000000"/>
+                  </a:solidFill>
+                  <a:miter lim="800000"/>
+                  <a:headEnd/>
+                  <a:tailEnd/>
+                </a14:hiddenLine>
+              </a:ext>
+            </a:extLst>
+          </p:spPr>
+          <p:txBody>
+            <a:bodyPr wrap="square" lIns="86698" tIns="43349" rIns="86698" bIns="43349">
+              <a:normAutofit/>
+            </a:bodyPr>
+            <a:lstStyle>
+              <a:defPPr>
+                <a:defRPr lang="zh-CN"/>
+              </a:defPPr>
+              <a:lvl1pPr marL="0" algn="l" defTabSz="913765" rtl="0" eaLnBrk="1" latinLnBrk="0" hangingPunct="1">
+                <a:defRPr sz="1800" kern="1200">
+                  <a:solidFill>
+                    <a:schemeClr val="tx1"/>
+                  </a:solidFill>
+                </a:defRPr>
+              </a:lvl1pPr>
+              <a:lvl2pPr marL="457200" algn="l" defTabSz="913765" rtl="0" eaLnBrk="1" latinLnBrk="0" hangingPunct="1">
+                <a:defRPr sz="1800" kern="1200">
+                  <a:solidFill>
+                    <a:schemeClr val="tx1"/>
+                  </a:solidFill>
+                </a:defRPr>
+              </a:lvl2pPr>
+              <a:lvl3pPr marL="914400" algn="l" defTabSz="913765" rtl="0" eaLnBrk="1" latinLnBrk="0" hangingPunct="1">
+                <a:defRPr sz="1800" kern="1200">
+                  <a:solidFill>
+                    <a:schemeClr val="tx1"/>
+                  </a:solidFill>
+                </a:defRPr>
+              </a:lvl3pPr>
+              <a:lvl4pPr marL="1371600" algn="l" defTabSz="913765" rtl="0" eaLnBrk="1" latinLnBrk="0" hangingPunct="1">
+                <a:defRPr sz="1800" kern="1200">
+                  <a:solidFill>
+                    <a:schemeClr val="tx1"/>
+                  </a:solidFill>
+                </a:defRPr>
+              </a:lvl4pPr>
+              <a:lvl5pPr marL="1828800" algn="l" defTabSz="913765" rtl="0" eaLnBrk="1" latinLnBrk="0" hangingPunct="1">
+                <a:defRPr sz="1800" kern="1200">
+                  <a:solidFill>
+                    <a:schemeClr val="tx1"/>
+                  </a:solidFill>
+                </a:defRPr>
+              </a:lvl5pPr>
+              <a:lvl6pPr marL="2286000" algn="l" defTabSz="913765" rtl="0" eaLnBrk="1" latinLnBrk="0" hangingPunct="1">
+                <a:defRPr sz="1800" kern="1200">
+                  <a:solidFill>
+                    <a:schemeClr val="tx1"/>
+                  </a:solidFill>
+                </a:defRPr>
+              </a:lvl6pPr>
+              <a:lvl7pPr marL="2743200" algn="l" defTabSz="913765" rtl="0" eaLnBrk="1" latinLnBrk="0" hangingPunct="1">
+                <a:defRPr sz="1800" kern="1200">
+                  <a:solidFill>
+                    <a:schemeClr val="tx1"/>
+                  </a:solidFill>
+                </a:defRPr>
+              </a:lvl7pPr>
+              <a:lvl8pPr marL="3200400" algn="l" defTabSz="913765" rtl="0" eaLnBrk="1" latinLnBrk="0" hangingPunct="1">
+                <a:defRPr sz="1800" kern="1200">
+                  <a:solidFill>
+                    <a:schemeClr val="tx1"/>
+                  </a:solidFill>
+                </a:defRPr>
+              </a:lvl8pPr>
+              <a:lvl9pPr marL="3657600" algn="l" defTabSz="913765" rtl="0" eaLnBrk="1" latinLnBrk="0" hangingPunct="1">
+                <a:defRPr sz="1800" kern="1200">
+                  <a:solidFill>
+                    <a:schemeClr val="tx1"/>
+                  </a:solidFill>
+                </a:defRPr>
+              </a:lvl9pPr>
+            </a:lstStyle>
+            <a:p>
+              <a:pPr eaLnBrk="1" hangingPunct="1">
+                <a:lnSpc>
+                  <a:spcPct val="100000"/>
+                </a:lnSpc>
+                <a:spcBef>
+                  <a:spcPct val="0"/>
+                </a:spcBef>
+              </a:pPr>
+              <a:r>
+                <a:rPr lang="zh-CN" altLang="en-US" sz="2400" b="1" dirty="0">
+                  <a:solidFill>
+                    <a:srgbClr val="5B9BD5"/>
+                  </a:solidFill>
+                  <a:latin typeface="微软雅黑" panose="020B0503020204020204" charset="-122"/>
+                  <a:ea typeface="微软雅黑" panose="020B0503020204020204" charset="-122"/>
+                  <a:sym typeface="+mn-ea"/>
+                </a:rPr>
+                <a:t>生命周期</a:t>
+              </a:r>
+              <a:endParaRPr lang="en-US" altLang="zh-CN" sz="2400" b="1" dirty="0">
+                <a:solidFill>
+                  <a:srgbClr val="5B9BD5"/>
+                </a:solidFill>
+                <a:latin typeface="思源黑体 CN Bold" panose="020B0800000000000000" pitchFamily="34" charset="-122"/>
+                <a:ea typeface="思源黑体 CN Bold" panose="020B0800000000000000" pitchFamily="34" charset="-122"/>
+              </a:endParaRPr>
+            </a:p>
+          </p:txBody>
+        </p:sp>
+      </p:grpSp>
+      <p:pic>
+        <p:nvPicPr>
+          <p:cNvPr id="1026" name="Picture 2" descr="https://img-blog.csdn.net/20180917152625599?watermark/2/text/aHR0cHM6Ly9ibG9nLmNzZG4ubmV0L3UwMTEyNzI3OTU=/font/5a6L5L2T/fontsize/400/fill/I0JBQkFCMA==/dissolve/70">
+            <a:extLst>
+              <a:ext uri="{FF2B5EF4-FFF2-40B4-BE49-F238E27FC236}">
+                <a16:creationId xmlns:a16="http://schemas.microsoft.com/office/drawing/2014/main" id="{2B6996F3-0C3B-4F5A-8289-B95B64543106}"/>
+              </a:ext>
+            </a:extLst>
+          </p:cNvPr>
+          <p:cNvPicPr>
+            <a:picLocks noChangeAspect="1" noChangeArrowheads="1"/>
+          </p:cNvPicPr>
+          <p:nvPr/>
+        </p:nvPicPr>
+        <p:blipFill>
+          <a:blip r:embed="rId3">
+            <a:extLst>
+              <a:ext uri="{28A0092B-C50C-407E-A947-70E740481C1C}">
+                <a14:useLocalDpi xmlns:a14="http://schemas.microsoft.com/office/drawing/2010/main" val="0"/>
+              </a:ext>
+            </a:extLst>
+          </a:blip>
+          <a:srcRect/>
+          <a:stretch>
+            <a:fillRect/>
+          </a:stretch>
+        </p:blipFill>
+        <p:spPr bwMode="auto">
+          <a:xfrm>
+            <a:off x="6002867" y="1609090"/>
+            <a:ext cx="5260017" cy="4960488"/>
+          </a:xfrm>
+          <a:prstGeom prst="rect">
+            <a:avLst/>
+          </a:prstGeom>
+          <a:noFill/>
+          <a:extLst>
+            <a:ext uri="{909E8E84-426E-40DD-AFC4-6F175D3DCCD1}">
+              <a14:hiddenFill xmlns:a14="http://schemas.microsoft.com/office/drawing/2010/main">
+                <a:solidFill>
+                  <a:srgbClr val="FFFFFF"/>
+                </a:solidFill>
+              </a14:hiddenFill>
+            </a:ext>
+          </a:extLst>
+        </p:spPr>
+      </p:pic>
+    </p:spTree>
+    <p:extLst>
+      <p:ext uri="{BB962C8B-B14F-4D97-AF65-F5344CB8AC3E}">
+        <p14:creationId xmlns:p14="http://schemas.microsoft.com/office/powerpoint/2010/main" val="3716865183"/>
+      </p:ext>
+    </p:extLst>
+  </p:cSld>
+  <p:clrMapOvr>
+    <a:masterClrMapping/>
+  </p:clrMapOvr>
+  <mc:AlternateContent xmlns:mc="http://schemas.openxmlformats.org/markup-compatibility/2006" xmlns:p14="http://schemas.microsoft.com/office/powerpoint/2010/main">
+    <mc:Choice Requires="p14">
+      <p:transition spd="slow" p14:dur="1500">
+        <p:split orient="vert"/>
+      </p:transition>
+    </mc:Choice>
+    <mc:Fallback xmlns="">
+      <p:transition spd="slow">
+        <p:split orient="vert"/>
+      </p:transition>
+    </mc:Fallback>
+  </mc:AlternateContent>
+  <p:timing>
+    <p:tnLst>
+      <p:par>
+        <p:cTn id="1" dur="indefinite" restart="never" nodeType="tmRoot">
+          <p:childTnLst>
+            <p:seq concurrent="1" nextAc="seek">
+              <p:cTn id="2" dur="indefinite" nodeType="mainSeq">
+                <p:childTnLst>
+                  <p:par>
+                    <p:cTn id="3" fill="hold">
+                      <p:stCondLst>
+                        <p:cond delay="indefinite"/>
+                        <p:cond evt="onBegin" delay="0">
+                          <p:tn val="2"/>
+                        </p:cond>
+                      </p:stCondLst>
+                      <p:childTnLst>
+                        <p:par>
+                          <p:cTn id="4" fill="hold">
+                            <p:stCondLst>
+                              <p:cond delay="0"/>
+                            </p:stCondLst>
+                            <p:childTnLst>
+                              <p:par>
+                                <p:cTn id="5" presetID="2" presetClass="entr" presetSubtype="1" decel="100000" fill="hold" grpId="0" nodeType="afterEffect">
+                                  <p:stCondLst>
+                                    <p:cond delay="0"/>
+                                  </p:stCondLst>
+                                  <p:childTnLst>
+                                    <p:set>
+                                      <p:cBhvr>
+                                        <p:cTn id="6" dur="1" fill="hold">
+                                          <p:stCondLst>
+                                            <p:cond delay="0"/>
+                                          </p:stCondLst>
+                                        </p:cTn>
+                                        <p:tgtEl>
+                                          <p:spTgt spid="100"/>
+                                        </p:tgtEl>
+                                        <p:attrNameLst>
+                                          <p:attrName>style.visibility</p:attrName>
+                                        </p:attrNameLst>
+                                      </p:cBhvr>
+                                      <p:to>
+                                        <p:strVal val="visible"/>
+                                      </p:to>
+                                    </p:set>
+                                    <p:anim calcmode="lin" valueType="num">
+                                      <p:cBhvr additive="base">
+                                        <p:cTn id="7" dur="750" fill="hold"/>
+                                        <p:tgtEl>
+                                          <p:spTgt spid="100"/>
+                                        </p:tgtEl>
+                                        <p:attrNameLst>
+                                          <p:attrName>ppt_x</p:attrName>
+                                        </p:attrNameLst>
+                                      </p:cBhvr>
+                                      <p:tavLst>
+                                        <p:tav tm="0">
+                                          <p:val>
+                                            <p:strVal val="#ppt_x"/>
+                                          </p:val>
+                                        </p:tav>
+                                        <p:tav tm="100000">
+                                          <p:val>
+                                            <p:strVal val="#ppt_x"/>
+                                          </p:val>
+                                        </p:tav>
+                                      </p:tavLst>
+                                    </p:anim>
+                                    <p:anim calcmode="lin" valueType="num">
+                                      <p:cBhvr additive="base">
+                                        <p:cTn id="8" dur="750" fill="hold"/>
+                                        <p:tgtEl>
+                                          <p:spTgt spid="100"/>
+                                        </p:tgtEl>
+                                        <p:attrNameLst>
+                                          <p:attrName>ppt_y</p:attrName>
+                                        </p:attrNameLst>
+                                      </p:cBhvr>
+                                      <p:tavLst>
+                                        <p:tav tm="0">
+                                          <p:val>
+                                            <p:strVal val="0-#ppt_h/2"/>
+                                          </p:val>
+                                        </p:tav>
+                                        <p:tav tm="100000">
+                                          <p:val>
+                                            <p:strVal val="#ppt_y"/>
+                                          </p:val>
+                                        </p:tav>
+                                      </p:tavLst>
+                                    </p:anim>
+                                  </p:childTnLst>
+                                </p:cTn>
+                              </p:par>
+                              <p:par>
+                                <p:cTn id="9" presetID="2" presetClass="entr" presetSubtype="1" decel="100000" fill="hold" grpId="0" nodeType="withEffect">
+                                  <p:stCondLst>
+                                    <p:cond delay="0"/>
+                                  </p:stCondLst>
+                                  <p:childTnLst>
+                                    <p:set>
+                                      <p:cBhvr>
+                                        <p:cTn id="10" dur="1" fill="hold">
+                                          <p:stCondLst>
+                                            <p:cond delay="0"/>
+                                          </p:stCondLst>
+                                        </p:cTn>
+                                        <p:tgtEl>
+                                          <p:spTgt spid="101"/>
+                                        </p:tgtEl>
+                                        <p:attrNameLst>
+                                          <p:attrName>style.visibility</p:attrName>
+                                        </p:attrNameLst>
+                                      </p:cBhvr>
+                                      <p:to>
+                                        <p:strVal val="visible"/>
+                                      </p:to>
+                                    </p:set>
+                                    <p:anim calcmode="lin" valueType="num">
+                                      <p:cBhvr additive="base">
+                                        <p:cTn id="11" dur="750" fill="hold"/>
+                                        <p:tgtEl>
+                                          <p:spTgt spid="101"/>
+                                        </p:tgtEl>
+                                        <p:attrNameLst>
+                                          <p:attrName>ppt_x</p:attrName>
+                                        </p:attrNameLst>
+                                      </p:cBhvr>
+                                      <p:tavLst>
+                                        <p:tav tm="0">
+                                          <p:val>
+                                            <p:strVal val="#ppt_x"/>
+                                          </p:val>
+                                        </p:tav>
+                                        <p:tav tm="100000">
+                                          <p:val>
+                                            <p:strVal val="#ppt_x"/>
+                                          </p:val>
+                                        </p:tav>
+                                      </p:tavLst>
+                                    </p:anim>
+                                    <p:anim calcmode="lin" valueType="num">
+                                      <p:cBhvr additive="base">
+                                        <p:cTn id="12" dur="750" fill="hold"/>
+                                        <p:tgtEl>
+                                          <p:spTgt spid="101"/>
+                                        </p:tgtEl>
+                                        <p:attrNameLst>
+                                          <p:attrName>ppt_y</p:attrName>
+                                        </p:attrNameLst>
+                                      </p:cBhvr>
+                                      <p:tavLst>
+                                        <p:tav tm="0">
+                                          <p:val>
+                                            <p:strVal val="0-#ppt_h/2"/>
+                                          </p:val>
+                                        </p:tav>
+                                        <p:tav tm="100000">
+                                          <p:val>
+                                            <p:strVal val="#ppt_y"/>
+                                          </p:val>
+                                        </p:tav>
+                                      </p:tavLst>
+                                    </p:anim>
+                                  </p:childTnLst>
+                                </p:cTn>
+                              </p:par>
+                            </p:childTnLst>
+                          </p:cTn>
+                        </p:par>
+                        <p:par>
+                          <p:cTn id="13" fill="hold">
+                            <p:stCondLst>
+                              <p:cond delay="1000"/>
+                            </p:stCondLst>
+                            <p:childTnLst>
+                              <p:par>
+                                <p:cTn id="14" presetID="22" presetClass="entr" presetSubtype="1" fill="hold" nodeType="afterEffect">
+                                  <p:stCondLst>
+                                    <p:cond delay="0"/>
+                                  </p:stCondLst>
+                                  <p:childTnLst>
+                                    <p:set>
+                                      <p:cBhvr>
+                                        <p:cTn id="15" dur="1" fill="hold">
+                                          <p:stCondLst>
+                                            <p:cond delay="0"/>
+                                          </p:stCondLst>
+                                        </p:cTn>
+                                        <p:tgtEl>
+                                          <p:spTgt spid="19"/>
+                                        </p:tgtEl>
+                                        <p:attrNameLst>
+                                          <p:attrName>style.visibility</p:attrName>
+                                        </p:attrNameLst>
+                                      </p:cBhvr>
+                                      <p:to>
+                                        <p:strVal val="visible"/>
+                                      </p:to>
+                                    </p:set>
+                                    <p:animEffect transition="in" filter="wipe(up)">
+                                      <p:cBhvr>
+                                        <p:cTn id="16" dur="500"/>
+                                        <p:tgtEl>
+                                          <p:spTgt spid="19"/>
+                                        </p:tgtEl>
+                                      </p:cBhvr>
+                                    </p:animEffect>
+                                  </p:childTnLst>
+                                </p:cTn>
+                              </p:par>
+                            </p:childTnLst>
+                          </p:cTn>
+                        </p:par>
+                        <p:par>
+                          <p:cTn id="17" fill="hold">
+                            <p:stCondLst>
+                              <p:cond delay="1500"/>
+                            </p:stCondLst>
+                            <p:childTnLst>
+                              <p:par>
+                                <p:cTn id="18" presetID="42" presetClass="entr" presetSubtype="0" fill="hold" nodeType="afterEffect">
+                                  <p:stCondLst>
+                                    <p:cond delay="0"/>
+                                  </p:stCondLst>
+                                  <p:childTnLst>
+                                    <p:set>
+                                      <p:cBhvr>
+                                        <p:cTn id="19" dur="1" fill="hold">
+                                          <p:stCondLst>
+                                            <p:cond delay="0"/>
+                                          </p:stCondLst>
+                                        </p:cTn>
+                                        <p:tgtEl>
+                                          <p:spTgt spid="1026"/>
+                                        </p:tgtEl>
+                                        <p:attrNameLst>
+                                          <p:attrName>style.visibility</p:attrName>
+                                        </p:attrNameLst>
+                                      </p:cBhvr>
+                                      <p:to>
+                                        <p:strVal val="visible"/>
+                                      </p:to>
+                                    </p:set>
+                                    <p:animEffect transition="in" filter="fade">
+                                      <p:cBhvr>
+                                        <p:cTn id="20" dur="1000"/>
+                                        <p:tgtEl>
+                                          <p:spTgt spid="1026"/>
+                                        </p:tgtEl>
+                                      </p:cBhvr>
+                                    </p:animEffect>
+                                    <p:anim calcmode="lin" valueType="num">
+                                      <p:cBhvr>
+                                        <p:cTn id="21" dur="1000" fill="hold"/>
+                                        <p:tgtEl>
+                                          <p:spTgt spid="1026"/>
+                                        </p:tgtEl>
+                                        <p:attrNameLst>
+                                          <p:attrName>ppt_x</p:attrName>
+                                        </p:attrNameLst>
+                                      </p:cBhvr>
+                                      <p:tavLst>
+                                        <p:tav tm="0">
+                                          <p:val>
+                                            <p:strVal val="#ppt_x"/>
+                                          </p:val>
+                                        </p:tav>
+                                        <p:tav tm="100000">
+                                          <p:val>
+                                            <p:strVal val="#ppt_x"/>
+                                          </p:val>
+                                        </p:tav>
+                                      </p:tavLst>
+                                    </p:anim>
+                                    <p:anim calcmode="lin" valueType="num">
+                                      <p:cBhvr>
+                                        <p:cTn id="22" dur="1000" fill="hold"/>
+                                        <p:tgtEl>
+                                          <p:spTgt spid="1026"/>
+                                        </p:tgtEl>
+                                        <p:attrNameLst>
+                                          <p:attrName>ppt_y</p:attrName>
+                                        </p:attrNameLst>
+                                      </p:cBhvr>
+                                      <p:tavLst>
+                                        <p:tav tm="0">
+                                          <p:val>
+                                            <p:strVal val="#ppt_y+.1"/>
+                                          </p:val>
+                                        </p:tav>
+                                        <p:tav tm="100000">
+                                          <p:val>
+                                            <p:strVal val="#ppt_y"/>
+                                          </p:val>
+                                        </p:tav>
+                                      </p:tavLst>
+                                    </p:anim>
+                                  </p:childTnLst>
+                                </p:cTn>
+                              </p:par>
+                            </p:childTnLst>
+                          </p:cTn>
+                        </p:par>
+                      </p:childTnLst>
+                    </p:cTn>
+                  </p:par>
+                </p:childTnLst>
+              </p:cTn>
+              <p:prevCondLst>
+                <p:cond evt="onPrev" delay="0">
+                  <p:tgtEl>
+                    <p:sldTgt/>
+                  </p:tgtEl>
+                </p:cond>
+              </p:prevCondLst>
+              <p:nextCondLst>
+                <p:cond evt="onNext" delay="0">
+                  <p:tgtEl>
+                    <p:sldTgt/>
+                  </p:tgtEl>
+                </p:cond>
+              </p:nextCondLst>
+            </p:seq>
+          </p:childTnLst>
+        </p:cTn>
+      </p:par>
+    </p:tnLst>
+    <p:bldLst>
+      <p:bldP spid="100" grpId="0"/>
+      <p:bldP spid="101" grpId="0"/>
+    </p:bldLst>
+  </p:timing>
+</p:sld>
+</file>
+
+<file path=ppt/slides/slide11.xml><?xml version="1.0" encoding="utf-8"?>
+<p:sld xmlns:a="http://schemas.openxmlformats.org/drawingml/2006/main" xmlns:r="http://schemas.openxmlformats.org/officeDocument/2006/relationships" xmlns:p="http://schemas.openxmlformats.org/presentationml/2006/main">
+  <p:cSld>
+    <p:spTree>
+      <p:nvGrpSpPr>
+        <p:cNvPr id="1" name=""/>
+        <p:cNvGrpSpPr/>
+        <p:nvPr/>
+      </p:nvGrpSpPr>
+      <p:grpSpPr>
+        <a:xfrm>
+          <a:off x="0" y="0"/>
+          <a:ext cx="0" cy="0"/>
+          <a:chOff x="0" y="0"/>
+          <a:chExt cx="0" cy="0"/>
+        </a:xfrm>
+      </p:grpSpPr>
+      <p:cxnSp>
+        <p:nvCxnSpPr>
+          <p:cNvPr id="8" name="直接连接符 7"/>
+          <p:cNvCxnSpPr/>
+          <p:nvPr/>
+        </p:nvCxnSpPr>
+        <p:spPr>
+          <a:xfrm>
+            <a:off x="1474106" y="857250"/>
+            <a:ext cx="2324100" cy="0"/>
+          </a:xfrm>
+          <a:prstGeom prst="line">
+            <a:avLst/>
+          </a:prstGeom>
+          <a:ln>
+            <a:solidFill>
+              <a:srgbClr val="5B9BD5"/>
+            </a:solidFill>
+          </a:ln>
+        </p:spPr>
+        <p:style>
+          <a:lnRef idx="1">
+            <a:schemeClr val="dk1"/>
+          </a:lnRef>
+          <a:fillRef idx="0">
+            <a:schemeClr val="dk1"/>
+          </a:fillRef>
+          <a:effectRef idx="0">
+            <a:schemeClr val="dk1"/>
+          </a:effectRef>
+          <a:fontRef idx="minor">
+            <a:schemeClr val="tx1"/>
+          </a:fontRef>
+        </p:style>
+      </p:cxnSp>
+      <p:cxnSp>
+        <p:nvCxnSpPr>
+          <p:cNvPr id="10" name="直接连接符 9"/>
+          <p:cNvCxnSpPr/>
+          <p:nvPr/>
+        </p:nvCxnSpPr>
+        <p:spPr>
+          <a:xfrm>
+            <a:off x="8873855" y="857250"/>
+            <a:ext cx="2324100" cy="0"/>
+          </a:xfrm>
+          <a:prstGeom prst="line">
+            <a:avLst/>
+          </a:prstGeom>
+          <a:ln>
+            <a:solidFill>
+              <a:srgbClr val="5B9BD5"/>
+            </a:solidFill>
+          </a:ln>
+        </p:spPr>
+        <p:style>
+          <a:lnRef idx="1">
+            <a:schemeClr val="dk1"/>
+          </a:lnRef>
+          <a:fillRef idx="0">
+            <a:schemeClr val="dk1"/>
+          </a:fillRef>
+          <a:effectRef idx="0">
+            <a:schemeClr val="dk1"/>
+          </a:effectRef>
+          <a:fontRef idx="minor">
+            <a:schemeClr val="tx1"/>
+          </a:fontRef>
+        </p:style>
+      </p:cxnSp>
+      <p:sp>
+        <p:nvSpPr>
+          <p:cNvPr id="100" name="TextBox 99"/>
+          <p:cNvSpPr txBox="1"/>
+          <p:nvPr/>
+        </p:nvSpPr>
+        <p:spPr>
+          <a:xfrm>
+            <a:off x="3798169" y="503294"/>
+            <a:ext cx="5076356" cy="706755"/>
+          </a:xfrm>
+          <a:prstGeom prst="rect">
+            <a:avLst/>
+          </a:prstGeom>
+          <a:noFill/>
+        </p:spPr>
+        <p:txBody>
+          <a:bodyPr wrap="square" rtlCol="0">
+            <a:spAutoFit/>
+          </a:bodyPr>
+          <a:lstStyle/>
+          <a:p>
+            <a:pPr algn="ctr"/>
+            <a:r>
+              <a:rPr lang="zh-CN" altLang="en-US" sz="4000" b="1" dirty="0">
+                <a:solidFill>
+                  <a:srgbClr val="5B9BD5"/>
+                </a:solidFill>
+                <a:latin typeface="微软雅黑" panose="020B0503020204020204" charset="-122"/>
+                <a:ea typeface="微软雅黑" panose="020B0503020204020204" charset="-122"/>
+                <a:sym typeface="+mn-ea"/>
+              </a:rPr>
+              <a:t>Widget和框架布局</a:t>
+            </a:r>
+            <a:endParaRPr lang="zh-CN" altLang="en-US" sz="4000" b="1" dirty="0">
+              <a:solidFill>
+                <a:srgbClr val="5B9BD5"/>
+              </a:solidFill>
+              <a:latin typeface="微软雅黑" panose="020B0503020204020204" charset="-122"/>
+              <a:ea typeface="微软雅黑" panose="020B0503020204020204" charset="-122"/>
+              <a:cs typeface="Lato Heavy" panose="020F0502020204030203" pitchFamily="34" charset="0"/>
+              <a:sym typeface="+mn-ea"/>
+            </a:endParaRPr>
+          </a:p>
+        </p:txBody>
+      </p:sp>
+      <p:sp>
+        <p:nvSpPr>
+          <p:cNvPr id="101" name="TextBox 100"/>
+          <p:cNvSpPr txBox="1"/>
+          <p:nvPr/>
+        </p:nvSpPr>
+        <p:spPr>
+          <a:xfrm>
+            <a:off x="4627880" y="1210310"/>
+            <a:ext cx="2936240" cy="398780"/>
+          </a:xfrm>
+          <a:prstGeom prst="rect">
+            <a:avLst/>
+          </a:prstGeom>
+          <a:noFill/>
+        </p:spPr>
+        <p:txBody>
+          <a:bodyPr wrap="square" rtlCol="0">
+            <a:spAutoFit/>
+          </a:bodyPr>
+          <a:lstStyle/>
+          <a:p>
+            <a:pPr algn="ctr"/>
+            <a:r>
+              <a:rPr lang="zh-CN" sz="2000" dirty="0">
+                <a:solidFill>
+                  <a:srgbClr val="5B9BD5"/>
+                </a:solidFill>
+                <a:latin typeface="+mj-lt"/>
+                <a:cs typeface="+mj-lt"/>
+              </a:rPr>
+              <a:t>常用的</a:t>
+            </a:r>
+            <a:r>
+              <a:rPr sz="2000" dirty="0">
+                <a:solidFill>
+                  <a:srgbClr val="5B9BD5"/>
+                </a:solidFill>
+                <a:latin typeface="+mj-lt"/>
+                <a:cs typeface="+mj-lt"/>
+              </a:rPr>
+              <a:t>Widget</a:t>
+            </a:r>
+          </a:p>
+        </p:txBody>
+      </p:sp>
+      <p:sp>
+        <p:nvSpPr>
+          <p:cNvPr id="13" name="í$ḷîḑé"/>
+          <p:cNvSpPr/>
+          <p:nvPr/>
+        </p:nvSpPr>
+        <p:spPr>
+          <a:xfrm>
+            <a:off x="572135" y="4386580"/>
+            <a:ext cx="11243945" cy="2275840"/>
+          </a:xfrm>
+          <a:prstGeom prst="rect">
+            <a:avLst/>
+          </a:prstGeom>
+          <a:noFill/>
+          <a:ln w="9525">
+            <a:noFill/>
+            <a:miter lim="800000"/>
+          </a:ln>
+          <a:extLst>
+            <a:ext uri="{909E8E84-426E-40DD-AFC4-6F175D3DCCD1}">
+              <a14:hiddenFill xmlns:a14="http://schemas.microsoft.com/office/drawing/2010/main">
+                <a:solidFill>
+                  <a:srgbClr val="FFFFFF"/>
+                </a:solidFill>
+              </a14:hiddenFill>
+            </a:ext>
+          </a:extLst>
+        </p:spPr>
+        <p:txBody>
+          <a:bodyPr wrap="square" lIns="86698" tIns="43349" rIns="86698" bIns="43349" anchor="t" anchorCtr="0">
+            <a:noAutofit/>
+          </a:bodyPr>
+          <a:lstStyle/>
+          <a:p>
+            <a:pPr marL="285750" indent="-285750">
+              <a:lnSpc>
+                <a:spcPct val="150000"/>
+              </a:lnSpc>
+              <a:spcBef>
+                <a:spcPct val="0"/>
+              </a:spcBef>
+              <a:buFont typeface="Arial" panose="020B0604020202020204" pitchFamily="34" charset="0"/>
+              <a:buChar char="•"/>
+            </a:pPr>
+            <a:endParaRPr lang="en-US" sz="1600" dirty="0">
+              <a:solidFill>
+                <a:srgbClr val="92BDE3"/>
+              </a:solidFill>
+              <a:latin typeface="思源黑体 CN Bold" panose="020B0800000000000000" pitchFamily="34" charset="-122"/>
+              <a:ea typeface="思源黑体 CN Bold" panose="020B0800000000000000" pitchFamily="34" charset="-122"/>
+              <a:sym typeface="+mn-ea"/>
+            </a:endParaRPr>
+          </a:p>
+        </p:txBody>
+      </p:sp>
+      <p:grpSp>
+        <p:nvGrpSpPr>
+          <p:cNvPr id="19" name="ï$líḋè"/>
+          <p:cNvGrpSpPr/>
+          <p:nvPr/>
+        </p:nvGrpSpPr>
+        <p:grpSpPr>
+          <a:xfrm>
             <a:off x="553721" y="1807843"/>
             <a:ext cx="11262359" cy="4752342"/>
             <a:chOff x="1562321" y="3170596"/>
@@ -6226,13 +7284,6 @@
                 </a:rPr>
                 <a:t>有这路由、标题等属性。</a:t>
               </a:r>
-              <a:endParaRPr lang="zh-CN" altLang="en-US" dirty="0">
-                <a:solidFill>
-                  <a:srgbClr val="5B9BD5"/>
-                </a:solidFill>
-                <a:latin typeface="思源黑体 CN Bold" panose="020B0800000000000000" pitchFamily="34" charset="-122"/>
-                <a:ea typeface="思源黑体 CN Bold" panose="020B0800000000000000" pitchFamily="34" charset="-122"/>
-              </a:endParaRPr>
             </a:p>
             <a:p>
               <a:pPr marL="285750" indent="-285750">
@@ -6265,13 +7316,6 @@
                 </a:rPr>
                 <a:t>Scaffold通常被用作MaterialApp的子Widget，它会填充可用空间，占据整个窗口或设备屏幕。Scaffold提供了大多数应用程序都应该具备的功能，例如顶部的appBar，底部的bottomNavigationBar，</a:t>
               </a:r>
-              <a:endParaRPr lang="en-US" altLang="zh-CN" dirty="0">
-                <a:solidFill>
-                  <a:srgbClr val="5B9BD5"/>
-                </a:solidFill>
-                <a:latin typeface="思源黑体 CN Bold" panose="020B0800000000000000" pitchFamily="34" charset="-122"/>
-                <a:ea typeface="思源黑体 CN Bold" panose="020B0800000000000000" pitchFamily="34" charset="-122"/>
-              </a:endParaRPr>
             </a:p>
             <a:p>
               <a:pPr indent="0">
@@ -6413,13 +7457,6 @@
                 </a:rPr>
                 <a:t>等等属性。</a:t>
               </a:r>
-              <a:endParaRPr lang="zh-CN" altLang="en-US" dirty="0">
-                <a:solidFill>
-                  <a:srgbClr val="5B9BD5"/>
-                </a:solidFill>
-                <a:latin typeface="思源黑体 CN Bold" panose="020B0800000000000000" pitchFamily="34" charset="-122"/>
-                <a:ea typeface="思源黑体 CN Bold" panose="020B0800000000000000" pitchFamily="34" charset="-122"/>
-              </a:endParaRPr>
             </a:p>
             <a:p>
               <a:pPr marL="285750" indent="-285750">
@@ -6462,13 +7499,6 @@
                 </a:rPr>
                 <a:t> 创建带格式的文本。</a:t>
               </a:r>
-              <a:endParaRPr lang="zh-CN" altLang="en-US" dirty="0">
-                <a:solidFill>
-                  <a:srgbClr val="5B9BD5"/>
-                </a:solidFill>
-                <a:latin typeface="思源黑体 CN Bold" panose="020B0800000000000000" pitchFamily="34" charset="-122"/>
-                <a:ea typeface="思源黑体 CN Bold" panose="020B0800000000000000" pitchFamily="34" charset="-122"/>
-              </a:endParaRPr>
             </a:p>
             <a:p>
               <a:pPr marL="285750" indent="-285750">
@@ -6730,14 +7760,6 @@
                 </a:rPr>
                 <a:t>：</a:t>
               </a:r>
-              <a:endParaRPr lang="zh-CN" altLang="en-US" sz="2400" b="1" dirty="0">
-                <a:solidFill>
-                  <a:srgbClr val="5B9BD5"/>
-                </a:solidFill>
-                <a:latin typeface="微软雅黑" panose="020B0503020204020204" charset="-122"/>
-                <a:ea typeface="微软雅黑" panose="020B0503020204020204" charset="-122"/>
-                <a:sym typeface="+mn-ea"/>
-              </a:endParaRPr>
             </a:p>
             <a:p>
               <a:pPr eaLnBrk="1" hangingPunct="1">
@@ -6765,13 +7787,13 @@
   <p:clrMapOvr>
     <a:masterClrMapping/>
   </p:clrMapOvr>
-  <mc:AlternateContent xmlns:mc="http://schemas.openxmlformats.org/markup-compatibility/2006">
-    <mc:Choice xmlns:p14="http://schemas.microsoft.com/office/powerpoint/2010/main" Requires="p14">
+  <mc:AlternateContent xmlns:mc="http://schemas.openxmlformats.org/markup-compatibility/2006" xmlns:p14="http://schemas.microsoft.com/office/powerpoint/2010/main">
+    <mc:Choice Requires="p14">
       <p:transition spd="slow" p14:dur="1500">
         <p:split orient="vert"/>
       </p:transition>
     </mc:Choice>
-    <mc:Fallback>
+    <mc:Fallback xmlns="">
       <p:transition spd="slow">
         <p:split orient="vert"/>
       </p:transition>
@@ -7025,771 +8047,6 @@
 </p:sld>
 </file>
 
-<file path=ppt/slides/slide11.xml><?xml version="1.0" encoding="utf-8"?>
-<p:sld xmlns:a="http://schemas.openxmlformats.org/drawingml/2006/main" xmlns:r="http://schemas.openxmlformats.org/officeDocument/2006/relationships" xmlns:p="http://schemas.openxmlformats.org/presentationml/2006/main">
-  <p:cSld>
-    <p:spTree>
-      <p:nvGrpSpPr>
-        <p:cNvPr id="1" name=""/>
-        <p:cNvGrpSpPr/>
-        <p:nvPr/>
-      </p:nvGrpSpPr>
-      <p:grpSpPr>
-        <a:xfrm>
-          <a:off x="0" y="0"/>
-          <a:ext cx="0" cy="0"/>
-          <a:chOff x="0" y="0"/>
-          <a:chExt cx="0" cy="0"/>
-        </a:xfrm>
-      </p:grpSpPr>
-      <p:cxnSp>
-        <p:nvCxnSpPr>
-          <p:cNvPr id="8" name="直接连接符 7"/>
-          <p:cNvCxnSpPr/>
-          <p:nvPr/>
-        </p:nvCxnSpPr>
-        <p:spPr>
-          <a:xfrm>
-            <a:off x="1474106" y="857250"/>
-            <a:ext cx="2324100" cy="0"/>
-          </a:xfrm>
-          <a:prstGeom prst="line">
-            <a:avLst/>
-          </a:prstGeom>
-          <a:ln>
-            <a:solidFill>
-              <a:srgbClr val="5B9BD5"/>
-            </a:solidFill>
-          </a:ln>
-        </p:spPr>
-        <p:style>
-          <a:lnRef idx="1">
-            <a:schemeClr val="dk1"/>
-          </a:lnRef>
-          <a:fillRef idx="0">
-            <a:schemeClr val="dk1"/>
-          </a:fillRef>
-          <a:effectRef idx="0">
-            <a:schemeClr val="dk1"/>
-          </a:effectRef>
-          <a:fontRef idx="minor">
-            <a:schemeClr val="tx1"/>
-          </a:fontRef>
-        </p:style>
-      </p:cxnSp>
-      <p:cxnSp>
-        <p:nvCxnSpPr>
-          <p:cNvPr id="10" name="直接连接符 9"/>
-          <p:cNvCxnSpPr/>
-          <p:nvPr/>
-        </p:nvCxnSpPr>
-        <p:spPr>
-          <a:xfrm>
-            <a:off x="8873855" y="857250"/>
-            <a:ext cx="2324100" cy="0"/>
-          </a:xfrm>
-          <a:prstGeom prst="line">
-            <a:avLst/>
-          </a:prstGeom>
-          <a:ln>
-            <a:solidFill>
-              <a:srgbClr val="5B9BD5"/>
-            </a:solidFill>
-          </a:ln>
-        </p:spPr>
-        <p:style>
-          <a:lnRef idx="1">
-            <a:schemeClr val="dk1"/>
-          </a:lnRef>
-          <a:fillRef idx="0">
-            <a:schemeClr val="dk1"/>
-          </a:fillRef>
-          <a:effectRef idx="0">
-            <a:schemeClr val="dk1"/>
-          </a:effectRef>
-          <a:fontRef idx="minor">
-            <a:schemeClr val="tx1"/>
-          </a:fontRef>
-        </p:style>
-      </p:cxnSp>
-      <p:sp>
-        <p:nvSpPr>
-          <p:cNvPr id="100" name="TextBox 99"/>
-          <p:cNvSpPr txBox="1"/>
-          <p:nvPr/>
-        </p:nvSpPr>
-        <p:spPr>
-          <a:xfrm>
-            <a:off x="3798169" y="503294"/>
-            <a:ext cx="5076356" cy="706755"/>
-          </a:xfrm>
-          <a:prstGeom prst="rect">
-            <a:avLst/>
-          </a:prstGeom>
-          <a:noFill/>
-        </p:spPr>
-        <p:txBody>
-          <a:bodyPr wrap="square" rtlCol="0">
-            <a:spAutoFit/>
-          </a:bodyPr>
-          <a:p>
-            <a:pPr algn="ctr"/>
-            <a:r>
-              <a:rPr lang="zh-CN" altLang="en-US" sz="4000" b="1" dirty="0">
-                <a:solidFill>
-                  <a:srgbClr val="5B9BD5"/>
-                </a:solidFill>
-                <a:latin typeface="微软雅黑" panose="020B0503020204020204" charset="-122"/>
-                <a:ea typeface="微软雅黑" panose="020B0503020204020204" charset="-122"/>
-                <a:sym typeface="+mn-ea"/>
-              </a:rPr>
-              <a:t>Widget和框架布局</a:t>
-            </a:r>
-            <a:endParaRPr lang="zh-CN" altLang="en-US" sz="4000" b="1" dirty="0">
-              <a:solidFill>
-                <a:srgbClr val="5B9BD5"/>
-              </a:solidFill>
-              <a:latin typeface="微软雅黑" panose="020B0503020204020204" charset="-122"/>
-              <a:ea typeface="微软雅黑" panose="020B0503020204020204" charset="-122"/>
-              <a:cs typeface="Lato Heavy" panose="020F0502020204030203" pitchFamily="34" charset="0"/>
-              <a:sym typeface="+mn-ea"/>
-            </a:endParaRPr>
-          </a:p>
-        </p:txBody>
-      </p:sp>
-      <p:sp>
-        <p:nvSpPr>
-          <p:cNvPr id="101" name="TextBox 100"/>
-          <p:cNvSpPr txBox="1"/>
-          <p:nvPr/>
-        </p:nvSpPr>
-        <p:spPr>
-          <a:xfrm>
-            <a:off x="4627880" y="1210310"/>
-            <a:ext cx="2936240" cy="398780"/>
-          </a:xfrm>
-          <a:prstGeom prst="rect">
-            <a:avLst/>
-          </a:prstGeom>
-          <a:noFill/>
-        </p:spPr>
-        <p:txBody>
-          <a:bodyPr wrap="square" rtlCol="0">
-            <a:spAutoFit/>
-          </a:bodyPr>
-          <a:p>
-            <a:pPr algn="ctr"/>
-            <a:r>
-              <a:rPr lang="zh-CN" sz="2000" dirty="0">
-                <a:solidFill>
-                  <a:srgbClr val="5B9BD5"/>
-                </a:solidFill>
-                <a:latin typeface="+mj-lt"/>
-                <a:cs typeface="+mj-lt"/>
-              </a:rPr>
-              <a:t>常用的</a:t>
-            </a:r>
-            <a:r>
-              <a:rPr sz="2000" dirty="0">
-                <a:solidFill>
-                  <a:srgbClr val="5B9BD5"/>
-                </a:solidFill>
-                <a:latin typeface="+mj-lt"/>
-                <a:cs typeface="+mj-lt"/>
-              </a:rPr>
-              <a:t>Widget</a:t>
-            </a:r>
-            <a:endParaRPr sz="2000" dirty="0">
-              <a:solidFill>
-                <a:srgbClr val="5B9BD5"/>
-              </a:solidFill>
-              <a:latin typeface="+mj-lt"/>
-              <a:cs typeface="+mj-lt"/>
-            </a:endParaRPr>
-          </a:p>
-        </p:txBody>
-      </p:sp>
-      <p:sp>
-        <p:nvSpPr>
-          <p:cNvPr id="13" name="í$ḷîḑé"/>
-          <p:cNvSpPr/>
-          <p:nvPr/>
-        </p:nvSpPr>
-        <p:spPr>
-          <a:xfrm>
-            <a:off x="572135" y="4386580"/>
-            <a:ext cx="11243945" cy="2275840"/>
-          </a:xfrm>
-          <a:prstGeom prst="rect">
-            <a:avLst/>
-          </a:prstGeom>
-          <a:noFill/>
-          <a:ln w="9525">
-            <a:noFill/>
-            <a:miter lim="800000"/>
-          </a:ln>
-          <a:extLst>
-            <a:ext uri="{909E8E84-426E-40DD-AFC4-6F175D3DCCD1}">
-              <a14:hiddenFill xmlns:a14="http://schemas.microsoft.com/office/drawing/2010/main">
-                <a:solidFill>
-                  <a:srgbClr val="FFFFFF"/>
-                </a:solidFill>
-              </a14:hiddenFill>
-            </a:ext>
-          </a:extLst>
-        </p:spPr>
-        <p:txBody>
-          <a:bodyPr wrap="square" lIns="86698" tIns="43349" rIns="86698" bIns="43349" anchor="t" anchorCtr="0">
-            <a:noAutofit/>
-          </a:bodyPr>
-          <a:lstStyle/>
-          <a:p>
-            <a:pPr marL="285750" indent="-285750">
-              <a:lnSpc>
-                <a:spcPct val="150000"/>
-              </a:lnSpc>
-              <a:spcBef>
-                <a:spcPct val="0"/>
-              </a:spcBef>
-              <a:buFont typeface="Arial" panose="020B0604020202020204" pitchFamily="34" charset="0"/>
-              <a:buChar char="•"/>
-            </a:pPr>
-            <a:endParaRPr lang="en-US" sz="1600" dirty="0">
-              <a:solidFill>
-                <a:srgbClr val="92BDE3"/>
-              </a:solidFill>
-              <a:latin typeface="思源黑体 CN Bold" panose="020B0800000000000000" pitchFamily="34" charset="-122"/>
-              <a:ea typeface="思源黑体 CN Bold" panose="020B0800000000000000" pitchFamily="34" charset="-122"/>
-              <a:sym typeface="+mn-ea"/>
-            </a:endParaRPr>
-          </a:p>
-        </p:txBody>
-      </p:sp>
-      <p:sp>
-        <p:nvSpPr>
-          <p:cNvPr id="20" name="í$ḷîḑé"/>
-          <p:cNvSpPr/>
-          <p:nvPr/>
-        </p:nvSpPr>
-        <p:spPr>
-          <a:xfrm>
-            <a:off x="572135" y="1687195"/>
-            <a:ext cx="4742815" cy="4279265"/>
-          </a:xfrm>
-          <a:prstGeom prst="rect">
-            <a:avLst/>
-          </a:prstGeom>
-          <a:noFill/>
-          <a:ln w="9525">
-            <a:noFill/>
-            <a:miter lim="800000"/>
-          </a:ln>
-          <a:extLst>
-            <a:ext uri="{909E8E84-426E-40DD-AFC4-6F175D3DCCD1}">
-              <a14:hiddenFill xmlns:a14="http://schemas.microsoft.com/office/drawing/2010/main">
-                <a:solidFill>
-                  <a:srgbClr val="FFFFFF"/>
-                </a:solidFill>
-              </a14:hiddenFill>
-            </a:ext>
-          </a:extLst>
-        </p:spPr>
-        <p:txBody>
-          <a:bodyPr wrap="square" lIns="86698" tIns="43349" rIns="86698" bIns="43349" anchor="t" anchorCtr="0">
-            <a:noAutofit/>
-          </a:bodyPr>
-          <a:lstStyle/>
-          <a:p>
-            <a:pPr marL="285750" indent="-285750">
-              <a:lnSpc>
-                <a:spcPct val="190000"/>
-              </a:lnSpc>
-              <a:spcBef>
-                <a:spcPct val="0"/>
-              </a:spcBef>
-              <a:buFont typeface="Arial" panose="020B0604020202020204" pitchFamily="34" charset="0"/>
-              <a:buChar char="•"/>
-            </a:pPr>
-            <a:r>
-              <a:rPr lang="en-US" altLang="zh-CN" b="1" dirty="0">
-                <a:solidFill>
-                  <a:srgbClr val="5B9BD5"/>
-                </a:solidFill>
-                <a:latin typeface="思源黑体 CN Bold" panose="020B0800000000000000" pitchFamily="34" charset="-122"/>
-                <a:ea typeface="思源黑体 CN Bold" panose="020B0800000000000000" pitchFamily="34" charset="-122"/>
-              </a:rPr>
-              <a:t>Icon</a:t>
-            </a:r>
-            <a:r>
-              <a:rPr lang="zh-CN" altLang="en-US" b="1" dirty="0">
-                <a:solidFill>
-                  <a:srgbClr val="5B9BD5"/>
-                </a:solidFill>
-                <a:latin typeface="思源黑体 CN Bold" panose="020B0800000000000000" pitchFamily="34" charset="-122"/>
-                <a:ea typeface="思源黑体 CN Bold" panose="020B0800000000000000" pitchFamily="34" charset="-122"/>
-              </a:rPr>
-              <a:t>：</a:t>
-            </a:r>
-            <a:r>
-              <a:rPr lang="zh-CN" altLang="en-US" dirty="0">
-                <a:solidFill>
-                  <a:srgbClr val="5B9BD5"/>
-                </a:solidFill>
-                <a:latin typeface="思源黑体 CN Bold" panose="020B0800000000000000" pitchFamily="34" charset="-122"/>
-                <a:ea typeface="思源黑体 CN Bold" panose="020B0800000000000000" pitchFamily="34" charset="-122"/>
-              </a:rPr>
-              <a:t>可以创建一个图标。</a:t>
-            </a:r>
-            <a:endParaRPr lang="zh-CN" altLang="en-US" dirty="0">
-              <a:solidFill>
-                <a:srgbClr val="5B9BD5"/>
-              </a:solidFill>
-              <a:latin typeface="思源黑体 CN Bold" panose="020B0800000000000000" pitchFamily="34" charset="-122"/>
-              <a:ea typeface="思源黑体 CN Bold" panose="020B0800000000000000" pitchFamily="34" charset="-122"/>
-            </a:endParaRPr>
-          </a:p>
-          <a:p>
-            <a:pPr marL="285750" indent="-285750">
-              <a:lnSpc>
-                <a:spcPct val="190000"/>
-              </a:lnSpc>
-              <a:spcBef>
-                <a:spcPct val="0"/>
-              </a:spcBef>
-              <a:buFont typeface="Arial" panose="020B0604020202020204" pitchFamily="34" charset="0"/>
-              <a:buChar char="•"/>
-            </a:pPr>
-            <a:r>
-              <a:rPr lang="zh-CN" altLang="en-US" b="1" dirty="0">
-                <a:solidFill>
-                  <a:srgbClr val="5B9BD5"/>
-                </a:solidFill>
-                <a:latin typeface="思源黑体 CN Bold" panose="020B0800000000000000" pitchFamily="34" charset="-122"/>
-                <a:ea typeface="思源黑体 CN Bold" panose="020B0800000000000000" pitchFamily="34" charset="-122"/>
-              </a:rPr>
-              <a:t>Image </a:t>
-            </a:r>
-            <a:r>
-              <a:rPr lang="en-US" altLang="zh-CN" b="1" dirty="0">
-                <a:solidFill>
-                  <a:srgbClr val="5B9BD5"/>
-                </a:solidFill>
-                <a:latin typeface="思源黑体 CN Bold" panose="020B0800000000000000" pitchFamily="34" charset="-122"/>
-                <a:ea typeface="思源黑体 CN Bold" panose="020B0800000000000000" pitchFamily="34" charset="-122"/>
-              </a:rPr>
-              <a:t>: </a:t>
-            </a:r>
-            <a:r>
-              <a:rPr lang="zh-CN" altLang="en-US" dirty="0">
-                <a:solidFill>
-                  <a:srgbClr val="5B9BD5"/>
-                </a:solidFill>
-                <a:latin typeface="思源黑体 CN Bold" panose="020B0800000000000000" pitchFamily="34" charset="-122"/>
-                <a:ea typeface="思源黑体 CN Bold" panose="020B0800000000000000" pitchFamily="34" charset="-122"/>
-              </a:rPr>
-              <a:t>可以创建图片。</a:t>
-            </a:r>
-            <a:endParaRPr lang="zh-CN" altLang="en-US" dirty="0">
-              <a:solidFill>
-                <a:srgbClr val="5B9BD5"/>
-              </a:solidFill>
-              <a:latin typeface="思源黑体 CN Bold" panose="020B0800000000000000" pitchFamily="34" charset="-122"/>
-              <a:ea typeface="思源黑体 CN Bold" panose="020B0800000000000000" pitchFamily="34" charset="-122"/>
-            </a:endParaRPr>
-          </a:p>
-          <a:p>
-            <a:pPr marL="285750" indent="-285750">
-              <a:lnSpc>
-                <a:spcPct val="190000"/>
-              </a:lnSpc>
-              <a:spcBef>
-                <a:spcPct val="0"/>
-              </a:spcBef>
-              <a:buFont typeface="Arial" panose="020B0604020202020204" pitchFamily="34" charset="0"/>
-              <a:buChar char="•"/>
-            </a:pPr>
-            <a:r>
-              <a:rPr lang="en-US" altLang="zh-CN" b="1" dirty="0">
-                <a:solidFill>
-                  <a:srgbClr val="5B9BD5"/>
-                </a:solidFill>
-                <a:latin typeface="思源黑体 CN Bold" panose="020B0800000000000000" pitchFamily="34" charset="-122"/>
-                <a:ea typeface="思源黑体 CN Bold" panose="020B0800000000000000" pitchFamily="34" charset="-122"/>
-              </a:rPr>
-              <a:t>Form </a:t>
-            </a:r>
-            <a:r>
-              <a:rPr lang="zh-CN" altLang="en-US" b="1" dirty="0">
-                <a:solidFill>
-                  <a:srgbClr val="5B9BD5"/>
-                </a:solidFill>
-                <a:latin typeface="思源黑体 CN Bold" panose="020B0800000000000000" pitchFamily="34" charset="-122"/>
-                <a:ea typeface="思源黑体 CN Bold" panose="020B0800000000000000" pitchFamily="34" charset="-122"/>
-              </a:rPr>
-              <a:t>： </a:t>
-            </a:r>
-            <a:r>
-              <a:rPr lang="zh-CN" altLang="en-US" dirty="0">
-                <a:solidFill>
-                  <a:srgbClr val="5B9BD5"/>
-                </a:solidFill>
-                <a:latin typeface="思源黑体 CN Bold" panose="020B0800000000000000" pitchFamily="34" charset="-122"/>
-                <a:ea typeface="思源黑体 CN Bold" panose="020B0800000000000000" pitchFamily="34" charset="-122"/>
-              </a:rPr>
-              <a:t>表单组件。</a:t>
-            </a:r>
-            <a:endParaRPr lang="en-US" altLang="zh-CN" b="1" dirty="0">
-              <a:solidFill>
-                <a:srgbClr val="5B9BD5"/>
-              </a:solidFill>
-              <a:latin typeface="思源黑体 CN Bold" panose="020B0800000000000000" pitchFamily="34" charset="-122"/>
-              <a:ea typeface="思源黑体 CN Bold" panose="020B0800000000000000" pitchFamily="34" charset="-122"/>
-            </a:endParaRPr>
-          </a:p>
-          <a:p>
-            <a:pPr marL="285750" indent="-285750">
-              <a:lnSpc>
-                <a:spcPct val="190000"/>
-              </a:lnSpc>
-              <a:spcBef>
-                <a:spcPct val="0"/>
-              </a:spcBef>
-              <a:buFont typeface="Arial" panose="020B0604020202020204" pitchFamily="34" charset="0"/>
-              <a:buChar char="•"/>
-            </a:pPr>
-            <a:r>
-              <a:rPr lang="zh-CN" altLang="en-US" b="1" dirty="0">
-                <a:solidFill>
-                  <a:srgbClr val="5B9BD5"/>
-                </a:solidFill>
-                <a:latin typeface="思源黑体 CN Bold" panose="020B0800000000000000" pitchFamily="34" charset="-122"/>
-                <a:ea typeface="思源黑体 CN Bold" panose="020B0800000000000000" pitchFamily="34" charset="-122"/>
-              </a:rPr>
-              <a:t>ListView </a:t>
-            </a:r>
-            <a:r>
-              <a:rPr lang="en-US" altLang="zh-CN" b="1" dirty="0">
-                <a:solidFill>
-                  <a:srgbClr val="5B9BD5"/>
-                </a:solidFill>
-                <a:latin typeface="思源黑体 CN Bold" panose="020B0800000000000000" pitchFamily="34" charset="-122"/>
-                <a:ea typeface="思源黑体 CN Bold" panose="020B0800000000000000" pitchFamily="34" charset="-122"/>
-              </a:rPr>
-              <a:t>: </a:t>
-            </a:r>
-            <a:r>
-              <a:rPr lang="en-US" altLang="zh-CN" dirty="0">
-                <a:solidFill>
-                  <a:srgbClr val="5B9BD5"/>
-                </a:solidFill>
-                <a:latin typeface="思源黑体 CN Bold" panose="020B0800000000000000" pitchFamily="34" charset="-122"/>
-                <a:ea typeface="思源黑体 CN Bold" panose="020B0800000000000000" pitchFamily="34" charset="-122"/>
-              </a:rPr>
-              <a:t>滑动组件</a:t>
-            </a:r>
-            <a:r>
-              <a:rPr lang="zh-CN" altLang="en-US" dirty="0">
-                <a:solidFill>
-                  <a:srgbClr val="5B9BD5"/>
-                </a:solidFill>
-                <a:latin typeface="思源黑体 CN Bold" panose="020B0800000000000000" pitchFamily="34" charset="-122"/>
-                <a:ea typeface="思源黑体 CN Bold" panose="020B0800000000000000" pitchFamily="34" charset="-122"/>
-              </a:rPr>
-              <a:t>，可以在滚动方向上一个接一个地显示它的子组件。</a:t>
-            </a:r>
-            <a:endParaRPr lang="zh-CN" altLang="en-US" dirty="0">
-              <a:solidFill>
-                <a:srgbClr val="5B9BD5"/>
-              </a:solidFill>
-              <a:latin typeface="思源黑体 CN Bold" panose="020B0800000000000000" pitchFamily="34" charset="-122"/>
-              <a:ea typeface="思源黑体 CN Bold" panose="020B0800000000000000" pitchFamily="34" charset="-122"/>
-            </a:endParaRPr>
-          </a:p>
-          <a:p>
-            <a:pPr marL="285750" indent="-285750">
-              <a:lnSpc>
-                <a:spcPct val="190000"/>
-              </a:lnSpc>
-              <a:spcBef>
-                <a:spcPct val="0"/>
-              </a:spcBef>
-              <a:buFont typeface="Arial" panose="020B0604020202020204" pitchFamily="34" charset="0"/>
-              <a:buChar char="•"/>
-            </a:pPr>
-            <a:endParaRPr lang="zh-CN" altLang="en-US" dirty="0">
-              <a:solidFill>
-                <a:srgbClr val="5B9BD5"/>
-              </a:solidFill>
-              <a:latin typeface="思源黑体 CN Bold" panose="020B0800000000000000" pitchFamily="34" charset="-122"/>
-              <a:ea typeface="思源黑体 CN Bold" panose="020B0800000000000000" pitchFamily="34" charset="-122"/>
-            </a:endParaRPr>
-          </a:p>
-          <a:p>
-            <a:pPr lvl="1" indent="0">
-              <a:lnSpc>
-                <a:spcPct val="190000"/>
-              </a:lnSpc>
-              <a:spcBef>
-                <a:spcPct val="0"/>
-              </a:spcBef>
-              <a:buFont typeface="Arial" panose="020B0604020202020204" pitchFamily="34" charset="0"/>
-              <a:buNone/>
-            </a:pPr>
-            <a:endParaRPr lang="zh-CN" altLang="en-US" dirty="0">
-              <a:solidFill>
-                <a:srgbClr val="5B9BD5"/>
-              </a:solidFill>
-              <a:latin typeface="思源黑体 CN Bold" panose="020B0800000000000000" pitchFamily="34" charset="-122"/>
-              <a:ea typeface="思源黑体 CN Bold" panose="020B0800000000000000" pitchFamily="34" charset="-122"/>
-            </a:endParaRPr>
-          </a:p>
-        </p:txBody>
-      </p:sp>
-      <p:pic>
-        <p:nvPicPr>
-          <p:cNvPr id="2" name="图片 1"/>
-          <p:cNvPicPr>
-            <a:picLocks noChangeAspect="1"/>
-          </p:cNvPicPr>
-          <p:nvPr/>
-        </p:nvPicPr>
-        <p:blipFill>
-          <a:blip r:embed="rId1"/>
-          <a:stretch>
-            <a:fillRect/>
-          </a:stretch>
-        </p:blipFill>
-        <p:spPr>
-          <a:xfrm>
-            <a:off x="5403215" y="1687195"/>
-            <a:ext cx="6595745" cy="4076065"/>
-          </a:xfrm>
-          <a:prstGeom prst="rect">
-            <a:avLst/>
-          </a:prstGeom>
-        </p:spPr>
-      </p:pic>
-    </p:spTree>
-  </p:cSld>
-  <p:clrMapOvr>
-    <a:masterClrMapping/>
-  </p:clrMapOvr>
-  <mc:AlternateContent xmlns:mc="http://schemas.openxmlformats.org/markup-compatibility/2006">
-    <mc:Choice xmlns:p14="http://schemas.microsoft.com/office/powerpoint/2010/main" Requires="p14">
-      <p:transition spd="slow" p14:dur="1500">
-        <p:split orient="vert"/>
-      </p:transition>
-    </mc:Choice>
-    <mc:Fallback>
-      <p:transition spd="slow">
-        <p:split orient="vert"/>
-      </p:transition>
-    </mc:Fallback>
-  </mc:AlternateContent>
-  <p:timing>
-    <p:tnLst>
-      <p:par>
-        <p:cTn id="1" dur="indefinite" restart="never" nodeType="tmRoot">
-          <p:childTnLst>
-            <p:seq concurrent="1" nextAc="seek">
-              <p:cTn id="2" dur="indefinite" nodeType="mainSeq">
-                <p:childTnLst>
-                  <p:par>
-                    <p:cTn id="3" fill="hold">
-                      <p:stCondLst>
-                        <p:cond delay="indefinite"/>
-                        <p:cond evt="onBegin" delay="0">
-                          <p:tn val="2"/>
-                        </p:cond>
-                      </p:stCondLst>
-                      <p:childTnLst>
-                        <p:par>
-                          <p:cTn id="4" fill="hold">
-                            <p:stCondLst>
-                              <p:cond delay="0"/>
-                            </p:stCondLst>
-                            <p:childTnLst>
-                              <p:par>
-                                <p:cTn id="5" presetID="2" presetClass="entr" presetSubtype="1" decel="100000" fill="hold" grpId="0" nodeType="afterEffect">
-                                  <p:stCondLst>
-                                    <p:cond delay="0"/>
-                                  </p:stCondLst>
-                                  <p:childTnLst>
-                                    <p:set>
-                                      <p:cBhvr>
-                                        <p:cTn id="6" dur="1" fill="hold">
-                                          <p:stCondLst>
-                                            <p:cond delay="0"/>
-                                          </p:stCondLst>
-                                        </p:cTn>
-                                        <p:tgtEl>
-                                          <p:spTgt spid="100"/>
-                                        </p:tgtEl>
-                                        <p:attrNameLst>
-                                          <p:attrName>style.visibility</p:attrName>
-                                        </p:attrNameLst>
-                                      </p:cBhvr>
-                                      <p:to>
-                                        <p:strVal val="visible"/>
-                                      </p:to>
-                                    </p:set>
-                                    <p:anim calcmode="lin" valueType="num">
-                                      <p:cBhvr additive="base">
-                                        <p:cTn id="7" dur="750" fill="hold"/>
-                                        <p:tgtEl>
-                                          <p:spTgt spid="100"/>
-                                        </p:tgtEl>
-                                        <p:attrNameLst>
-                                          <p:attrName>ppt_x</p:attrName>
-                                        </p:attrNameLst>
-                                      </p:cBhvr>
-                                      <p:tavLst>
-                                        <p:tav tm="0">
-                                          <p:val>
-                                            <p:strVal val="#ppt_x"/>
-                                          </p:val>
-                                        </p:tav>
-                                        <p:tav tm="100000">
-                                          <p:val>
-                                            <p:strVal val="#ppt_x"/>
-                                          </p:val>
-                                        </p:tav>
-                                      </p:tavLst>
-                                    </p:anim>
-                                    <p:anim calcmode="lin" valueType="num">
-                                      <p:cBhvr additive="base">
-                                        <p:cTn id="8" dur="750" fill="hold"/>
-                                        <p:tgtEl>
-                                          <p:spTgt spid="100"/>
-                                        </p:tgtEl>
-                                        <p:attrNameLst>
-                                          <p:attrName>ppt_y</p:attrName>
-                                        </p:attrNameLst>
-                                      </p:cBhvr>
-                                      <p:tavLst>
-                                        <p:tav tm="0">
-                                          <p:val>
-                                            <p:strVal val="0-#ppt_h/2"/>
-                                          </p:val>
-                                        </p:tav>
-                                        <p:tav tm="100000">
-                                          <p:val>
-                                            <p:strVal val="#ppt_y"/>
-                                          </p:val>
-                                        </p:tav>
-                                      </p:tavLst>
-                                    </p:anim>
-                                  </p:childTnLst>
-                                </p:cTn>
-                              </p:par>
-                              <p:par>
-                                <p:cTn id="9" presetID="2" presetClass="entr" presetSubtype="1" decel="100000" fill="hold" grpId="0" nodeType="withEffect">
-                                  <p:stCondLst>
-                                    <p:cond delay="0"/>
-                                  </p:stCondLst>
-                                  <p:childTnLst>
-                                    <p:set>
-                                      <p:cBhvr>
-                                        <p:cTn id="10" dur="1" fill="hold">
-                                          <p:stCondLst>
-                                            <p:cond delay="0"/>
-                                          </p:stCondLst>
-                                        </p:cTn>
-                                        <p:tgtEl>
-                                          <p:spTgt spid="101"/>
-                                        </p:tgtEl>
-                                        <p:attrNameLst>
-                                          <p:attrName>style.visibility</p:attrName>
-                                        </p:attrNameLst>
-                                      </p:cBhvr>
-                                      <p:to>
-                                        <p:strVal val="visible"/>
-                                      </p:to>
-                                    </p:set>
-                                    <p:anim calcmode="lin" valueType="num">
-                                      <p:cBhvr additive="base">
-                                        <p:cTn id="11" dur="750" fill="hold"/>
-                                        <p:tgtEl>
-                                          <p:spTgt spid="101"/>
-                                        </p:tgtEl>
-                                        <p:attrNameLst>
-                                          <p:attrName>ppt_x</p:attrName>
-                                        </p:attrNameLst>
-                                      </p:cBhvr>
-                                      <p:tavLst>
-                                        <p:tav tm="0">
-                                          <p:val>
-                                            <p:strVal val="#ppt_x"/>
-                                          </p:val>
-                                        </p:tav>
-                                        <p:tav tm="100000">
-                                          <p:val>
-                                            <p:strVal val="#ppt_x"/>
-                                          </p:val>
-                                        </p:tav>
-                                      </p:tavLst>
-                                    </p:anim>
-                                    <p:anim calcmode="lin" valueType="num">
-                                      <p:cBhvr additive="base">
-                                        <p:cTn id="12" dur="750" fill="hold"/>
-                                        <p:tgtEl>
-                                          <p:spTgt spid="101"/>
-                                        </p:tgtEl>
-                                        <p:attrNameLst>
-                                          <p:attrName>ppt_y</p:attrName>
-                                        </p:attrNameLst>
-                                      </p:cBhvr>
-                                      <p:tavLst>
-                                        <p:tav tm="0">
-                                          <p:val>
-                                            <p:strVal val="0-#ppt_h/2"/>
-                                          </p:val>
-                                        </p:tav>
-                                        <p:tav tm="100000">
-                                          <p:val>
-                                            <p:strVal val="#ppt_y"/>
-                                          </p:val>
-                                        </p:tav>
-                                      </p:tavLst>
-                                    </p:anim>
-                                  </p:childTnLst>
-                                </p:cTn>
-                              </p:par>
-                            </p:childTnLst>
-                          </p:cTn>
-                        </p:par>
-                      </p:childTnLst>
-                    </p:cTn>
-                  </p:par>
-                </p:childTnLst>
-              </p:cTn>
-              <p:prevCondLst>
-                <p:cond evt="onPrev" delay="0">
-                  <p:tgtEl>
-                    <p:sldTgt/>
-                  </p:tgtEl>
-                </p:cond>
-              </p:prevCondLst>
-              <p:nextCondLst>
-                <p:cond evt="onNext" delay="0">
-                  <p:tgtEl>
-                    <p:sldTgt/>
-                  </p:tgtEl>
-                </p:cond>
-              </p:nextCondLst>
-            </p:seq>
-          </p:childTnLst>
-        </p:cTn>
-      </p:par>
-    </p:tnLst>
-    <p:bldLst>
-      <p:bldP spid="100" grpId="0"/>
-      <p:bldP spid="101" grpId="0"/>
-    </p:bldLst>
-  </p:timing>
-</p:sld>
-</file>
-
 <file path=ppt/slides/slide12.xml><?xml version="1.0" encoding="utf-8"?>
 <p:sld xmlns:a="http://schemas.openxmlformats.org/drawingml/2006/main" xmlns:r="http://schemas.openxmlformats.org/officeDocument/2006/relationships" xmlns:p="http://schemas.openxmlformats.org/presentationml/2006/main">
   <p:cSld>
@@ -7897,6 +8154,7 @@
           <a:bodyPr wrap="square" rtlCol="0">
             <a:spAutoFit/>
           </a:bodyPr>
+          <a:lstStyle/>
           <a:p>
             <a:pPr algn="ctr"/>
             <a:r>
@@ -7930,7 +8188,7 @@
         </p:nvSpPr>
         <p:spPr>
           <a:xfrm>
-            <a:off x="4726305" y="1210310"/>
+            <a:off x="4627880" y="1210310"/>
             <a:ext cx="2936240" cy="398780"/>
           </a:xfrm>
           <a:prstGeom prst="rect">
@@ -7942,6 +8200,7 @@
           <a:bodyPr wrap="square" rtlCol="0">
             <a:spAutoFit/>
           </a:bodyPr>
+          <a:lstStyle/>
           <a:p>
             <a:pPr algn="ctr"/>
             <a:r>
@@ -7964,13 +8223,6 @@
               </a:rPr>
               <a:t>Widget</a:t>
             </a:r>
-            <a:endParaRPr sz="2000" dirty="0">
-              <a:solidFill>
-                <a:srgbClr val="5B9BD5"/>
-              </a:solidFill>
-              <a:latin typeface="+mj-lt"/>
-              <a:cs typeface="+mj-lt"/>
-            </a:endParaRPr>
           </a:p>
         </p:txBody>
       </p:sp>
@@ -8075,13 +8327,179 @@
               <a:buFont typeface="Arial" panose="020B0604020202020204" pitchFamily="34" charset="0"/>
               <a:buChar char="•"/>
             </a:pPr>
-            <a:endParaRPr lang="zh-CN" altLang="en-US" dirty="0">
+            <a:r>
+              <a:rPr lang="en-US" altLang="zh-CN" b="1" dirty="0">
+                <a:solidFill>
+                  <a:srgbClr val="5B9BD5"/>
+                </a:solidFill>
+                <a:latin typeface="思源黑体 CN Bold" panose="020B0800000000000000" pitchFamily="34" charset="-122"/>
+                <a:ea typeface="思源黑体 CN Bold" panose="020B0800000000000000" pitchFamily="34" charset="-122"/>
+              </a:rPr>
+              <a:t>Icon</a:t>
+            </a:r>
+            <a:r>
+              <a:rPr lang="zh-CN" altLang="en-US" b="1" dirty="0">
+                <a:solidFill>
+                  <a:srgbClr val="5B9BD5"/>
+                </a:solidFill>
+                <a:latin typeface="思源黑体 CN Bold" panose="020B0800000000000000" pitchFamily="34" charset="-122"/>
+                <a:ea typeface="思源黑体 CN Bold" panose="020B0800000000000000" pitchFamily="34" charset="-122"/>
+              </a:rPr>
+              <a:t>：</a:t>
+            </a:r>
+            <a:r>
+              <a:rPr lang="zh-CN" altLang="en-US" dirty="0">
+                <a:solidFill>
+                  <a:srgbClr val="5B9BD5"/>
+                </a:solidFill>
+                <a:latin typeface="思源黑体 CN Bold" panose="020B0800000000000000" pitchFamily="34" charset="-122"/>
+                <a:ea typeface="思源黑体 CN Bold" panose="020B0800000000000000" pitchFamily="34" charset="-122"/>
+              </a:rPr>
+              <a:t>可以创建一个图标。</a:t>
+            </a:r>
+          </a:p>
+          <a:p>
+            <a:pPr marL="285750" indent="-285750">
+              <a:lnSpc>
+                <a:spcPct val="190000"/>
+              </a:lnSpc>
+              <a:spcBef>
+                <a:spcPct val="0"/>
+              </a:spcBef>
+              <a:buFont typeface="Arial" panose="020B0604020202020204" pitchFamily="34" charset="0"/>
+              <a:buChar char="•"/>
+            </a:pPr>
+            <a:r>
+              <a:rPr lang="zh-CN" altLang="en-US" b="1" dirty="0">
+                <a:solidFill>
+                  <a:srgbClr val="5B9BD5"/>
+                </a:solidFill>
+                <a:latin typeface="思源黑体 CN Bold" panose="020B0800000000000000" pitchFamily="34" charset="-122"/>
+                <a:ea typeface="思源黑体 CN Bold" panose="020B0800000000000000" pitchFamily="34" charset="-122"/>
+              </a:rPr>
+              <a:t>Image </a:t>
+            </a:r>
+            <a:r>
+              <a:rPr lang="en-US" altLang="zh-CN" b="1" dirty="0">
+                <a:solidFill>
+                  <a:srgbClr val="5B9BD5"/>
+                </a:solidFill>
+                <a:latin typeface="思源黑体 CN Bold" panose="020B0800000000000000" pitchFamily="34" charset="-122"/>
+                <a:ea typeface="思源黑体 CN Bold" panose="020B0800000000000000" pitchFamily="34" charset="-122"/>
+              </a:rPr>
+              <a:t>: </a:t>
+            </a:r>
+            <a:r>
+              <a:rPr lang="zh-CN" altLang="en-US" dirty="0">
+                <a:solidFill>
+                  <a:srgbClr val="5B9BD5"/>
+                </a:solidFill>
+                <a:latin typeface="思源黑体 CN Bold" panose="020B0800000000000000" pitchFamily="34" charset="-122"/>
+                <a:ea typeface="思源黑体 CN Bold" panose="020B0800000000000000" pitchFamily="34" charset="-122"/>
+              </a:rPr>
+              <a:t>可以创建图片。</a:t>
+            </a:r>
+          </a:p>
+          <a:p>
+            <a:pPr marL="285750" indent="-285750">
+              <a:lnSpc>
+                <a:spcPct val="190000"/>
+              </a:lnSpc>
+              <a:spcBef>
+                <a:spcPct val="0"/>
+              </a:spcBef>
+              <a:buFont typeface="Arial" panose="020B0604020202020204" pitchFamily="34" charset="0"/>
+              <a:buChar char="•"/>
+            </a:pPr>
+            <a:r>
+              <a:rPr lang="en-US" altLang="zh-CN" b="1" dirty="0">
+                <a:solidFill>
+                  <a:srgbClr val="5B9BD5"/>
+                </a:solidFill>
+                <a:latin typeface="思源黑体 CN Bold" panose="020B0800000000000000" pitchFamily="34" charset="-122"/>
+                <a:ea typeface="思源黑体 CN Bold" panose="020B0800000000000000" pitchFamily="34" charset="-122"/>
+              </a:rPr>
+              <a:t>Form </a:t>
+            </a:r>
+            <a:r>
+              <a:rPr lang="zh-CN" altLang="en-US" b="1" dirty="0">
+                <a:solidFill>
+                  <a:srgbClr val="5B9BD5"/>
+                </a:solidFill>
+                <a:latin typeface="思源黑体 CN Bold" panose="020B0800000000000000" pitchFamily="34" charset="-122"/>
+                <a:ea typeface="思源黑体 CN Bold" panose="020B0800000000000000" pitchFamily="34" charset="-122"/>
+              </a:rPr>
+              <a:t>： </a:t>
+            </a:r>
+            <a:r>
+              <a:rPr lang="zh-CN" altLang="en-US" dirty="0">
+                <a:solidFill>
+                  <a:srgbClr val="5B9BD5"/>
+                </a:solidFill>
+                <a:latin typeface="思源黑体 CN Bold" panose="020B0800000000000000" pitchFamily="34" charset="-122"/>
+                <a:ea typeface="思源黑体 CN Bold" panose="020B0800000000000000" pitchFamily="34" charset="-122"/>
+              </a:rPr>
+              <a:t>表单组件。</a:t>
+            </a:r>
+            <a:endParaRPr lang="en-US" altLang="zh-CN" b="1" dirty="0">
               <a:solidFill>
                 <a:srgbClr val="5B9BD5"/>
               </a:solidFill>
               <a:latin typeface="思源黑体 CN Bold" panose="020B0800000000000000" pitchFamily="34" charset="-122"/>
               <a:ea typeface="思源黑体 CN Bold" panose="020B0800000000000000" pitchFamily="34" charset="-122"/>
             </a:endParaRPr>
+          </a:p>
+          <a:p>
+            <a:pPr marL="285750" indent="-285750">
+              <a:lnSpc>
+                <a:spcPct val="190000"/>
+              </a:lnSpc>
+              <a:spcBef>
+                <a:spcPct val="0"/>
+              </a:spcBef>
+              <a:buFont typeface="Arial" panose="020B0604020202020204" pitchFamily="34" charset="0"/>
+              <a:buChar char="•"/>
+            </a:pPr>
+            <a:r>
+              <a:rPr lang="zh-CN" altLang="en-US" b="1" dirty="0">
+                <a:solidFill>
+                  <a:srgbClr val="5B9BD5"/>
+                </a:solidFill>
+                <a:latin typeface="思源黑体 CN Bold" panose="020B0800000000000000" pitchFamily="34" charset="-122"/>
+                <a:ea typeface="思源黑体 CN Bold" panose="020B0800000000000000" pitchFamily="34" charset="-122"/>
+              </a:rPr>
+              <a:t>ListView </a:t>
+            </a:r>
+            <a:r>
+              <a:rPr lang="en-US" altLang="zh-CN" b="1" dirty="0">
+                <a:solidFill>
+                  <a:srgbClr val="5B9BD5"/>
+                </a:solidFill>
+                <a:latin typeface="思源黑体 CN Bold" panose="020B0800000000000000" pitchFamily="34" charset="-122"/>
+                <a:ea typeface="思源黑体 CN Bold" panose="020B0800000000000000" pitchFamily="34" charset="-122"/>
+              </a:rPr>
+              <a:t>: </a:t>
+            </a:r>
+            <a:r>
+              <a:rPr lang="en-US" altLang="zh-CN" dirty="0">
+                <a:solidFill>
+                  <a:srgbClr val="5B9BD5"/>
+                </a:solidFill>
+                <a:latin typeface="思源黑体 CN Bold" panose="020B0800000000000000" pitchFamily="34" charset="-122"/>
+                <a:ea typeface="思源黑体 CN Bold" panose="020B0800000000000000" pitchFamily="34" charset="-122"/>
+              </a:rPr>
+              <a:t>滑动组件</a:t>
+            </a:r>
+            <a:r>
+              <a:rPr lang="zh-CN" altLang="en-US" dirty="0">
+                <a:solidFill>
+                  <a:srgbClr val="5B9BD5"/>
+                </a:solidFill>
+                <a:latin typeface="思源黑体 CN Bold" panose="020B0800000000000000" pitchFamily="34" charset="-122"/>
+                <a:ea typeface="思源黑体 CN Bold" panose="020B0800000000000000" pitchFamily="34" charset="-122"/>
+              </a:rPr>
+              <a:t>，可以在滚动方向上一个接一个地显示它的子组件。</a:t>
+            </a:r>
           </a:p>
           <a:p>
             <a:pPr marL="285750" indent="-285750">
@@ -8123,768 +8541,42 @@
           </a:p>
         </p:txBody>
       </p:sp>
-      <p:sp>
-        <p:nvSpPr>
-          <p:cNvPr id="6" name="í$ḷîḑé"/>
-          <p:cNvSpPr/>
-          <p:nvPr/>
-        </p:nvSpPr>
-        <p:spPr>
-          <a:xfrm>
-            <a:off x="967740" y="1430655"/>
-            <a:ext cx="4742815" cy="4435475"/>
-          </a:xfrm>
-          <a:prstGeom prst="rect">
-            <a:avLst/>
-          </a:prstGeom>
-          <a:noFill/>
-          <a:ln w="9525">
-            <a:noFill/>
-            <a:miter lim="800000"/>
-          </a:ln>
-          <a:extLst>
-            <a:ext uri="{909E8E84-426E-40DD-AFC4-6F175D3DCCD1}">
-              <a14:hiddenFill xmlns:a14="http://schemas.microsoft.com/office/drawing/2010/main">
-                <a:solidFill>
-                  <a:srgbClr val="FFFFFF"/>
-                </a:solidFill>
-              </a14:hiddenFill>
-            </a:ext>
-          </a:extLst>
-        </p:spPr>
-        <p:txBody>
-          <a:bodyPr wrap="square" lIns="86698" tIns="43349" rIns="86698" bIns="43349" anchor="t" anchorCtr="0">
-            <a:noAutofit/>
-          </a:bodyPr>
-          <a:p>
-            <a:pPr indent="0">
-              <a:lnSpc>
-                <a:spcPct val="190000"/>
-              </a:lnSpc>
-              <a:spcBef>
-                <a:spcPct val="0"/>
-              </a:spcBef>
-              <a:buFont typeface="Arial" panose="020B0604020202020204" pitchFamily="34" charset="0"/>
-              <a:buNone/>
-            </a:pPr>
-            <a:r>
-              <a:rPr dirty="0">
-                <a:solidFill>
-                  <a:srgbClr val="5B9BD5"/>
-                </a:solidFill>
-                <a:latin typeface="思源黑体 CN Bold" panose="020B0800000000000000" pitchFamily="34" charset="-122"/>
-                <a:ea typeface="思源黑体 CN Bold" panose="020B0800000000000000" pitchFamily="34" charset="-122"/>
-              </a:rPr>
-              <a:t>Flutter的项目入口是main函数</a:t>
-            </a:r>
-            <a:r>
-              <a:rPr lang="zh-CN" dirty="0">
-                <a:solidFill>
-                  <a:srgbClr val="5B9BD5"/>
-                </a:solidFill>
-                <a:latin typeface="思源黑体 CN Bold" panose="020B0800000000000000" pitchFamily="34" charset="-122"/>
-                <a:ea typeface="思源黑体 CN Bold" panose="020B0800000000000000" pitchFamily="34" charset="-122"/>
-              </a:rPr>
-              <a:t>，然后</a:t>
-            </a:r>
-            <a:endParaRPr lang="zh-CN" dirty="0">
-              <a:solidFill>
-                <a:srgbClr val="5B9BD5"/>
-              </a:solidFill>
-              <a:latin typeface="思源黑体 CN Bold" panose="020B0800000000000000" pitchFamily="34" charset="-122"/>
-              <a:ea typeface="思源黑体 CN Bold" panose="020B0800000000000000" pitchFamily="34" charset="-122"/>
-            </a:endParaRPr>
-          </a:p>
-          <a:p>
-            <a:pPr indent="0">
-              <a:lnSpc>
-                <a:spcPct val="190000"/>
-              </a:lnSpc>
-              <a:spcBef>
-                <a:spcPct val="0"/>
-              </a:spcBef>
-              <a:buFont typeface="Arial" panose="020B0604020202020204" pitchFamily="34" charset="0"/>
-              <a:buNone/>
-            </a:pPr>
-            <a:r>
-              <a:rPr dirty="0">
-                <a:solidFill>
-                  <a:srgbClr val="5B9BD5"/>
-                </a:solidFill>
-                <a:latin typeface="思源黑体 CN Bold" panose="020B0800000000000000" pitchFamily="34" charset="-122"/>
-                <a:ea typeface="思源黑体 CN Bold" panose="020B0800000000000000" pitchFamily="34" charset="-122"/>
-              </a:rPr>
-              <a:t>runApp是一个顶级函数，</a:t>
-            </a:r>
-            <a:endParaRPr dirty="0">
-              <a:solidFill>
-                <a:srgbClr val="5B9BD5"/>
-              </a:solidFill>
-              <a:latin typeface="思源黑体 CN Bold" panose="020B0800000000000000" pitchFamily="34" charset="-122"/>
-              <a:ea typeface="思源黑体 CN Bold" panose="020B0800000000000000" pitchFamily="34" charset="-122"/>
-            </a:endParaRPr>
-          </a:p>
-          <a:p>
-            <a:pPr indent="0">
-              <a:lnSpc>
-                <a:spcPct val="190000"/>
-              </a:lnSpc>
-              <a:spcBef>
-                <a:spcPct val="0"/>
-              </a:spcBef>
-              <a:buFont typeface="Arial" panose="020B0604020202020204" pitchFamily="34" charset="0"/>
-              <a:buNone/>
-            </a:pPr>
-            <a:r>
-              <a:rPr dirty="0">
-                <a:solidFill>
-                  <a:srgbClr val="5B9BD5"/>
-                </a:solidFill>
-                <a:latin typeface="思源黑体 CN Bold" panose="020B0800000000000000" pitchFamily="34" charset="-122"/>
-                <a:ea typeface="思源黑体 CN Bold" panose="020B0800000000000000" pitchFamily="34" charset="-122"/>
-              </a:rPr>
-              <a:t>接受一个Widget作为rootWidget</a:t>
-            </a:r>
-            <a:r>
-              <a:rPr lang="zh-CN" dirty="0">
-                <a:solidFill>
-                  <a:srgbClr val="5B9BD5"/>
-                </a:solidFill>
-                <a:latin typeface="思源黑体 CN Bold" panose="020B0800000000000000" pitchFamily="34" charset="-122"/>
-                <a:ea typeface="思源黑体 CN Bold" panose="020B0800000000000000" pitchFamily="34" charset="-122"/>
-              </a:rPr>
-              <a:t>，</a:t>
-            </a:r>
-            <a:endParaRPr lang="zh-CN" dirty="0">
-              <a:solidFill>
-                <a:srgbClr val="5B9BD5"/>
-              </a:solidFill>
-              <a:latin typeface="思源黑体 CN Bold" panose="020B0800000000000000" pitchFamily="34" charset="-122"/>
-              <a:ea typeface="思源黑体 CN Bold" panose="020B0800000000000000" pitchFamily="34" charset="-122"/>
-            </a:endParaRPr>
-          </a:p>
-          <a:p>
-            <a:pPr indent="0">
-              <a:lnSpc>
-                <a:spcPct val="190000"/>
-              </a:lnSpc>
-              <a:spcBef>
-                <a:spcPct val="0"/>
-              </a:spcBef>
-              <a:buFont typeface="Arial" panose="020B0604020202020204" pitchFamily="34" charset="0"/>
-              <a:buNone/>
-            </a:pPr>
-            <a:r>
-              <a:rPr lang="zh-CN" altLang="en-US" dirty="0">
-                <a:solidFill>
-                  <a:srgbClr val="5B9BD5"/>
-                </a:solidFill>
-                <a:latin typeface="思源黑体 CN Bold" panose="020B0800000000000000" pitchFamily="34" charset="-122"/>
-                <a:ea typeface="思源黑体 CN Bold" panose="020B0800000000000000" pitchFamily="34" charset="-122"/>
-              </a:rPr>
-              <a:t>也就是图中的这个</a:t>
-            </a:r>
-            <a:r>
-              <a:rPr lang="en-US" altLang="zh-CN" dirty="0">
-                <a:solidFill>
-                  <a:srgbClr val="5B9BD5"/>
-                </a:solidFill>
-                <a:latin typeface="思源黑体 CN Bold" panose="020B0800000000000000" pitchFamily="34" charset="-122"/>
-                <a:ea typeface="思源黑体 CN Bold" panose="020B0800000000000000" pitchFamily="34" charset="-122"/>
-              </a:rPr>
-              <a:t>TestDemo</a:t>
-            </a:r>
-            <a:r>
-              <a:rPr lang="zh-CN" altLang="en-US" dirty="0">
-                <a:solidFill>
-                  <a:srgbClr val="5B9BD5"/>
-                </a:solidFill>
-                <a:latin typeface="思源黑体 CN Bold" panose="020B0800000000000000" pitchFamily="34" charset="-122"/>
-                <a:ea typeface="思源黑体 CN Bold" panose="020B0800000000000000" pitchFamily="34" charset="-122"/>
-              </a:rPr>
-              <a:t>组件。</a:t>
-            </a:r>
-            <a:endParaRPr lang="zh-CN" altLang="en-US" dirty="0">
-              <a:solidFill>
-                <a:srgbClr val="5B9BD5"/>
-              </a:solidFill>
-              <a:latin typeface="思源黑体 CN Bold" panose="020B0800000000000000" pitchFamily="34" charset="-122"/>
-              <a:ea typeface="思源黑体 CN Bold" panose="020B0800000000000000" pitchFamily="34" charset="-122"/>
-            </a:endParaRPr>
-          </a:p>
-          <a:p>
-            <a:pPr indent="0">
-              <a:lnSpc>
-                <a:spcPct val="190000"/>
-              </a:lnSpc>
-              <a:spcBef>
-                <a:spcPct val="0"/>
-              </a:spcBef>
-              <a:buFont typeface="Arial" panose="020B0604020202020204" pitchFamily="34" charset="0"/>
-              <a:buNone/>
-            </a:pPr>
-            <a:endParaRPr lang="zh-CN" altLang="en-US" dirty="0">
-              <a:solidFill>
-                <a:srgbClr val="5B9BD5"/>
-              </a:solidFill>
-              <a:latin typeface="思源黑体 CN Bold" panose="020B0800000000000000" pitchFamily="34" charset="-122"/>
-              <a:ea typeface="思源黑体 CN Bold" panose="020B0800000000000000" pitchFamily="34" charset="-122"/>
-            </a:endParaRPr>
-          </a:p>
-          <a:p>
-            <a:pPr indent="0">
-              <a:lnSpc>
-                <a:spcPct val="190000"/>
-              </a:lnSpc>
-              <a:spcBef>
-                <a:spcPct val="0"/>
-              </a:spcBef>
-              <a:buFont typeface="Arial" panose="020B0604020202020204" pitchFamily="34" charset="0"/>
-              <a:buNone/>
-            </a:pPr>
-            <a:r>
-              <a:rPr lang="en-US" altLang="zh-CN" dirty="0">
-                <a:solidFill>
-                  <a:srgbClr val="5B9BD5"/>
-                </a:solidFill>
-                <a:latin typeface="思源黑体 CN Bold" panose="020B0800000000000000" pitchFamily="34" charset="-122"/>
-                <a:ea typeface="思源黑体 CN Bold" panose="020B0800000000000000" pitchFamily="34" charset="-122"/>
-                <a:sym typeface="+mn-ea"/>
-              </a:rPr>
-              <a:t>TestDemo</a:t>
-            </a:r>
-            <a:r>
-              <a:rPr lang="zh-CN" altLang="en-US" dirty="0">
-                <a:solidFill>
-                  <a:srgbClr val="5B9BD5"/>
-                </a:solidFill>
-                <a:latin typeface="思源黑体 CN Bold" panose="020B0800000000000000" pitchFamily="34" charset="-122"/>
-                <a:ea typeface="思源黑体 CN Bold" panose="020B0800000000000000" pitchFamily="34" charset="-122"/>
-                <a:sym typeface="+mn-ea"/>
-              </a:rPr>
-              <a:t>组件</a:t>
-            </a:r>
-            <a:r>
-              <a:rPr lang="zh-CN" altLang="en-US" dirty="0">
-                <a:solidFill>
-                  <a:srgbClr val="5B9BD5"/>
-                </a:solidFill>
-                <a:latin typeface="思源黑体 CN Bold" panose="020B0800000000000000" pitchFamily="34" charset="-122"/>
-                <a:ea typeface="思源黑体 CN Bold" panose="020B0800000000000000" pitchFamily="34" charset="-122"/>
-              </a:rPr>
-              <a:t>是由继承了</a:t>
-            </a:r>
-            <a:r>
-              <a:rPr lang="en-US" altLang="zh-CN" dirty="0">
-                <a:solidFill>
-                  <a:srgbClr val="5B9BD5"/>
-                </a:solidFill>
-                <a:latin typeface="思源黑体 CN Bold" panose="020B0800000000000000" pitchFamily="34" charset="-122"/>
-                <a:ea typeface="思源黑体 CN Bold" panose="020B0800000000000000" pitchFamily="34" charset="-122"/>
-              </a:rPr>
-              <a:t>StatelessWidget</a:t>
-            </a:r>
-            <a:endParaRPr lang="en-US" altLang="zh-CN" dirty="0">
-              <a:solidFill>
-                <a:srgbClr val="5B9BD5"/>
-              </a:solidFill>
-              <a:latin typeface="思源黑体 CN Bold" panose="020B0800000000000000" pitchFamily="34" charset="-122"/>
-              <a:ea typeface="思源黑体 CN Bold" panose="020B0800000000000000" pitchFamily="34" charset="-122"/>
-            </a:endParaRPr>
-          </a:p>
-          <a:p>
-            <a:pPr indent="0">
-              <a:lnSpc>
-                <a:spcPct val="190000"/>
-              </a:lnSpc>
-              <a:spcBef>
-                <a:spcPct val="0"/>
-              </a:spcBef>
-              <a:buFont typeface="Arial" panose="020B0604020202020204" pitchFamily="34" charset="0"/>
-              <a:buNone/>
-            </a:pPr>
-            <a:r>
-              <a:rPr lang="zh-CN" altLang="en-US" dirty="0">
-                <a:solidFill>
-                  <a:srgbClr val="5B9BD5"/>
-                </a:solidFill>
-                <a:latin typeface="思源黑体 CN Bold" panose="020B0800000000000000" pitchFamily="34" charset="-122"/>
-                <a:ea typeface="思源黑体 CN Bold" panose="020B0800000000000000" pitchFamily="34" charset="-122"/>
-              </a:rPr>
-              <a:t>组件</a:t>
-            </a:r>
-            <a:r>
-              <a:rPr lang="zh-CN" altLang="en-US" dirty="0">
-                <a:solidFill>
-                  <a:srgbClr val="5B9BD5"/>
-                </a:solidFill>
-                <a:latin typeface="思源黑体 CN Bold" panose="020B0800000000000000" pitchFamily="34" charset="-122"/>
-                <a:ea typeface="思源黑体 CN Bold" panose="020B0800000000000000" pitchFamily="34" charset="-122"/>
-              </a:rPr>
-              <a:t>的</a:t>
-            </a:r>
-            <a:r>
-              <a:rPr lang="en-US" altLang="zh-CN" dirty="0">
-                <a:solidFill>
-                  <a:srgbClr val="5B9BD5"/>
-                </a:solidFill>
-                <a:latin typeface="思源黑体 CN Bold" panose="020B0800000000000000" pitchFamily="34" charset="-122"/>
-                <a:ea typeface="思源黑体 CN Bold" panose="020B0800000000000000" pitchFamily="34" charset="-122"/>
-                <a:sym typeface="+mn-ea"/>
-              </a:rPr>
-              <a:t>TestDemo</a:t>
-            </a:r>
-            <a:r>
-              <a:rPr lang="zh-CN" altLang="en-US" dirty="0">
-                <a:solidFill>
-                  <a:srgbClr val="5B9BD5"/>
-                </a:solidFill>
-                <a:latin typeface="思源黑体 CN Bold" panose="020B0800000000000000" pitchFamily="34" charset="-122"/>
-                <a:ea typeface="思源黑体 CN Bold" panose="020B0800000000000000" pitchFamily="34" charset="-122"/>
-                <a:sym typeface="+mn-ea"/>
-              </a:rPr>
-              <a:t>类通过</a:t>
-            </a:r>
-            <a:r>
-              <a:rPr lang="en-US" altLang="zh-CN" dirty="0">
-                <a:solidFill>
-                  <a:srgbClr val="5B9BD5"/>
-                </a:solidFill>
-                <a:latin typeface="思源黑体 CN Bold" panose="020B0800000000000000" pitchFamily="34" charset="-122"/>
-                <a:ea typeface="思源黑体 CN Bold" panose="020B0800000000000000" pitchFamily="34" charset="-122"/>
-                <a:sym typeface="+mn-ea"/>
-              </a:rPr>
-              <a:t>bulid</a:t>
-            </a:r>
-            <a:r>
-              <a:rPr lang="zh-CN" altLang="en-US" dirty="0">
-                <a:solidFill>
-                  <a:srgbClr val="5B9BD5"/>
-                </a:solidFill>
-                <a:latin typeface="思源黑体 CN Bold" panose="020B0800000000000000" pitchFamily="34" charset="-122"/>
-                <a:ea typeface="思源黑体 CN Bold" panose="020B0800000000000000" pitchFamily="34" charset="-122"/>
-                <a:sym typeface="+mn-ea"/>
-              </a:rPr>
-              <a:t>方法</a:t>
-            </a:r>
-            <a:endParaRPr lang="zh-CN" altLang="en-US" dirty="0">
-              <a:solidFill>
-                <a:srgbClr val="5B9BD5"/>
-              </a:solidFill>
-              <a:latin typeface="思源黑体 CN Bold" panose="020B0800000000000000" pitchFamily="34" charset="-122"/>
-              <a:ea typeface="思源黑体 CN Bold" panose="020B0800000000000000" pitchFamily="34" charset="-122"/>
-              <a:sym typeface="+mn-ea"/>
-            </a:endParaRPr>
-          </a:p>
-          <a:p>
-            <a:pPr indent="0">
-              <a:lnSpc>
-                <a:spcPct val="190000"/>
-              </a:lnSpc>
-              <a:spcBef>
-                <a:spcPct val="0"/>
-              </a:spcBef>
-              <a:buFont typeface="Arial" panose="020B0604020202020204" pitchFamily="34" charset="0"/>
-              <a:buNone/>
-            </a:pPr>
-            <a:r>
-              <a:rPr lang="zh-CN" altLang="en-US" dirty="0">
-                <a:solidFill>
-                  <a:srgbClr val="5B9BD5"/>
-                </a:solidFill>
-                <a:latin typeface="思源黑体 CN Bold" panose="020B0800000000000000" pitchFamily="34" charset="-122"/>
-                <a:ea typeface="思源黑体 CN Bold" panose="020B0800000000000000" pitchFamily="34" charset="-122"/>
-                <a:sym typeface="+mn-ea"/>
-              </a:rPr>
-              <a:t>构建</a:t>
-            </a:r>
-            <a:r>
-              <a:rPr lang="en-US" altLang="zh-CN" dirty="0">
-                <a:solidFill>
-                  <a:srgbClr val="5B9BD5"/>
-                </a:solidFill>
-                <a:latin typeface="思源黑体 CN Bold" panose="020B0800000000000000" pitchFamily="34" charset="-122"/>
-                <a:ea typeface="思源黑体 CN Bold" panose="020B0800000000000000" pitchFamily="34" charset="-122"/>
-                <a:sym typeface="+mn-ea"/>
-              </a:rPr>
-              <a:t>(</a:t>
-            </a:r>
-            <a:r>
-              <a:rPr lang="zh-CN" altLang="en-US" dirty="0">
-                <a:solidFill>
-                  <a:srgbClr val="5B9BD5"/>
-                </a:solidFill>
-                <a:latin typeface="思源黑体 CN Bold" panose="020B0800000000000000" pitchFamily="34" charset="-122"/>
-                <a:ea typeface="思源黑体 CN Bold" panose="020B0800000000000000" pitchFamily="34" charset="-122"/>
-                <a:sym typeface="+mn-ea"/>
-              </a:rPr>
-              <a:t>实例化</a:t>
-            </a:r>
-            <a:r>
-              <a:rPr lang="en-US" altLang="zh-CN" dirty="0">
-                <a:solidFill>
-                  <a:srgbClr val="5B9BD5"/>
-                </a:solidFill>
-                <a:latin typeface="思源黑体 CN Bold" panose="020B0800000000000000" pitchFamily="34" charset="-122"/>
-                <a:ea typeface="思源黑体 CN Bold" panose="020B0800000000000000" pitchFamily="34" charset="-122"/>
-                <a:sym typeface="+mn-ea"/>
-              </a:rPr>
-              <a:t>)</a:t>
-            </a:r>
-            <a:r>
-              <a:rPr lang="zh-CN" altLang="en-US" dirty="0">
-                <a:solidFill>
-                  <a:srgbClr val="5B9BD5"/>
-                </a:solidFill>
-                <a:latin typeface="思源黑体 CN Bold" panose="020B0800000000000000" pitchFamily="34" charset="-122"/>
-                <a:ea typeface="思源黑体 CN Bold" panose="020B0800000000000000" pitchFamily="34" charset="-122"/>
-                <a:sym typeface="+mn-ea"/>
-              </a:rPr>
-              <a:t>成无状态</a:t>
-            </a:r>
-            <a:r>
-              <a:rPr lang="en-US" altLang="zh-CN" dirty="0">
-                <a:solidFill>
-                  <a:srgbClr val="5B9BD5"/>
-                </a:solidFill>
-                <a:latin typeface="思源黑体 CN Bold" panose="020B0800000000000000" pitchFamily="34" charset="-122"/>
-                <a:ea typeface="思源黑体 CN Bold" panose="020B0800000000000000" pitchFamily="34" charset="-122"/>
-                <a:sym typeface="+mn-ea"/>
-              </a:rPr>
-              <a:t>(</a:t>
-            </a:r>
-            <a:r>
-              <a:rPr lang="zh-CN" altLang="en-US" dirty="0">
-                <a:solidFill>
-                  <a:srgbClr val="5B9BD5"/>
-                </a:solidFill>
-                <a:latin typeface="思源黑体 CN Bold" panose="020B0800000000000000" pitchFamily="34" charset="-122"/>
-                <a:ea typeface="思源黑体 CN Bold" panose="020B0800000000000000" pitchFamily="34" charset="-122"/>
-                <a:sym typeface="+mn-ea"/>
-              </a:rPr>
-              <a:t>静态</a:t>
-            </a:r>
-            <a:r>
-              <a:rPr lang="en-US" altLang="zh-CN" dirty="0">
-                <a:solidFill>
-                  <a:srgbClr val="5B9BD5"/>
-                </a:solidFill>
-                <a:latin typeface="思源黑体 CN Bold" panose="020B0800000000000000" pitchFamily="34" charset="-122"/>
-                <a:ea typeface="思源黑体 CN Bold" panose="020B0800000000000000" pitchFamily="34" charset="-122"/>
-                <a:sym typeface="+mn-ea"/>
-              </a:rPr>
-              <a:t>)</a:t>
-            </a:r>
-            <a:r>
-              <a:rPr lang="zh-CN" altLang="en-US" dirty="0">
-                <a:solidFill>
-                  <a:srgbClr val="5B9BD5"/>
-                </a:solidFill>
-                <a:latin typeface="思源黑体 CN Bold" panose="020B0800000000000000" pitchFamily="34" charset="-122"/>
-                <a:ea typeface="思源黑体 CN Bold" panose="020B0800000000000000" pitchFamily="34" charset="-122"/>
-                <a:sym typeface="+mn-ea"/>
-              </a:rPr>
-              <a:t>组件。</a:t>
-            </a:r>
-            <a:endParaRPr lang="zh-CN" altLang="en-US" dirty="0">
-              <a:solidFill>
-                <a:srgbClr val="5B9BD5"/>
-              </a:solidFill>
-              <a:latin typeface="思源黑体 CN Bold" panose="020B0800000000000000" pitchFamily="34" charset="-122"/>
-              <a:ea typeface="思源黑体 CN Bold" panose="020B0800000000000000" pitchFamily="34" charset="-122"/>
-              <a:sym typeface="+mn-ea"/>
-            </a:endParaRPr>
-          </a:p>
-          <a:p>
-            <a:pPr indent="0">
-              <a:lnSpc>
-                <a:spcPct val="190000"/>
-              </a:lnSpc>
-              <a:spcBef>
-                <a:spcPct val="0"/>
-              </a:spcBef>
-              <a:buFont typeface="Arial" panose="020B0604020202020204" pitchFamily="34" charset="0"/>
-              <a:buNone/>
-            </a:pPr>
-            <a:endParaRPr lang="zh-CN" altLang="en-US" dirty="0">
-              <a:solidFill>
-                <a:srgbClr val="5B9BD5"/>
-              </a:solidFill>
-              <a:latin typeface="思源黑体 CN Bold" panose="020B0800000000000000" pitchFamily="34" charset="-122"/>
-              <a:ea typeface="思源黑体 CN Bold" panose="020B0800000000000000" pitchFamily="34" charset="-122"/>
-              <a:sym typeface="+mn-ea"/>
-            </a:endParaRPr>
-          </a:p>
-          <a:p>
-            <a:pPr indent="0">
-              <a:lnSpc>
-                <a:spcPct val="190000"/>
-              </a:lnSpc>
-              <a:spcBef>
-                <a:spcPct val="0"/>
-              </a:spcBef>
-              <a:buFont typeface="Arial" panose="020B0604020202020204" pitchFamily="34" charset="0"/>
-              <a:buNone/>
-            </a:pPr>
-            <a:endParaRPr lang="zh-CN" altLang="en-US" dirty="0">
-              <a:solidFill>
-                <a:srgbClr val="5B9BD5"/>
-              </a:solidFill>
-              <a:latin typeface="思源黑体 CN Bold" panose="020B0800000000000000" pitchFamily="34" charset="-122"/>
-              <a:ea typeface="思源黑体 CN Bold" panose="020B0800000000000000" pitchFamily="34" charset="-122"/>
-            </a:endParaRPr>
-          </a:p>
-          <a:p>
-            <a:pPr indent="0">
-              <a:lnSpc>
-                <a:spcPct val="190000"/>
-              </a:lnSpc>
-              <a:spcBef>
-                <a:spcPct val="0"/>
-              </a:spcBef>
-              <a:buFont typeface="Arial" panose="020B0604020202020204" pitchFamily="34" charset="0"/>
-              <a:buNone/>
-            </a:pPr>
-            <a:endParaRPr lang="zh-CN" altLang="en-US" dirty="0">
-              <a:solidFill>
-                <a:srgbClr val="5B9BD5"/>
-              </a:solidFill>
-              <a:latin typeface="思源黑体 CN Bold" panose="020B0800000000000000" pitchFamily="34" charset="-122"/>
-              <a:ea typeface="思源黑体 CN Bold" panose="020B0800000000000000" pitchFamily="34" charset="-122"/>
-            </a:endParaRPr>
-          </a:p>
-          <a:p>
-            <a:pPr indent="0">
-              <a:lnSpc>
-                <a:spcPct val="190000"/>
-              </a:lnSpc>
-              <a:spcBef>
-                <a:spcPct val="0"/>
-              </a:spcBef>
-              <a:buFont typeface="Arial" panose="020B0604020202020204" pitchFamily="34" charset="0"/>
-              <a:buNone/>
-            </a:pPr>
-            <a:endParaRPr lang="zh-CN" altLang="en-US" dirty="0">
-              <a:solidFill>
-                <a:srgbClr val="5B9BD5"/>
-              </a:solidFill>
-              <a:latin typeface="思源黑体 CN Bold" panose="020B0800000000000000" pitchFamily="34" charset="-122"/>
-              <a:ea typeface="思源黑体 CN Bold" panose="020B0800000000000000" pitchFamily="34" charset="-122"/>
-            </a:endParaRPr>
-          </a:p>
-          <a:p>
-            <a:pPr indent="0">
-              <a:lnSpc>
-                <a:spcPct val="190000"/>
-              </a:lnSpc>
-              <a:spcBef>
-                <a:spcPct val="0"/>
-              </a:spcBef>
-              <a:buFont typeface="Arial" panose="020B0604020202020204" pitchFamily="34" charset="0"/>
-              <a:buNone/>
-            </a:pPr>
-            <a:endParaRPr lang="zh-CN" altLang="en-US" dirty="0">
-              <a:solidFill>
-                <a:srgbClr val="5B9BD5"/>
-              </a:solidFill>
-              <a:latin typeface="思源黑体 CN Bold" panose="020B0800000000000000" pitchFamily="34" charset="-122"/>
-              <a:ea typeface="思源黑体 CN Bold" panose="020B0800000000000000" pitchFamily="34" charset="-122"/>
-            </a:endParaRPr>
-          </a:p>
-          <a:p>
-            <a:pPr indent="0">
-              <a:lnSpc>
-                <a:spcPct val="190000"/>
-              </a:lnSpc>
-              <a:spcBef>
-                <a:spcPct val="0"/>
-              </a:spcBef>
-              <a:buFont typeface="Arial" panose="020B0604020202020204" pitchFamily="34" charset="0"/>
-              <a:buNone/>
-            </a:pPr>
-            <a:endParaRPr dirty="0">
-              <a:solidFill>
-                <a:srgbClr val="5B9BD5"/>
-              </a:solidFill>
-              <a:latin typeface="思源黑体 CN Bold" panose="020B0800000000000000" pitchFamily="34" charset="-122"/>
-              <a:ea typeface="思源黑体 CN Bold" panose="020B0800000000000000" pitchFamily="34" charset="-122"/>
-            </a:endParaRPr>
-          </a:p>
-          <a:p>
-            <a:pPr indent="0">
-              <a:lnSpc>
-                <a:spcPct val="190000"/>
-              </a:lnSpc>
-              <a:spcBef>
-                <a:spcPct val="0"/>
-              </a:spcBef>
-              <a:buFont typeface="Arial" panose="020B0604020202020204" pitchFamily="34" charset="0"/>
-              <a:buNone/>
-            </a:pPr>
-            <a:endParaRPr dirty="0">
-              <a:solidFill>
-                <a:srgbClr val="5B9BD5"/>
-              </a:solidFill>
-              <a:latin typeface="思源黑体 CN Bold" panose="020B0800000000000000" pitchFamily="34" charset="-122"/>
-              <a:ea typeface="思源黑体 CN Bold" panose="020B0800000000000000" pitchFamily="34" charset="-122"/>
-            </a:endParaRPr>
-          </a:p>
-          <a:p>
-            <a:pPr indent="0">
-              <a:lnSpc>
-                <a:spcPct val="190000"/>
-              </a:lnSpc>
-              <a:spcBef>
-                <a:spcPct val="0"/>
-              </a:spcBef>
-              <a:buFont typeface="Arial" panose="020B0604020202020204" pitchFamily="34" charset="0"/>
-              <a:buNone/>
-            </a:pPr>
-            <a:endParaRPr dirty="0">
-              <a:solidFill>
-                <a:srgbClr val="5B9BD5"/>
-              </a:solidFill>
-              <a:latin typeface="思源黑体 CN Bold" panose="020B0800000000000000" pitchFamily="34" charset="-122"/>
-              <a:ea typeface="思源黑体 CN Bold" panose="020B0800000000000000" pitchFamily="34" charset="-122"/>
-            </a:endParaRPr>
-          </a:p>
-          <a:p>
-            <a:pPr indent="0">
-              <a:lnSpc>
-                <a:spcPct val="190000"/>
-              </a:lnSpc>
-              <a:spcBef>
-                <a:spcPct val="0"/>
-              </a:spcBef>
-              <a:buFont typeface="Arial" panose="020B0604020202020204" pitchFamily="34" charset="0"/>
-              <a:buNone/>
-            </a:pPr>
-            <a:endParaRPr dirty="0">
-              <a:solidFill>
-                <a:srgbClr val="5B9BD5"/>
-              </a:solidFill>
-              <a:latin typeface="思源黑体 CN Bold" panose="020B0800000000000000" pitchFamily="34" charset="-122"/>
-              <a:ea typeface="思源黑体 CN Bold" panose="020B0800000000000000" pitchFamily="34" charset="-122"/>
-            </a:endParaRPr>
-          </a:p>
-          <a:p>
-            <a:pPr marL="742950" lvl="1" indent="-285750">
-              <a:lnSpc>
-                <a:spcPct val="190000"/>
-              </a:lnSpc>
-              <a:spcBef>
-                <a:spcPct val="0"/>
-              </a:spcBef>
-              <a:buFont typeface="Arial" panose="020B0604020202020204" pitchFamily="34" charset="0"/>
-              <a:buNone/>
-            </a:pPr>
-            <a:endParaRPr lang="zh-CN" altLang="en-US" dirty="0">
-              <a:solidFill>
-                <a:srgbClr val="5B9BD5"/>
-              </a:solidFill>
-              <a:latin typeface="思源黑体 CN Bold" panose="020B0800000000000000" pitchFamily="34" charset="-122"/>
-              <a:ea typeface="思源黑体 CN Bold" panose="020B0800000000000000" pitchFamily="34" charset="-122"/>
-            </a:endParaRPr>
-          </a:p>
-        </p:txBody>
-      </p:sp>
       <p:pic>
         <p:nvPicPr>
-          <p:cNvPr id="7" name="图片 6"/>
+          <p:cNvPr id="2" name="图片 1"/>
           <p:cNvPicPr>
             <a:picLocks noChangeAspect="1"/>
           </p:cNvPicPr>
           <p:nvPr/>
         </p:nvPicPr>
         <p:blipFill>
-          <a:blip r:embed="rId1"/>
+          <a:blip r:embed="rId3"/>
           <a:stretch>
             <a:fillRect/>
           </a:stretch>
         </p:blipFill>
         <p:spPr>
           <a:xfrm>
-            <a:off x="6612255" y="3933825"/>
-            <a:ext cx="4286250" cy="2228850"/>
+            <a:off x="5403215" y="1687195"/>
+            <a:ext cx="6595745" cy="4076065"/>
           </a:xfrm>
           <a:prstGeom prst="rect">
             <a:avLst/>
           </a:prstGeom>
         </p:spPr>
       </p:pic>
-      <p:pic>
-        <p:nvPicPr>
-          <p:cNvPr id="9" name="图片 8"/>
-          <p:cNvPicPr>
-            <a:picLocks noChangeAspect="1"/>
-          </p:cNvPicPr>
-          <p:nvPr/>
-        </p:nvPicPr>
-        <p:blipFill>
-          <a:blip r:embed="rId2"/>
-          <a:stretch>
-            <a:fillRect/>
-          </a:stretch>
-        </p:blipFill>
-        <p:spPr>
-          <a:xfrm>
-            <a:off x="6612255" y="1687195"/>
-            <a:ext cx="4410075" cy="1828800"/>
-          </a:xfrm>
-          <a:prstGeom prst="rect">
-            <a:avLst/>
-          </a:prstGeom>
-        </p:spPr>
-      </p:pic>
-      <p:cxnSp>
-        <p:nvCxnSpPr>
-          <p:cNvPr id="12" name="直接箭头连接符 11"/>
-          <p:cNvCxnSpPr/>
-          <p:nvPr/>
-        </p:nvCxnSpPr>
-        <p:spPr>
-          <a:xfrm flipH="1">
-            <a:off x="7856855" y="3052445"/>
-            <a:ext cx="471170" cy="1078865"/>
-          </a:xfrm>
-          <a:prstGeom prst="straightConnector1">
-            <a:avLst/>
-          </a:prstGeom>
-          <a:ln w="63500">
-            <a:solidFill>
-              <a:srgbClr val="FF0000"/>
-            </a:solidFill>
-            <a:tailEnd type="arrow"/>
-          </a:ln>
-          <a:effectLst/>
-        </p:spPr>
-        <p:style>
-          <a:lnRef idx="1">
-            <a:schemeClr val="accent1"/>
-          </a:lnRef>
-          <a:fillRef idx="0">
-            <a:schemeClr val="accent1"/>
-          </a:fillRef>
-          <a:effectRef idx="0">
-            <a:schemeClr val="accent1"/>
-          </a:effectRef>
-          <a:fontRef idx="minor">
-            <a:schemeClr val="tx1"/>
-          </a:fontRef>
-        </p:style>
-      </p:cxnSp>
     </p:spTree>
   </p:cSld>
   <p:clrMapOvr>
     <a:masterClrMapping/>
   </p:clrMapOvr>
-  <mc:AlternateContent xmlns:mc="http://schemas.openxmlformats.org/markup-compatibility/2006">
-    <mc:Choice xmlns:p14="http://schemas.microsoft.com/office/powerpoint/2010/main" Requires="p14">
+  <mc:AlternateContent xmlns:mc="http://schemas.openxmlformats.org/markup-compatibility/2006" xmlns:p14="http://schemas.microsoft.com/office/powerpoint/2010/main">
+    <mc:Choice Requires="p14">
       <p:transition spd="slow" p14:dur="1500">
         <p:split orient="vert"/>
       </p:transition>
     </mc:Choice>
-    <mc:Fallback>
+    <mc:Fallback xmlns="">
       <p:transition spd="slow">
         <p:split orient="vert"/>
       </p:transition>
@@ -9201,6 +8893,7 @@
           <a:bodyPr wrap="square" rtlCol="0">
             <a:spAutoFit/>
           </a:bodyPr>
+          <a:lstStyle/>
           <a:p>
             <a:pPr algn="ctr"/>
             <a:r>
@@ -9234,7 +8927,7 @@
         </p:nvSpPr>
         <p:spPr>
           <a:xfrm>
-            <a:off x="4581525" y="1185545"/>
+            <a:off x="4726305" y="1210310"/>
             <a:ext cx="2936240" cy="398780"/>
           </a:xfrm>
           <a:prstGeom prst="rect">
@@ -9246,6 +8939,7 @@
           <a:bodyPr wrap="square" rtlCol="0">
             <a:spAutoFit/>
           </a:bodyPr>
+          <a:lstStyle/>
           <a:p>
             <a:pPr algn="ctr"/>
             <a:r>
@@ -9268,13 +8962,6 @@
               </a:rPr>
               <a:t>Widget</a:t>
             </a:r>
-            <a:endParaRPr sz="2000" dirty="0">
-              <a:solidFill>
-                <a:srgbClr val="5B9BD5"/>
-              </a:solidFill>
-              <a:latin typeface="+mj-lt"/>
-              <a:cs typeface="+mj-lt"/>
-            </a:endParaRPr>
           </a:p>
         </p:txBody>
       </p:sp>
@@ -9427,6 +9114,1245 @@
           </a:p>
         </p:txBody>
       </p:sp>
+      <p:sp>
+        <p:nvSpPr>
+          <p:cNvPr id="6" name="í$ḷîḑé"/>
+          <p:cNvSpPr/>
+          <p:nvPr/>
+        </p:nvSpPr>
+        <p:spPr>
+          <a:xfrm>
+            <a:off x="967740" y="1430655"/>
+            <a:ext cx="4742815" cy="4435475"/>
+          </a:xfrm>
+          <a:prstGeom prst="rect">
+            <a:avLst/>
+          </a:prstGeom>
+          <a:noFill/>
+          <a:ln w="9525">
+            <a:noFill/>
+            <a:miter lim="800000"/>
+          </a:ln>
+          <a:extLst>
+            <a:ext uri="{909E8E84-426E-40DD-AFC4-6F175D3DCCD1}">
+              <a14:hiddenFill xmlns:a14="http://schemas.microsoft.com/office/drawing/2010/main">
+                <a:solidFill>
+                  <a:srgbClr val="FFFFFF"/>
+                </a:solidFill>
+              </a14:hiddenFill>
+            </a:ext>
+          </a:extLst>
+        </p:spPr>
+        <p:txBody>
+          <a:bodyPr wrap="square" lIns="86698" tIns="43349" rIns="86698" bIns="43349" anchor="t" anchorCtr="0">
+            <a:noAutofit/>
+          </a:bodyPr>
+          <a:lstStyle/>
+          <a:p>
+            <a:pPr indent="0">
+              <a:lnSpc>
+                <a:spcPct val="190000"/>
+              </a:lnSpc>
+              <a:spcBef>
+                <a:spcPct val="0"/>
+              </a:spcBef>
+              <a:buFont typeface="Arial" panose="020B0604020202020204" pitchFamily="34" charset="0"/>
+              <a:buNone/>
+            </a:pPr>
+            <a:r>
+              <a:rPr dirty="0">
+                <a:solidFill>
+                  <a:srgbClr val="5B9BD5"/>
+                </a:solidFill>
+                <a:latin typeface="思源黑体 CN Bold" panose="020B0800000000000000" pitchFamily="34" charset="-122"/>
+                <a:ea typeface="思源黑体 CN Bold" panose="020B0800000000000000" pitchFamily="34" charset="-122"/>
+              </a:rPr>
+              <a:t>Flutter的项目入口是main函数</a:t>
+            </a:r>
+            <a:r>
+              <a:rPr lang="zh-CN" dirty="0">
+                <a:solidFill>
+                  <a:srgbClr val="5B9BD5"/>
+                </a:solidFill>
+                <a:latin typeface="思源黑体 CN Bold" panose="020B0800000000000000" pitchFamily="34" charset="-122"/>
+                <a:ea typeface="思源黑体 CN Bold" panose="020B0800000000000000" pitchFamily="34" charset="-122"/>
+              </a:rPr>
+              <a:t>，然后</a:t>
+            </a:r>
+          </a:p>
+          <a:p>
+            <a:pPr indent="0">
+              <a:lnSpc>
+                <a:spcPct val="190000"/>
+              </a:lnSpc>
+              <a:spcBef>
+                <a:spcPct val="0"/>
+              </a:spcBef>
+              <a:buFont typeface="Arial" panose="020B0604020202020204" pitchFamily="34" charset="0"/>
+              <a:buNone/>
+            </a:pPr>
+            <a:r>
+              <a:rPr dirty="0">
+                <a:solidFill>
+                  <a:srgbClr val="5B9BD5"/>
+                </a:solidFill>
+                <a:latin typeface="思源黑体 CN Bold" panose="020B0800000000000000" pitchFamily="34" charset="-122"/>
+                <a:ea typeface="思源黑体 CN Bold" panose="020B0800000000000000" pitchFamily="34" charset="-122"/>
+              </a:rPr>
+              <a:t>runApp是一个顶级函数，</a:t>
+            </a:r>
+          </a:p>
+          <a:p>
+            <a:pPr indent="0">
+              <a:lnSpc>
+                <a:spcPct val="190000"/>
+              </a:lnSpc>
+              <a:spcBef>
+                <a:spcPct val="0"/>
+              </a:spcBef>
+              <a:buFont typeface="Arial" panose="020B0604020202020204" pitchFamily="34" charset="0"/>
+              <a:buNone/>
+            </a:pPr>
+            <a:r>
+              <a:rPr dirty="0">
+                <a:solidFill>
+                  <a:srgbClr val="5B9BD5"/>
+                </a:solidFill>
+                <a:latin typeface="思源黑体 CN Bold" panose="020B0800000000000000" pitchFamily="34" charset="-122"/>
+                <a:ea typeface="思源黑体 CN Bold" panose="020B0800000000000000" pitchFamily="34" charset="-122"/>
+              </a:rPr>
+              <a:t>接受一个Widget作为rootWidget</a:t>
+            </a:r>
+            <a:r>
+              <a:rPr lang="zh-CN" dirty="0">
+                <a:solidFill>
+                  <a:srgbClr val="5B9BD5"/>
+                </a:solidFill>
+                <a:latin typeface="思源黑体 CN Bold" panose="020B0800000000000000" pitchFamily="34" charset="-122"/>
+                <a:ea typeface="思源黑体 CN Bold" panose="020B0800000000000000" pitchFamily="34" charset="-122"/>
+              </a:rPr>
+              <a:t>，</a:t>
+            </a:r>
+          </a:p>
+          <a:p>
+            <a:pPr indent="0">
+              <a:lnSpc>
+                <a:spcPct val="190000"/>
+              </a:lnSpc>
+              <a:spcBef>
+                <a:spcPct val="0"/>
+              </a:spcBef>
+              <a:buFont typeface="Arial" panose="020B0604020202020204" pitchFamily="34" charset="0"/>
+              <a:buNone/>
+            </a:pPr>
+            <a:r>
+              <a:rPr lang="zh-CN" altLang="en-US" dirty="0">
+                <a:solidFill>
+                  <a:srgbClr val="5B9BD5"/>
+                </a:solidFill>
+                <a:latin typeface="思源黑体 CN Bold" panose="020B0800000000000000" pitchFamily="34" charset="-122"/>
+                <a:ea typeface="思源黑体 CN Bold" panose="020B0800000000000000" pitchFamily="34" charset="-122"/>
+              </a:rPr>
+              <a:t>也就是图中的这个</a:t>
+            </a:r>
+            <a:r>
+              <a:rPr lang="en-US" altLang="zh-CN" dirty="0">
+                <a:solidFill>
+                  <a:srgbClr val="5B9BD5"/>
+                </a:solidFill>
+                <a:latin typeface="思源黑体 CN Bold" panose="020B0800000000000000" pitchFamily="34" charset="-122"/>
+                <a:ea typeface="思源黑体 CN Bold" panose="020B0800000000000000" pitchFamily="34" charset="-122"/>
+              </a:rPr>
+              <a:t>TestDemo</a:t>
+            </a:r>
+            <a:r>
+              <a:rPr lang="zh-CN" altLang="en-US" dirty="0">
+                <a:solidFill>
+                  <a:srgbClr val="5B9BD5"/>
+                </a:solidFill>
+                <a:latin typeface="思源黑体 CN Bold" panose="020B0800000000000000" pitchFamily="34" charset="-122"/>
+                <a:ea typeface="思源黑体 CN Bold" panose="020B0800000000000000" pitchFamily="34" charset="-122"/>
+              </a:rPr>
+              <a:t>组件。</a:t>
+            </a:r>
+          </a:p>
+          <a:p>
+            <a:pPr indent="0">
+              <a:lnSpc>
+                <a:spcPct val="190000"/>
+              </a:lnSpc>
+              <a:spcBef>
+                <a:spcPct val="0"/>
+              </a:spcBef>
+              <a:buFont typeface="Arial" panose="020B0604020202020204" pitchFamily="34" charset="0"/>
+              <a:buNone/>
+            </a:pPr>
+            <a:endParaRPr lang="zh-CN" altLang="en-US" dirty="0">
+              <a:solidFill>
+                <a:srgbClr val="5B9BD5"/>
+              </a:solidFill>
+              <a:latin typeface="思源黑体 CN Bold" panose="020B0800000000000000" pitchFamily="34" charset="-122"/>
+              <a:ea typeface="思源黑体 CN Bold" panose="020B0800000000000000" pitchFamily="34" charset="-122"/>
+            </a:endParaRPr>
+          </a:p>
+          <a:p>
+            <a:pPr indent="0">
+              <a:lnSpc>
+                <a:spcPct val="190000"/>
+              </a:lnSpc>
+              <a:spcBef>
+                <a:spcPct val="0"/>
+              </a:spcBef>
+              <a:buFont typeface="Arial" panose="020B0604020202020204" pitchFamily="34" charset="0"/>
+              <a:buNone/>
+            </a:pPr>
+            <a:r>
+              <a:rPr lang="en-US" altLang="zh-CN" dirty="0">
+                <a:solidFill>
+                  <a:srgbClr val="5B9BD5"/>
+                </a:solidFill>
+                <a:latin typeface="思源黑体 CN Bold" panose="020B0800000000000000" pitchFamily="34" charset="-122"/>
+                <a:ea typeface="思源黑体 CN Bold" panose="020B0800000000000000" pitchFamily="34" charset="-122"/>
+                <a:sym typeface="+mn-ea"/>
+              </a:rPr>
+              <a:t>TestDemo</a:t>
+            </a:r>
+            <a:r>
+              <a:rPr lang="zh-CN" altLang="en-US" dirty="0">
+                <a:solidFill>
+                  <a:srgbClr val="5B9BD5"/>
+                </a:solidFill>
+                <a:latin typeface="思源黑体 CN Bold" panose="020B0800000000000000" pitchFamily="34" charset="-122"/>
+                <a:ea typeface="思源黑体 CN Bold" panose="020B0800000000000000" pitchFamily="34" charset="-122"/>
+                <a:sym typeface="+mn-ea"/>
+              </a:rPr>
+              <a:t>组件</a:t>
+            </a:r>
+            <a:r>
+              <a:rPr lang="zh-CN" altLang="en-US" dirty="0">
+                <a:solidFill>
+                  <a:srgbClr val="5B9BD5"/>
+                </a:solidFill>
+                <a:latin typeface="思源黑体 CN Bold" panose="020B0800000000000000" pitchFamily="34" charset="-122"/>
+                <a:ea typeface="思源黑体 CN Bold" panose="020B0800000000000000" pitchFamily="34" charset="-122"/>
+              </a:rPr>
+              <a:t>是由继承了</a:t>
+            </a:r>
+            <a:r>
+              <a:rPr lang="en-US" altLang="zh-CN" dirty="0">
+                <a:solidFill>
+                  <a:srgbClr val="5B9BD5"/>
+                </a:solidFill>
+                <a:latin typeface="思源黑体 CN Bold" panose="020B0800000000000000" pitchFamily="34" charset="-122"/>
+                <a:ea typeface="思源黑体 CN Bold" panose="020B0800000000000000" pitchFamily="34" charset="-122"/>
+              </a:rPr>
+              <a:t>StatelessWidget</a:t>
+            </a:r>
+          </a:p>
+          <a:p>
+            <a:pPr indent="0">
+              <a:lnSpc>
+                <a:spcPct val="190000"/>
+              </a:lnSpc>
+              <a:spcBef>
+                <a:spcPct val="0"/>
+              </a:spcBef>
+              <a:buFont typeface="Arial" panose="020B0604020202020204" pitchFamily="34" charset="0"/>
+              <a:buNone/>
+            </a:pPr>
+            <a:r>
+              <a:rPr lang="zh-CN" altLang="en-US" dirty="0">
+                <a:solidFill>
+                  <a:srgbClr val="5B9BD5"/>
+                </a:solidFill>
+                <a:latin typeface="思源黑体 CN Bold" panose="020B0800000000000000" pitchFamily="34" charset="-122"/>
+                <a:ea typeface="思源黑体 CN Bold" panose="020B0800000000000000" pitchFamily="34" charset="-122"/>
+              </a:rPr>
+              <a:t>组件的</a:t>
+            </a:r>
+            <a:r>
+              <a:rPr lang="en-US" altLang="zh-CN" dirty="0">
+                <a:solidFill>
+                  <a:srgbClr val="5B9BD5"/>
+                </a:solidFill>
+                <a:latin typeface="思源黑体 CN Bold" panose="020B0800000000000000" pitchFamily="34" charset="-122"/>
+                <a:ea typeface="思源黑体 CN Bold" panose="020B0800000000000000" pitchFamily="34" charset="-122"/>
+                <a:sym typeface="+mn-ea"/>
+              </a:rPr>
+              <a:t>TestDemo</a:t>
+            </a:r>
+            <a:r>
+              <a:rPr lang="zh-CN" altLang="en-US" dirty="0">
+                <a:solidFill>
+                  <a:srgbClr val="5B9BD5"/>
+                </a:solidFill>
+                <a:latin typeface="思源黑体 CN Bold" panose="020B0800000000000000" pitchFamily="34" charset="-122"/>
+                <a:ea typeface="思源黑体 CN Bold" panose="020B0800000000000000" pitchFamily="34" charset="-122"/>
+                <a:sym typeface="+mn-ea"/>
+              </a:rPr>
+              <a:t>类通过</a:t>
+            </a:r>
+            <a:r>
+              <a:rPr lang="en-US" altLang="zh-CN" dirty="0">
+                <a:solidFill>
+                  <a:srgbClr val="5B9BD5"/>
+                </a:solidFill>
+                <a:latin typeface="思源黑体 CN Bold" panose="020B0800000000000000" pitchFamily="34" charset="-122"/>
+                <a:ea typeface="思源黑体 CN Bold" panose="020B0800000000000000" pitchFamily="34" charset="-122"/>
+                <a:sym typeface="+mn-ea"/>
+              </a:rPr>
+              <a:t>bulid</a:t>
+            </a:r>
+            <a:r>
+              <a:rPr lang="zh-CN" altLang="en-US" dirty="0">
+                <a:solidFill>
+                  <a:srgbClr val="5B9BD5"/>
+                </a:solidFill>
+                <a:latin typeface="思源黑体 CN Bold" panose="020B0800000000000000" pitchFamily="34" charset="-122"/>
+                <a:ea typeface="思源黑体 CN Bold" panose="020B0800000000000000" pitchFamily="34" charset="-122"/>
+                <a:sym typeface="+mn-ea"/>
+              </a:rPr>
+              <a:t>方法</a:t>
+            </a:r>
+          </a:p>
+          <a:p>
+            <a:pPr indent="0">
+              <a:lnSpc>
+                <a:spcPct val="190000"/>
+              </a:lnSpc>
+              <a:spcBef>
+                <a:spcPct val="0"/>
+              </a:spcBef>
+              <a:buFont typeface="Arial" panose="020B0604020202020204" pitchFamily="34" charset="0"/>
+              <a:buNone/>
+            </a:pPr>
+            <a:r>
+              <a:rPr lang="zh-CN" altLang="en-US" dirty="0">
+                <a:solidFill>
+                  <a:srgbClr val="5B9BD5"/>
+                </a:solidFill>
+                <a:latin typeface="思源黑体 CN Bold" panose="020B0800000000000000" pitchFamily="34" charset="-122"/>
+                <a:ea typeface="思源黑体 CN Bold" panose="020B0800000000000000" pitchFamily="34" charset="-122"/>
+                <a:sym typeface="+mn-ea"/>
+              </a:rPr>
+              <a:t>构建</a:t>
+            </a:r>
+            <a:r>
+              <a:rPr lang="en-US" altLang="zh-CN" dirty="0">
+                <a:solidFill>
+                  <a:srgbClr val="5B9BD5"/>
+                </a:solidFill>
+                <a:latin typeface="思源黑体 CN Bold" panose="020B0800000000000000" pitchFamily="34" charset="-122"/>
+                <a:ea typeface="思源黑体 CN Bold" panose="020B0800000000000000" pitchFamily="34" charset="-122"/>
+                <a:sym typeface="+mn-ea"/>
+              </a:rPr>
+              <a:t>(</a:t>
+            </a:r>
+            <a:r>
+              <a:rPr lang="zh-CN" altLang="en-US" dirty="0">
+                <a:solidFill>
+                  <a:srgbClr val="5B9BD5"/>
+                </a:solidFill>
+                <a:latin typeface="思源黑体 CN Bold" panose="020B0800000000000000" pitchFamily="34" charset="-122"/>
+                <a:ea typeface="思源黑体 CN Bold" panose="020B0800000000000000" pitchFamily="34" charset="-122"/>
+                <a:sym typeface="+mn-ea"/>
+              </a:rPr>
+              <a:t>实例化</a:t>
+            </a:r>
+            <a:r>
+              <a:rPr lang="en-US" altLang="zh-CN" dirty="0">
+                <a:solidFill>
+                  <a:srgbClr val="5B9BD5"/>
+                </a:solidFill>
+                <a:latin typeface="思源黑体 CN Bold" panose="020B0800000000000000" pitchFamily="34" charset="-122"/>
+                <a:ea typeface="思源黑体 CN Bold" panose="020B0800000000000000" pitchFamily="34" charset="-122"/>
+                <a:sym typeface="+mn-ea"/>
+              </a:rPr>
+              <a:t>)</a:t>
+            </a:r>
+            <a:r>
+              <a:rPr lang="zh-CN" altLang="en-US" dirty="0">
+                <a:solidFill>
+                  <a:srgbClr val="5B9BD5"/>
+                </a:solidFill>
+                <a:latin typeface="思源黑体 CN Bold" panose="020B0800000000000000" pitchFamily="34" charset="-122"/>
+                <a:ea typeface="思源黑体 CN Bold" panose="020B0800000000000000" pitchFamily="34" charset="-122"/>
+                <a:sym typeface="+mn-ea"/>
+              </a:rPr>
+              <a:t>成无状态</a:t>
+            </a:r>
+            <a:r>
+              <a:rPr lang="en-US" altLang="zh-CN" dirty="0">
+                <a:solidFill>
+                  <a:srgbClr val="5B9BD5"/>
+                </a:solidFill>
+                <a:latin typeface="思源黑体 CN Bold" panose="020B0800000000000000" pitchFamily="34" charset="-122"/>
+                <a:ea typeface="思源黑体 CN Bold" panose="020B0800000000000000" pitchFamily="34" charset="-122"/>
+                <a:sym typeface="+mn-ea"/>
+              </a:rPr>
+              <a:t>(</a:t>
+            </a:r>
+            <a:r>
+              <a:rPr lang="zh-CN" altLang="en-US" dirty="0">
+                <a:solidFill>
+                  <a:srgbClr val="5B9BD5"/>
+                </a:solidFill>
+                <a:latin typeface="思源黑体 CN Bold" panose="020B0800000000000000" pitchFamily="34" charset="-122"/>
+                <a:ea typeface="思源黑体 CN Bold" panose="020B0800000000000000" pitchFamily="34" charset="-122"/>
+                <a:sym typeface="+mn-ea"/>
+              </a:rPr>
+              <a:t>静态</a:t>
+            </a:r>
+            <a:r>
+              <a:rPr lang="en-US" altLang="zh-CN" dirty="0">
+                <a:solidFill>
+                  <a:srgbClr val="5B9BD5"/>
+                </a:solidFill>
+                <a:latin typeface="思源黑体 CN Bold" panose="020B0800000000000000" pitchFamily="34" charset="-122"/>
+                <a:ea typeface="思源黑体 CN Bold" panose="020B0800000000000000" pitchFamily="34" charset="-122"/>
+                <a:sym typeface="+mn-ea"/>
+              </a:rPr>
+              <a:t>)</a:t>
+            </a:r>
+            <a:r>
+              <a:rPr lang="zh-CN" altLang="en-US" dirty="0">
+                <a:solidFill>
+                  <a:srgbClr val="5B9BD5"/>
+                </a:solidFill>
+                <a:latin typeface="思源黑体 CN Bold" panose="020B0800000000000000" pitchFamily="34" charset="-122"/>
+                <a:ea typeface="思源黑体 CN Bold" panose="020B0800000000000000" pitchFamily="34" charset="-122"/>
+                <a:sym typeface="+mn-ea"/>
+              </a:rPr>
+              <a:t>组件。</a:t>
+            </a:r>
+          </a:p>
+          <a:p>
+            <a:pPr indent="0">
+              <a:lnSpc>
+                <a:spcPct val="190000"/>
+              </a:lnSpc>
+              <a:spcBef>
+                <a:spcPct val="0"/>
+              </a:spcBef>
+              <a:buFont typeface="Arial" panose="020B0604020202020204" pitchFamily="34" charset="0"/>
+              <a:buNone/>
+            </a:pPr>
+            <a:endParaRPr lang="zh-CN" altLang="en-US" dirty="0">
+              <a:solidFill>
+                <a:srgbClr val="5B9BD5"/>
+              </a:solidFill>
+              <a:latin typeface="思源黑体 CN Bold" panose="020B0800000000000000" pitchFamily="34" charset="-122"/>
+              <a:ea typeface="思源黑体 CN Bold" panose="020B0800000000000000" pitchFamily="34" charset="-122"/>
+              <a:sym typeface="+mn-ea"/>
+            </a:endParaRPr>
+          </a:p>
+          <a:p>
+            <a:pPr indent="0">
+              <a:lnSpc>
+                <a:spcPct val="190000"/>
+              </a:lnSpc>
+              <a:spcBef>
+                <a:spcPct val="0"/>
+              </a:spcBef>
+              <a:buFont typeface="Arial" panose="020B0604020202020204" pitchFamily="34" charset="0"/>
+              <a:buNone/>
+            </a:pPr>
+            <a:endParaRPr lang="zh-CN" altLang="en-US" dirty="0">
+              <a:solidFill>
+                <a:srgbClr val="5B9BD5"/>
+              </a:solidFill>
+              <a:latin typeface="思源黑体 CN Bold" panose="020B0800000000000000" pitchFamily="34" charset="-122"/>
+              <a:ea typeface="思源黑体 CN Bold" panose="020B0800000000000000" pitchFamily="34" charset="-122"/>
+            </a:endParaRPr>
+          </a:p>
+          <a:p>
+            <a:pPr indent="0">
+              <a:lnSpc>
+                <a:spcPct val="190000"/>
+              </a:lnSpc>
+              <a:spcBef>
+                <a:spcPct val="0"/>
+              </a:spcBef>
+              <a:buFont typeface="Arial" panose="020B0604020202020204" pitchFamily="34" charset="0"/>
+              <a:buNone/>
+            </a:pPr>
+            <a:endParaRPr lang="zh-CN" altLang="en-US" dirty="0">
+              <a:solidFill>
+                <a:srgbClr val="5B9BD5"/>
+              </a:solidFill>
+              <a:latin typeface="思源黑体 CN Bold" panose="020B0800000000000000" pitchFamily="34" charset="-122"/>
+              <a:ea typeface="思源黑体 CN Bold" panose="020B0800000000000000" pitchFamily="34" charset="-122"/>
+            </a:endParaRPr>
+          </a:p>
+          <a:p>
+            <a:pPr indent="0">
+              <a:lnSpc>
+                <a:spcPct val="190000"/>
+              </a:lnSpc>
+              <a:spcBef>
+                <a:spcPct val="0"/>
+              </a:spcBef>
+              <a:buFont typeface="Arial" panose="020B0604020202020204" pitchFamily="34" charset="0"/>
+              <a:buNone/>
+            </a:pPr>
+            <a:endParaRPr lang="zh-CN" altLang="en-US" dirty="0">
+              <a:solidFill>
+                <a:srgbClr val="5B9BD5"/>
+              </a:solidFill>
+              <a:latin typeface="思源黑体 CN Bold" panose="020B0800000000000000" pitchFamily="34" charset="-122"/>
+              <a:ea typeface="思源黑体 CN Bold" panose="020B0800000000000000" pitchFamily="34" charset="-122"/>
+            </a:endParaRPr>
+          </a:p>
+          <a:p>
+            <a:pPr indent="0">
+              <a:lnSpc>
+                <a:spcPct val="190000"/>
+              </a:lnSpc>
+              <a:spcBef>
+                <a:spcPct val="0"/>
+              </a:spcBef>
+              <a:buFont typeface="Arial" panose="020B0604020202020204" pitchFamily="34" charset="0"/>
+              <a:buNone/>
+            </a:pPr>
+            <a:endParaRPr lang="zh-CN" altLang="en-US" dirty="0">
+              <a:solidFill>
+                <a:srgbClr val="5B9BD5"/>
+              </a:solidFill>
+              <a:latin typeface="思源黑体 CN Bold" panose="020B0800000000000000" pitchFamily="34" charset="-122"/>
+              <a:ea typeface="思源黑体 CN Bold" panose="020B0800000000000000" pitchFamily="34" charset="-122"/>
+            </a:endParaRPr>
+          </a:p>
+          <a:p>
+            <a:pPr indent="0">
+              <a:lnSpc>
+                <a:spcPct val="190000"/>
+              </a:lnSpc>
+              <a:spcBef>
+                <a:spcPct val="0"/>
+              </a:spcBef>
+              <a:buFont typeface="Arial" panose="020B0604020202020204" pitchFamily="34" charset="0"/>
+              <a:buNone/>
+            </a:pPr>
+            <a:endParaRPr dirty="0">
+              <a:solidFill>
+                <a:srgbClr val="5B9BD5"/>
+              </a:solidFill>
+              <a:latin typeface="思源黑体 CN Bold" panose="020B0800000000000000" pitchFamily="34" charset="-122"/>
+              <a:ea typeface="思源黑体 CN Bold" panose="020B0800000000000000" pitchFamily="34" charset="-122"/>
+            </a:endParaRPr>
+          </a:p>
+          <a:p>
+            <a:pPr indent="0">
+              <a:lnSpc>
+                <a:spcPct val="190000"/>
+              </a:lnSpc>
+              <a:spcBef>
+                <a:spcPct val="0"/>
+              </a:spcBef>
+              <a:buFont typeface="Arial" panose="020B0604020202020204" pitchFamily="34" charset="0"/>
+              <a:buNone/>
+            </a:pPr>
+            <a:endParaRPr dirty="0">
+              <a:solidFill>
+                <a:srgbClr val="5B9BD5"/>
+              </a:solidFill>
+              <a:latin typeface="思源黑体 CN Bold" panose="020B0800000000000000" pitchFamily="34" charset="-122"/>
+              <a:ea typeface="思源黑体 CN Bold" panose="020B0800000000000000" pitchFamily="34" charset="-122"/>
+            </a:endParaRPr>
+          </a:p>
+          <a:p>
+            <a:pPr indent="0">
+              <a:lnSpc>
+                <a:spcPct val="190000"/>
+              </a:lnSpc>
+              <a:spcBef>
+                <a:spcPct val="0"/>
+              </a:spcBef>
+              <a:buFont typeface="Arial" panose="020B0604020202020204" pitchFamily="34" charset="0"/>
+              <a:buNone/>
+            </a:pPr>
+            <a:endParaRPr dirty="0">
+              <a:solidFill>
+                <a:srgbClr val="5B9BD5"/>
+              </a:solidFill>
+              <a:latin typeface="思源黑体 CN Bold" panose="020B0800000000000000" pitchFamily="34" charset="-122"/>
+              <a:ea typeface="思源黑体 CN Bold" panose="020B0800000000000000" pitchFamily="34" charset="-122"/>
+            </a:endParaRPr>
+          </a:p>
+          <a:p>
+            <a:pPr indent="0">
+              <a:lnSpc>
+                <a:spcPct val="190000"/>
+              </a:lnSpc>
+              <a:spcBef>
+                <a:spcPct val="0"/>
+              </a:spcBef>
+              <a:buFont typeface="Arial" panose="020B0604020202020204" pitchFamily="34" charset="0"/>
+              <a:buNone/>
+            </a:pPr>
+            <a:endParaRPr dirty="0">
+              <a:solidFill>
+                <a:srgbClr val="5B9BD5"/>
+              </a:solidFill>
+              <a:latin typeface="思源黑体 CN Bold" panose="020B0800000000000000" pitchFamily="34" charset="-122"/>
+              <a:ea typeface="思源黑体 CN Bold" panose="020B0800000000000000" pitchFamily="34" charset="-122"/>
+            </a:endParaRPr>
+          </a:p>
+          <a:p>
+            <a:pPr marL="742950" lvl="1" indent="-285750">
+              <a:lnSpc>
+                <a:spcPct val="190000"/>
+              </a:lnSpc>
+              <a:spcBef>
+                <a:spcPct val="0"/>
+              </a:spcBef>
+              <a:buFont typeface="Arial" panose="020B0604020202020204" pitchFamily="34" charset="0"/>
+              <a:buNone/>
+            </a:pPr>
+            <a:endParaRPr lang="zh-CN" altLang="en-US" dirty="0">
+              <a:solidFill>
+                <a:srgbClr val="5B9BD5"/>
+              </a:solidFill>
+              <a:latin typeface="思源黑体 CN Bold" panose="020B0800000000000000" pitchFamily="34" charset="-122"/>
+              <a:ea typeface="思源黑体 CN Bold" panose="020B0800000000000000" pitchFamily="34" charset="-122"/>
+            </a:endParaRPr>
+          </a:p>
+        </p:txBody>
+      </p:sp>
+      <p:pic>
+        <p:nvPicPr>
+          <p:cNvPr id="7" name="图片 6"/>
+          <p:cNvPicPr>
+            <a:picLocks noChangeAspect="1"/>
+          </p:cNvPicPr>
+          <p:nvPr/>
+        </p:nvPicPr>
+        <p:blipFill>
+          <a:blip r:embed="rId3"/>
+          <a:stretch>
+            <a:fillRect/>
+          </a:stretch>
+        </p:blipFill>
+        <p:spPr>
+          <a:xfrm>
+            <a:off x="6612255" y="3933825"/>
+            <a:ext cx="4286250" cy="2228850"/>
+          </a:xfrm>
+          <a:prstGeom prst="rect">
+            <a:avLst/>
+          </a:prstGeom>
+        </p:spPr>
+      </p:pic>
+      <p:pic>
+        <p:nvPicPr>
+          <p:cNvPr id="9" name="图片 8"/>
+          <p:cNvPicPr>
+            <a:picLocks noChangeAspect="1"/>
+          </p:cNvPicPr>
+          <p:nvPr/>
+        </p:nvPicPr>
+        <p:blipFill>
+          <a:blip r:embed="rId4"/>
+          <a:stretch>
+            <a:fillRect/>
+          </a:stretch>
+        </p:blipFill>
+        <p:spPr>
+          <a:xfrm>
+            <a:off x="6612255" y="1687195"/>
+            <a:ext cx="4410075" cy="1828800"/>
+          </a:xfrm>
+          <a:prstGeom prst="rect">
+            <a:avLst/>
+          </a:prstGeom>
+        </p:spPr>
+      </p:pic>
+      <p:cxnSp>
+        <p:nvCxnSpPr>
+          <p:cNvPr id="12" name="直接箭头连接符 11"/>
+          <p:cNvCxnSpPr/>
+          <p:nvPr/>
+        </p:nvCxnSpPr>
+        <p:spPr>
+          <a:xfrm flipH="1">
+            <a:off x="7856855" y="3052445"/>
+            <a:ext cx="471170" cy="1078865"/>
+          </a:xfrm>
+          <a:prstGeom prst="straightConnector1">
+            <a:avLst/>
+          </a:prstGeom>
+          <a:ln w="63500">
+            <a:solidFill>
+              <a:srgbClr val="FF0000"/>
+            </a:solidFill>
+            <a:tailEnd type="arrow"/>
+          </a:ln>
+          <a:effectLst/>
+        </p:spPr>
+        <p:style>
+          <a:lnRef idx="1">
+            <a:schemeClr val="accent1"/>
+          </a:lnRef>
+          <a:fillRef idx="0">
+            <a:schemeClr val="accent1"/>
+          </a:fillRef>
+          <a:effectRef idx="0">
+            <a:schemeClr val="accent1"/>
+          </a:effectRef>
+          <a:fontRef idx="minor">
+            <a:schemeClr val="tx1"/>
+          </a:fontRef>
+        </p:style>
+      </p:cxnSp>
+    </p:spTree>
+  </p:cSld>
+  <p:clrMapOvr>
+    <a:masterClrMapping/>
+  </p:clrMapOvr>
+  <mc:AlternateContent xmlns:mc="http://schemas.openxmlformats.org/markup-compatibility/2006" xmlns:p14="http://schemas.microsoft.com/office/powerpoint/2010/main">
+    <mc:Choice Requires="p14">
+      <p:transition spd="slow" p14:dur="1500">
+        <p:split orient="vert"/>
+      </p:transition>
+    </mc:Choice>
+    <mc:Fallback xmlns="">
+      <p:transition spd="slow">
+        <p:split orient="vert"/>
+      </p:transition>
+    </mc:Fallback>
+  </mc:AlternateContent>
+  <p:timing>
+    <p:tnLst>
+      <p:par>
+        <p:cTn id="1" dur="indefinite" restart="never" nodeType="tmRoot">
+          <p:childTnLst>
+            <p:seq concurrent="1" nextAc="seek">
+              <p:cTn id="2" dur="indefinite" nodeType="mainSeq">
+                <p:childTnLst>
+                  <p:par>
+                    <p:cTn id="3" fill="hold">
+                      <p:stCondLst>
+                        <p:cond delay="indefinite"/>
+                        <p:cond evt="onBegin" delay="0">
+                          <p:tn val="2"/>
+                        </p:cond>
+                      </p:stCondLst>
+                      <p:childTnLst>
+                        <p:par>
+                          <p:cTn id="4" fill="hold">
+                            <p:stCondLst>
+                              <p:cond delay="0"/>
+                            </p:stCondLst>
+                            <p:childTnLst>
+                              <p:par>
+                                <p:cTn id="5" presetID="2" presetClass="entr" presetSubtype="1" decel="100000" fill="hold" grpId="0" nodeType="afterEffect">
+                                  <p:stCondLst>
+                                    <p:cond delay="0"/>
+                                  </p:stCondLst>
+                                  <p:childTnLst>
+                                    <p:set>
+                                      <p:cBhvr>
+                                        <p:cTn id="6" dur="1" fill="hold">
+                                          <p:stCondLst>
+                                            <p:cond delay="0"/>
+                                          </p:stCondLst>
+                                        </p:cTn>
+                                        <p:tgtEl>
+                                          <p:spTgt spid="100"/>
+                                        </p:tgtEl>
+                                        <p:attrNameLst>
+                                          <p:attrName>style.visibility</p:attrName>
+                                        </p:attrNameLst>
+                                      </p:cBhvr>
+                                      <p:to>
+                                        <p:strVal val="visible"/>
+                                      </p:to>
+                                    </p:set>
+                                    <p:anim calcmode="lin" valueType="num">
+                                      <p:cBhvr additive="base">
+                                        <p:cTn id="7" dur="750" fill="hold"/>
+                                        <p:tgtEl>
+                                          <p:spTgt spid="100"/>
+                                        </p:tgtEl>
+                                        <p:attrNameLst>
+                                          <p:attrName>ppt_x</p:attrName>
+                                        </p:attrNameLst>
+                                      </p:cBhvr>
+                                      <p:tavLst>
+                                        <p:tav tm="0">
+                                          <p:val>
+                                            <p:strVal val="#ppt_x"/>
+                                          </p:val>
+                                        </p:tav>
+                                        <p:tav tm="100000">
+                                          <p:val>
+                                            <p:strVal val="#ppt_x"/>
+                                          </p:val>
+                                        </p:tav>
+                                      </p:tavLst>
+                                    </p:anim>
+                                    <p:anim calcmode="lin" valueType="num">
+                                      <p:cBhvr additive="base">
+                                        <p:cTn id="8" dur="750" fill="hold"/>
+                                        <p:tgtEl>
+                                          <p:spTgt spid="100"/>
+                                        </p:tgtEl>
+                                        <p:attrNameLst>
+                                          <p:attrName>ppt_y</p:attrName>
+                                        </p:attrNameLst>
+                                      </p:cBhvr>
+                                      <p:tavLst>
+                                        <p:tav tm="0">
+                                          <p:val>
+                                            <p:strVal val="0-#ppt_h/2"/>
+                                          </p:val>
+                                        </p:tav>
+                                        <p:tav tm="100000">
+                                          <p:val>
+                                            <p:strVal val="#ppt_y"/>
+                                          </p:val>
+                                        </p:tav>
+                                      </p:tavLst>
+                                    </p:anim>
+                                  </p:childTnLst>
+                                </p:cTn>
+                              </p:par>
+                              <p:par>
+                                <p:cTn id="9" presetID="2" presetClass="entr" presetSubtype="1" decel="100000" fill="hold" grpId="0" nodeType="withEffect">
+                                  <p:stCondLst>
+                                    <p:cond delay="0"/>
+                                  </p:stCondLst>
+                                  <p:childTnLst>
+                                    <p:set>
+                                      <p:cBhvr>
+                                        <p:cTn id="10" dur="1" fill="hold">
+                                          <p:stCondLst>
+                                            <p:cond delay="0"/>
+                                          </p:stCondLst>
+                                        </p:cTn>
+                                        <p:tgtEl>
+                                          <p:spTgt spid="101"/>
+                                        </p:tgtEl>
+                                        <p:attrNameLst>
+                                          <p:attrName>style.visibility</p:attrName>
+                                        </p:attrNameLst>
+                                      </p:cBhvr>
+                                      <p:to>
+                                        <p:strVal val="visible"/>
+                                      </p:to>
+                                    </p:set>
+                                    <p:anim calcmode="lin" valueType="num">
+                                      <p:cBhvr additive="base">
+                                        <p:cTn id="11" dur="750" fill="hold"/>
+                                        <p:tgtEl>
+                                          <p:spTgt spid="101"/>
+                                        </p:tgtEl>
+                                        <p:attrNameLst>
+                                          <p:attrName>ppt_x</p:attrName>
+                                        </p:attrNameLst>
+                                      </p:cBhvr>
+                                      <p:tavLst>
+                                        <p:tav tm="0">
+                                          <p:val>
+                                            <p:strVal val="#ppt_x"/>
+                                          </p:val>
+                                        </p:tav>
+                                        <p:tav tm="100000">
+                                          <p:val>
+                                            <p:strVal val="#ppt_x"/>
+                                          </p:val>
+                                        </p:tav>
+                                      </p:tavLst>
+                                    </p:anim>
+                                    <p:anim calcmode="lin" valueType="num">
+                                      <p:cBhvr additive="base">
+                                        <p:cTn id="12" dur="750" fill="hold"/>
+                                        <p:tgtEl>
+                                          <p:spTgt spid="101"/>
+                                        </p:tgtEl>
+                                        <p:attrNameLst>
+                                          <p:attrName>ppt_y</p:attrName>
+                                        </p:attrNameLst>
+                                      </p:cBhvr>
+                                      <p:tavLst>
+                                        <p:tav tm="0">
+                                          <p:val>
+                                            <p:strVal val="0-#ppt_h/2"/>
+                                          </p:val>
+                                        </p:tav>
+                                        <p:tav tm="100000">
+                                          <p:val>
+                                            <p:strVal val="#ppt_y"/>
+                                          </p:val>
+                                        </p:tav>
+                                      </p:tavLst>
+                                    </p:anim>
+                                  </p:childTnLst>
+                                </p:cTn>
+                              </p:par>
+                            </p:childTnLst>
+                          </p:cTn>
+                        </p:par>
+                      </p:childTnLst>
+                    </p:cTn>
+                  </p:par>
+                </p:childTnLst>
+              </p:cTn>
+              <p:prevCondLst>
+                <p:cond evt="onPrev" delay="0">
+                  <p:tgtEl>
+                    <p:sldTgt/>
+                  </p:tgtEl>
+                </p:cond>
+              </p:prevCondLst>
+              <p:nextCondLst>
+                <p:cond evt="onNext" delay="0">
+                  <p:tgtEl>
+                    <p:sldTgt/>
+                  </p:tgtEl>
+                </p:cond>
+              </p:nextCondLst>
+            </p:seq>
+          </p:childTnLst>
+        </p:cTn>
+      </p:par>
+    </p:tnLst>
+    <p:bldLst>
+      <p:bldP spid="100" grpId="0"/>
+      <p:bldP spid="101" grpId="0"/>
+    </p:bldLst>
+  </p:timing>
+</p:sld>
+</file>
+
+<file path=ppt/slides/slide14.xml><?xml version="1.0" encoding="utf-8"?>
+<p:sld xmlns:a="http://schemas.openxmlformats.org/drawingml/2006/main" xmlns:r="http://schemas.openxmlformats.org/officeDocument/2006/relationships" xmlns:p="http://schemas.openxmlformats.org/presentationml/2006/main">
+  <p:cSld>
+    <p:spTree>
+      <p:nvGrpSpPr>
+        <p:cNvPr id="1" name=""/>
+        <p:cNvGrpSpPr/>
+        <p:nvPr/>
+      </p:nvGrpSpPr>
+      <p:grpSpPr>
+        <a:xfrm>
+          <a:off x="0" y="0"/>
+          <a:ext cx="0" cy="0"/>
+          <a:chOff x="0" y="0"/>
+          <a:chExt cx="0" cy="0"/>
+        </a:xfrm>
+      </p:grpSpPr>
+      <p:cxnSp>
+        <p:nvCxnSpPr>
+          <p:cNvPr id="8" name="直接连接符 7"/>
+          <p:cNvCxnSpPr/>
+          <p:nvPr/>
+        </p:nvCxnSpPr>
+        <p:spPr>
+          <a:xfrm>
+            <a:off x="1474106" y="857250"/>
+            <a:ext cx="2324100" cy="0"/>
+          </a:xfrm>
+          <a:prstGeom prst="line">
+            <a:avLst/>
+          </a:prstGeom>
+          <a:ln>
+            <a:solidFill>
+              <a:srgbClr val="5B9BD5"/>
+            </a:solidFill>
+          </a:ln>
+        </p:spPr>
+        <p:style>
+          <a:lnRef idx="1">
+            <a:schemeClr val="dk1"/>
+          </a:lnRef>
+          <a:fillRef idx="0">
+            <a:schemeClr val="dk1"/>
+          </a:fillRef>
+          <a:effectRef idx="0">
+            <a:schemeClr val="dk1"/>
+          </a:effectRef>
+          <a:fontRef idx="minor">
+            <a:schemeClr val="tx1"/>
+          </a:fontRef>
+        </p:style>
+      </p:cxnSp>
+      <p:cxnSp>
+        <p:nvCxnSpPr>
+          <p:cNvPr id="10" name="直接连接符 9"/>
+          <p:cNvCxnSpPr/>
+          <p:nvPr/>
+        </p:nvCxnSpPr>
+        <p:spPr>
+          <a:xfrm>
+            <a:off x="8873855" y="857250"/>
+            <a:ext cx="2324100" cy="0"/>
+          </a:xfrm>
+          <a:prstGeom prst="line">
+            <a:avLst/>
+          </a:prstGeom>
+          <a:ln>
+            <a:solidFill>
+              <a:srgbClr val="5B9BD5"/>
+            </a:solidFill>
+          </a:ln>
+        </p:spPr>
+        <p:style>
+          <a:lnRef idx="1">
+            <a:schemeClr val="dk1"/>
+          </a:lnRef>
+          <a:fillRef idx="0">
+            <a:schemeClr val="dk1"/>
+          </a:fillRef>
+          <a:effectRef idx="0">
+            <a:schemeClr val="dk1"/>
+          </a:effectRef>
+          <a:fontRef idx="minor">
+            <a:schemeClr val="tx1"/>
+          </a:fontRef>
+        </p:style>
+      </p:cxnSp>
+      <p:sp>
+        <p:nvSpPr>
+          <p:cNvPr id="100" name="TextBox 99"/>
+          <p:cNvSpPr txBox="1"/>
+          <p:nvPr/>
+        </p:nvSpPr>
+        <p:spPr>
+          <a:xfrm>
+            <a:off x="3798169" y="503294"/>
+            <a:ext cx="5076356" cy="706755"/>
+          </a:xfrm>
+          <a:prstGeom prst="rect">
+            <a:avLst/>
+          </a:prstGeom>
+          <a:noFill/>
+        </p:spPr>
+        <p:txBody>
+          <a:bodyPr wrap="square" rtlCol="0">
+            <a:spAutoFit/>
+          </a:bodyPr>
+          <a:lstStyle/>
+          <a:p>
+            <a:pPr algn="ctr"/>
+            <a:r>
+              <a:rPr lang="zh-CN" altLang="en-US" sz="4000" b="1" dirty="0">
+                <a:solidFill>
+                  <a:srgbClr val="5B9BD5"/>
+                </a:solidFill>
+                <a:latin typeface="微软雅黑" panose="020B0503020204020204" charset="-122"/>
+                <a:ea typeface="微软雅黑" panose="020B0503020204020204" charset="-122"/>
+                <a:sym typeface="+mn-ea"/>
+              </a:rPr>
+              <a:t>Widget和框架布局</a:t>
+            </a:r>
+            <a:endParaRPr lang="zh-CN" altLang="en-US" sz="4000" b="1" dirty="0">
+              <a:solidFill>
+                <a:srgbClr val="5B9BD5"/>
+              </a:solidFill>
+              <a:latin typeface="微软雅黑" panose="020B0503020204020204" charset="-122"/>
+              <a:ea typeface="微软雅黑" panose="020B0503020204020204" charset="-122"/>
+              <a:cs typeface="Lato Heavy" panose="020F0502020204030203" pitchFamily="34" charset="0"/>
+              <a:sym typeface="+mn-ea"/>
+            </a:endParaRPr>
+          </a:p>
+        </p:txBody>
+      </p:sp>
+      <p:sp>
+        <p:nvSpPr>
+          <p:cNvPr id="101" name="TextBox 100"/>
+          <p:cNvSpPr txBox="1"/>
+          <p:nvPr/>
+        </p:nvSpPr>
+        <p:spPr>
+          <a:xfrm>
+            <a:off x="4581525" y="1185545"/>
+            <a:ext cx="2936240" cy="398780"/>
+          </a:xfrm>
+          <a:prstGeom prst="rect">
+            <a:avLst/>
+          </a:prstGeom>
+          <a:noFill/>
+        </p:spPr>
+        <p:txBody>
+          <a:bodyPr wrap="square" rtlCol="0">
+            <a:spAutoFit/>
+          </a:bodyPr>
+          <a:lstStyle/>
+          <a:p>
+            <a:pPr algn="ctr"/>
+            <a:r>
+              <a:rPr lang="zh-CN" sz="2000" dirty="0">
+                <a:solidFill>
+                  <a:srgbClr val="5B9BD5"/>
+                </a:solidFill>
+                <a:latin typeface="+mj-lt"/>
+                <a:cs typeface="+mj-lt"/>
+              </a:rPr>
+              <a:t>常用的</a:t>
+            </a:r>
+            <a:r>
+              <a:rPr sz="2000" dirty="0">
+                <a:solidFill>
+                  <a:srgbClr val="5B9BD5"/>
+                </a:solidFill>
+                <a:latin typeface="+mj-lt"/>
+                <a:cs typeface="+mj-lt"/>
+              </a:rPr>
+              <a:t>Widget</a:t>
+            </a:r>
+          </a:p>
+        </p:txBody>
+      </p:sp>
+      <p:sp>
+        <p:nvSpPr>
+          <p:cNvPr id="13" name="í$ḷîḑé"/>
+          <p:cNvSpPr/>
+          <p:nvPr/>
+        </p:nvSpPr>
+        <p:spPr>
+          <a:xfrm>
+            <a:off x="572135" y="4386580"/>
+            <a:ext cx="11243945" cy="2275840"/>
+          </a:xfrm>
+          <a:prstGeom prst="rect">
+            <a:avLst/>
+          </a:prstGeom>
+          <a:noFill/>
+          <a:ln w="9525">
+            <a:noFill/>
+            <a:miter lim="800000"/>
+          </a:ln>
+          <a:extLst>
+            <a:ext uri="{909E8E84-426E-40DD-AFC4-6F175D3DCCD1}">
+              <a14:hiddenFill xmlns:a14="http://schemas.microsoft.com/office/drawing/2010/main">
+                <a:solidFill>
+                  <a:srgbClr val="FFFFFF"/>
+                </a:solidFill>
+              </a14:hiddenFill>
+            </a:ext>
+          </a:extLst>
+        </p:spPr>
+        <p:txBody>
+          <a:bodyPr wrap="square" lIns="86698" tIns="43349" rIns="86698" bIns="43349" anchor="t" anchorCtr="0">
+            <a:noAutofit/>
+          </a:bodyPr>
+          <a:lstStyle/>
+          <a:p>
+            <a:pPr marL="285750" indent="-285750">
+              <a:lnSpc>
+                <a:spcPct val="150000"/>
+              </a:lnSpc>
+              <a:spcBef>
+                <a:spcPct val="0"/>
+              </a:spcBef>
+              <a:buFont typeface="Arial" panose="020B0604020202020204" pitchFamily="34" charset="0"/>
+              <a:buChar char="•"/>
+            </a:pPr>
+            <a:endParaRPr lang="en-US" sz="1600" dirty="0">
+              <a:solidFill>
+                <a:srgbClr val="92BDE3"/>
+              </a:solidFill>
+              <a:latin typeface="思源黑体 CN Bold" panose="020B0800000000000000" pitchFamily="34" charset="-122"/>
+              <a:ea typeface="思源黑体 CN Bold" panose="020B0800000000000000" pitchFamily="34" charset="-122"/>
+              <a:sym typeface="+mn-ea"/>
+            </a:endParaRPr>
+          </a:p>
+        </p:txBody>
+      </p:sp>
+      <p:sp>
+        <p:nvSpPr>
+          <p:cNvPr id="20" name="í$ḷîḑé"/>
+          <p:cNvSpPr/>
+          <p:nvPr/>
+        </p:nvSpPr>
+        <p:spPr>
+          <a:xfrm>
+            <a:off x="572135" y="1687195"/>
+            <a:ext cx="4742815" cy="4279265"/>
+          </a:xfrm>
+          <a:prstGeom prst="rect">
+            <a:avLst/>
+          </a:prstGeom>
+          <a:noFill/>
+          <a:ln w="9525">
+            <a:noFill/>
+            <a:miter lim="800000"/>
+          </a:ln>
+          <a:extLst>
+            <a:ext uri="{909E8E84-426E-40DD-AFC4-6F175D3DCCD1}">
+              <a14:hiddenFill xmlns:a14="http://schemas.microsoft.com/office/drawing/2010/main">
+                <a:solidFill>
+                  <a:srgbClr val="FFFFFF"/>
+                </a:solidFill>
+              </a14:hiddenFill>
+            </a:ext>
+          </a:extLst>
+        </p:spPr>
+        <p:txBody>
+          <a:bodyPr wrap="square" lIns="86698" tIns="43349" rIns="86698" bIns="43349" anchor="t" anchorCtr="0">
+            <a:noAutofit/>
+          </a:bodyPr>
+          <a:lstStyle/>
+          <a:p>
+            <a:pPr marL="285750" indent="-285750">
+              <a:lnSpc>
+                <a:spcPct val="190000"/>
+              </a:lnSpc>
+              <a:spcBef>
+                <a:spcPct val="0"/>
+              </a:spcBef>
+              <a:buFont typeface="Arial" panose="020B0604020202020204" pitchFamily="34" charset="0"/>
+              <a:buChar char="•"/>
+            </a:pPr>
+            <a:endParaRPr lang="zh-CN" altLang="en-US" dirty="0">
+              <a:solidFill>
+                <a:srgbClr val="5B9BD5"/>
+              </a:solidFill>
+              <a:latin typeface="思源黑体 CN Bold" panose="020B0800000000000000" pitchFamily="34" charset="-122"/>
+              <a:ea typeface="思源黑体 CN Bold" panose="020B0800000000000000" pitchFamily="34" charset="-122"/>
+            </a:endParaRPr>
+          </a:p>
+          <a:p>
+            <a:pPr marL="285750" indent="-285750">
+              <a:lnSpc>
+                <a:spcPct val="190000"/>
+              </a:lnSpc>
+              <a:spcBef>
+                <a:spcPct val="0"/>
+              </a:spcBef>
+              <a:buFont typeface="Arial" panose="020B0604020202020204" pitchFamily="34" charset="0"/>
+              <a:buChar char="•"/>
+            </a:pPr>
+            <a:endParaRPr lang="zh-CN" altLang="en-US" dirty="0">
+              <a:solidFill>
+                <a:srgbClr val="5B9BD5"/>
+              </a:solidFill>
+              <a:latin typeface="思源黑体 CN Bold" panose="020B0800000000000000" pitchFamily="34" charset="-122"/>
+              <a:ea typeface="思源黑体 CN Bold" panose="020B0800000000000000" pitchFamily="34" charset="-122"/>
+            </a:endParaRPr>
+          </a:p>
+          <a:p>
+            <a:pPr lvl="1" indent="0">
+              <a:lnSpc>
+                <a:spcPct val="190000"/>
+              </a:lnSpc>
+              <a:spcBef>
+                <a:spcPct val="0"/>
+              </a:spcBef>
+              <a:buFont typeface="Arial" panose="020B0604020202020204" pitchFamily="34" charset="0"/>
+              <a:buNone/>
+            </a:pPr>
+            <a:endParaRPr lang="zh-CN" altLang="en-US" dirty="0">
+              <a:solidFill>
+                <a:srgbClr val="5B9BD5"/>
+              </a:solidFill>
+              <a:latin typeface="思源黑体 CN Bold" panose="020B0800000000000000" pitchFamily="34" charset="-122"/>
+              <a:ea typeface="思源黑体 CN Bold" panose="020B0800000000000000" pitchFamily="34" charset="-122"/>
+            </a:endParaRPr>
+          </a:p>
+        </p:txBody>
+      </p:sp>
       <p:pic>
         <p:nvPicPr>
           <p:cNvPr id="2" name="图片 1"/>
@@ -9436,7 +10362,7 @@
           <p:nvPr/>
         </p:nvPicPr>
         <p:blipFill>
-          <a:blip r:embed="rId1"/>
+          <a:blip r:embed="rId3"/>
           <a:stretch>
             <a:fillRect/>
           </a:stretch>
@@ -9460,7 +10386,7 @@
           <p:nvPr/>
         </p:nvPicPr>
         <p:blipFill>
-          <a:blip r:embed="rId2"/>
+          <a:blip r:embed="rId4"/>
           <a:stretch>
             <a:fillRect/>
           </a:stretch>
@@ -9582,6 +10508,7 @@
           <a:bodyPr wrap="square" lIns="86698" tIns="43349" rIns="86698" bIns="43349" anchor="t" anchorCtr="0">
             <a:noAutofit/>
           </a:bodyPr>
+          <a:lstStyle/>
           <a:p>
             <a:pPr indent="0">
               <a:lnSpc>
@@ -9693,6 +10620,7 @@
           <a:bodyPr wrap="square" lIns="86698" tIns="43349" rIns="86698" bIns="43349" anchor="t" anchorCtr="0">
             <a:noAutofit/>
           </a:bodyPr>
+          <a:lstStyle/>
           <a:p>
             <a:pPr indent="0">
               <a:lnSpc>
@@ -9745,14 +10673,6 @@
               </a:rPr>
               <a:t>ViewDemo</a:t>
             </a:r>
-            <a:endParaRPr lang="en-US" altLang="zh-CN" dirty="0">
-              <a:solidFill>
-                <a:srgbClr val="5B9BD5"/>
-              </a:solidFill>
-              <a:latin typeface="思源黑体 CN Bold" panose="020B0800000000000000" pitchFamily="34" charset="-122"/>
-              <a:ea typeface="思源黑体 CN Bold" panose="020B0800000000000000" pitchFamily="34" charset="-122"/>
-              <a:sym typeface="+mn-ea"/>
-            </a:endParaRPr>
           </a:p>
           <a:p>
             <a:pPr indent="0">
@@ -9787,14 +10707,6 @@
               </a:rPr>
               <a:t>,</a:t>
             </a:r>
-            <a:endParaRPr lang="en-US" altLang="zh-CN" dirty="0">
-              <a:solidFill>
-                <a:srgbClr val="5B9BD5"/>
-              </a:solidFill>
-              <a:latin typeface="思源黑体 CN Bold" panose="020B0800000000000000" pitchFamily="34" charset="-122"/>
-              <a:ea typeface="思源黑体 CN Bold" panose="020B0800000000000000" pitchFamily="34" charset="-122"/>
-              <a:sym typeface="+mn-ea"/>
-            </a:endParaRPr>
           </a:p>
           <a:p>
             <a:pPr indent="0">
@@ -9851,14 +10763,6 @@
               </a:rPr>
               <a:t>类。</a:t>
             </a:r>
-            <a:endParaRPr lang="zh-CN" altLang="en-US" dirty="0">
-              <a:solidFill>
-                <a:srgbClr val="5B9BD5"/>
-              </a:solidFill>
-              <a:latin typeface="思源黑体 CN Bold" panose="020B0800000000000000" pitchFamily="34" charset="-122"/>
-              <a:ea typeface="思源黑体 CN Bold" panose="020B0800000000000000" pitchFamily="34" charset="-122"/>
-              <a:sym typeface="+mn-ea"/>
-            </a:endParaRPr>
           </a:p>
           <a:p>
             <a:pPr indent="0">
@@ -9893,14 +10797,6 @@
               </a:rPr>
               <a:t>类在生命周期中始终存在，因此可以动态改变数据。</a:t>
             </a:r>
-            <a:endParaRPr lang="zh-CN" altLang="en-US" dirty="0">
-              <a:solidFill>
-                <a:srgbClr val="5B9BD5"/>
-              </a:solidFill>
-              <a:latin typeface="思源黑体 CN Bold" panose="020B0800000000000000" pitchFamily="34" charset="-122"/>
-              <a:ea typeface="思源黑体 CN Bold" panose="020B0800000000000000" pitchFamily="34" charset="-122"/>
-              <a:sym typeface="+mn-ea"/>
-            </a:endParaRPr>
           </a:p>
           <a:p>
             <a:pPr indent="0">
@@ -10084,7 +10980,7 @@
           <p:nvPr/>
         </p:nvPicPr>
         <p:blipFill>
-          <a:blip r:embed="rId3"/>
+          <a:blip r:embed="rId5"/>
           <a:stretch>
             <a:fillRect/>
           </a:stretch>
@@ -10104,13 +11000,13 @@
   <p:clrMapOvr>
     <a:masterClrMapping/>
   </p:clrMapOvr>
-  <mc:AlternateContent xmlns:mc="http://schemas.openxmlformats.org/markup-compatibility/2006">
-    <mc:Choice xmlns:p14="http://schemas.microsoft.com/office/powerpoint/2010/main" Requires="p14">
+  <mc:AlternateContent xmlns:mc="http://schemas.openxmlformats.org/markup-compatibility/2006" xmlns:p14="http://schemas.microsoft.com/office/powerpoint/2010/main">
+    <mc:Choice Requires="p14">
       <p:transition spd="slow" p14:dur="1500">
         <p:split orient="vert"/>
       </p:transition>
     </mc:Choice>
-    <mc:Fallback>
+    <mc:Fallback xmlns="">
       <p:transition spd="slow">
         <p:split orient="vert"/>
       </p:transition>
@@ -10571,7 +11467,7 @@
 </p:sld>
 </file>
 
-<file path=ppt/slides/slide14.xml><?xml version="1.0" encoding="utf-8"?>
+<file path=ppt/slides/slide15.xml><?xml version="1.0" encoding="utf-8"?>
 <p:sld xmlns:a="http://schemas.openxmlformats.org/drawingml/2006/main" xmlns:r="http://schemas.openxmlformats.org/officeDocument/2006/relationships" xmlns:p="http://schemas.openxmlformats.org/presentationml/2006/main">
   <p:cSld>
     <p:spTree>
@@ -10678,6 +11574,7 @@
           <a:bodyPr wrap="square" rtlCol="0">
             <a:spAutoFit/>
           </a:bodyPr>
+          <a:lstStyle/>
           <a:p>
             <a:pPr algn="ctr"/>
             <a:r>
@@ -10723,6 +11620,7 @@
           <a:bodyPr wrap="square" rtlCol="0">
             <a:spAutoFit/>
           </a:bodyPr>
+          <a:lstStyle/>
           <a:p>
             <a:pPr algn="ctr"/>
             <a:r>
@@ -10735,13 +11633,6 @@
               </a:rPr>
               <a:t>Demo</a:t>
             </a:r>
-            <a:endParaRPr lang="en-US" altLang="zh-CN" sz="2000" dirty="0">
-              <a:solidFill>
-                <a:srgbClr val="5B9BD5"/>
-              </a:solidFill>
-              <a:latin typeface="+mj-lt"/>
-              <a:cs typeface="+mj-lt"/>
-            </a:endParaRPr>
           </a:p>
         </p:txBody>
       </p:sp>
@@ -10808,7 +11699,7 @@
           <p:nvPr/>
         </p:nvGrpSpPr>
         <p:grpSpPr>
-          <a:xfrm rot="0">
+          <a:xfrm>
             <a:off x="1949450" y="1975485"/>
             <a:ext cx="5219065" cy="3744595"/>
             <a:chOff x="1570289" y="2946036"/>
@@ -10910,13 +11801,6 @@
                 </a:rPr>
                 <a:t>文件</a:t>
               </a:r>
-              <a:endParaRPr lang="zh-CN" altLang="en-US" dirty="0">
-                <a:solidFill>
-                  <a:srgbClr val="5B9BD5"/>
-                </a:solidFill>
-                <a:latin typeface="思源黑体 CN Bold" panose="020B0800000000000000" pitchFamily="34" charset="-122"/>
-                <a:ea typeface="思源黑体 CN Bold" panose="020B0800000000000000" pitchFamily="34" charset="-122"/>
-              </a:endParaRPr>
             </a:p>
             <a:p>
               <a:pPr marL="285750" indent="-285750">
@@ -10949,13 +11833,6 @@
                 </a:rPr>
                 <a:t>为入口文件</a:t>
               </a:r>
-              <a:endParaRPr lang="zh-CN" altLang="en-US" dirty="0">
-                <a:solidFill>
-                  <a:srgbClr val="5B9BD5"/>
-                </a:solidFill>
-                <a:latin typeface="思源黑体 CN Bold" panose="020B0800000000000000" pitchFamily="34" charset="-122"/>
-                <a:ea typeface="思源黑体 CN Bold" panose="020B0800000000000000" pitchFamily="34" charset="-122"/>
-              </a:endParaRPr>
             </a:p>
           </p:txBody>
         </p:sp>
@@ -11081,13 +11958,6 @@
                 </a:rPr>
                 <a:t>目录结构：</a:t>
               </a:r>
-              <a:endParaRPr lang="zh-CN" altLang="en-US" sz="2400" b="1" dirty="0">
-                <a:solidFill>
-                  <a:srgbClr val="5B9BD5"/>
-                </a:solidFill>
-                <a:latin typeface="思源黑体 CN Bold" panose="020B0800000000000000" pitchFamily="34" charset="-122"/>
-                <a:ea typeface="思源黑体 CN Bold" panose="020B0800000000000000" pitchFamily="34" charset="-122"/>
-              </a:endParaRPr>
             </a:p>
           </p:txBody>
         </p:sp>
@@ -11101,7 +11971,7 @@
           <p:nvPr/>
         </p:nvPicPr>
         <p:blipFill>
-          <a:blip r:embed="rId1"/>
+          <a:blip r:embed="rId3"/>
           <a:stretch>
             <a:fillRect/>
           </a:stretch>
@@ -11121,13 +11991,13 @@
   <p:clrMapOvr>
     <a:masterClrMapping/>
   </p:clrMapOvr>
-  <mc:AlternateContent xmlns:mc="http://schemas.openxmlformats.org/markup-compatibility/2006">
-    <mc:Choice xmlns:p14="http://schemas.microsoft.com/office/powerpoint/2010/main" Requires="p14">
+  <mc:AlternateContent xmlns:mc="http://schemas.openxmlformats.org/markup-compatibility/2006" xmlns:p14="http://schemas.microsoft.com/office/powerpoint/2010/main">
+    <mc:Choice Requires="p14">
       <p:transition spd="slow" p14:dur="1500">
         <p:split orient="vert"/>
       </p:transition>
     </mc:Choice>
-    <mc:Fallback>
+    <mc:Fallback xmlns="">
       <p:transition spd="slow">
         <p:split orient="vert"/>
       </p:transition>
@@ -11416,7 +12286,7 @@
 </p:sld>
 </file>
 
-<file path=ppt/slides/slide15.xml><?xml version="1.0" encoding="utf-8"?>
+<file path=ppt/slides/slide16.xml><?xml version="1.0" encoding="utf-8"?>
 <p:sld xmlns:a="http://schemas.openxmlformats.org/drawingml/2006/main" xmlns:r="http://schemas.openxmlformats.org/officeDocument/2006/relationships" xmlns:p="http://schemas.openxmlformats.org/presentationml/2006/main">
   <p:cSld>
     <p:spTree>
@@ -11523,6 +12393,7 @@
           <a:bodyPr wrap="square" rtlCol="0">
             <a:spAutoFit/>
           </a:bodyPr>
+          <a:lstStyle/>
           <a:p>
             <a:pPr algn="ctr"/>
             <a:r>
@@ -11568,6 +12439,7 @@
           <a:bodyPr wrap="square" rtlCol="0">
             <a:spAutoFit/>
           </a:bodyPr>
+          <a:lstStyle/>
           <a:p>
             <a:pPr algn="ctr"/>
             <a:r>
@@ -11580,13 +12452,6 @@
               </a:rPr>
               <a:t>Demo</a:t>
             </a:r>
-            <a:endParaRPr lang="en-US" altLang="zh-CN" sz="2000" dirty="0">
-              <a:solidFill>
-                <a:srgbClr val="5B9BD5"/>
-              </a:solidFill>
-              <a:latin typeface="+mj-lt"/>
-              <a:cs typeface="+mj-lt"/>
-            </a:endParaRPr>
           </a:p>
         </p:txBody>
       </p:sp>
@@ -11646,18 +12511,601 @@
           </a:p>
         </p:txBody>
       </p:sp>
+      <p:grpSp>
+        <p:nvGrpSpPr>
+          <p:cNvPr id="6" name="ï$líḋè"/>
+          <p:cNvGrpSpPr/>
+          <p:nvPr/>
+        </p:nvGrpSpPr>
+        <p:grpSpPr>
+          <a:xfrm>
+            <a:off x="993861" y="1762442"/>
+            <a:ext cx="5076357" cy="4899977"/>
+            <a:chOff x="1570289" y="2946036"/>
+            <a:chExt cx="4732691" cy="1789838"/>
+          </a:xfrm>
+        </p:grpSpPr>
+        <p:sp>
+          <p:nvSpPr>
+            <p:cNvPr id="7" name="í$ḷîḑé"/>
+            <p:cNvSpPr/>
+            <p:nvPr/>
+          </p:nvSpPr>
+          <p:spPr>
+            <a:xfrm>
+              <a:off x="1570290" y="3147254"/>
+              <a:ext cx="4732690" cy="1588620"/>
+            </a:xfrm>
+            <a:prstGeom prst="rect">
+              <a:avLst/>
+            </a:prstGeom>
+            <a:noFill/>
+            <a:ln w="9525">
+              <a:noFill/>
+              <a:miter lim="800000"/>
+            </a:ln>
+            <a:extLst>
+              <a:ext uri="{909E8E84-426E-40DD-AFC4-6F175D3DCCD1}">
+                <a14:hiddenFill xmlns:a14="http://schemas.microsoft.com/office/drawing/2010/main">
+                  <a:solidFill>
+                    <a:srgbClr val="FFFFFF"/>
+                  </a:solidFill>
+                </a14:hiddenFill>
+              </a:ext>
+            </a:extLst>
+          </p:spPr>
+          <p:txBody>
+            <a:bodyPr wrap="square" lIns="86698" tIns="43349" rIns="86698" bIns="43349" anchor="t" anchorCtr="0">
+              <a:noAutofit/>
+            </a:bodyPr>
+            <a:lstStyle/>
+            <a:p>
+              <a:pPr>
+                <a:lnSpc>
+                  <a:spcPct val="150000"/>
+                </a:lnSpc>
+                <a:spcBef>
+                  <a:spcPct val="0"/>
+                </a:spcBef>
+              </a:pPr>
+              <a:r>
+                <a:rPr lang="en-US" altLang="zh-CN" dirty="0">
+                  <a:solidFill>
+                    <a:srgbClr val="5B9BD5"/>
+                  </a:solidFill>
+                  <a:latin typeface="思源黑体 CN Bold" panose="020B0800000000000000" pitchFamily="34" charset="-122"/>
+                  <a:ea typeface="思源黑体 CN Bold" panose="020B0800000000000000" pitchFamily="34" charset="-122"/>
+                </a:rPr>
+                <a:t>flutter</a:t>
+              </a:r>
+              <a:r>
+                <a:rPr lang="zh-CN" altLang="en-US" dirty="0">
+                  <a:solidFill>
+                    <a:srgbClr val="5B9BD5"/>
+                  </a:solidFill>
+                  <a:latin typeface="思源黑体 CN Bold" panose="020B0800000000000000" pitchFamily="34" charset="-122"/>
+                  <a:ea typeface="思源黑体 CN Bold" panose="020B0800000000000000" pitchFamily="34" charset="-122"/>
+                </a:rPr>
+                <a:t>里面的路由可以分成两种</a:t>
+              </a:r>
+              <a:r>
+                <a:rPr lang="en-US" altLang="zh-CN" dirty="0">
+                  <a:solidFill>
+                    <a:srgbClr val="5B9BD5"/>
+                  </a:solidFill>
+                  <a:latin typeface="思源黑体 CN Bold" panose="020B0800000000000000" pitchFamily="34" charset="-122"/>
+                  <a:ea typeface="思源黑体 CN Bold" panose="020B0800000000000000" pitchFamily="34" charset="-122"/>
+                </a:rPr>
+                <a:t>:</a:t>
+              </a:r>
+            </a:p>
+            <a:p>
+              <a:pPr>
+                <a:lnSpc>
+                  <a:spcPct val="150000"/>
+                </a:lnSpc>
+                <a:spcBef>
+                  <a:spcPct val="0"/>
+                </a:spcBef>
+              </a:pPr>
+              <a:r>
+                <a:rPr lang="zh-CN" altLang="en-US" b="1" dirty="0">
+                  <a:solidFill>
+                    <a:srgbClr val="5B9BD5"/>
+                  </a:solidFill>
+                  <a:latin typeface="思源黑体 CN Bold" panose="020B0800000000000000" pitchFamily="34" charset="-122"/>
+                  <a:ea typeface="思源黑体 CN Bold" panose="020B0800000000000000" pitchFamily="34" charset="-122"/>
+                </a:rPr>
+                <a:t>静态路由</a:t>
+              </a:r>
+              <a:r>
+                <a:rPr lang="zh-CN" altLang="en-US" dirty="0">
+                  <a:solidFill>
+                    <a:srgbClr val="5B9BD5"/>
+                  </a:solidFill>
+                  <a:latin typeface="思源黑体 CN Bold" panose="020B0800000000000000" pitchFamily="34" charset="-122"/>
+                  <a:ea typeface="思源黑体 CN Bold" panose="020B0800000000000000" pitchFamily="34" charset="-122"/>
+                </a:rPr>
+                <a:t>和</a:t>
+              </a:r>
+              <a:r>
+                <a:rPr lang="zh-CN" altLang="en-US" b="1" dirty="0">
+                  <a:solidFill>
+                    <a:srgbClr val="5B9BD5"/>
+                  </a:solidFill>
+                  <a:latin typeface="思源黑体 CN Bold" panose="020B0800000000000000" pitchFamily="34" charset="-122"/>
+                  <a:ea typeface="思源黑体 CN Bold" panose="020B0800000000000000" pitchFamily="34" charset="-122"/>
+                </a:rPr>
+                <a:t>动态路由</a:t>
+              </a:r>
+              <a:endParaRPr lang="en-US" altLang="zh-CN" b="1" dirty="0">
+                <a:solidFill>
+                  <a:srgbClr val="5B9BD5"/>
+                </a:solidFill>
+                <a:latin typeface="思源黑体 CN Bold" panose="020B0800000000000000" pitchFamily="34" charset="-122"/>
+                <a:ea typeface="思源黑体 CN Bold" panose="020B0800000000000000" pitchFamily="34" charset="-122"/>
+              </a:endParaRPr>
+            </a:p>
+            <a:p>
+              <a:pPr>
+                <a:lnSpc>
+                  <a:spcPct val="150000"/>
+                </a:lnSpc>
+                <a:spcBef>
+                  <a:spcPct val="0"/>
+                </a:spcBef>
+              </a:pPr>
+              <a:r>
+                <a:rPr lang="zh-CN" altLang="en-US" dirty="0">
+                  <a:solidFill>
+                    <a:srgbClr val="5B9BD5"/>
+                  </a:solidFill>
+                  <a:latin typeface="思源黑体 CN Bold" panose="020B0800000000000000" pitchFamily="34" charset="-122"/>
+                  <a:ea typeface="思源黑体 CN Bold" panose="020B0800000000000000" pitchFamily="34" charset="-122"/>
+                </a:rPr>
+                <a:t>静态路由：</a:t>
+              </a:r>
+              <a:endParaRPr lang="en-US" altLang="zh-CN" dirty="0">
+                <a:solidFill>
+                  <a:srgbClr val="5B9BD5"/>
+                </a:solidFill>
+                <a:latin typeface="思源黑体 CN Bold" panose="020B0800000000000000" pitchFamily="34" charset="-122"/>
+                <a:ea typeface="思源黑体 CN Bold" panose="020B0800000000000000" pitchFamily="34" charset="-122"/>
+              </a:endParaRPr>
+            </a:p>
+            <a:p>
+              <a:pPr>
+                <a:lnSpc>
+                  <a:spcPct val="150000"/>
+                </a:lnSpc>
+                <a:spcBef>
+                  <a:spcPct val="0"/>
+                </a:spcBef>
+              </a:pPr>
+              <a:r>
+                <a:rPr lang="zh-CN" altLang="en-US" dirty="0">
+                  <a:solidFill>
+                    <a:srgbClr val="5B9BD5"/>
+                  </a:solidFill>
+                  <a:latin typeface="思源黑体 CN Bold" panose="020B0800000000000000" pitchFamily="34" charset="-122"/>
+                  <a:ea typeface="思源黑体 CN Bold" panose="020B0800000000000000" pitchFamily="34" charset="-122"/>
+                </a:rPr>
+                <a:t>在</a:t>
+              </a:r>
+              <a:r>
+                <a:rPr lang="en-US" altLang="zh-CN" dirty="0" err="1">
+                  <a:solidFill>
+                    <a:srgbClr val="5B9BD5"/>
+                  </a:solidFill>
+                  <a:latin typeface="思源黑体 CN Bold" panose="020B0800000000000000" pitchFamily="34" charset="-122"/>
+                  <a:ea typeface="思源黑体 CN Bold" panose="020B0800000000000000" pitchFamily="34" charset="-122"/>
+                </a:rPr>
+                <a:t>MaterialApp</a:t>
+              </a:r>
+              <a:r>
+                <a:rPr lang="zh-CN" altLang="en-US" dirty="0">
+                  <a:solidFill>
+                    <a:srgbClr val="5B9BD5"/>
+                  </a:solidFill>
+                  <a:latin typeface="思源黑体 CN Bold" panose="020B0800000000000000" pitchFamily="34" charset="-122"/>
+                  <a:ea typeface="思源黑体 CN Bold" panose="020B0800000000000000" pitchFamily="34" charset="-122"/>
+                </a:rPr>
+                <a:t>组件中有个</a:t>
+              </a:r>
+              <a:r>
+                <a:rPr lang="en-US" altLang="zh-CN" dirty="0">
+                  <a:solidFill>
+                    <a:srgbClr val="5B9BD5"/>
+                  </a:solidFill>
+                  <a:latin typeface="思源黑体 CN Bold" panose="020B0800000000000000" pitchFamily="34" charset="-122"/>
+                  <a:ea typeface="思源黑体 CN Bold" panose="020B0800000000000000" pitchFamily="34" charset="-122"/>
+                </a:rPr>
+                <a:t>routes</a:t>
+              </a:r>
+              <a:r>
+                <a:rPr lang="zh-CN" altLang="en-US" dirty="0">
+                  <a:solidFill>
+                    <a:srgbClr val="5B9BD5"/>
+                  </a:solidFill>
+                  <a:latin typeface="思源黑体 CN Bold" panose="020B0800000000000000" pitchFamily="34" charset="-122"/>
+                  <a:ea typeface="思源黑体 CN Bold" panose="020B0800000000000000" pitchFamily="34" charset="-122"/>
+                </a:rPr>
+                <a:t>属性是可以配置</a:t>
+              </a:r>
+              <a:r>
+                <a:rPr lang="en-US" altLang="zh-CN" dirty="0">
+                  <a:solidFill>
+                    <a:srgbClr val="5B9BD5"/>
+                  </a:solidFill>
+                  <a:latin typeface="思源黑体 CN Bold" panose="020B0800000000000000" pitchFamily="34" charset="-122"/>
+                  <a:ea typeface="思源黑体 CN Bold" panose="020B0800000000000000" pitchFamily="34" charset="-122"/>
+                </a:rPr>
+                <a:t>(</a:t>
+              </a:r>
+              <a:r>
+                <a:rPr lang="zh-CN" altLang="en-US" dirty="0">
+                  <a:solidFill>
+                    <a:srgbClr val="5B9BD5"/>
+                  </a:solidFill>
+                  <a:latin typeface="思源黑体 CN Bold" panose="020B0800000000000000" pitchFamily="34" charset="-122"/>
+                  <a:ea typeface="思源黑体 CN Bold" panose="020B0800000000000000" pitchFamily="34" charset="-122"/>
+                </a:rPr>
+                <a:t>注册</a:t>
+              </a:r>
+              <a:r>
+                <a:rPr lang="en-US" altLang="zh-CN" dirty="0">
+                  <a:solidFill>
+                    <a:srgbClr val="5B9BD5"/>
+                  </a:solidFill>
+                  <a:latin typeface="思源黑体 CN Bold" panose="020B0800000000000000" pitchFamily="34" charset="-122"/>
+                  <a:ea typeface="思源黑体 CN Bold" panose="020B0800000000000000" pitchFamily="34" charset="-122"/>
+                </a:rPr>
+                <a:t>)</a:t>
+              </a:r>
+              <a:r>
+                <a:rPr lang="zh-CN" altLang="en-US" dirty="0">
+                  <a:solidFill>
+                    <a:srgbClr val="5B9BD5"/>
+                  </a:solidFill>
+                  <a:latin typeface="思源黑体 CN Bold" panose="020B0800000000000000" pitchFamily="34" charset="-122"/>
+                  <a:ea typeface="思源黑体 CN Bold" panose="020B0800000000000000" pitchFamily="34" charset="-122"/>
+                </a:rPr>
+                <a:t>路由。</a:t>
+              </a:r>
+              <a:endParaRPr lang="en-US" altLang="zh-CN" dirty="0">
+                <a:solidFill>
+                  <a:srgbClr val="5B9BD5"/>
+                </a:solidFill>
+                <a:latin typeface="思源黑体 CN Bold" panose="020B0800000000000000" pitchFamily="34" charset="-122"/>
+                <a:ea typeface="思源黑体 CN Bold" panose="020B0800000000000000" pitchFamily="34" charset="-122"/>
+              </a:endParaRPr>
+            </a:p>
+            <a:p>
+              <a:pPr>
+                <a:lnSpc>
+                  <a:spcPct val="150000"/>
+                </a:lnSpc>
+                <a:spcBef>
+                  <a:spcPct val="0"/>
+                </a:spcBef>
+              </a:pPr>
+              <a:r>
+                <a:rPr lang="zh-CN" altLang="en-US" dirty="0">
+                  <a:solidFill>
+                    <a:srgbClr val="5B9BD5"/>
+                  </a:solidFill>
+                  <a:latin typeface="思源黑体 CN Bold" panose="020B0800000000000000" pitchFamily="34" charset="-122"/>
+                  <a:ea typeface="思源黑体 CN Bold" panose="020B0800000000000000" pitchFamily="34" charset="-122"/>
+                </a:rPr>
+                <a:t>图中就是在创建</a:t>
+              </a:r>
+              <a:r>
+                <a:rPr lang="en-US" altLang="zh-CN" dirty="0">
+                  <a:solidFill>
+                    <a:srgbClr val="5B9BD5"/>
+                  </a:solidFill>
+                  <a:latin typeface="思源黑体 CN Bold" panose="020B0800000000000000" pitchFamily="34" charset="-122"/>
+                  <a:ea typeface="思源黑体 CN Bold" panose="020B0800000000000000" pitchFamily="34" charset="-122"/>
+                </a:rPr>
+                <a:t>App</a:t>
+              </a:r>
+              <a:r>
+                <a:rPr lang="zh-CN" altLang="en-US" dirty="0">
+                  <a:solidFill>
+                    <a:srgbClr val="5B9BD5"/>
+                  </a:solidFill>
+                  <a:latin typeface="思源黑体 CN Bold" panose="020B0800000000000000" pitchFamily="34" charset="-122"/>
+                  <a:ea typeface="思源黑体 CN Bold" panose="020B0800000000000000" pitchFamily="34" charset="-122"/>
+                </a:rPr>
+                <a:t>的时候命名注册，然后在</a:t>
+              </a:r>
+              <a:endParaRPr lang="en-US" altLang="zh-CN" dirty="0">
+                <a:solidFill>
+                  <a:srgbClr val="5B9BD5"/>
+                </a:solidFill>
+                <a:latin typeface="思源黑体 CN Bold" panose="020B0800000000000000" pitchFamily="34" charset="-122"/>
+                <a:ea typeface="思源黑体 CN Bold" panose="020B0800000000000000" pitchFamily="34" charset="-122"/>
+              </a:endParaRPr>
+            </a:p>
+            <a:p>
+              <a:pPr>
+                <a:lnSpc>
+                  <a:spcPct val="150000"/>
+                </a:lnSpc>
+                <a:spcBef>
+                  <a:spcPct val="0"/>
+                </a:spcBef>
+              </a:pPr>
+              <a:r>
+                <a:rPr lang="zh-CN" altLang="en-US" dirty="0">
+                  <a:solidFill>
+                    <a:srgbClr val="5B9BD5"/>
+                  </a:solidFill>
+                  <a:latin typeface="思源黑体 CN Bold" panose="020B0800000000000000" pitchFamily="34" charset="-122"/>
+                  <a:ea typeface="思源黑体 CN Bold" panose="020B0800000000000000" pitchFamily="34" charset="-122"/>
+                </a:rPr>
+                <a:t>需要用的地方通过</a:t>
+              </a:r>
+              <a:r>
+                <a:rPr lang="en-US" altLang="zh-CN" dirty="0" err="1">
+                  <a:solidFill>
+                    <a:srgbClr val="5B9BD5"/>
+                  </a:solidFill>
+                  <a:latin typeface="思源黑体 CN Bold" panose="020B0800000000000000" pitchFamily="34" charset="-122"/>
+                  <a:ea typeface="思源黑体 CN Bold" panose="020B0800000000000000" pitchFamily="34" charset="-122"/>
+                </a:rPr>
+                <a:t>Navigator.pushNamed</a:t>
+              </a:r>
+              <a:r>
+                <a:rPr lang="en-US" altLang="zh-CN" dirty="0">
+                  <a:solidFill>
+                    <a:srgbClr val="5B9BD5"/>
+                  </a:solidFill>
+                  <a:latin typeface="思源黑体 CN Bold" panose="020B0800000000000000" pitchFamily="34" charset="-122"/>
+                  <a:ea typeface="思源黑体 CN Bold" panose="020B0800000000000000" pitchFamily="34" charset="-122"/>
+                </a:rPr>
+                <a:t>()</a:t>
+              </a:r>
+            </a:p>
+            <a:p>
+              <a:pPr>
+                <a:lnSpc>
+                  <a:spcPct val="150000"/>
+                </a:lnSpc>
+                <a:spcBef>
+                  <a:spcPct val="0"/>
+                </a:spcBef>
+              </a:pPr>
+              <a:r>
+                <a:rPr lang="zh-CN" altLang="en-US" dirty="0">
+                  <a:solidFill>
+                    <a:srgbClr val="5B9BD5"/>
+                  </a:solidFill>
+                  <a:latin typeface="思源黑体 CN Bold" panose="020B0800000000000000" pitchFamily="34" charset="-122"/>
+                  <a:ea typeface="思源黑体 CN Bold" panose="020B0800000000000000" pitchFamily="34" charset="-122"/>
+                </a:rPr>
+                <a:t>来使用。</a:t>
+              </a:r>
+              <a:endParaRPr lang="en-US" altLang="zh-CN" dirty="0">
+                <a:solidFill>
+                  <a:srgbClr val="5B9BD5"/>
+                </a:solidFill>
+                <a:latin typeface="思源黑体 CN Bold" panose="020B0800000000000000" pitchFamily="34" charset="-122"/>
+                <a:ea typeface="思源黑体 CN Bold" panose="020B0800000000000000" pitchFamily="34" charset="-122"/>
+              </a:endParaRPr>
+            </a:p>
+          </p:txBody>
+        </p:sp>
+        <p:sp>
+          <p:nvSpPr>
+            <p:cNvPr id="9" name="iśḻîďê"/>
+            <p:cNvSpPr txBox="1"/>
+            <p:nvPr/>
+          </p:nvSpPr>
+          <p:spPr bwMode="auto">
+            <a:xfrm>
+              <a:off x="1570289" y="2946036"/>
+              <a:ext cx="3553567" cy="201332"/>
+            </a:xfrm>
+            <a:prstGeom prst="rect">
+              <a:avLst/>
+            </a:prstGeom>
+            <a:noFill/>
+            <a:ln>
+              <a:noFill/>
+            </a:ln>
+            <a:extLst>
+              <a:ext uri="{91240B29-F687-4F45-9708-019B960494DF}">
+                <a14:hiddenLine xmlns:a14="http://schemas.microsoft.com/office/drawing/2010/main" w="9525">
+                  <a:solidFill>
+                    <a:srgbClr val="000000"/>
+                  </a:solidFill>
+                  <a:miter lim="800000"/>
+                  <a:headEnd/>
+                  <a:tailEnd/>
+                </a14:hiddenLine>
+              </a:ext>
+            </a:extLst>
+          </p:spPr>
+          <p:txBody>
+            <a:bodyPr wrap="square" lIns="86698" tIns="43349" rIns="86698" bIns="43349">
+              <a:normAutofit/>
+            </a:bodyPr>
+            <a:lstStyle>
+              <a:defPPr>
+                <a:defRPr lang="zh-CN"/>
+              </a:defPPr>
+              <a:lvl1pPr marL="0" algn="l" defTabSz="913765" rtl="0" eaLnBrk="1" latinLnBrk="0" hangingPunct="1">
+                <a:defRPr sz="1800" kern="1200">
+                  <a:solidFill>
+                    <a:schemeClr val="tx1"/>
+                  </a:solidFill>
+                </a:defRPr>
+              </a:lvl1pPr>
+              <a:lvl2pPr marL="457200" algn="l" defTabSz="913765" rtl="0" eaLnBrk="1" latinLnBrk="0" hangingPunct="1">
+                <a:defRPr sz="1800" kern="1200">
+                  <a:solidFill>
+                    <a:schemeClr val="tx1"/>
+                  </a:solidFill>
+                </a:defRPr>
+              </a:lvl2pPr>
+              <a:lvl3pPr marL="914400" algn="l" defTabSz="913765" rtl="0" eaLnBrk="1" latinLnBrk="0" hangingPunct="1">
+                <a:defRPr sz="1800" kern="1200">
+                  <a:solidFill>
+                    <a:schemeClr val="tx1"/>
+                  </a:solidFill>
+                </a:defRPr>
+              </a:lvl3pPr>
+              <a:lvl4pPr marL="1371600" algn="l" defTabSz="913765" rtl="0" eaLnBrk="1" latinLnBrk="0" hangingPunct="1">
+                <a:defRPr sz="1800" kern="1200">
+                  <a:solidFill>
+                    <a:schemeClr val="tx1"/>
+                  </a:solidFill>
+                </a:defRPr>
+              </a:lvl4pPr>
+              <a:lvl5pPr marL="1828800" algn="l" defTabSz="913765" rtl="0" eaLnBrk="1" latinLnBrk="0" hangingPunct="1">
+                <a:defRPr sz="1800" kern="1200">
+                  <a:solidFill>
+                    <a:schemeClr val="tx1"/>
+                  </a:solidFill>
+                </a:defRPr>
+              </a:lvl5pPr>
+              <a:lvl6pPr marL="2286000" algn="l" defTabSz="913765" rtl="0" eaLnBrk="1" latinLnBrk="0" hangingPunct="1">
+                <a:defRPr sz="1800" kern="1200">
+                  <a:solidFill>
+                    <a:schemeClr val="tx1"/>
+                  </a:solidFill>
+                </a:defRPr>
+              </a:lvl6pPr>
+              <a:lvl7pPr marL="2743200" algn="l" defTabSz="913765" rtl="0" eaLnBrk="1" latinLnBrk="0" hangingPunct="1">
+                <a:defRPr sz="1800" kern="1200">
+                  <a:solidFill>
+                    <a:schemeClr val="tx1"/>
+                  </a:solidFill>
+                </a:defRPr>
+              </a:lvl7pPr>
+              <a:lvl8pPr marL="3200400" algn="l" defTabSz="913765" rtl="0" eaLnBrk="1" latinLnBrk="0" hangingPunct="1">
+                <a:defRPr sz="1800" kern="1200">
+                  <a:solidFill>
+                    <a:schemeClr val="tx1"/>
+                  </a:solidFill>
+                </a:defRPr>
+              </a:lvl8pPr>
+              <a:lvl9pPr marL="3657600" algn="l" defTabSz="913765" rtl="0" eaLnBrk="1" latinLnBrk="0" hangingPunct="1">
+                <a:defRPr sz="1800" kern="1200">
+                  <a:solidFill>
+                    <a:schemeClr val="tx1"/>
+                  </a:solidFill>
+                </a:defRPr>
+              </a:lvl9pPr>
+            </a:lstStyle>
+            <a:p>
+              <a:pPr>
+                <a:spcBef>
+                  <a:spcPct val="0"/>
+                </a:spcBef>
+              </a:pPr>
+              <a:r>
+                <a:rPr lang="en-US" altLang="zh-CN" sz="2400" b="1" dirty="0">
+                  <a:solidFill>
+                    <a:srgbClr val="5B9BD5"/>
+                  </a:solidFill>
+                  <a:latin typeface="思源黑体 CN Bold" panose="020B0800000000000000" pitchFamily="34" charset="-122"/>
+                  <a:ea typeface="思源黑体 CN Bold" panose="020B0800000000000000" pitchFamily="34" charset="-122"/>
+                </a:rPr>
+                <a:t>Flutter</a:t>
+              </a:r>
+              <a:r>
+                <a:rPr lang="zh-CN" altLang="en-US" sz="2400" b="1" dirty="0">
+                  <a:solidFill>
+                    <a:srgbClr val="5B9BD5"/>
+                  </a:solidFill>
+                  <a:latin typeface="思源黑体 CN Bold" panose="020B0800000000000000" pitchFamily="34" charset="-122"/>
+                  <a:ea typeface="思源黑体 CN Bold" panose="020B0800000000000000" pitchFamily="34" charset="-122"/>
+                </a:rPr>
+                <a:t>路由：</a:t>
+              </a:r>
+            </a:p>
+          </p:txBody>
+        </p:sp>
+      </p:grpSp>
+      <p:pic>
+        <p:nvPicPr>
+          <p:cNvPr id="11" name="图片 10">
+            <a:extLst>
+              <a:ext uri="{FF2B5EF4-FFF2-40B4-BE49-F238E27FC236}">
+                <a16:creationId xmlns:a16="http://schemas.microsoft.com/office/drawing/2014/main" id="{815C986A-DF8E-4A56-B45A-F2EFE80168E2}"/>
+              </a:ext>
+            </a:extLst>
+          </p:cNvPr>
+          <p:cNvPicPr>
+            <a:picLocks noChangeAspect="1"/>
+          </p:cNvPicPr>
+          <p:nvPr/>
+        </p:nvPicPr>
+        <p:blipFill>
+          <a:blip r:embed="rId3"/>
+          <a:stretch>
+            <a:fillRect/>
+          </a:stretch>
+        </p:blipFill>
+        <p:spPr>
+          <a:xfrm>
+            <a:off x="6194107" y="2030570"/>
+            <a:ext cx="5946478" cy="2638750"/>
+          </a:xfrm>
+          <a:prstGeom prst="rect">
+            <a:avLst/>
+          </a:prstGeom>
+        </p:spPr>
+      </p:pic>
+      <p:pic>
+        <p:nvPicPr>
+          <p:cNvPr id="14" name="图片 13">
+            <a:extLst>
+              <a:ext uri="{FF2B5EF4-FFF2-40B4-BE49-F238E27FC236}">
+                <a16:creationId xmlns:a16="http://schemas.microsoft.com/office/drawing/2014/main" id="{5D1FCCD4-EC72-406C-9515-525A8FE5A011}"/>
+              </a:ext>
+            </a:extLst>
+          </p:cNvPr>
+          <p:cNvPicPr>
+            <a:picLocks noChangeAspect="1"/>
+          </p:cNvPicPr>
+          <p:nvPr/>
+        </p:nvPicPr>
+        <p:blipFill>
+          <a:blip r:embed="rId4"/>
+          <a:stretch>
+            <a:fillRect/>
+          </a:stretch>
+        </p:blipFill>
+        <p:spPr>
+          <a:xfrm>
+            <a:off x="6478617" y="5181702"/>
+            <a:ext cx="4790476" cy="819048"/>
+          </a:xfrm>
+          <a:prstGeom prst="rect">
+            <a:avLst/>
+          </a:prstGeom>
+        </p:spPr>
+      </p:pic>
     </p:spTree>
+    <p:extLst>
+      <p:ext uri="{BB962C8B-B14F-4D97-AF65-F5344CB8AC3E}">
+        <p14:creationId xmlns:p14="http://schemas.microsoft.com/office/powerpoint/2010/main" val="761446601"/>
+      </p:ext>
+    </p:extLst>
   </p:cSld>
   <p:clrMapOvr>
     <a:masterClrMapping/>
   </p:clrMapOvr>
-  <mc:AlternateContent xmlns:mc="http://schemas.openxmlformats.org/markup-compatibility/2006">
-    <mc:Choice xmlns:p14="http://schemas.microsoft.com/office/powerpoint/2010/main" Requires="p14">
+  <mc:AlternateContent xmlns:mc="http://schemas.openxmlformats.org/markup-compatibility/2006" xmlns:p14="http://schemas.microsoft.com/office/powerpoint/2010/main">
+    <mc:Choice Requires="p14">
       <p:transition spd="slow" p14:dur="1500">
         <p:split orient="vert"/>
       </p:transition>
     </mc:Choice>
-    <mc:Fallback>
+    <mc:Fallback xmlns="">
       <p:transition spd="slow">
         <p:split orient="vert"/>
       </p:transition>
@@ -11835,6 +13283,50 @@
                             </p:childTnLst>
                           </p:cTn>
                         </p:par>
+                        <p:par>
+                          <p:cTn id="13" fill="hold">
+                            <p:stCondLst>
+                              <p:cond delay="1000"/>
+                            </p:stCondLst>
+                            <p:childTnLst>
+                              <p:par>
+                                <p:cTn id="14" presetID="22" presetClass="entr" presetSubtype="1" fill="hold" nodeType="afterEffect">
+                                  <p:stCondLst>
+                                    <p:cond delay="0"/>
+                                  </p:stCondLst>
+                                  <p:childTnLst>
+                                    <p:set>
+                                      <p:cBhvr>
+                                        <p:cTn id="15" dur="1" fill="hold">
+                                          <p:stCondLst>
+                                            <p:cond delay="0"/>
+                                          </p:stCondLst>
+                                        </p:cTn>
+                                        <p:tgtEl>
+                                          <p:spTgt spid="6"/>
+                                        </p:tgtEl>
+                                        <p:attrNameLst>
+                                          <p:attrName>style.visibility</p:attrName>
+                                        </p:attrNameLst>
+                                      </p:cBhvr>
+                                      <p:to>
+                                        <p:strVal val="visible"/>
+                                      </p:to>
+                                    </p:set>
+                                    <p:animEffect transition="in" filter="wipe(up)">
+                                      <p:cBhvr>
+                                        <p:cTn id="16" dur="500"/>
+                                        <p:tgtEl>
+                                          <p:spTgt spid="6"/>
+                                        </p:tgtEl>
+                                      </p:cBhvr>
+                                    </p:animEffect>
+                                  </p:childTnLst>
+                                </p:cTn>
+                              </p:par>
+                            </p:childTnLst>
+                          </p:cTn>
+                        </p:par>
                       </p:childTnLst>
                     </p:cTn>
                   </p:par>
@@ -11867,7 +13359,7 @@
 </p:sld>
 </file>
 
-<file path=ppt/slides/slide16.xml><?xml version="1.0" encoding="utf-8"?>
+<file path=ppt/slides/slide17.xml><?xml version="1.0" encoding="utf-8"?>
 <p:sld xmlns:a="http://schemas.openxmlformats.org/drawingml/2006/main" xmlns:r="http://schemas.openxmlformats.org/officeDocument/2006/relationships" xmlns:p="http://schemas.openxmlformats.org/presentationml/2006/main">
   <p:cSld>
     <p:spTree>
@@ -11974,6 +13466,7 @@
           <a:bodyPr wrap="square" rtlCol="0">
             <a:spAutoFit/>
           </a:bodyPr>
+          <a:lstStyle/>
           <a:p>
             <a:pPr algn="ctr"/>
             <a:r>
@@ -12019,6 +13512,7 @@
           <a:bodyPr wrap="square" rtlCol="0">
             <a:spAutoFit/>
           </a:bodyPr>
+          <a:lstStyle/>
           <a:p>
             <a:pPr algn="ctr"/>
             <a:r>
@@ -12031,13 +13525,6 @@
               </a:rPr>
               <a:t>Demo</a:t>
             </a:r>
-            <a:endParaRPr lang="en-US" altLang="zh-CN" sz="2000" dirty="0">
-              <a:solidFill>
-                <a:srgbClr val="5B9BD5"/>
-              </a:solidFill>
-              <a:latin typeface="+mj-lt"/>
-              <a:cs typeface="+mj-lt"/>
-            </a:endParaRPr>
           </a:p>
         </p:txBody>
       </p:sp>
@@ -12097,18 +13584,471 @@
           </a:p>
         </p:txBody>
       </p:sp>
+      <p:grpSp>
+        <p:nvGrpSpPr>
+          <p:cNvPr id="6" name="ï$líḋè"/>
+          <p:cNvGrpSpPr/>
+          <p:nvPr/>
+        </p:nvGrpSpPr>
+        <p:grpSpPr>
+          <a:xfrm>
+            <a:off x="993861" y="1762442"/>
+            <a:ext cx="5076357" cy="4899977"/>
+            <a:chOff x="1570289" y="2946036"/>
+            <a:chExt cx="4732691" cy="1789838"/>
+          </a:xfrm>
+        </p:grpSpPr>
+        <p:sp>
+          <p:nvSpPr>
+            <p:cNvPr id="7" name="í$ḷîḑé"/>
+            <p:cNvSpPr/>
+            <p:nvPr/>
+          </p:nvSpPr>
+          <p:spPr>
+            <a:xfrm>
+              <a:off x="1570290" y="3147254"/>
+              <a:ext cx="4732690" cy="1588620"/>
+            </a:xfrm>
+            <a:prstGeom prst="rect">
+              <a:avLst/>
+            </a:prstGeom>
+            <a:noFill/>
+            <a:ln w="9525">
+              <a:noFill/>
+              <a:miter lim="800000"/>
+            </a:ln>
+            <a:extLst>
+              <a:ext uri="{909E8E84-426E-40DD-AFC4-6F175D3DCCD1}">
+                <a14:hiddenFill xmlns:a14="http://schemas.microsoft.com/office/drawing/2010/main">
+                  <a:solidFill>
+                    <a:srgbClr val="FFFFFF"/>
+                  </a:solidFill>
+                </a14:hiddenFill>
+              </a:ext>
+            </a:extLst>
+          </p:spPr>
+          <p:txBody>
+            <a:bodyPr wrap="square" lIns="86698" tIns="43349" rIns="86698" bIns="43349" anchor="t" anchorCtr="0">
+              <a:noAutofit/>
+            </a:bodyPr>
+            <a:lstStyle/>
+            <a:p>
+              <a:pPr>
+                <a:lnSpc>
+                  <a:spcPct val="150000"/>
+                </a:lnSpc>
+                <a:spcBef>
+                  <a:spcPct val="0"/>
+                </a:spcBef>
+              </a:pPr>
+              <a:r>
+                <a:rPr lang="zh-CN" altLang="en-US" dirty="0">
+                  <a:solidFill>
+                    <a:srgbClr val="5B9BD5"/>
+                  </a:solidFill>
+                  <a:latin typeface="思源黑体 CN Bold" panose="020B0800000000000000" pitchFamily="34" charset="-122"/>
+                  <a:ea typeface="思源黑体 CN Bold" panose="020B0800000000000000" pitchFamily="34" charset="-122"/>
+                </a:rPr>
+                <a:t>动态路由：</a:t>
+              </a:r>
+              <a:endParaRPr lang="en-US" altLang="zh-CN" dirty="0">
+                <a:solidFill>
+                  <a:srgbClr val="5B9BD5"/>
+                </a:solidFill>
+                <a:latin typeface="思源黑体 CN Bold" panose="020B0800000000000000" pitchFamily="34" charset="-122"/>
+                <a:ea typeface="思源黑体 CN Bold" panose="020B0800000000000000" pitchFamily="34" charset="-122"/>
+              </a:endParaRPr>
+            </a:p>
+            <a:p>
+              <a:pPr>
+                <a:lnSpc>
+                  <a:spcPct val="150000"/>
+                </a:lnSpc>
+                <a:spcBef>
+                  <a:spcPct val="0"/>
+                </a:spcBef>
+              </a:pPr>
+              <a:r>
+                <a:rPr lang="zh-CN" altLang="en-US" dirty="0">
+                  <a:solidFill>
+                    <a:srgbClr val="5B9BD5"/>
+                  </a:solidFill>
+                  <a:latin typeface="思源黑体 CN Bold" panose="020B0800000000000000" pitchFamily="34" charset="-122"/>
+                  <a:ea typeface="思源黑体 CN Bold" panose="020B0800000000000000" pitchFamily="34" charset="-122"/>
+                </a:rPr>
+                <a:t>不在</a:t>
+              </a:r>
+              <a:r>
+                <a:rPr lang="en-US" altLang="zh-CN" dirty="0" err="1">
+                  <a:solidFill>
+                    <a:srgbClr val="5B9BD5"/>
+                  </a:solidFill>
+                  <a:latin typeface="思源黑体 CN Bold" panose="020B0800000000000000" pitchFamily="34" charset="-122"/>
+                  <a:ea typeface="思源黑体 CN Bold" panose="020B0800000000000000" pitchFamily="34" charset="-122"/>
+                </a:rPr>
+                <a:t>MaterialApp</a:t>
+              </a:r>
+              <a:r>
+                <a:rPr lang="zh-CN" altLang="en-US" dirty="0">
+                  <a:solidFill>
+                    <a:srgbClr val="5B9BD5"/>
+                  </a:solidFill>
+                  <a:latin typeface="思源黑体 CN Bold" panose="020B0800000000000000" pitchFamily="34" charset="-122"/>
+                  <a:ea typeface="思源黑体 CN Bold" panose="020B0800000000000000" pitchFamily="34" charset="-122"/>
+                </a:rPr>
+                <a:t>组件里面注册，在需要进行路由跳转时候调用</a:t>
+              </a:r>
+              <a:r>
+                <a:rPr lang="en-US" altLang="zh-CN" dirty="0" err="1">
+                  <a:solidFill>
+                    <a:srgbClr val="5B9BD5"/>
+                  </a:solidFill>
+                  <a:latin typeface="思源黑体 CN Bold" panose="020B0800000000000000" pitchFamily="34" charset="-122"/>
+                  <a:ea typeface="思源黑体 CN Bold" panose="020B0800000000000000" pitchFamily="34" charset="-122"/>
+                </a:rPr>
+                <a:t>Navigator.push</a:t>
+              </a:r>
+              <a:r>
+                <a:rPr lang="en-US" altLang="zh-CN" dirty="0">
+                  <a:solidFill>
+                    <a:srgbClr val="5B9BD5"/>
+                  </a:solidFill>
+                  <a:latin typeface="思源黑体 CN Bold" panose="020B0800000000000000" pitchFamily="34" charset="-122"/>
+                  <a:ea typeface="思源黑体 CN Bold" panose="020B0800000000000000" pitchFamily="34" charset="-122"/>
+                </a:rPr>
+                <a:t>(</a:t>
+              </a:r>
+              <a:r>
+                <a:rPr lang="zh-CN" altLang="en-US" dirty="0">
+                  <a:solidFill>
+                    <a:srgbClr val="5B9BD5"/>
+                  </a:solidFill>
+                  <a:latin typeface="思源黑体 CN Bold" panose="020B0800000000000000" pitchFamily="34" charset="-122"/>
+                  <a:ea typeface="思源黑体 CN Bold" panose="020B0800000000000000" pitchFamily="34" charset="-122"/>
+                </a:rPr>
+                <a:t>）方法，</a:t>
+              </a:r>
+              <a:endParaRPr lang="en-US" altLang="zh-CN" dirty="0">
+                <a:solidFill>
+                  <a:srgbClr val="5B9BD5"/>
+                </a:solidFill>
+                <a:latin typeface="思源黑体 CN Bold" panose="020B0800000000000000" pitchFamily="34" charset="-122"/>
+                <a:ea typeface="思源黑体 CN Bold" panose="020B0800000000000000" pitchFamily="34" charset="-122"/>
+              </a:endParaRPr>
+            </a:p>
+            <a:p>
+              <a:pPr>
+                <a:lnSpc>
+                  <a:spcPct val="150000"/>
+                </a:lnSpc>
+                <a:spcBef>
+                  <a:spcPct val="0"/>
+                </a:spcBef>
+              </a:pPr>
+              <a:r>
+                <a:rPr lang="zh-CN" altLang="en-US" dirty="0">
+                  <a:solidFill>
+                    <a:srgbClr val="5B9BD5"/>
+                  </a:solidFill>
+                  <a:latin typeface="思源黑体 CN Bold" panose="020B0800000000000000" pitchFamily="34" charset="-122"/>
+                  <a:ea typeface="思源黑体 CN Bold" panose="020B0800000000000000" pitchFamily="34" charset="-122"/>
+                </a:rPr>
+                <a:t>这种方式可以传递参数到下一级页面</a:t>
+              </a:r>
+              <a:endParaRPr lang="en-US" altLang="zh-CN" dirty="0">
+                <a:solidFill>
+                  <a:srgbClr val="5B9BD5"/>
+                </a:solidFill>
+                <a:latin typeface="思源黑体 CN Bold" panose="020B0800000000000000" pitchFamily="34" charset="-122"/>
+                <a:ea typeface="思源黑体 CN Bold" panose="020B0800000000000000" pitchFamily="34" charset="-122"/>
+              </a:endParaRPr>
+            </a:p>
+            <a:p>
+              <a:pPr>
+                <a:lnSpc>
+                  <a:spcPct val="150000"/>
+                </a:lnSpc>
+                <a:spcBef>
+                  <a:spcPct val="0"/>
+                </a:spcBef>
+              </a:pPr>
+              <a:r>
+                <a:rPr lang="zh-CN" altLang="en-US" dirty="0">
+                  <a:solidFill>
+                    <a:srgbClr val="5B9BD5"/>
+                  </a:solidFill>
+                  <a:latin typeface="思源黑体 CN Bold" panose="020B0800000000000000" pitchFamily="34" charset="-122"/>
+                  <a:ea typeface="思源黑体 CN Bold" panose="020B0800000000000000" pitchFamily="34" charset="-122"/>
+                </a:rPr>
+                <a:t>如右图所示，下个页面通过构造函数的参数来接收路由传递的参数。</a:t>
+              </a:r>
+              <a:endParaRPr lang="en-US" altLang="zh-CN" dirty="0">
+                <a:solidFill>
+                  <a:srgbClr val="5B9BD5"/>
+                </a:solidFill>
+                <a:latin typeface="思源黑体 CN Bold" panose="020B0800000000000000" pitchFamily="34" charset="-122"/>
+                <a:ea typeface="思源黑体 CN Bold" panose="020B0800000000000000" pitchFamily="34" charset="-122"/>
+              </a:endParaRPr>
+            </a:p>
+            <a:p>
+              <a:pPr>
+                <a:lnSpc>
+                  <a:spcPct val="150000"/>
+                </a:lnSpc>
+                <a:spcBef>
+                  <a:spcPct val="0"/>
+                </a:spcBef>
+              </a:pPr>
+              <a:endParaRPr lang="en-US" altLang="zh-CN" dirty="0">
+                <a:solidFill>
+                  <a:srgbClr val="5B9BD5"/>
+                </a:solidFill>
+                <a:latin typeface="思源黑体 CN Bold" panose="020B0800000000000000" pitchFamily="34" charset="-122"/>
+                <a:ea typeface="思源黑体 CN Bold" panose="020B0800000000000000" pitchFamily="34" charset="-122"/>
+              </a:endParaRPr>
+            </a:p>
+          </p:txBody>
+        </p:sp>
+        <p:sp>
+          <p:nvSpPr>
+            <p:cNvPr id="9" name="iśḻîďê"/>
+            <p:cNvSpPr txBox="1"/>
+            <p:nvPr/>
+          </p:nvSpPr>
+          <p:spPr bwMode="auto">
+            <a:xfrm>
+              <a:off x="1570289" y="2946036"/>
+              <a:ext cx="3553567" cy="201332"/>
+            </a:xfrm>
+            <a:prstGeom prst="rect">
+              <a:avLst/>
+            </a:prstGeom>
+            <a:noFill/>
+            <a:ln>
+              <a:noFill/>
+            </a:ln>
+            <a:extLst>
+              <a:ext uri="{91240B29-F687-4F45-9708-019B960494DF}">
+                <a14:hiddenLine xmlns:a14="http://schemas.microsoft.com/office/drawing/2010/main" w="9525">
+                  <a:solidFill>
+                    <a:srgbClr val="000000"/>
+                  </a:solidFill>
+                  <a:miter lim="800000"/>
+                  <a:headEnd/>
+                  <a:tailEnd/>
+                </a14:hiddenLine>
+              </a:ext>
+            </a:extLst>
+          </p:spPr>
+          <p:txBody>
+            <a:bodyPr wrap="square" lIns="86698" tIns="43349" rIns="86698" bIns="43349">
+              <a:normAutofit/>
+            </a:bodyPr>
+            <a:lstStyle>
+              <a:defPPr>
+                <a:defRPr lang="zh-CN"/>
+              </a:defPPr>
+              <a:lvl1pPr marL="0" algn="l" defTabSz="913765" rtl="0" eaLnBrk="1" latinLnBrk="0" hangingPunct="1">
+                <a:defRPr sz="1800" kern="1200">
+                  <a:solidFill>
+                    <a:schemeClr val="tx1"/>
+                  </a:solidFill>
+                </a:defRPr>
+              </a:lvl1pPr>
+              <a:lvl2pPr marL="457200" algn="l" defTabSz="913765" rtl="0" eaLnBrk="1" latinLnBrk="0" hangingPunct="1">
+                <a:defRPr sz="1800" kern="1200">
+                  <a:solidFill>
+                    <a:schemeClr val="tx1"/>
+                  </a:solidFill>
+                </a:defRPr>
+              </a:lvl2pPr>
+              <a:lvl3pPr marL="914400" algn="l" defTabSz="913765" rtl="0" eaLnBrk="1" latinLnBrk="0" hangingPunct="1">
+                <a:defRPr sz="1800" kern="1200">
+                  <a:solidFill>
+                    <a:schemeClr val="tx1"/>
+                  </a:solidFill>
+                </a:defRPr>
+              </a:lvl3pPr>
+              <a:lvl4pPr marL="1371600" algn="l" defTabSz="913765" rtl="0" eaLnBrk="1" latinLnBrk="0" hangingPunct="1">
+                <a:defRPr sz="1800" kern="1200">
+                  <a:solidFill>
+                    <a:schemeClr val="tx1"/>
+                  </a:solidFill>
+                </a:defRPr>
+              </a:lvl4pPr>
+              <a:lvl5pPr marL="1828800" algn="l" defTabSz="913765" rtl="0" eaLnBrk="1" latinLnBrk="0" hangingPunct="1">
+                <a:defRPr sz="1800" kern="1200">
+                  <a:solidFill>
+                    <a:schemeClr val="tx1"/>
+                  </a:solidFill>
+                </a:defRPr>
+              </a:lvl5pPr>
+              <a:lvl6pPr marL="2286000" algn="l" defTabSz="913765" rtl="0" eaLnBrk="1" latinLnBrk="0" hangingPunct="1">
+                <a:defRPr sz="1800" kern="1200">
+                  <a:solidFill>
+                    <a:schemeClr val="tx1"/>
+                  </a:solidFill>
+                </a:defRPr>
+              </a:lvl6pPr>
+              <a:lvl7pPr marL="2743200" algn="l" defTabSz="913765" rtl="0" eaLnBrk="1" latinLnBrk="0" hangingPunct="1">
+                <a:defRPr sz="1800" kern="1200">
+                  <a:solidFill>
+                    <a:schemeClr val="tx1"/>
+                  </a:solidFill>
+                </a:defRPr>
+              </a:lvl7pPr>
+              <a:lvl8pPr marL="3200400" algn="l" defTabSz="913765" rtl="0" eaLnBrk="1" latinLnBrk="0" hangingPunct="1">
+                <a:defRPr sz="1800" kern="1200">
+                  <a:solidFill>
+                    <a:schemeClr val="tx1"/>
+                  </a:solidFill>
+                </a:defRPr>
+              </a:lvl8pPr>
+              <a:lvl9pPr marL="3657600" algn="l" defTabSz="913765" rtl="0" eaLnBrk="1" latinLnBrk="0" hangingPunct="1">
+                <a:defRPr sz="1800" kern="1200">
+                  <a:solidFill>
+                    <a:schemeClr val="tx1"/>
+                  </a:solidFill>
+                </a:defRPr>
+              </a:lvl9pPr>
+            </a:lstStyle>
+            <a:p>
+              <a:pPr>
+                <a:spcBef>
+                  <a:spcPct val="0"/>
+                </a:spcBef>
+              </a:pPr>
+              <a:r>
+                <a:rPr lang="en-US" altLang="zh-CN" sz="2400" b="1" dirty="0">
+                  <a:solidFill>
+                    <a:srgbClr val="5B9BD5"/>
+                  </a:solidFill>
+                  <a:latin typeface="思源黑体 CN Bold" panose="020B0800000000000000" pitchFamily="34" charset="-122"/>
+                  <a:ea typeface="思源黑体 CN Bold" panose="020B0800000000000000" pitchFamily="34" charset="-122"/>
+                </a:rPr>
+                <a:t>Flutter</a:t>
+              </a:r>
+              <a:r>
+                <a:rPr lang="zh-CN" altLang="en-US" sz="2400" b="1" dirty="0">
+                  <a:solidFill>
+                    <a:srgbClr val="5B9BD5"/>
+                  </a:solidFill>
+                  <a:latin typeface="思源黑体 CN Bold" panose="020B0800000000000000" pitchFamily="34" charset="-122"/>
+                  <a:ea typeface="思源黑体 CN Bold" panose="020B0800000000000000" pitchFamily="34" charset="-122"/>
+                </a:rPr>
+                <a:t>路由：</a:t>
+              </a:r>
+            </a:p>
+          </p:txBody>
+        </p:sp>
+      </p:grpSp>
+      <p:pic>
+        <p:nvPicPr>
+          <p:cNvPr id="16" name="图片 15">
+            <a:extLst>
+              <a:ext uri="{FF2B5EF4-FFF2-40B4-BE49-F238E27FC236}">
+                <a16:creationId xmlns:a16="http://schemas.microsoft.com/office/drawing/2014/main" id="{60E19050-61B8-48D4-9746-080E826F73BE}"/>
+              </a:ext>
+            </a:extLst>
+          </p:cNvPr>
+          <p:cNvPicPr>
+            <a:picLocks noChangeAspect="1"/>
+          </p:cNvPicPr>
+          <p:nvPr/>
+        </p:nvPicPr>
+        <p:blipFill>
+          <a:blip r:embed="rId3"/>
+          <a:stretch>
+            <a:fillRect/>
+          </a:stretch>
+        </p:blipFill>
+        <p:spPr>
+          <a:xfrm>
+            <a:off x="6152673" y="2038032"/>
+            <a:ext cx="5580952" cy="1333333"/>
+          </a:xfrm>
+          <a:prstGeom prst="rect">
+            <a:avLst/>
+          </a:prstGeom>
+        </p:spPr>
+      </p:pic>
+      <p:pic>
+        <p:nvPicPr>
+          <p:cNvPr id="4" name="图片 3">
+            <a:extLst>
+              <a:ext uri="{FF2B5EF4-FFF2-40B4-BE49-F238E27FC236}">
+                <a16:creationId xmlns:a16="http://schemas.microsoft.com/office/drawing/2014/main" id="{82A4864B-DF9D-480E-87E8-2432586AB358}"/>
+              </a:ext>
+            </a:extLst>
+          </p:cNvPr>
+          <p:cNvPicPr>
+            <a:picLocks noChangeAspect="1"/>
+          </p:cNvPicPr>
+          <p:nvPr/>
+        </p:nvPicPr>
+        <p:blipFill>
+          <a:blip r:embed="rId4"/>
+          <a:stretch>
+            <a:fillRect/>
+          </a:stretch>
+        </p:blipFill>
+        <p:spPr>
+          <a:xfrm>
+            <a:off x="6194107" y="3566014"/>
+            <a:ext cx="5590476" cy="1266667"/>
+          </a:xfrm>
+          <a:prstGeom prst="rect">
+            <a:avLst/>
+          </a:prstGeom>
+        </p:spPr>
+      </p:pic>
+      <p:pic>
+        <p:nvPicPr>
+          <p:cNvPr id="5" name="图片 4">
+            <a:extLst>
+              <a:ext uri="{FF2B5EF4-FFF2-40B4-BE49-F238E27FC236}">
+                <a16:creationId xmlns:a16="http://schemas.microsoft.com/office/drawing/2014/main" id="{FB773AA3-E41F-424C-A7E0-A8291F15532E}"/>
+              </a:ext>
+            </a:extLst>
+          </p:cNvPr>
+          <p:cNvPicPr>
+            <a:picLocks noChangeAspect="1"/>
+          </p:cNvPicPr>
+          <p:nvPr/>
+        </p:nvPicPr>
+        <p:blipFill>
+          <a:blip r:embed="rId5"/>
+          <a:stretch>
+            <a:fillRect/>
+          </a:stretch>
+        </p:blipFill>
+        <p:spPr>
+          <a:xfrm>
+            <a:off x="6350336" y="4991539"/>
+            <a:ext cx="4847619" cy="1238095"/>
+          </a:xfrm>
+          <a:prstGeom prst="rect">
+            <a:avLst/>
+          </a:prstGeom>
+        </p:spPr>
+      </p:pic>
     </p:spTree>
+    <p:extLst>
+      <p:ext uri="{BB962C8B-B14F-4D97-AF65-F5344CB8AC3E}">
+        <p14:creationId xmlns:p14="http://schemas.microsoft.com/office/powerpoint/2010/main" val="1989983088"/>
+      </p:ext>
+    </p:extLst>
   </p:cSld>
   <p:clrMapOvr>
     <a:masterClrMapping/>
   </p:clrMapOvr>
-  <mc:AlternateContent xmlns:mc="http://schemas.openxmlformats.org/markup-compatibility/2006">
-    <mc:Choice xmlns:p14="http://schemas.microsoft.com/office/powerpoint/2010/main" Requires="p14">
+  <mc:AlternateContent xmlns:mc="http://schemas.openxmlformats.org/markup-compatibility/2006" xmlns:p14="http://schemas.microsoft.com/office/powerpoint/2010/main">
+    <mc:Choice Requires="p14">
       <p:transition spd="slow" p14:dur="1500">
         <p:split orient="vert"/>
       </p:transition>
     </mc:Choice>
-    <mc:Fallback>
+    <mc:Fallback xmlns="">
       <p:transition spd="slow">
         <p:split orient="vert"/>
       </p:transition>
@@ -12286,6 +14226,50 @@
                             </p:childTnLst>
                           </p:cTn>
                         </p:par>
+                        <p:par>
+                          <p:cTn id="13" fill="hold">
+                            <p:stCondLst>
+                              <p:cond delay="1000"/>
+                            </p:stCondLst>
+                            <p:childTnLst>
+                              <p:par>
+                                <p:cTn id="14" presetID="22" presetClass="entr" presetSubtype="1" fill="hold" nodeType="afterEffect">
+                                  <p:stCondLst>
+                                    <p:cond delay="0"/>
+                                  </p:stCondLst>
+                                  <p:childTnLst>
+                                    <p:set>
+                                      <p:cBhvr>
+                                        <p:cTn id="15" dur="1" fill="hold">
+                                          <p:stCondLst>
+                                            <p:cond delay="0"/>
+                                          </p:stCondLst>
+                                        </p:cTn>
+                                        <p:tgtEl>
+                                          <p:spTgt spid="6"/>
+                                        </p:tgtEl>
+                                        <p:attrNameLst>
+                                          <p:attrName>style.visibility</p:attrName>
+                                        </p:attrNameLst>
+                                      </p:cBhvr>
+                                      <p:to>
+                                        <p:strVal val="visible"/>
+                                      </p:to>
+                                    </p:set>
+                                    <p:animEffect transition="in" filter="wipe(up)">
+                                      <p:cBhvr>
+                                        <p:cTn id="16" dur="500"/>
+                                        <p:tgtEl>
+                                          <p:spTgt spid="6"/>
+                                        </p:tgtEl>
+                                      </p:cBhvr>
+                                    </p:animEffect>
+                                  </p:childTnLst>
+                                </p:cTn>
+                              </p:par>
+                            </p:childTnLst>
+                          </p:cTn>
+                        </p:par>
                       </p:childTnLst>
                     </p:cTn>
                   </p:par>
@@ -12318,9 +14302,43 @@
 </p:sld>
 </file>
 
-<file path=ppt/slides/slide17.xml><?xml version="1.0" encoding="utf-8"?>
+<file path=ppt/slides/slide18.xml><?xml version="1.0" encoding="utf-8"?>
 <p:sld xmlns:a="http://schemas.openxmlformats.org/drawingml/2006/main" xmlns:r="http://schemas.openxmlformats.org/officeDocument/2006/relationships" xmlns:p="http://schemas.openxmlformats.org/presentationml/2006/main">
   <p:cSld>
+    <p:bg>
+      <p:bgPr>
+        <a:gradFill>
+          <a:gsLst>
+            <a:gs pos="0">
+              <a:schemeClr val="accent1">
+                <a:lumMod val="5000"/>
+                <a:lumOff val="95000"/>
+              </a:schemeClr>
+            </a:gs>
+            <a:gs pos="74000">
+              <a:schemeClr val="accent1">
+                <a:lumMod val="45000"/>
+                <a:lumOff val="55000"/>
+              </a:schemeClr>
+            </a:gs>
+            <a:gs pos="83000">
+              <a:schemeClr val="accent1">
+                <a:lumMod val="45000"/>
+                <a:lumOff val="55000"/>
+              </a:schemeClr>
+            </a:gs>
+            <a:gs pos="100000">
+              <a:schemeClr val="accent1">
+                <a:lumMod val="30000"/>
+                <a:lumOff val="70000"/>
+              </a:schemeClr>
+            </a:gs>
+          </a:gsLst>
+          <a:lin ang="5400000" scaled="1"/>
+        </a:gradFill>
+        <a:effectLst/>
+      </p:bgPr>
+    </p:bg>
     <p:spTree>
       <p:nvGrpSpPr>
         <p:cNvPr id="1" name=""/>
@@ -12335,6 +14353,39 @@
           <a:chExt cx="0" cy="0"/>
         </a:xfrm>
       </p:grpSpPr>
+      <p:pic>
+        <p:nvPicPr>
+          <p:cNvPr id="6" name="图片 5">
+            <a:extLst>
+              <a:ext uri="{FF2B5EF4-FFF2-40B4-BE49-F238E27FC236}">
+                <a16:creationId xmlns:a16="http://schemas.microsoft.com/office/drawing/2014/main" id="{69AD59A4-54D4-40DE-A1B4-040E4EE29E4C}"/>
+              </a:ext>
+            </a:extLst>
+          </p:cNvPr>
+          <p:cNvPicPr>
+            <a:picLocks noChangeAspect="1"/>
+          </p:cNvPicPr>
+          <p:nvPr/>
+        </p:nvPicPr>
+        <p:blipFill>
+          <a:blip r:embed="rId5" cstate="email"/>
+          <a:stretch>
+            <a:fillRect/>
+          </a:stretch>
+        </p:blipFill>
+        <p:spPr>
+          <a:xfrm>
+            <a:off x="0" y="-110836"/>
+            <a:ext cx="12192000" cy="6857999"/>
+          </a:xfrm>
+          <a:prstGeom prst="rect">
+            <a:avLst/>
+          </a:prstGeom>
+          <a:solidFill>
+            <a:srgbClr val="92BDE3"/>
+          </a:solidFill>
+        </p:spPr>
+      </p:pic>
       <p:cxnSp>
         <p:nvCxnSpPr>
           <p:cNvPr id="8" name="直接连接符 7"/>
@@ -12468,19 +14519,16 @@
           </p:cNvPr>
           <p:cNvPicPr/>
           <p:nvPr>
-            <a:videoFile r:link="rId1"/>
+            <a:videoFile r:link="rId2"/>
             <p:extLst>
               <p:ext uri="{DAA4B4D4-6D71-4841-9C94-3DE7FCFB9230}">
-                <p14:media xmlns:p14="http://schemas.microsoft.com/office/powerpoint/2010/main" r:embed="rId2"/>
+                <p14:media xmlns:p14="http://schemas.microsoft.com/office/powerpoint/2010/main" r:embed="rId1"/>
               </p:ext>
             </p:extLst>
-            <p:custDataLst>
-              <p:tags r:id="rId3"/>
-            </p:custDataLst>
           </p:nvPr>
         </p:nvPicPr>
         <p:blipFill>
-          <a:blip r:embed="rId4"/>
+          <a:blip r:embed="rId6"/>
           <a:stretch>
             <a:fillRect/>
           </a:stretch>
@@ -12500,13 +14548,13 @@
   <p:clrMapOvr>
     <a:masterClrMapping/>
   </p:clrMapOvr>
-  <mc:AlternateContent xmlns:mc="http://schemas.openxmlformats.org/markup-compatibility/2006">
-    <mc:Choice xmlns:p14="http://schemas.microsoft.com/office/powerpoint/2010/main" Requires="p14">
+  <mc:AlternateContent xmlns:mc="http://schemas.openxmlformats.org/markup-compatibility/2006" xmlns:p14="http://schemas.microsoft.com/office/powerpoint/2010/main">
+    <mc:Choice Requires="p14">
       <p:transition spd="slow" p14:dur="1500">
         <p:split orient="vert"/>
       </p:transition>
     </mc:Choice>
-    <mc:Fallback>
+    <mc:Fallback xmlns="">
       <p:transition spd="slow">
         <p:split orient="vert"/>
       </p:transition>
@@ -12517,19 +14565,19 @@
       <p:par>
         <p:cTn id="1" dur="indefinite" restart="never" nodeType="tmRoot">
           <p:childTnLst>
-            <p:video fullScrn="0">
+            <p:video>
               <p:cMediaNode>
                 <p:cTn id="2" fill="hold" display="1">
                   <p:stCondLst>
                     <p:cond delay="indefinite"/>
                   </p:stCondLst>
                   <p:endCondLst>
-                    <p:cond evt="onNext">
+                    <p:cond evt="onNext" delay="0">
                       <p:tgtEl>
                         <p:sldTgt/>
                       </p:tgtEl>
                     </p:cond>
-                    <p:cond evt="onPrev">
+                    <p:cond evt="onPrev" delay="0">
                       <p:tgtEl>
                         <p:sldTgt/>
                       </p:tgtEl>
@@ -12607,367 +14655,6 @@
 </p:sld>
 </file>
 
-<file path=ppt/slides/slide18.xml><?xml version="1.0" encoding="utf-8"?>
-<p:sld xmlns:a="http://schemas.openxmlformats.org/drawingml/2006/main" xmlns:r="http://schemas.openxmlformats.org/officeDocument/2006/relationships" xmlns:p="http://schemas.openxmlformats.org/presentationml/2006/main">
-  <p:cSld>
-    <p:spTree>
-      <p:nvGrpSpPr>
-        <p:cNvPr id="1" name=""/>
-        <p:cNvGrpSpPr/>
-        <p:nvPr/>
-      </p:nvGrpSpPr>
-      <p:grpSpPr>
-        <a:xfrm>
-          <a:off x="0" y="0"/>
-          <a:ext cx="0" cy="0"/>
-          <a:chOff x="0" y="0"/>
-          <a:chExt cx="0" cy="0"/>
-        </a:xfrm>
-      </p:grpSpPr>
-      <p:pic>
-        <p:nvPicPr>
-          <p:cNvPr id="6" name="图片 5"/>
-          <p:cNvPicPr>
-            <a:picLocks noChangeAspect="1"/>
-          </p:cNvPicPr>
-          <p:nvPr/>
-        </p:nvPicPr>
-        <p:blipFill>
-          <a:blip r:embed="rId1" cstate="email"/>
-          <a:stretch>
-            <a:fillRect/>
-          </a:stretch>
-        </p:blipFill>
-        <p:spPr>
-          <a:xfrm>
-            <a:off x="32" y="0"/>
-            <a:ext cx="12192000" cy="6857999"/>
-          </a:xfrm>
-          <a:prstGeom prst="rect">
-            <a:avLst/>
-          </a:prstGeom>
-          <a:solidFill>
-            <a:srgbClr val="92BDE3"/>
-          </a:solidFill>
-        </p:spPr>
-      </p:pic>
-      <p:cxnSp>
-        <p:nvCxnSpPr>
-          <p:cNvPr id="2" name="直接连接符 1"/>
-          <p:cNvCxnSpPr/>
-          <p:nvPr/>
-        </p:nvCxnSpPr>
-        <p:spPr>
-          <a:xfrm>
-            <a:off x="1474106" y="857250"/>
-            <a:ext cx="2324100" cy="0"/>
-          </a:xfrm>
-          <a:prstGeom prst="line">
-            <a:avLst/>
-          </a:prstGeom>
-          <a:ln>
-            <a:solidFill>
-              <a:srgbClr val="5B9BD5"/>
-            </a:solidFill>
-          </a:ln>
-        </p:spPr>
-        <p:style>
-          <a:lnRef idx="1">
-            <a:schemeClr val="dk1"/>
-          </a:lnRef>
-          <a:fillRef idx="0">
-            <a:schemeClr val="dk1"/>
-          </a:fillRef>
-          <a:effectRef idx="0">
-            <a:schemeClr val="dk1"/>
-          </a:effectRef>
-          <a:fontRef idx="minor">
-            <a:schemeClr val="tx1"/>
-          </a:fontRef>
-        </p:style>
-      </p:cxnSp>
-      <p:cxnSp>
-        <p:nvCxnSpPr>
-          <p:cNvPr id="18" name="直接连接符 17"/>
-          <p:cNvCxnSpPr/>
-          <p:nvPr/>
-        </p:nvCxnSpPr>
-        <p:spPr>
-          <a:xfrm>
-            <a:off x="8873855" y="857250"/>
-            <a:ext cx="2324100" cy="0"/>
-          </a:xfrm>
-          <a:prstGeom prst="line">
-            <a:avLst/>
-          </a:prstGeom>
-          <a:ln>
-            <a:solidFill>
-              <a:srgbClr val="5B9BD5"/>
-            </a:solidFill>
-          </a:ln>
-        </p:spPr>
-        <p:style>
-          <a:lnRef idx="1">
-            <a:schemeClr val="dk1"/>
-          </a:lnRef>
-          <a:fillRef idx="0">
-            <a:schemeClr val="dk1"/>
-          </a:fillRef>
-          <a:effectRef idx="0">
-            <a:schemeClr val="dk1"/>
-          </a:effectRef>
-          <a:fontRef idx="minor">
-            <a:schemeClr val="tx1"/>
-          </a:fontRef>
-        </p:style>
-      </p:cxnSp>
-      <p:sp>
-        <p:nvSpPr>
-          <p:cNvPr id="100" name="TextBox 99"/>
-          <p:cNvSpPr txBox="1"/>
-          <p:nvPr/>
-        </p:nvSpPr>
-        <p:spPr>
-          <a:xfrm>
-            <a:off x="3798169" y="503294"/>
-            <a:ext cx="5076356" cy="706755"/>
-          </a:xfrm>
-          <a:prstGeom prst="rect">
-            <a:avLst/>
-          </a:prstGeom>
-          <a:noFill/>
-        </p:spPr>
-        <p:txBody>
-          <a:bodyPr wrap="square" rtlCol="0">
-            <a:spAutoFit/>
-          </a:bodyPr>
-          <a:p>
-            <a:pPr algn="ctr"/>
-            <a:r>
-              <a:rPr lang="zh-CN" altLang="en-US" sz="4000" b="1" dirty="0">
-                <a:solidFill>
-                  <a:srgbClr val="5B9BD5"/>
-                </a:solidFill>
-                <a:latin typeface="微软雅黑" panose="020B0503020204020204" charset="-122"/>
-                <a:ea typeface="微软雅黑" panose="020B0503020204020204" charset="-122"/>
-                <a:sym typeface="+mn-ea"/>
-              </a:rPr>
-              <a:t>总结</a:t>
-            </a:r>
-            <a:endParaRPr lang="zh-CN" altLang="en-US" sz="4000" b="1" dirty="0">
-              <a:solidFill>
-                <a:srgbClr val="5B9BD5"/>
-              </a:solidFill>
-              <a:latin typeface="微软雅黑" panose="020B0503020204020204" charset="-122"/>
-              <a:ea typeface="微软雅黑" panose="020B0503020204020204" charset="-122"/>
-              <a:cs typeface="Lato Heavy" panose="020F0502020204030203" pitchFamily="34" charset="0"/>
-              <a:sym typeface="+mn-ea"/>
-            </a:endParaRPr>
-          </a:p>
-        </p:txBody>
-      </p:sp>
-      <p:sp>
-        <p:nvSpPr>
-          <p:cNvPr id="19" name="í$ḷîḑé"/>
-          <p:cNvSpPr/>
-          <p:nvPr/>
-        </p:nvSpPr>
-        <p:spPr>
-          <a:xfrm>
-            <a:off x="572135" y="4386580"/>
-            <a:ext cx="11243945" cy="2275840"/>
-          </a:xfrm>
-          <a:prstGeom prst="rect">
-            <a:avLst/>
-          </a:prstGeom>
-          <a:noFill/>
-          <a:ln w="9525">
-            <a:noFill/>
-            <a:miter lim="800000"/>
-          </a:ln>
-          <a:extLst>
-            <a:ext uri="{909E8E84-426E-40DD-AFC4-6F175D3DCCD1}">
-              <a14:hiddenFill xmlns:a14="http://schemas.microsoft.com/office/drawing/2010/main">
-                <a:solidFill>
-                  <a:srgbClr val="FFFFFF"/>
-                </a:solidFill>
-              </a14:hiddenFill>
-            </a:ext>
-          </a:extLst>
-        </p:spPr>
-        <p:txBody>
-          <a:bodyPr wrap="square" lIns="86698" tIns="43349" rIns="86698" bIns="43349" anchor="t" anchorCtr="0">
-            <a:noAutofit/>
-          </a:bodyPr>
-          <a:p>
-            <a:pPr marL="285750" indent="-285750">
-              <a:lnSpc>
-                <a:spcPct val="150000"/>
-              </a:lnSpc>
-              <a:spcBef>
-                <a:spcPct val="0"/>
-              </a:spcBef>
-              <a:buFont typeface="Arial" panose="020B0604020202020204" pitchFamily="34" charset="0"/>
-              <a:buChar char="•"/>
-            </a:pPr>
-            <a:endParaRPr lang="en-US" sz="1600" dirty="0">
-              <a:solidFill>
-                <a:srgbClr val="92BDE3"/>
-              </a:solidFill>
-              <a:latin typeface="思源黑体 CN Bold" panose="020B0800000000000000" pitchFamily="34" charset="-122"/>
-              <a:ea typeface="思源黑体 CN Bold" panose="020B0800000000000000" pitchFamily="34" charset="-122"/>
-              <a:sym typeface="+mn-ea"/>
-            </a:endParaRPr>
-          </a:p>
-        </p:txBody>
-      </p:sp>
-    </p:spTree>
-  </p:cSld>
-  <p:clrMapOvr>
-    <a:masterClrMapping/>
-  </p:clrMapOvr>
-  <mc:AlternateContent xmlns:mc="http://schemas.openxmlformats.org/markup-compatibility/2006">
-    <mc:Choice xmlns:p14="http://schemas.microsoft.com/office/powerpoint/2010/main" Requires="p14">
-      <p:transition p14:dur="2000">
-        <p:wipe/>
-      </p:transition>
-    </mc:Choice>
-    <mc:Fallback>
-      <p:transition>
-        <p:wipe/>
-      </p:transition>
-    </mc:Fallback>
-  </mc:AlternateContent>
-  <p:timing>
-    <p:tnLst>
-      <p:par>
-        <p:cTn id="1" dur="indefinite" restart="never" nodeType="tmRoot">
-          <p:childTnLst>
-            <p:seq concurrent="1" nextAc="seek">
-              <p:cTn id="2" dur="indefinite" nodeType="mainSeq">
-                <p:childTnLst>
-                  <p:par>
-                    <p:cTn id="3" fill="hold">
-                      <p:stCondLst>
-                        <p:cond delay="indefinite"/>
-                        <p:cond evt="onBegin" delay="0">
-                          <p:tn val="2"/>
-                        </p:cond>
-                      </p:stCondLst>
-                      <p:childTnLst>
-                        <p:par>
-                          <p:cTn id="4" fill="hold">
-                            <p:stCondLst>
-                              <p:cond delay="0"/>
-                            </p:stCondLst>
-                            <p:childTnLst>
-                              <p:par>
-                                <p:cTn id="5" presetID="2" presetClass="entr" presetSubtype="1" decel="100000" fill="hold" grpId="0" nodeType="afterEffect">
-                                  <p:stCondLst>
-                                    <p:cond delay="0"/>
-                                  </p:stCondLst>
-                                  <p:childTnLst>
-                                    <p:set>
-                                      <p:cBhvr>
-                                        <p:cTn id="6" dur="1" fill="hold">
-                                          <p:stCondLst>
-                                            <p:cond delay="0"/>
-                                          </p:stCondLst>
-                                        </p:cTn>
-                                        <p:tgtEl>
-                                          <p:spTgt spid="100"/>
-                                        </p:tgtEl>
-                                        <p:attrNameLst>
-                                          <p:attrName>style.visibility</p:attrName>
-                                        </p:attrNameLst>
-                                      </p:cBhvr>
-                                      <p:to>
-                                        <p:strVal val="visible"/>
-                                      </p:to>
-                                    </p:set>
-                                    <p:anim calcmode="lin" valueType="num">
-                                      <p:cBhvr additive="base">
-                                        <p:cTn id="7" dur="750" fill="hold"/>
-                                        <p:tgtEl>
-                                          <p:spTgt spid="100"/>
-                                        </p:tgtEl>
-                                        <p:attrNameLst>
-                                          <p:attrName>ppt_x</p:attrName>
-                                        </p:attrNameLst>
-                                      </p:cBhvr>
-                                      <p:tavLst>
-                                        <p:tav tm="0">
-                                          <p:val>
-                                            <p:strVal val="#ppt_x"/>
-                                          </p:val>
-                                        </p:tav>
-                                        <p:tav tm="100000">
-                                          <p:val>
-                                            <p:strVal val="#ppt_x"/>
-                                          </p:val>
-                                        </p:tav>
-                                      </p:tavLst>
-                                    </p:anim>
-                                    <p:anim calcmode="lin" valueType="num">
-                                      <p:cBhvr additive="base">
-                                        <p:cTn id="8" dur="750" fill="hold"/>
-                                        <p:tgtEl>
-                                          <p:spTgt spid="100"/>
-                                        </p:tgtEl>
-                                        <p:attrNameLst>
-                                          <p:attrName>ppt_y</p:attrName>
-                                        </p:attrNameLst>
-                                      </p:cBhvr>
-                                      <p:tavLst>
-                                        <p:tav tm="0">
-                                          <p:val>
-                                            <p:strVal val="0-#ppt_h/2"/>
-                                          </p:val>
-                                        </p:tav>
-                                        <p:tav tm="100000">
-                                          <p:val>
-                                            <p:strVal val="#ppt_y"/>
-                                          </p:val>
-                                        </p:tav>
-                                      </p:tavLst>
-                                    </p:anim>
-                                  </p:childTnLst>
-                                </p:cTn>
-                              </p:par>
-                            </p:childTnLst>
-                          </p:cTn>
-                        </p:par>
-                      </p:childTnLst>
-                    </p:cTn>
-                  </p:par>
-                </p:childTnLst>
-              </p:cTn>
-              <p:prevCondLst>
-                <p:cond evt="onPrev" delay="0">
-                  <p:tgtEl>
-                    <p:sldTgt/>
-                  </p:tgtEl>
-                </p:cond>
-              </p:prevCondLst>
-              <p:nextCondLst>
-                <p:cond evt="onNext" delay="0">
-                  <p:tgtEl>
-                    <p:sldTgt/>
-                  </p:tgtEl>
-                </p:cond>
-              </p:nextCondLst>
-            </p:seq>
-          </p:childTnLst>
-        </p:cTn>
-      </p:par>
-    </p:tnLst>
-    <p:bldLst>
-      <p:bldP spid="100" grpId="0"/>
-    </p:bldLst>
-  </p:timing>
-</p:sld>
-</file>
-
 <file path=ppt/slides/slide2.xml><?xml version="1.0" encoding="utf-8"?>
 <p:sld xmlns:a="http://schemas.openxmlformats.org/drawingml/2006/main" xmlns:r="http://schemas.openxmlformats.org/officeDocument/2006/relationships" xmlns:p="http://schemas.openxmlformats.org/presentationml/2006/main">
   <p:cSld>
@@ -12994,7 +14681,7 @@
           <p:nvPr/>
         </p:nvPicPr>
         <p:blipFill>
-          <a:blip r:embed="rId1" cstate="email"/>
+          <a:blip r:embed="rId3" cstate="email"/>
           <a:stretch>
             <a:fillRect/>
           </a:stretch>
@@ -13059,13 +14746,6 @@
               </a:rPr>
               <a:t>目录</a:t>
             </a:r>
-            <a:endParaRPr lang="zh-CN" sz="5400" b="1" dirty="0">
-              <a:solidFill>
-                <a:srgbClr val="5B9BD5"/>
-              </a:solidFill>
-              <a:latin typeface="微软雅黑" panose="020B0503020204020204" charset="-122"/>
-              <a:ea typeface="微软雅黑" panose="020B0503020204020204" charset="-122"/>
-            </a:endParaRPr>
           </a:p>
         </p:txBody>
       </p:sp>
@@ -13079,7 +14759,7 @@
         </p:nvSpPr>
         <p:spPr bwMode="auto">
           <a:xfrm>
-            <a:off x="11148373" y="3167374"/>
+            <a:off x="11148373" y="3106743"/>
             <a:ext cx="431936" cy="864317"/>
           </a:xfrm>
           <a:prstGeom prst="chevron">
@@ -13117,7 +14797,7 @@
         </p:nvSpPr>
         <p:spPr bwMode="auto">
           <a:xfrm>
-            <a:off x="11354816" y="3167374"/>
+            <a:off x="11354816" y="3106743"/>
             <a:ext cx="431936" cy="864317"/>
           </a:xfrm>
           <a:prstGeom prst="chevron">
@@ -13153,10 +14833,10 @@
         </p:nvGrpSpPr>
         <p:grpSpPr>
           <a:xfrm>
-            <a:off x="5369560" y="2480310"/>
-            <a:ext cx="187960" cy="2150110"/>
+            <a:off x="5369560" y="2701983"/>
+            <a:ext cx="188595" cy="1503045"/>
             <a:chOff x="10060" y="3906"/>
-            <a:chExt cx="296" cy="3386"/>
+            <a:chExt cx="297" cy="2367"/>
           </a:xfrm>
         </p:grpSpPr>
         <p:sp>
@@ -13419,110 +15099,6 @@
             </a:p>
           </p:txBody>
         </p:sp>
-        <p:sp>
-          <p:nvSpPr>
-            <p:cNvPr id="12" name="矩形 11"/>
-            <p:cNvSpPr/>
-            <p:nvPr/>
-          </p:nvSpPr>
-          <p:spPr>
-            <a:xfrm>
-              <a:off x="10173" y="6273"/>
-              <a:ext cx="72" cy="833"/>
-            </a:xfrm>
-            <a:prstGeom prst="rect">
-              <a:avLst/>
-            </a:prstGeom>
-            <a:solidFill>
-              <a:srgbClr val="92BDE3"/>
-            </a:solidFill>
-            <a:ln>
-              <a:solidFill>
-                <a:srgbClr val="5B9BD5"/>
-              </a:solidFill>
-            </a:ln>
-          </p:spPr>
-          <p:style>
-            <a:lnRef idx="2">
-              <a:schemeClr val="accent1">
-                <a:shade val="50000"/>
-              </a:schemeClr>
-            </a:lnRef>
-            <a:fillRef idx="1">
-              <a:schemeClr val="accent1"/>
-            </a:fillRef>
-            <a:effectRef idx="0">
-              <a:schemeClr val="accent1"/>
-            </a:effectRef>
-            <a:fontRef idx="minor">
-              <a:schemeClr val="lt1"/>
-            </a:fontRef>
-          </p:style>
-          <p:txBody>
-            <a:bodyPr rtlCol="0" anchor="ctr"/>
-            <a:lstStyle/>
-            <a:p>
-              <a:pPr algn="ctr"/>
-              <a:endParaRPr lang="zh-CN" altLang="en-US" sz="1800">
-                <a:solidFill>
-                  <a:srgbClr val="B4B7BE"/>
-                </a:solidFill>
-              </a:endParaRPr>
-            </a:p>
-          </p:txBody>
-        </p:sp>
-        <p:sp>
-          <p:nvSpPr>
-            <p:cNvPr id="13" name="椭圆 12"/>
-            <p:cNvSpPr/>
-            <p:nvPr/>
-          </p:nvSpPr>
-          <p:spPr>
-            <a:xfrm>
-              <a:off x="10060" y="6998"/>
-              <a:ext cx="295" cy="295"/>
-            </a:xfrm>
-            <a:prstGeom prst="ellipse">
-              <a:avLst/>
-            </a:prstGeom>
-            <a:solidFill>
-              <a:srgbClr val="92BDE3"/>
-            </a:solidFill>
-            <a:ln>
-              <a:solidFill>
-                <a:srgbClr val="5B9BD5"/>
-              </a:solidFill>
-            </a:ln>
-          </p:spPr>
-          <p:style>
-            <a:lnRef idx="2">
-              <a:schemeClr val="accent1">
-                <a:shade val="50000"/>
-              </a:schemeClr>
-            </a:lnRef>
-            <a:fillRef idx="1">
-              <a:schemeClr val="accent1"/>
-            </a:fillRef>
-            <a:effectRef idx="0">
-              <a:schemeClr val="accent1"/>
-            </a:effectRef>
-            <a:fontRef idx="minor">
-              <a:schemeClr val="lt1"/>
-            </a:fontRef>
-          </p:style>
-          <p:txBody>
-            <a:bodyPr rtlCol="0" anchor="ctr"/>
-            <a:lstStyle/>
-            <a:p>
-              <a:pPr algn="ctr"/>
-              <a:endParaRPr lang="zh-CN" altLang="en-US" sz="1800">
-                <a:solidFill>
-                  <a:srgbClr val="B4B7BE"/>
-                </a:solidFill>
-              </a:endParaRPr>
-            </a:p>
-          </p:txBody>
-        </p:sp>
       </p:grpSp>
       <p:sp>
         <p:nvSpPr>
@@ -13532,7 +15108,7 @@
         </p:nvSpPr>
         <p:spPr>
           <a:xfrm>
-            <a:off x="6115050" y="2271395"/>
+            <a:off x="6115050" y="2493068"/>
             <a:ext cx="4375150" cy="604520"/>
           </a:xfrm>
           <a:prstGeom prst="rect">
@@ -13581,13 +15157,6 @@
               </a:rPr>
               <a:t>搭建Flutter开发环境</a:t>
             </a:r>
-            <a:endParaRPr lang="zh-CN" altLang="en-US" sz="2400" b="1" dirty="0">
-              <a:solidFill>
-                <a:srgbClr val="5B9BD5"/>
-              </a:solidFill>
-              <a:latin typeface="微软雅黑" panose="020B0503020204020204" charset="-122"/>
-              <a:ea typeface="微软雅黑" panose="020B0503020204020204" charset="-122"/>
-            </a:endParaRPr>
           </a:p>
         </p:txBody>
       </p:sp>
@@ -13599,7 +15168,7 @@
         </p:nvSpPr>
         <p:spPr>
           <a:xfrm>
-            <a:off x="6115050" y="2890520"/>
+            <a:off x="6115050" y="3112193"/>
             <a:ext cx="3358515" cy="604520"/>
           </a:xfrm>
           <a:prstGeom prst="rect">
@@ -13648,13 +15217,6 @@
               </a:rPr>
               <a:t>Widget介绍</a:t>
             </a:r>
-            <a:endParaRPr lang="zh-CN" altLang="en-US" sz="2400" b="1" dirty="0">
-              <a:solidFill>
-                <a:srgbClr val="5B9BD5"/>
-              </a:solidFill>
-              <a:latin typeface="微软雅黑" panose="020B0503020204020204" charset="-122"/>
-              <a:ea typeface="微软雅黑" panose="020B0503020204020204" charset="-122"/>
-            </a:endParaRPr>
           </a:p>
         </p:txBody>
       </p:sp>
@@ -13666,7 +15228,7 @@
         </p:nvSpPr>
         <p:spPr>
           <a:xfrm>
-            <a:off x="6115050" y="3538220"/>
+            <a:off x="6115050" y="3759893"/>
             <a:ext cx="3598545" cy="604520"/>
           </a:xfrm>
           <a:prstGeom prst="rect">
@@ -13715,82 +15277,6 @@
               </a:rPr>
               <a:t>案例演示</a:t>
             </a:r>
-            <a:endParaRPr lang="zh-CN" altLang="en-US" sz="2400" b="1" dirty="0">
-              <a:solidFill>
-                <a:srgbClr val="5B9BD5"/>
-              </a:solidFill>
-              <a:latin typeface="微软雅黑" panose="020B0503020204020204" charset="-122"/>
-              <a:ea typeface="微软雅黑" panose="020B0503020204020204" charset="-122"/>
-            </a:endParaRPr>
-          </a:p>
-        </p:txBody>
-      </p:sp>
-      <p:sp>
-        <p:nvSpPr>
-          <p:cNvPr id="17" name="标题 4"/>
-          <p:cNvSpPr txBox="1"/>
-          <p:nvPr/>
-        </p:nvSpPr>
-        <p:spPr>
-          <a:xfrm>
-            <a:off x="6115050" y="4185920"/>
-            <a:ext cx="3818890" cy="604520"/>
-          </a:xfrm>
-          <a:prstGeom prst="rect">
-            <a:avLst/>
-          </a:prstGeom>
-          <a:noFill/>
-          <a:extLst>
-            <a:ext uri="{909E8E84-426E-40DD-AFC4-6F175D3DCCD1}">
-              <a14:hiddenFill xmlns:a14="http://schemas.microsoft.com/office/drawing/2010/main">
-                <a:solidFill>
-                  <a:srgbClr val="92BDE3"/>
-                </a:solidFill>
-              </a14:hiddenFill>
-            </a:ext>
-          </a:extLst>
-        </p:spPr>
-        <p:txBody>
-          <a:bodyPr vert="horz" lIns="91416" tIns="45708" rIns="91416" bIns="45708" rtlCol="0" anchor="ctr">
-            <a:noAutofit/>
-          </a:bodyPr>
-          <a:lstStyle>
-            <a:lvl1pPr algn="ctr" defTabSz="914400" rtl="0" eaLnBrk="1" latinLnBrk="0" hangingPunct="1">
-              <a:spcBef>
-                <a:spcPct val="0"/>
-              </a:spcBef>
-              <a:buNone/>
-              <a:defRPr sz="4400" kern="1200">
-                <a:solidFill>
-                  <a:schemeClr val="tx1"/>
-                </a:solidFill>
-                <a:latin typeface="+mj-lt"/>
-                <a:ea typeface="+mj-ea"/>
-                <a:cs typeface="+mj-cs"/>
-              </a:defRPr>
-            </a:lvl1pPr>
-          </a:lstStyle>
-          <a:p>
-            <a:pPr algn="l"/>
-            <a:r>
-              <a:rPr lang="zh-CN" altLang="en-US" sz="2400" b="1" dirty="0">
-                <a:solidFill>
-                  <a:srgbClr val="5B9BD5"/>
-                </a:solidFill>
-                <a:latin typeface="微软雅黑" panose="020B0503020204020204" charset="-122"/>
-                <a:ea typeface="微软雅黑" panose="020B0503020204020204" charset="-122"/>
-                <a:sym typeface="+mn-ea"/>
-              </a:rPr>
-              <a:t>总结</a:t>
-            </a:r>
-            <a:endParaRPr lang="zh-CN" altLang="en-US" sz="2400" b="1" dirty="0">
-              <a:solidFill>
-                <a:srgbClr val="5B9BD5"/>
-              </a:solidFill>
-              <a:latin typeface="微软雅黑" panose="020B0503020204020204" charset="-122"/>
-              <a:ea typeface="微软雅黑" panose="020B0503020204020204" charset="-122"/>
-              <a:sym typeface="+mn-ea"/>
-            </a:endParaRPr>
           </a:p>
         </p:txBody>
       </p:sp>
@@ -13799,13 +15285,13 @@
   <p:clrMapOvr>
     <a:masterClrMapping/>
   </p:clrMapOvr>
-  <mc:AlternateContent xmlns:mc="http://schemas.openxmlformats.org/markup-compatibility/2006">
-    <mc:Choice xmlns:p14="http://schemas.microsoft.com/office/powerpoint/2010/main" Requires="p14">
-      <p:transition p14:dur="2000">
+  <mc:AlternateContent xmlns:mc="http://schemas.openxmlformats.org/markup-compatibility/2006" xmlns:p14="http://schemas.microsoft.com/office/powerpoint/2010/main">
+    <mc:Choice Requires="p14">
+      <p:transition spd="slow" p14:dur="2000">
         <p:wipe/>
       </p:transition>
     </mc:Choice>
-    <mc:Fallback>
+    <mc:Fallback xmlns="">
       <p:transition>
         <p:wipe/>
       </p:transition>
@@ -14467,169 +15953,24 @@
                                   </p:childTnLst>
                                 </p:cTn>
                               </p:par>
-                              <p:par>
-                                <p:cTn id="38" presetID="41" presetClass="entr" presetSubtype="0" fill="hold" grpId="0" nodeType="withEffect">
-                                  <p:stCondLst>
-                                    <p:cond delay="0"/>
-                                  </p:stCondLst>
-                                  <p:iterate type="lt">
-                                    <p:tmPct val="10000"/>
-                                  </p:iterate>
-                                  <p:childTnLst>
-                                    <p:set>
-                                      <p:cBhvr>
-                                        <p:cTn id="39" dur="1" fill="hold">
-                                          <p:stCondLst>
-                                            <p:cond delay="0"/>
-                                          </p:stCondLst>
-                                        </p:cTn>
-                                        <p:tgtEl>
-                                          <p:spTgt spid="17"/>
-                                        </p:tgtEl>
-                                        <p:attrNameLst>
-                                          <p:attrName>style.visibility</p:attrName>
-                                        </p:attrNameLst>
-                                      </p:cBhvr>
-                                      <p:to>
-                                        <p:strVal val="visible"/>
-                                      </p:to>
-                                    </p:set>
-                                    <p:anim calcmode="lin" valueType="num">
-                                      <p:cBhvr>
-                                        <p:cTn id="40" dur="500" fill="hold"/>
-                                        <p:tgtEl>
-                                          <p:spTgt spid="17"/>
-                                        </p:tgtEl>
-                                        <p:attrNameLst>
-                                          <p:attrName>ppt_x</p:attrName>
-                                        </p:attrNameLst>
-                                      </p:cBhvr>
-                                      <p:tavLst>
-                                        <p:tav tm="0">
-                                          <p:val>
-                                            <p:strVal val="#ppt_x"/>
-                                          </p:val>
-                                        </p:tav>
-                                        <p:tav tm="50000">
-                                          <p:val>
-                                            <p:strVal val="#ppt_x+.1"/>
-                                          </p:val>
-                                        </p:tav>
-                                        <p:tav tm="100000">
-                                          <p:val>
-                                            <p:strVal val="#ppt_x"/>
-                                          </p:val>
-                                        </p:tav>
-                                      </p:tavLst>
-                                    </p:anim>
-                                    <p:anim calcmode="lin" valueType="num">
-                                      <p:cBhvr>
-                                        <p:cTn id="41" dur="500" fill="hold"/>
-                                        <p:tgtEl>
-                                          <p:spTgt spid="17"/>
-                                        </p:tgtEl>
-                                        <p:attrNameLst>
-                                          <p:attrName>ppt_y</p:attrName>
-                                        </p:attrNameLst>
-                                      </p:cBhvr>
-                                      <p:tavLst>
-                                        <p:tav tm="0">
-                                          <p:val>
-                                            <p:strVal val="#ppt_y"/>
-                                          </p:val>
-                                        </p:tav>
-                                        <p:tav tm="100000">
-                                          <p:val>
-                                            <p:strVal val="#ppt_y"/>
-                                          </p:val>
-                                        </p:tav>
-                                      </p:tavLst>
-                                    </p:anim>
-                                    <p:anim calcmode="lin" valueType="num">
-                                      <p:cBhvr>
-                                        <p:cTn id="42" dur="500" fill="hold"/>
-                                        <p:tgtEl>
-                                          <p:spTgt spid="17"/>
-                                        </p:tgtEl>
-                                        <p:attrNameLst>
-                                          <p:attrName>ppt_h</p:attrName>
-                                        </p:attrNameLst>
-                                      </p:cBhvr>
-                                      <p:tavLst>
-                                        <p:tav tm="0">
-                                          <p:val>
-                                            <p:strVal val="#ppt_h/10"/>
-                                          </p:val>
-                                        </p:tav>
-                                        <p:tav tm="50000">
-                                          <p:val>
-                                            <p:strVal val="#ppt_h+.01"/>
-                                          </p:val>
-                                        </p:tav>
-                                        <p:tav tm="100000">
-                                          <p:val>
-                                            <p:strVal val="#ppt_h"/>
-                                          </p:val>
-                                        </p:tav>
-                                      </p:tavLst>
-                                    </p:anim>
-                                    <p:anim calcmode="lin" valueType="num">
-                                      <p:cBhvr>
-                                        <p:cTn id="43" dur="500" fill="hold"/>
-                                        <p:tgtEl>
-                                          <p:spTgt spid="17"/>
-                                        </p:tgtEl>
-                                        <p:attrNameLst>
-                                          <p:attrName>ppt_w</p:attrName>
-                                        </p:attrNameLst>
-                                      </p:cBhvr>
-                                      <p:tavLst>
-                                        <p:tav tm="0">
-                                          <p:val>
-                                            <p:strVal val="#ppt_w/10"/>
-                                          </p:val>
-                                        </p:tav>
-                                        <p:tav tm="50000">
-                                          <p:val>
-                                            <p:strVal val="#ppt_w+.01"/>
-                                          </p:val>
-                                        </p:tav>
-                                        <p:tav tm="100000">
-                                          <p:val>
-                                            <p:strVal val="#ppt_w"/>
-                                          </p:val>
-                                        </p:tav>
-                                      </p:tavLst>
-                                    </p:anim>
-                                    <p:animEffect transition="in" filter="fade">
-                                      <p:cBhvr>
-                                        <p:cTn id="44" dur="500" tmFilter="0,0; .5, 1; 1, 1"/>
-                                        <p:tgtEl>
-                                          <p:spTgt spid="17"/>
-                                        </p:tgtEl>
-                                      </p:cBhvr>
-                                    </p:animEffect>
-                                  </p:childTnLst>
-                                </p:cTn>
-                              </p:par>
                             </p:childTnLst>
                           </p:cTn>
                         </p:par>
                         <p:par>
-                          <p:cTn id="45" fill="hold">
+                          <p:cTn id="38" fill="hold">
                             <p:stCondLst>
                               <p:cond delay="2150"/>
                             </p:stCondLst>
                             <p:childTnLst>
                               <p:par>
-                                <p:cTn id="46" presetID="42" presetClass="entr" presetSubtype="0" fill="hold" grpId="0" nodeType="afterEffect">
+                                <p:cTn id="39" presetID="10" presetClass="entr" presetSubtype="0" fill="hold" grpId="0" nodeType="afterEffect">
                                   <p:stCondLst>
                                     <p:cond delay="0"/>
                                   </p:stCondLst>
                                   <p:childTnLst>
                                     <p:set>
                                       <p:cBhvr>
-                                        <p:cTn id="47" dur="1" fill="hold">
+                                        <p:cTn id="40" dur="1" fill="hold">
                                           <p:stCondLst>
                                             <p:cond delay="0"/>
                                           </p:stCondLst>
@@ -14647,70 +15988,24 @@
                                     </p:set>
                                     <p:animEffect transition="in" filter="fade">
                                       <p:cBhvr>
-                                        <p:cTn id="48" dur="1000"/>
+                                        <p:cTn id="41" dur="500"/>
                                         <p:tgtEl>
                                           <p:spTgt spid="4"/>
                                         </p:tgtEl>
                                       </p:cBhvr>
                                     </p:animEffect>
-                                    <p:anim calcmode="lin" valueType="num">
-                                      <p:cBhvr>
-                                        <p:cTn id="49" dur="1000" fill="hold"/>
-                                        <p:tgtEl>
-                                          <p:spTgt spid="4"/>
-                                        </p:tgtEl>
-                                        <p:attrNameLst>
-                                          <p:attrName>ppt_x</p:attrName>
-                                        </p:attrNameLst>
-                                      </p:cBhvr>
-                                      <p:tavLst>
-                                        <p:tav tm="0">
-                                          <p:val>
-                                            <p:strVal val="#ppt_x"/>
-                                          </p:val>
-                                        </p:tav>
-                                        <p:tav tm="100000">
-                                          <p:val>
-                                            <p:strVal val="#ppt_x"/>
-                                          </p:val>
-                                        </p:tav>
-                                      </p:tavLst>
-                                    </p:anim>
-                                    <p:anim calcmode="lin" valueType="num">
-                                      <p:cBhvr>
-                                        <p:cTn id="50" dur="1000" fill="hold"/>
-                                        <p:tgtEl>
-                                          <p:spTgt spid="4"/>
-                                        </p:tgtEl>
-                                        <p:attrNameLst>
-                                          <p:attrName>ppt_y</p:attrName>
-                                        </p:attrNameLst>
-                                      </p:cBhvr>
-                                      <p:tavLst>
-                                        <p:tav tm="0">
-                                          <p:val>
-                                            <p:strVal val="#ppt_y+.1"/>
-                                          </p:val>
-                                        </p:tav>
-                                        <p:tav tm="100000">
-                                          <p:val>
-                                            <p:strVal val="#ppt_y"/>
-                                          </p:val>
-                                        </p:tav>
-                                      </p:tavLst>
-                                    </p:anim>
                                   </p:childTnLst>
                                 </p:cTn>
                               </p:par>
                               <p:par>
-                                <p:cTn id="51" presetID="42" presetClass="entr" presetSubtype="0" fill="hold" grpId="0" nodeType="withEffect">
+                                <p:cTn id="42" presetID="10" presetClass="entr" presetSubtype="0" fill="hold" grpId="0" nodeType="withEffect">
                                   <p:stCondLst>
                                     <p:cond delay="0"/>
                                   </p:stCondLst>
                                   <p:childTnLst>
                                     <p:set>
                                       <p:cBhvr>
-                                        <p:cTn id="52" dur="1" fill="hold">
+                                        <p:cTn id="43" dur="1" fill="hold">
                                           <p:stCondLst>
                                             <p:cond delay="0"/>
                                           </p:stCondLst>
@@ -14728,58 +16023,12 @@
                                     </p:set>
                                     <p:animEffect transition="in" filter="fade">
                                       <p:cBhvr>
-                                        <p:cTn id="53" dur="1000"/>
+                                        <p:cTn id="44" dur="500"/>
                                         <p:tgtEl>
                                           <p:spTgt spid="5"/>
                                         </p:tgtEl>
                                       </p:cBhvr>
                                     </p:animEffect>
-                                    <p:anim calcmode="lin" valueType="num">
-                                      <p:cBhvr>
-                                        <p:cTn id="54" dur="1000" fill="hold"/>
-                                        <p:tgtEl>
-                                          <p:spTgt spid="5"/>
-                                        </p:tgtEl>
-                                        <p:attrNameLst>
-                                          <p:attrName>ppt_x</p:attrName>
-                                        </p:attrNameLst>
-                                      </p:cBhvr>
-                                      <p:tavLst>
-                                        <p:tav tm="0">
-                                          <p:val>
-                                            <p:strVal val="#ppt_x"/>
-                                          </p:val>
-                                        </p:tav>
-                                        <p:tav tm="100000">
-                                          <p:val>
-                                            <p:strVal val="#ppt_x"/>
-                                          </p:val>
-                                        </p:tav>
-                                      </p:tavLst>
-                                    </p:anim>
-                                    <p:anim calcmode="lin" valueType="num">
-                                      <p:cBhvr>
-                                        <p:cTn id="55" dur="1000" fill="hold"/>
-                                        <p:tgtEl>
-                                          <p:spTgt spid="5"/>
-                                        </p:tgtEl>
-                                        <p:attrNameLst>
-                                          <p:attrName>ppt_y</p:attrName>
-                                        </p:attrNameLst>
-                                      </p:cBhvr>
-                                      <p:tavLst>
-                                        <p:tav tm="0">
-                                          <p:val>
-                                            <p:strVal val="#ppt_y+.1"/>
-                                          </p:val>
-                                        </p:tav>
-                                        <p:tav tm="100000">
-                                          <p:val>
-                                            <p:strVal val="#ppt_y"/>
-                                          </p:val>
-                                        </p:tav>
-                                      </p:tavLst>
-                                    </p:anim>
                                   </p:childTnLst>
                                 </p:cTn>
                               </p:par>
@@ -14817,7 +16066,6 @@
       <p:bldP spid="14" grpId="0" bldLvl="0" animBg="1"/>
       <p:bldP spid="15" grpId="0" bldLvl="0" animBg="1"/>
       <p:bldP spid="16" grpId="0" bldLvl="0" animBg="1"/>
-      <p:bldP spid="17" grpId="0" bldLvl="0" animBg="1"/>
     </p:bldLst>
   </p:timing>
 </p:sld>
@@ -14849,7 +16097,7 @@
           <p:nvPr/>
         </p:nvPicPr>
         <p:blipFill>
-          <a:blip r:embed="rId1" cstate="email"/>
+          <a:blip r:embed="rId3" cstate="email"/>
           <a:stretch>
             <a:fillRect/>
           </a:stretch>
@@ -14954,6 +16202,7 @@
           <a:bodyPr wrap="square" rtlCol="0">
             <a:spAutoFit/>
           </a:bodyPr>
+          <a:lstStyle/>
           <a:p>
             <a:pPr algn="ctr"/>
             <a:r>
@@ -14986,7 +16235,7 @@
           <p:nvPr/>
         </p:nvGrpSpPr>
         <p:grpSpPr>
-          <a:xfrm rot="0">
+          <a:xfrm>
             <a:off x="326390" y="1062990"/>
             <a:ext cx="11438255" cy="4203700"/>
             <a:chOff x="1486203" y="2960297"/>
@@ -15048,13 +16297,6 @@
                 </a:rPr>
                 <a:t>Flutter是谷歌的移动UI框架，可以快速在iOS和Android上构建高质量的原生用户界面。</a:t>
               </a:r>
-              <a:endParaRPr sz="1600" dirty="0">
-                <a:solidFill>
-                  <a:srgbClr val="5B9BD5"/>
-                </a:solidFill>
-                <a:latin typeface="思源黑体 CN Bold" panose="020B0800000000000000" pitchFamily="34" charset="-122"/>
-                <a:ea typeface="思源黑体 CN Bold" panose="020B0800000000000000" pitchFamily="34" charset="-122"/>
-              </a:endParaRPr>
             </a:p>
             <a:p>
               <a:pPr marL="285750" indent="-285750">
@@ -15077,13 +16319,6 @@
                 </a:rPr>
                 <a:t>在各个原生的平台中，使用自己的C++的引擎渲染界面，没有使用webview，也不像RN、NativeScript一样使用系统的组件。简单来说平台只是给Flutter提供一个画布。</a:t>
               </a:r>
-              <a:endParaRPr sz="1600" dirty="0">
-                <a:solidFill>
-                  <a:srgbClr val="5B9BD5"/>
-                </a:solidFill>
-                <a:latin typeface="思源黑体 CN Bold" panose="020B0800000000000000" pitchFamily="34" charset="-122"/>
-                <a:ea typeface="思源黑体 CN Bold" panose="020B0800000000000000" pitchFamily="34" charset="-122"/>
-              </a:endParaRPr>
             </a:p>
             <a:p>
               <a:pPr marL="285750" indent="-285750">
@@ -15106,13 +16341,6 @@
                 </a:rPr>
                 <a:t>界面使用Dart语言开发。</a:t>
               </a:r>
-              <a:endParaRPr sz="1600" dirty="0">
-                <a:solidFill>
-                  <a:srgbClr val="5B9BD5"/>
-                </a:solidFill>
-                <a:latin typeface="思源黑体 CN Bold" panose="020B0800000000000000" pitchFamily="34" charset="-122"/>
-                <a:ea typeface="思源黑体 CN Bold" panose="020B0800000000000000" pitchFamily="34" charset="-122"/>
-              </a:endParaRPr>
             </a:p>
             <a:p>
               <a:pPr marL="285750" indent="-285750">
@@ -15135,13 +16363,6 @@
                 </a:rPr>
                 <a:t>Flutter 给开发者提供简单、高效的方式来构建和部署跨平台、高性能移动应用；给用户提供漂亮、快速的 app 体验。</a:t>
               </a:r>
-              <a:endParaRPr sz="1600" dirty="0">
-                <a:solidFill>
-                  <a:srgbClr val="5B9BD5"/>
-                </a:solidFill>
-                <a:latin typeface="思源黑体 CN Bold" panose="020B0800000000000000" pitchFamily="34" charset="-122"/>
-                <a:ea typeface="思源黑体 CN Bold" panose="020B0800000000000000" pitchFamily="34" charset="-122"/>
-              </a:endParaRPr>
             </a:p>
             <a:p>
               <a:pPr marL="285750" indent="-285750">
@@ -15344,13 +16565,6 @@
                 </a:rPr>
                 <a:t>？</a:t>
               </a:r>
-              <a:endParaRPr lang="zh-CN" altLang="en-US" sz="2400" b="1" dirty="0">
-                <a:solidFill>
-                  <a:srgbClr val="5B9BD5"/>
-                </a:solidFill>
-                <a:latin typeface="思源黑体 CN Bold" panose="020B0800000000000000" pitchFamily="34" charset="-122"/>
-                <a:ea typeface="思源黑体 CN Bold" panose="020B0800000000000000" pitchFamily="34" charset="-122"/>
-              </a:endParaRPr>
             </a:p>
           </p:txBody>
         </p:sp>
@@ -15364,7 +16578,7 @@
           <p:nvPr/>
         </p:nvPicPr>
         <p:blipFill>
-          <a:blip r:embed="rId2"/>
+          <a:blip r:embed="rId4"/>
           <a:stretch>
             <a:fillRect/>
           </a:stretch>
@@ -15715,6 +16929,7 @@
           <a:bodyPr wrap="square" rtlCol="0">
             <a:spAutoFit/>
           </a:bodyPr>
+          <a:lstStyle/>
           <a:p>
             <a:pPr algn="ctr"/>
             <a:r>
@@ -15760,6 +16975,7 @@
           <a:bodyPr wrap="square" rtlCol="0">
             <a:spAutoFit/>
           </a:bodyPr>
+          <a:lstStyle/>
           <a:p>
             <a:pPr algn="ctr"/>
             <a:r>
@@ -15780,25 +16996,8 @@
                 <a:latin typeface="+mj-lt"/>
                 <a:cs typeface="+mj-lt"/>
               </a:rPr>
-              <a:t>F</a:t>
+              <a:t>Flutter</a:t>
             </a:r>
-            <a:r>
-              <a:rPr lang="en-US" altLang="zh-CN" sz="2000" dirty="0">
-                <a:solidFill>
-                  <a:srgbClr val="5B9BD5"/>
-                </a:solidFill>
-                <a:latin typeface="+mj-lt"/>
-                <a:cs typeface="+mj-lt"/>
-              </a:rPr>
-              <a:t>lutter</a:t>
-            </a:r>
-            <a:endParaRPr lang="en-US" altLang="zh-CN" sz="2000" dirty="0">
-              <a:solidFill>
-                <a:srgbClr val="5B9BD5"/>
-              </a:solidFill>
-              <a:latin typeface="+mj-lt"/>
-              <a:cs typeface="+mj-lt"/>
-            </a:endParaRPr>
           </a:p>
         </p:txBody>
       </p:sp>
@@ -15809,7 +17008,7 @@
           <p:nvPr/>
         </p:nvGrpSpPr>
         <p:grpSpPr>
-          <a:xfrm rot="0">
+          <a:xfrm>
             <a:off x="468630" y="3679190"/>
             <a:ext cx="11313160" cy="2646680"/>
             <a:chOff x="1512858" y="2495705"/>
@@ -15871,13 +17070,6 @@
                 </a:rPr>
                 <a:t>转到 “控制面板&gt;用户帐户&gt;用户帐户&gt;更改我的环境变量”</a:t>
               </a:r>
-              <a:endParaRPr sz="1600" dirty="0">
-                <a:solidFill>
-                  <a:srgbClr val="92BDE3"/>
-                </a:solidFill>
-                <a:latin typeface="思源黑体 CN Bold" panose="020B0800000000000000" pitchFamily="34" charset="-122"/>
-                <a:ea typeface="思源黑体 CN Bold" panose="020B0800000000000000" pitchFamily="34" charset="-122"/>
-              </a:endParaRPr>
             </a:p>
             <a:p>
               <a:pPr marL="285750" indent="-285750">
@@ -15971,14 +17163,6 @@
                 </a:rPr>
                 <a:t>bin</a:t>
               </a:r>
-              <a:endParaRPr sz="1600" dirty="0">
-                <a:solidFill>
-                  <a:srgbClr val="92BDE3"/>
-                </a:solidFill>
-                <a:latin typeface="思源黑体 CN Bold" panose="020B0800000000000000" pitchFamily="34" charset="-122"/>
-                <a:ea typeface="思源黑体 CN Bold" panose="020B0800000000000000" pitchFamily="34" charset="-122"/>
-                <a:sym typeface="+mn-ea"/>
-              </a:endParaRPr>
             </a:p>
             <a:p>
               <a:pPr marL="285750" indent="-285750">
@@ -16023,14 +17207,6 @@
                 </a:rPr>
                 <a:t>,</a:t>
               </a:r>
-              <a:endParaRPr lang="en-US" sz="1600" dirty="0">
-                <a:solidFill>
-                  <a:srgbClr val="92BDE3"/>
-                </a:solidFill>
-                <a:latin typeface="思源黑体 CN Bold" panose="020B0800000000000000" pitchFamily="34" charset="-122"/>
-                <a:ea typeface="思源黑体 CN Bold" panose="020B0800000000000000" pitchFamily="34" charset="-122"/>
-                <a:sym typeface="+mn-ea"/>
-              </a:endParaRPr>
             </a:p>
             <a:p>
               <a:pPr indent="0">
@@ -16054,14 +17230,6 @@
                 </a:rPr>
                 <a:t>  PUB_HOSTED_URL = https://pub.flutter-io.cn, </a:t>
               </a:r>
-              <a:endParaRPr lang="en-US" sz="1600" dirty="0">
-                <a:solidFill>
-                  <a:srgbClr val="92BDE3"/>
-                </a:solidFill>
-                <a:latin typeface="思源黑体 CN Bold" panose="020B0800000000000000" pitchFamily="34" charset="-122"/>
-                <a:ea typeface="思源黑体 CN Bold" panose="020B0800000000000000" pitchFamily="34" charset="-122"/>
-                <a:sym typeface="+mn-ea"/>
-              </a:endParaRPr>
             </a:p>
             <a:p>
               <a:pPr indent="0">
@@ -16085,14 +17253,6 @@
                 </a:rPr>
                 <a:t>  FLUTTER_STORAGE_BASE_URL = https://storage.flutter-io.cn</a:t>
               </a:r>
-              <a:endParaRPr lang="en-US" sz="1600" dirty="0">
-                <a:solidFill>
-                  <a:srgbClr val="92BDE3"/>
-                </a:solidFill>
-                <a:latin typeface="思源黑体 CN Bold" panose="020B0800000000000000" pitchFamily="34" charset="-122"/>
-                <a:ea typeface="思源黑体 CN Bold" panose="020B0800000000000000" pitchFamily="34" charset="-122"/>
-                <a:sym typeface="+mn-ea"/>
-              </a:endParaRPr>
             </a:p>
             <a:p>
               <a:pPr indent="0">
@@ -16116,14 +17276,6 @@
                 </a:rPr>
                 <a:t>注意： 由于一些flutter命令需要联网获取数据，如果您是在国内访问，由于众所周知的原因，直接访问很可能不会成功。 上面的PUB_HOSTED_URL和FLUTTER_STORAGE_BASE_URL是google为国内开发者搭建的临时镜像。</a:t>
               </a:r>
-              <a:endParaRPr lang="en-US" sz="1600" dirty="0">
-                <a:solidFill>
-                  <a:srgbClr val="92BDE3"/>
-                </a:solidFill>
-                <a:latin typeface="思源黑体 CN Bold" panose="020B0800000000000000" pitchFamily="34" charset="-122"/>
-                <a:ea typeface="思源黑体 CN Bold" panose="020B0800000000000000" pitchFamily="34" charset="-122"/>
-                <a:sym typeface="+mn-ea"/>
-              </a:endParaRPr>
             </a:p>
           </p:txBody>
         </p:sp>
@@ -16249,13 +17401,6 @@
                 </a:rPr>
                 <a:t>配置环境变量</a:t>
               </a:r>
-              <a:endParaRPr lang="zh-CN" altLang="zh-CN" sz="2000" b="1" dirty="0">
-                <a:solidFill>
-                  <a:srgbClr val="5B9BD5"/>
-                </a:solidFill>
-                <a:latin typeface="思源黑体 CN Bold" panose="020B0800000000000000" pitchFamily="34" charset="-122"/>
-                <a:ea typeface="思源黑体 CN Bold" panose="020B0800000000000000" pitchFamily="34" charset="-122"/>
-              </a:endParaRPr>
             </a:p>
           </p:txBody>
         </p:sp>
@@ -16267,7 +17412,7 @@
           <p:nvPr/>
         </p:nvGrpSpPr>
         <p:grpSpPr>
-          <a:xfrm rot="0">
+          <a:xfrm>
             <a:off x="468630" y="1545591"/>
             <a:ext cx="11313159" cy="2331085"/>
             <a:chOff x="1540337" y="2949747"/>
@@ -16339,13 +17484,6 @@
                 </a:rPr>
                 <a:t>：https://flutter.dev/sdk-archive/#windows</a:t>
               </a:r>
-              <a:endParaRPr lang="zh-CN" altLang="en-US" sz="1600" dirty="0">
-                <a:solidFill>
-                  <a:srgbClr val="92BDE3"/>
-                </a:solidFill>
-                <a:latin typeface="思源黑体 CN Bold" panose="020B0800000000000000" pitchFamily="34" charset="-122"/>
-                <a:ea typeface="思源黑体 CN Bold" panose="020B0800000000000000" pitchFamily="34" charset="-122"/>
-              </a:endParaRPr>
             </a:p>
             <a:p>
               <a:pPr marL="285750" indent="-285750">
@@ -16368,13 +17506,6 @@
                 </a:rPr>
                 <a:t>将安装包zip解压到你想安装Flutter SDK的路径。</a:t>
               </a:r>
-              <a:endParaRPr lang="zh-CN" altLang="en-US" sz="1600" dirty="0">
-                <a:solidFill>
-                  <a:srgbClr val="92BDE3"/>
-                </a:solidFill>
-                <a:latin typeface="思源黑体 CN Bold" panose="020B0800000000000000" pitchFamily="34" charset="-122"/>
-                <a:ea typeface="思源黑体 CN Bold" panose="020B0800000000000000" pitchFamily="34" charset="-122"/>
-              </a:endParaRPr>
             </a:p>
             <a:p>
               <a:pPr marL="285750" indent="-285750">
@@ -16397,13 +17528,6 @@
                 </a:rPr>
                 <a:t>可以在Flutter安装目录的flutter文件下找到flutter_console.bat，双击运行并启动flutter命令行。</a:t>
               </a:r>
-              <a:endParaRPr lang="zh-CN" altLang="en-US" sz="1600" dirty="0">
-                <a:solidFill>
-                  <a:srgbClr val="92BDE3"/>
-                </a:solidFill>
-                <a:latin typeface="思源黑体 CN Bold" panose="020B0800000000000000" pitchFamily="34" charset="-122"/>
-                <a:ea typeface="思源黑体 CN Bold" panose="020B0800000000000000" pitchFamily="34" charset="-122"/>
-              </a:endParaRPr>
             </a:p>
             <a:p>
               <a:pPr marL="285750" indent="-285750">
@@ -16569,13 +17693,6 @@
                 </a:rPr>
                 <a:t>获取Flutter SDK</a:t>
               </a:r>
-              <a:endParaRPr lang="en-US" altLang="zh-CN" sz="2400" b="1" dirty="0">
-                <a:solidFill>
-                  <a:srgbClr val="5B9BD5"/>
-                </a:solidFill>
-                <a:latin typeface="思源黑体 CN Bold" panose="020B0800000000000000" pitchFamily="34" charset="-122"/>
-                <a:ea typeface="思源黑体 CN Bold" panose="020B0800000000000000" pitchFamily="34" charset="-122"/>
-              </a:endParaRPr>
             </a:p>
           </p:txBody>
         </p:sp>
@@ -16585,13 +17702,13 @@
   <p:clrMapOvr>
     <a:masterClrMapping/>
   </p:clrMapOvr>
-  <mc:AlternateContent xmlns:mc="http://schemas.openxmlformats.org/markup-compatibility/2006">
-    <mc:Choice xmlns:p14="http://schemas.microsoft.com/office/powerpoint/2010/main" Requires="p14">
+  <mc:AlternateContent xmlns:mc="http://schemas.openxmlformats.org/markup-compatibility/2006" xmlns:p14="http://schemas.microsoft.com/office/powerpoint/2010/main">
+    <mc:Choice Requires="p14">
       <p:transition spd="slow" p14:dur="1500">
         <p:split orient="vert"/>
       </p:transition>
     </mc:Choice>
-    <mc:Fallback>
+    <mc:Fallback xmlns="">
       <p:transition spd="slow">
         <p:split orient="vert"/>
       </p:transition>
@@ -16996,6 +18113,7 @@
           <a:bodyPr wrap="square" rtlCol="0">
             <a:spAutoFit/>
           </a:bodyPr>
+          <a:lstStyle/>
           <a:p>
             <a:pPr algn="ctr"/>
             <a:r>
@@ -17041,6 +18159,7 @@
           <a:bodyPr wrap="square" rtlCol="0">
             <a:spAutoFit/>
           </a:bodyPr>
+          <a:lstStyle/>
           <a:p>
             <a:pPr algn="ctr"/>
             <a:r>
@@ -17061,25 +18180,8 @@
                 <a:latin typeface="+mj-lt"/>
                 <a:cs typeface="+mj-lt"/>
               </a:rPr>
-              <a:t>F</a:t>
+              <a:t>Flutter</a:t>
             </a:r>
-            <a:r>
-              <a:rPr lang="en-US" altLang="zh-CN" sz="2000" dirty="0">
-                <a:solidFill>
-                  <a:srgbClr val="5B9BD5"/>
-                </a:solidFill>
-                <a:latin typeface="+mj-lt"/>
-                <a:cs typeface="+mj-lt"/>
-              </a:rPr>
-              <a:t>lutter</a:t>
-            </a:r>
-            <a:endParaRPr lang="en-US" altLang="zh-CN" sz="2000" dirty="0">
-              <a:solidFill>
-                <a:srgbClr val="5B9BD5"/>
-              </a:solidFill>
-              <a:latin typeface="+mj-lt"/>
-              <a:cs typeface="+mj-lt"/>
-            </a:endParaRPr>
           </a:p>
         </p:txBody>
       </p:sp>
@@ -17092,7 +18194,7 @@
           <p:nvPr/>
         </p:nvPicPr>
         <p:blipFill>
-          <a:blip r:embed="rId1"/>
+          <a:blip r:embed="rId3"/>
           <a:stretch>
             <a:fillRect/>
           </a:stretch>
@@ -17116,7 +18218,7 @@
           <p:nvPr/>
         </p:nvPicPr>
         <p:blipFill>
-          <a:blip r:embed="rId2"/>
+          <a:blip r:embed="rId4"/>
           <a:stretch>
             <a:fillRect/>
           </a:stretch>
@@ -17136,25 +18238,18 @@
   <p:clrMapOvr>
     <a:masterClrMapping/>
   </p:clrMapOvr>
-  <mc:AlternateContent xmlns:mc="http://schemas.openxmlformats.org/markup-compatibility/2006">
-    <mc:Choice xmlns:p14="http://schemas.microsoft.com/office/powerpoint/2010/main" Requires="p14">
+  <mc:AlternateContent xmlns:mc="http://schemas.openxmlformats.org/markup-compatibility/2006" xmlns:p14="http://schemas.microsoft.com/office/powerpoint/2010/main">
+    <mc:Choice Requires="p14">
       <p:transition spd="slow" p14:dur="1500">
         <p:split orient="vert"/>
       </p:transition>
     </mc:Choice>
-    <mc:Fallback>
+    <mc:Fallback xmlns="">
       <p:transition spd="slow">
         <p:split orient="vert"/>
       </p:transition>
     </mc:Fallback>
   </mc:AlternateContent>
-  <p:timing>
-    <p:tnLst>
-      <p:par>
-        <p:cTn id="1" dur="indefinite" restart="never" nodeType="tmRoot"/>
-      </p:par>
-    </p:tnLst>
-  </p:timing>
 </p:sld>
 </file>
 
@@ -17265,6 +18360,7 @@
           <a:bodyPr wrap="square" rtlCol="0">
             <a:spAutoFit/>
           </a:bodyPr>
+          <a:lstStyle/>
           <a:p>
             <a:pPr algn="ctr"/>
             <a:r>
@@ -17310,6 +18406,7 @@
           <a:bodyPr wrap="square" rtlCol="0">
             <a:spAutoFit/>
           </a:bodyPr>
+          <a:lstStyle/>
           <a:p>
             <a:pPr algn="ctr"/>
             <a:r>
@@ -17330,25 +18427,8 @@
                 <a:latin typeface="+mj-lt"/>
                 <a:cs typeface="+mj-lt"/>
               </a:rPr>
-              <a:t>F</a:t>
+              <a:t>Flutter</a:t>
             </a:r>
-            <a:r>
-              <a:rPr lang="en-US" altLang="zh-CN" sz="2000" dirty="0">
-                <a:solidFill>
-                  <a:srgbClr val="5B9BD5"/>
-                </a:solidFill>
-                <a:latin typeface="+mj-lt"/>
-                <a:cs typeface="+mj-lt"/>
-              </a:rPr>
-              <a:t>lutter</a:t>
-            </a:r>
-            <a:endParaRPr lang="en-US" altLang="zh-CN" sz="2000" dirty="0">
-              <a:solidFill>
-                <a:srgbClr val="5B9BD5"/>
-              </a:solidFill>
-              <a:latin typeface="+mj-lt"/>
-              <a:cs typeface="+mj-lt"/>
-            </a:endParaRPr>
           </a:p>
         </p:txBody>
       </p:sp>
@@ -17359,7 +18439,7 @@
           <p:nvPr/>
         </p:nvGrpSpPr>
         <p:grpSpPr>
-          <a:xfrm rot="0">
+          <a:xfrm>
             <a:off x="467995" y="1584328"/>
             <a:ext cx="11313796" cy="3773166"/>
             <a:chOff x="1544459" y="3028973"/>
@@ -17419,13 +18499,6 @@
                 </a:rPr>
                 <a:t>第一次运行一个flutter命令（如flutter doctor）时，它会下载它自己的依赖项并自行编译。以后再运行就会快得多。</a:t>
               </a:r>
-              <a:endParaRPr sz="1600" dirty="0">
-                <a:solidFill>
-                  <a:srgbClr val="92BDE3"/>
-                </a:solidFill>
-                <a:latin typeface="思源黑体 CN Bold" panose="020B0800000000000000" pitchFamily="34" charset="-122"/>
-                <a:ea typeface="思源黑体 CN Bold" panose="020B0800000000000000" pitchFamily="34" charset="-122"/>
-              </a:endParaRPr>
             </a:p>
           </p:txBody>
         </p:sp>
@@ -17551,13 +18624,6 @@
                 </a:rPr>
                 <a:t>运行 flutter doctor</a:t>
               </a:r>
-              <a:endParaRPr lang="en-US" altLang="zh-CN" sz="2400" b="1" dirty="0">
-                <a:solidFill>
-                  <a:srgbClr val="5B9BD5"/>
-                </a:solidFill>
-                <a:latin typeface="思源黑体 CN Bold" panose="020B0800000000000000" pitchFamily="34" charset="-122"/>
-                <a:ea typeface="思源黑体 CN Bold" panose="020B0800000000000000" pitchFamily="34" charset="-122"/>
-              </a:endParaRPr>
             </a:p>
           </p:txBody>
         </p:sp>
@@ -17603,6 +18669,7 @@
         </p:style>
         <p:txBody>
           <a:bodyPr rtlCol="0" anchor="ctr"/>
+          <a:lstStyle/>
           <a:p>
             <a:pPr algn="ctr"/>
             <a:endParaRPr lang="zh-CN" altLang="en-US">
@@ -17631,12 +18698,12 @@
           <a:bodyPr wrap="square" rtlCol="0">
             <a:spAutoFit/>
           </a:bodyPr>
+          <a:lstStyle/>
           <a:p>
             <a:r>
               <a:rPr lang="en-US" altLang="zh-CN"/>
               <a:t>flutter doctor</a:t>
             </a:r>
-            <a:endParaRPr lang="en-US" altLang="zh-CN"/>
           </a:p>
         </p:txBody>
       </p:sp>
@@ -17673,6 +18740,7 @@
           <a:bodyPr wrap="square" lIns="86698" tIns="43349" rIns="86698" bIns="43349" anchor="t" anchorCtr="0">
             <a:noAutofit/>
           </a:bodyPr>
+          <a:lstStyle/>
           <a:p>
             <a:pPr>
               <a:lnSpc>
@@ -17692,13 +18760,6 @@
               </a:rPr>
               <a:t>打开一个新的命令提示符或PowerShell窗口并运行以下命令以查看是否需要安装任何依赖项来完成安装：</a:t>
             </a:r>
-            <a:endParaRPr sz="1600" dirty="0">
-              <a:solidFill>
-                <a:srgbClr val="92BDE3"/>
-              </a:solidFill>
-              <a:latin typeface="思源黑体 CN Bold" panose="020B0800000000000000" pitchFamily="34" charset="-122"/>
-              <a:ea typeface="思源黑体 CN Bold" panose="020B0800000000000000" pitchFamily="34" charset="-122"/>
-            </a:endParaRPr>
           </a:p>
         </p:txBody>
       </p:sp>
@@ -17711,7 +18772,7 @@
           <p:nvPr/>
         </p:nvPicPr>
         <p:blipFill>
-          <a:blip r:embed="rId1"/>
+          <a:blip r:embed="rId3"/>
           <a:stretch>
             <a:fillRect/>
           </a:stretch>
@@ -17759,6 +18820,7 @@
           <a:bodyPr wrap="square" lIns="86698" tIns="43349" rIns="86698" bIns="43349" anchor="t" anchorCtr="0">
             <a:noAutofit/>
           </a:bodyPr>
+          <a:lstStyle/>
           <a:p>
             <a:pPr>
               <a:lnSpc>
@@ -17818,13 +18880,6 @@
               </a:rPr>
               <a:t>、有没有安装Flutter和Dart插件以及有没有连接调试工具（手机或者模拟器），所以我们可以通过运行flutter doctor命令来验证是否已经正确地设置。</a:t>
             </a:r>
-            <a:endParaRPr lang="zh-CN" altLang="en-US" sz="1600" dirty="0">
-              <a:solidFill>
-                <a:srgbClr val="92BDE3"/>
-              </a:solidFill>
-              <a:latin typeface="思源黑体 CN Bold" panose="020B0800000000000000" pitchFamily="34" charset="-122"/>
-              <a:ea typeface="思源黑体 CN Bold" panose="020B0800000000000000" pitchFamily="34" charset="-122"/>
-            </a:endParaRPr>
           </a:p>
         </p:txBody>
       </p:sp>
@@ -17837,7 +18892,7 @@
           <p:nvPr/>
         </p:nvPicPr>
         <p:blipFill>
-          <a:blip r:embed="rId2"/>
+          <a:blip r:embed="rId4"/>
           <a:stretch>
             <a:fillRect/>
           </a:stretch>
@@ -17857,13 +18912,13 @@
   <p:clrMapOvr>
     <a:masterClrMapping/>
   </p:clrMapOvr>
-  <mc:AlternateContent xmlns:mc="http://schemas.openxmlformats.org/markup-compatibility/2006">
-    <mc:Choice xmlns:p14="http://schemas.microsoft.com/office/powerpoint/2010/main" Requires="p14">
+  <mc:AlternateContent xmlns:mc="http://schemas.openxmlformats.org/markup-compatibility/2006" xmlns:p14="http://schemas.microsoft.com/office/powerpoint/2010/main">
+    <mc:Choice Requires="p14">
       <p:transition spd="slow" p14:dur="1500">
         <p:split orient="vert"/>
       </p:transition>
     </mc:Choice>
-    <mc:Fallback>
+    <mc:Fallback xmlns="">
       <p:transition spd="slow">
         <p:split orient="vert"/>
       </p:transition>
@@ -18100,6 +19155,7 @@
           <a:bodyPr wrap="square" rtlCol="0">
             <a:spAutoFit/>
           </a:bodyPr>
+          <a:lstStyle/>
           <a:p>
             <a:pPr algn="ctr"/>
             <a:r>
@@ -18145,6 +19201,7 @@
           <a:bodyPr wrap="square" rtlCol="0">
             <a:spAutoFit/>
           </a:bodyPr>
+          <a:lstStyle/>
           <a:p>
             <a:pPr algn="ctr"/>
             <a:r>
@@ -18167,13 +19224,6 @@
               </a:rPr>
               <a:t>Android Studio</a:t>
             </a:r>
-            <a:endParaRPr lang="en-US" altLang="zh-CN" sz="2000" dirty="0">
-              <a:solidFill>
-                <a:srgbClr val="5B9BD5"/>
-              </a:solidFill>
-              <a:latin typeface="+mj-lt"/>
-              <a:cs typeface="+mj-lt"/>
-            </a:endParaRPr>
           </a:p>
         </p:txBody>
       </p:sp>
@@ -18184,7 +19234,7 @@
           <p:nvPr/>
         </p:nvGrpSpPr>
         <p:grpSpPr>
-          <a:xfrm rot="0">
+          <a:xfrm>
             <a:off x="468630" y="1465580"/>
             <a:ext cx="11313159" cy="2331720"/>
             <a:chOff x="1540337" y="3050783"/>
@@ -18246,13 +19296,6 @@
                 </a:rPr>
                 <a:t>Flutter需要安装和配置Android Studio: https://developer.android.com/studio</a:t>
               </a:r>
-              <a:endParaRPr sz="1600" dirty="0">
-                <a:solidFill>
-                  <a:srgbClr val="92BDE3"/>
-                </a:solidFill>
-                <a:latin typeface="思源黑体 CN Bold" panose="020B0800000000000000" pitchFamily="34" charset="-122"/>
-                <a:ea typeface="思源黑体 CN Bold" panose="020B0800000000000000" pitchFamily="34" charset="-122"/>
-              </a:endParaRPr>
             </a:p>
             <a:p>
               <a:pPr marL="285750" indent="-285750">
@@ -18433,18 +19476,7 @@
                   <a:ea typeface="思源黑体 CN Bold" panose="020B0800000000000000" pitchFamily="34" charset="-122"/>
                   <a:sym typeface="+mn-ea"/>
                 </a:rPr>
-                <a:t>插件</a:t>
-              </a:r>
-              <a:r>
-                <a:rPr lang="zh-CN" altLang="en-US" sz="1600" dirty="0">
-                  <a:solidFill>
-                    <a:srgbClr val="92BDE3"/>
-                  </a:solidFill>
-                  <a:latin typeface="思源黑体 CN Bold" panose="020B0800000000000000" pitchFamily="34" charset="-122"/>
-                  <a:ea typeface="思源黑体 CN Bold" panose="020B0800000000000000" pitchFamily="34" charset="-122"/>
-                  <a:sym typeface="+mn-ea"/>
-                </a:rPr>
-                <a:t>   </a:t>
+                <a:t>插件   </a:t>
               </a:r>
               <a:endParaRPr lang="en-US" altLang="zh-CN" sz="1600" dirty="0">
                 <a:solidFill>
@@ -18496,13 +19528,6 @@
                 </a:rPr>
                 <a:t>项目了。</a:t>
               </a:r>
-              <a:endParaRPr lang="zh-CN" altLang="en-US" sz="1600" dirty="0">
-                <a:solidFill>
-                  <a:srgbClr val="92BDE3"/>
-                </a:solidFill>
-                <a:latin typeface="思源黑体 CN Bold" panose="020B0800000000000000" pitchFamily="34" charset="-122"/>
-                <a:ea typeface="思源黑体 CN Bold" panose="020B0800000000000000" pitchFamily="34" charset="-122"/>
-              </a:endParaRPr>
             </a:p>
           </p:txBody>
         </p:sp>
@@ -18628,13 +19653,6 @@
                 </a:rPr>
                 <a:t>Android开发Flutter应用</a:t>
               </a:r>
-              <a:endParaRPr lang="en-US" altLang="zh-CN" sz="2400" b="1" dirty="0">
-                <a:solidFill>
-                  <a:srgbClr val="5B9BD5"/>
-                </a:solidFill>
-                <a:latin typeface="思源黑体 CN Bold" panose="020B0800000000000000" pitchFamily="34" charset="-122"/>
-                <a:ea typeface="思源黑体 CN Bold" panose="020B0800000000000000" pitchFamily="34" charset="-122"/>
-              </a:endParaRPr>
             </a:p>
           </p:txBody>
         </p:sp>
@@ -18648,7 +19666,7 @@
           <p:nvPr/>
         </p:nvPicPr>
         <p:blipFill>
-          <a:blip r:embed="rId1"/>
+          <a:blip r:embed="rId3"/>
           <a:stretch>
             <a:fillRect/>
           </a:stretch>
@@ -18671,13 +19689,13 @@
   <p:clrMapOvr>
     <a:masterClrMapping/>
   </p:clrMapOvr>
-  <mc:AlternateContent xmlns:mc="http://schemas.openxmlformats.org/markup-compatibility/2006">
-    <mc:Choice xmlns:p14="http://schemas.microsoft.com/office/powerpoint/2010/main" Requires="p14">
+  <mc:AlternateContent xmlns:mc="http://schemas.openxmlformats.org/markup-compatibility/2006" xmlns:p14="http://schemas.microsoft.com/office/powerpoint/2010/main">
+    <mc:Choice Requires="p14">
       <p:transition spd="slow" p14:dur="1500">
         <p:split orient="vert"/>
       </p:transition>
     </mc:Choice>
-    <mc:Fallback>
+    <mc:Fallback xmlns="">
       <p:transition spd="slow">
         <p:split orient="vert"/>
       </p:transition>
@@ -19010,7 +20028,7 @@
           <p:nvPr/>
         </p:nvPicPr>
         <p:blipFill>
-          <a:blip r:embed="rId1"/>
+          <a:blip r:embed="rId3"/>
           <a:stretch>
             <a:fillRect/>
           </a:stretch>
@@ -19115,6 +20133,7 @@
           <a:bodyPr wrap="square" rtlCol="0">
             <a:spAutoFit/>
           </a:bodyPr>
+          <a:lstStyle/>
           <a:p>
             <a:pPr algn="ctr"/>
             <a:r>
@@ -19160,6 +20179,7 @@
           <a:bodyPr wrap="square" rtlCol="0">
             <a:spAutoFit/>
           </a:bodyPr>
+          <a:lstStyle/>
           <a:p>
             <a:pPr algn="ctr"/>
             <a:r>
@@ -19192,13 +20212,6 @@
               </a:rPr>
               <a:t>项目</a:t>
             </a:r>
-            <a:endParaRPr lang="zh-CN" altLang="en-US" sz="2000" dirty="0">
-              <a:solidFill>
-                <a:srgbClr val="5B9BD5"/>
-              </a:solidFill>
-              <a:latin typeface="+mj-lt"/>
-              <a:cs typeface="+mj-lt"/>
-            </a:endParaRPr>
           </a:p>
         </p:txBody>
       </p:sp>
@@ -19209,7 +20222,7 @@
           <p:nvPr/>
         </p:nvGrpSpPr>
         <p:grpSpPr>
-          <a:xfrm rot="0">
+          <a:xfrm>
             <a:off x="468630" y="1466851"/>
             <a:ext cx="11372216" cy="4311015"/>
             <a:chOff x="1540337" y="2978165"/>
@@ -19311,13 +20324,6 @@
                 </a:rPr>
                 <a:t>项目。</a:t>
               </a:r>
-              <a:endParaRPr lang="zh-CN" altLang="en-US" sz="1600" dirty="0">
-                <a:solidFill>
-                  <a:srgbClr val="92BDE3"/>
-                </a:solidFill>
-                <a:latin typeface="思源黑体 CN Bold" panose="020B0800000000000000" pitchFamily="34" charset="-122"/>
-                <a:ea typeface="思源黑体 CN Bold" panose="020B0800000000000000" pitchFamily="34" charset="-122"/>
-              </a:endParaRPr>
             </a:p>
             <a:p>
               <a:pPr marL="285750" indent="-285750">
@@ -19340,13 +20346,6 @@
                 </a:rPr>
                 <a:t>选择下一步，</a:t>
               </a:r>
-              <a:endParaRPr lang="zh-CN" altLang="en-US" sz="1600" dirty="0">
-                <a:solidFill>
-                  <a:srgbClr val="92BDE3"/>
-                </a:solidFill>
-                <a:latin typeface="思源黑体 CN Bold" panose="020B0800000000000000" pitchFamily="34" charset="-122"/>
-                <a:ea typeface="思源黑体 CN Bold" panose="020B0800000000000000" pitchFamily="34" charset="-122"/>
-              </a:endParaRPr>
             </a:p>
             <a:p>
               <a:pPr marL="285750" indent="-285750">
@@ -19389,13 +20388,6 @@
                 </a:rPr>
                 <a:t>的安装路径，以及</a:t>
               </a:r>
-              <a:endParaRPr lang="zh-CN" altLang="en-US" sz="1600" dirty="0">
-                <a:solidFill>
-                  <a:srgbClr val="92BDE3"/>
-                </a:solidFill>
-                <a:latin typeface="思源黑体 CN Bold" panose="020B0800000000000000" pitchFamily="34" charset="-122"/>
-                <a:ea typeface="思源黑体 CN Bold" panose="020B0800000000000000" pitchFamily="34" charset="-122"/>
-              </a:endParaRPr>
             </a:p>
             <a:p>
               <a:pPr indent="0">
@@ -19418,13 +20410,6 @@
                 </a:rPr>
                 <a:t>   项目路径。</a:t>
               </a:r>
-              <a:endParaRPr lang="zh-CN" altLang="en-US" sz="1600" dirty="0">
-                <a:solidFill>
-                  <a:srgbClr val="92BDE3"/>
-                </a:solidFill>
-                <a:latin typeface="思源黑体 CN Bold" panose="020B0800000000000000" pitchFamily="34" charset="-122"/>
-                <a:ea typeface="思源黑体 CN Bold" panose="020B0800000000000000" pitchFamily="34" charset="-122"/>
-              </a:endParaRPr>
             </a:p>
             <a:p>
               <a:pPr marL="285750" indent="-285750">
@@ -19447,13 +20432,6 @@
                 </a:rPr>
                 <a:t>再选择下一步，完成之后就成功创建项目。</a:t>
               </a:r>
-              <a:endParaRPr lang="zh-CN" altLang="en-US" sz="1600" dirty="0">
-                <a:solidFill>
-                  <a:srgbClr val="92BDE3"/>
-                </a:solidFill>
-                <a:latin typeface="思源黑体 CN Bold" panose="020B0800000000000000" pitchFamily="34" charset="-122"/>
-                <a:ea typeface="思源黑体 CN Bold" panose="020B0800000000000000" pitchFamily="34" charset="-122"/>
-              </a:endParaRPr>
             </a:p>
             <a:p>
               <a:pPr marL="285750" indent="-285750">
@@ -19636,13 +20614,6 @@
                 </a:rPr>
                 <a:t>创建项目</a:t>
               </a:r>
-              <a:endParaRPr lang="zh-CN" altLang="en-US" sz="2400" b="1" dirty="0">
-                <a:solidFill>
-                  <a:srgbClr val="5B9BD5"/>
-                </a:solidFill>
-                <a:latin typeface="思源黑体 CN Bold" panose="020B0800000000000000" pitchFamily="34" charset="-122"/>
-                <a:ea typeface="思源黑体 CN Bold" panose="020B0800000000000000" pitchFamily="34" charset="-122"/>
-              </a:endParaRPr>
             </a:p>
           </p:txBody>
         </p:sp>
@@ -19656,7 +20627,7 @@
           <p:nvPr/>
         </p:nvPicPr>
         <p:blipFill>
-          <a:blip r:embed="rId2"/>
+          <a:blip r:embed="rId4"/>
           <a:stretch>
             <a:fillRect/>
           </a:stretch>
@@ -19680,7 +20651,7 @@
           <p:nvPr/>
         </p:nvPicPr>
         <p:blipFill>
-          <a:blip r:embed="rId3"/>
+          <a:blip r:embed="rId5"/>
           <a:stretch>
             <a:fillRect/>
           </a:stretch>
@@ -19704,7 +20675,7 @@
           <p:nvPr/>
         </p:nvPicPr>
         <p:blipFill>
-          <a:blip r:embed="rId4"/>
+          <a:blip r:embed="rId6"/>
           <a:stretch>
             <a:fillRect/>
           </a:stretch>
@@ -19724,13 +20695,13 @@
   <p:clrMapOvr>
     <a:masterClrMapping/>
   </p:clrMapOvr>
-  <mc:AlternateContent xmlns:mc="http://schemas.openxmlformats.org/markup-compatibility/2006">
-    <mc:Choice xmlns:p14="http://schemas.microsoft.com/office/powerpoint/2010/main" Requires="p14">
+  <mc:AlternateContent xmlns:mc="http://schemas.openxmlformats.org/markup-compatibility/2006" xmlns:p14="http://schemas.microsoft.com/office/powerpoint/2010/main">
+    <mc:Choice Requires="p14">
       <p:transition spd="slow" p14:dur="1500">
         <p:split orient="vert"/>
       </p:transition>
     </mc:Choice>
-    <mc:Fallback>
+    <mc:Fallback xmlns="">
       <p:transition spd="slow">
         <p:split orient="vert"/>
       </p:transition>
@@ -20549,6 +21520,7 @@
           <a:bodyPr wrap="square" rtlCol="0">
             <a:spAutoFit/>
           </a:bodyPr>
+          <a:lstStyle/>
           <a:p>
             <a:pPr algn="ctr"/>
             <a:r>
@@ -20594,6 +21566,7 @@
           <a:bodyPr wrap="square" rtlCol="0">
             <a:spAutoFit/>
           </a:bodyPr>
+          <a:lstStyle/>
           <a:p>
             <a:pPr algn="ctr"/>
             <a:r>
@@ -20606,13 +21579,6 @@
               </a:rPr>
               <a:t>介绍Widget</a:t>
             </a:r>
-            <a:endParaRPr sz="2000" dirty="0">
-              <a:solidFill>
-                <a:srgbClr val="5B9BD5"/>
-              </a:solidFill>
-              <a:latin typeface="+mj-lt"/>
-              <a:cs typeface="+mj-lt"/>
-            </a:endParaRPr>
           </a:p>
         </p:txBody>
       </p:sp>
@@ -20679,7 +21645,7 @@
           <p:nvPr/>
         </p:nvGrpSpPr>
         <p:grpSpPr>
-          <a:xfrm rot="0">
+          <a:xfrm>
             <a:off x="502920" y="1367790"/>
             <a:ext cx="11313160" cy="2574925"/>
             <a:chOff x="1540337" y="3051189"/>
@@ -20781,13 +21747,6 @@
                 </a:rPr>
                 <a:t>。例如大小、背景、margin、文字、图标 等等原本只需要一个参数设置的东西对应到    </a:t>
               </a:r>
-              <a:endParaRPr lang="zh-CN" altLang="en-US" sz="1600" dirty="0">
-                <a:solidFill>
-                  <a:srgbClr val="92BDE3"/>
-                </a:solidFill>
-                <a:latin typeface="思源黑体 CN Bold" panose="020B0800000000000000" pitchFamily="34" charset="-122"/>
-                <a:ea typeface="思源黑体 CN Bold" panose="020B0800000000000000" pitchFamily="34" charset="-122"/>
-              </a:endParaRPr>
             </a:p>
             <a:p>
               <a:pPr indent="0">
@@ -20810,13 +21769,6 @@
                 </a:rPr>
                 <a:t>   Flutter中都映射成了 widget。</a:t>
               </a:r>
-              <a:endParaRPr lang="zh-CN" altLang="en-US" sz="1600" dirty="0">
-                <a:solidFill>
-                  <a:srgbClr val="92BDE3"/>
-                </a:solidFill>
-                <a:latin typeface="思源黑体 CN Bold" panose="020B0800000000000000" pitchFamily="34" charset="-122"/>
-                <a:ea typeface="思源黑体 CN Bold" panose="020B0800000000000000" pitchFamily="34" charset="-122"/>
-              </a:endParaRPr>
             </a:p>
             <a:p>
               <a:pPr marL="285750" indent="-285750">
@@ -20839,13 +21791,6 @@
                 </a:rPr>
                 <a:t>Widget 总体上分为两种：无状态的StatelessWidget 和 有状态的StatefulWidget。</a:t>
               </a:r>
-              <a:endParaRPr lang="zh-CN" altLang="en-US" sz="1600" dirty="0">
-                <a:solidFill>
-                  <a:srgbClr val="92BDE3"/>
-                </a:solidFill>
-                <a:latin typeface="思源黑体 CN Bold" panose="020B0800000000000000" pitchFamily="34" charset="-122"/>
-                <a:ea typeface="思源黑体 CN Bold" panose="020B0800000000000000" pitchFamily="34" charset="-122"/>
-              </a:endParaRPr>
             </a:p>
             <a:p>
               <a:pPr marL="742950" lvl="1" indent="-285750">
@@ -20868,13 +21813,6 @@
                 </a:rPr>
                 <a:t>StatelessWidget 表示不可变的 widget，例如一些固定的标题、Icon 等等，特征是不会在运行时发生变化。</a:t>
               </a:r>
-              <a:endParaRPr lang="zh-CN" altLang="en-US" sz="1600" dirty="0">
-                <a:solidFill>
-                  <a:srgbClr val="92BDE3"/>
-                </a:solidFill>
-                <a:latin typeface="思源黑体 CN Bold" panose="020B0800000000000000" pitchFamily="34" charset="-122"/>
-                <a:ea typeface="思源黑体 CN Bold" panose="020B0800000000000000" pitchFamily="34" charset="-122"/>
-              </a:endParaRPr>
             </a:p>
             <a:p>
               <a:pPr marL="742950" lvl="1" indent="-285750">
@@ -20895,15 +21833,28 @@
                   <a:latin typeface="思源黑体 CN Bold" panose="020B0800000000000000" pitchFamily="34" charset="-122"/>
                   <a:ea typeface="思源黑体 CN Bold" panose="020B0800000000000000" pitchFamily="34" charset="-122"/>
                 </a:rPr>
-                <a:t>StatefulWidget 相反，其属性可以会在运行时发生动态变化</a:t>
+                <a:t>StatefulWidget 相反，其属性可以会在运行</a:t>
               </a:r>
-              <a:endParaRPr lang="zh-CN" altLang="en-US" sz="1600" dirty="0">
-                <a:solidFill>
-                  <a:srgbClr val="92BDE3"/>
-                </a:solidFill>
-                <a:latin typeface="思源黑体 CN Bold" panose="020B0800000000000000" pitchFamily="34" charset="-122"/>
-                <a:ea typeface="思源黑体 CN Bold" panose="020B0800000000000000" pitchFamily="34" charset="-122"/>
-              </a:endParaRPr>
+              <a:r>
+                <a:rPr lang="en-US" altLang="zh-CN" sz="1600" dirty="0">
+                  <a:solidFill>
+                    <a:srgbClr val="92BDE3"/>
+                  </a:solidFill>
+                  <a:latin typeface="思源黑体 CN Bold" panose="020B0800000000000000" pitchFamily="34" charset="-122"/>
+                  <a:ea typeface="思源黑体 CN Bold" panose="020B0800000000000000" pitchFamily="34" charset="-122"/>
+                </a:rPr>
+                <a:t>widget</a:t>
+              </a:r>
+              <a:r>
+                <a:rPr lang="zh-CN" altLang="en-US" sz="1600" dirty="0">
+                  <a:solidFill>
+                    <a:srgbClr val="92BDE3"/>
+                  </a:solidFill>
+                  <a:latin typeface="思源黑体 CN Bold" panose="020B0800000000000000" pitchFamily="34" charset="-122"/>
+                  <a:ea typeface="思源黑体 CN Bold" panose="020B0800000000000000" pitchFamily="34" charset="-122"/>
+                </a:rPr>
+                <a:t>的生命周期发生动态变化。</a:t>
+              </a:r>
             </a:p>
           </p:txBody>
         </p:sp>
@@ -21050,7 +22001,7 @@
           <p:nvPr/>
         </p:nvPicPr>
         <p:blipFill>
-          <a:blip r:embed="rId1"/>
+          <a:blip r:embed="rId3"/>
           <a:stretch>
             <a:fillRect/>
           </a:stretch>
@@ -21098,6 +22049,7 @@
           <a:bodyPr wrap="square" lIns="86698" tIns="43349" rIns="86698" bIns="43349" anchor="t" anchorCtr="0">
             <a:noAutofit/>
           </a:bodyPr>
+          <a:lstStyle/>
           <a:p>
             <a:pPr indent="0">
               <a:lnSpc>
@@ -21120,14 +22072,6 @@
               </a:rPr>
               <a:t>Flutter中文网：</a:t>
             </a:r>
-            <a:endParaRPr lang="zh-CN" altLang="en-US" sz="1600" b="1" dirty="0">
-              <a:solidFill>
-                <a:srgbClr val="5B9BD5"/>
-              </a:solidFill>
-              <a:latin typeface="微软雅黑" panose="020B0503020204020204" charset="-122"/>
-              <a:ea typeface="微软雅黑" panose="020B0503020204020204" charset="-122"/>
-              <a:sym typeface="+mn-ea"/>
-            </a:endParaRPr>
           </a:p>
         </p:txBody>
       </p:sp>
@@ -21136,13 +22080,13 @@
   <p:clrMapOvr>
     <a:masterClrMapping/>
   </p:clrMapOvr>
-  <mc:AlternateContent xmlns:mc="http://schemas.openxmlformats.org/markup-compatibility/2006">
-    <mc:Choice xmlns:p14="http://schemas.microsoft.com/office/powerpoint/2010/main" Requires="p14">
+  <mc:AlternateContent xmlns:mc="http://schemas.openxmlformats.org/markup-compatibility/2006" xmlns:p14="http://schemas.microsoft.com/office/powerpoint/2010/main">
+    <mc:Choice Requires="p14">
       <p:transition spd="slow" p14:dur="1500">
         <p:split orient="vert"/>
       </p:transition>
     </mc:Choice>
-    <mc:Fallback>
+    <mc:Fallback xmlns="">
       <p:transition spd="slow">
         <p:split orient="vert"/>
       </p:transition>
@@ -21477,20 +22421,6 @@
 </p:sld>
 </file>
 
-<file path=ppt/tags/tag1.xml><?xml version="1.0" encoding="utf-8"?>
-<p:tagLst xmlns:p="http://schemas.openxmlformats.org/presentationml/2006/main">
-  <p:tag name="KSO_WM_MEDIACOVER_FLAG" val="1"/>
-  <p:tag name="KSO_WM_UNIT_MEDIACOVER_BTN_STATE" val="1"/>
-  <p:tag name="KSO_WM_UNIT_MEDIACOVER_BTNRECT" val="2659*4818*723*723"/>
-  <p:tag name="KSO_WM_UNIT_MEDIACOVER_STYLEID" val="1"/>
-  <p:tag name="KSO_WM_UNIT_MEDIACOVER_TEXTSTATE" val="0"/>
-  <p:tag name="KSO_WM_UNIT_MEDIACOVER_BTN_POS" val="c"/>
-  <p:tag name="KSO_WM_UNIT_MEDIACOVER_BTN_STYLE" val="ee0bc779c1f3d7f3e90c96344320e69a"/>
-  <p:tag name="KSO_WM_UNIT_MEDIACOVER_RGB" val="000000"/>
-  <p:tag name="KSO_WM_UNIT_MEDIACOVER_TRANSPARENCY" val="0.5"/>
-</p:tagLst>
-</file>
-
 <file path=ppt/theme/theme1.xml><?xml version="1.0" encoding="utf-8"?>
 <a:theme xmlns:a="http://schemas.openxmlformats.org/drawingml/2006/main" name="Office 主题">
   <a:themeElements>
@@ -21742,6 +22672,8 @@
       </a:bgFillStyleLst>
     </a:fmtScheme>
   </a:themeElements>
+  <a:objectDefaults/>
+  <a:extraClrSchemeLst/>
   <a:extLst>
     <a:ext uri="{05A4C25C-085E-4340-85A3-A5531E510DB2}">
       <thm15:themeFamily xmlns:thm15="http://schemas.microsoft.com/office/thememl/2012/main" name="Office Theme" id="{62F939B6-93AF-4DB8-9C6B-D6C7DFDC589F}" vid="{4A3C46E8-61CC-4603-A589-7422A47A8E4A}"/>
@@ -22001,6 +22933,8 @@
       </a:bgFillStyleLst>
     </a:fmtScheme>
   </a:themeElements>
+  <a:objectDefaults/>
+  <a:extraClrSchemeLst/>
   <a:extLst>
     <a:ext uri="{05A4C25C-085E-4340-85A3-A5531E510DB2}">
       <thm15:themeFamily xmlns:thm15="http://schemas.microsoft.com/office/thememl/2012/main" name="Office Theme" id="{62F939B6-93AF-4DB8-9C6B-D6C7DFDC589F}" vid="{4A3C46E8-61CC-4603-A589-7422A47A8E4A}"/>
